--- a/ppt/typescript（三）.pptx
+++ b/ppt/typescript（三）.pptx
@@ -10,6 +10,9 @@
   <p:sldIdLst>
     <p:sldId id="256" r:id="rId8"/>
     <p:sldId id="257" r:id="rId9"/>
+    <p:sldId id="258" r:id="rId10"/>
+    <p:sldId id="259" r:id="rId11"/>
+    <p:sldId id="260" r:id="rId12"/>
   </p:sldIdLst>
   <p:sldSz cx="14401800" cy="10795000"/>
   <p:notesSz cx="6858000" cy="9144000"/>
@@ -64,10 +67,10 @@
         </a:solidFill>
         <a:effectLst/>
         <a:uFillTx/>
-        <a:latin typeface="+mj-lt"/>
-        <a:ea typeface="+mj-ea"/>
-        <a:cs typeface="+mj-cs"/>
-        <a:sym typeface="Helvetica"/>
+        <a:latin typeface="+mn-lt"/>
+        <a:ea typeface="+mn-ea"/>
+        <a:cs typeface="+mn-cs"/>
+        <a:sym typeface="Lucida Grande"/>
       </a:defRPr>
     </a:lvl1pPr>
     <a:lvl2pPr marL="0" marR="0" indent="0" algn="l" defTabSz="1440089" rtl="0" fontAlgn="auto" latinLnBrk="0" hangingPunct="0">
@@ -94,10 +97,10 @@
         </a:solidFill>
         <a:effectLst/>
         <a:uFillTx/>
-        <a:latin typeface="+mj-lt"/>
-        <a:ea typeface="+mj-ea"/>
-        <a:cs typeface="+mj-cs"/>
-        <a:sym typeface="Helvetica"/>
+        <a:latin typeface="+mn-lt"/>
+        <a:ea typeface="+mn-ea"/>
+        <a:cs typeface="+mn-cs"/>
+        <a:sym typeface="Lucida Grande"/>
       </a:defRPr>
     </a:lvl2pPr>
     <a:lvl3pPr marL="0" marR="0" indent="0" algn="l" defTabSz="1440089" rtl="0" fontAlgn="auto" latinLnBrk="0" hangingPunct="0">
@@ -124,10 +127,10 @@
         </a:solidFill>
         <a:effectLst/>
         <a:uFillTx/>
-        <a:latin typeface="+mj-lt"/>
-        <a:ea typeface="+mj-ea"/>
-        <a:cs typeface="+mj-cs"/>
-        <a:sym typeface="Helvetica"/>
+        <a:latin typeface="+mn-lt"/>
+        <a:ea typeface="+mn-ea"/>
+        <a:cs typeface="+mn-cs"/>
+        <a:sym typeface="Lucida Grande"/>
       </a:defRPr>
     </a:lvl3pPr>
     <a:lvl4pPr marL="0" marR="0" indent="0" algn="l" defTabSz="1440089" rtl="0" fontAlgn="auto" latinLnBrk="0" hangingPunct="0">
@@ -154,10 +157,10 @@
         </a:solidFill>
         <a:effectLst/>
         <a:uFillTx/>
-        <a:latin typeface="+mj-lt"/>
-        <a:ea typeface="+mj-ea"/>
-        <a:cs typeface="+mj-cs"/>
-        <a:sym typeface="Helvetica"/>
+        <a:latin typeface="+mn-lt"/>
+        <a:ea typeface="+mn-ea"/>
+        <a:cs typeface="+mn-cs"/>
+        <a:sym typeface="Lucida Grande"/>
       </a:defRPr>
     </a:lvl4pPr>
     <a:lvl5pPr marL="0" marR="0" indent="0" algn="l" defTabSz="1440089" rtl="0" fontAlgn="auto" latinLnBrk="0" hangingPunct="0">
@@ -184,10 +187,10 @@
         </a:solidFill>
         <a:effectLst/>
         <a:uFillTx/>
-        <a:latin typeface="+mj-lt"/>
-        <a:ea typeface="+mj-ea"/>
-        <a:cs typeface="+mj-cs"/>
-        <a:sym typeface="Helvetica"/>
+        <a:latin typeface="+mn-lt"/>
+        <a:ea typeface="+mn-ea"/>
+        <a:cs typeface="+mn-cs"/>
+        <a:sym typeface="Lucida Grande"/>
       </a:defRPr>
     </a:lvl5pPr>
     <a:lvl6pPr marL="0" marR="0" indent="0" algn="l" defTabSz="1440089" rtl="0" fontAlgn="auto" latinLnBrk="0" hangingPunct="0">
@@ -214,10 +217,10 @@
         </a:solidFill>
         <a:effectLst/>
         <a:uFillTx/>
-        <a:latin typeface="+mj-lt"/>
-        <a:ea typeface="+mj-ea"/>
-        <a:cs typeface="+mj-cs"/>
-        <a:sym typeface="Helvetica"/>
+        <a:latin typeface="+mn-lt"/>
+        <a:ea typeface="+mn-ea"/>
+        <a:cs typeface="+mn-cs"/>
+        <a:sym typeface="Lucida Grande"/>
       </a:defRPr>
     </a:lvl6pPr>
     <a:lvl7pPr marL="0" marR="0" indent="0" algn="l" defTabSz="1440089" rtl="0" fontAlgn="auto" latinLnBrk="0" hangingPunct="0">
@@ -244,10 +247,10 @@
         </a:solidFill>
         <a:effectLst/>
         <a:uFillTx/>
-        <a:latin typeface="+mj-lt"/>
-        <a:ea typeface="+mj-ea"/>
-        <a:cs typeface="+mj-cs"/>
-        <a:sym typeface="Helvetica"/>
+        <a:latin typeface="+mn-lt"/>
+        <a:ea typeface="+mn-ea"/>
+        <a:cs typeface="+mn-cs"/>
+        <a:sym typeface="Lucida Grande"/>
       </a:defRPr>
     </a:lvl7pPr>
     <a:lvl8pPr marL="0" marR="0" indent="0" algn="l" defTabSz="1440089" rtl="0" fontAlgn="auto" latinLnBrk="0" hangingPunct="0">
@@ -274,10 +277,10 @@
         </a:solidFill>
         <a:effectLst/>
         <a:uFillTx/>
-        <a:latin typeface="+mj-lt"/>
-        <a:ea typeface="+mj-ea"/>
-        <a:cs typeface="+mj-cs"/>
-        <a:sym typeface="Helvetica"/>
+        <a:latin typeface="+mn-lt"/>
+        <a:ea typeface="+mn-ea"/>
+        <a:cs typeface="+mn-cs"/>
+        <a:sym typeface="Lucida Grande"/>
       </a:defRPr>
     </a:lvl8pPr>
     <a:lvl9pPr marL="0" marR="0" indent="0" algn="l" defTabSz="1440089" rtl="0" fontAlgn="auto" latinLnBrk="0" hangingPunct="0">
@@ -304,10 +307,10 @@
         </a:solidFill>
         <a:effectLst/>
         <a:uFillTx/>
-        <a:latin typeface="+mj-lt"/>
-        <a:ea typeface="+mj-ea"/>
-        <a:cs typeface="+mj-cs"/>
-        <a:sym typeface="Helvetica"/>
+        <a:latin typeface="+mn-lt"/>
+        <a:ea typeface="+mn-ea"/>
+        <a:cs typeface="+mn-cs"/>
+        <a:sym typeface="Lucida Grande"/>
       </a:defRPr>
     </a:lvl9pPr>
   </p:defaultTextStyle>
@@ -1374,7 +1377,7 @@
         <p:spPr>
           <a:xfrm>
             <a:off x="1137641" y="6939846"/>
-            <a:ext cx="12241533" cy="2144963"/>
+            <a:ext cx="12241533" cy="2144964"/>
           </a:xfrm>
           <a:prstGeom prst="rect">
             <a:avLst/>
@@ -1841,7 +1844,7 @@
         <p:spPr>
           <a:xfrm>
             <a:off x="720082" y="2417446"/>
-            <a:ext cx="6363312" cy="1007487"/>
+            <a:ext cx="6363313" cy="1007487"/>
           </a:xfrm>
           <a:prstGeom prst="rect">
             <a:avLst/>
@@ -2256,7 +2259,7 @@
         <p:spPr>
           <a:xfrm>
             <a:off x="2822854" y="7559833"/>
-            <a:ext cx="8641082" cy="892491"/>
+            <a:ext cx="8641082" cy="892492"/>
           </a:xfrm>
           <a:prstGeom prst="rect">
             <a:avLst/>
@@ -2288,7 +2291,7 @@
         <p:spPr>
           <a:xfrm>
             <a:off x="2822854" y="8452315"/>
-            <a:ext cx="8641082" cy="1267481"/>
+            <a:ext cx="8641082" cy="1267482"/>
           </a:xfrm>
           <a:prstGeom prst="rect">
             <a:avLst/>
@@ -2544,7 +2547,7 @@
         </p:nvSpPr>
         <p:spPr>
           <a:xfrm>
-            <a:off x="13337812" y="10118205"/>
+            <a:off x="13337813" y="10118205"/>
             <a:ext cx="343899" cy="358137"/>
           </a:xfrm>
           <a:prstGeom prst="rect">
@@ -3544,14 +3547,14 @@
       </p:grpSpPr>
       <p:sp>
         <p:nvSpPr>
-          <p:cNvPr id="126" name="DeepReadonly(TypeScript 2. 8 简单过)"/>
+          <p:cNvPr id="126" name="模块导入"/>
           <p:cNvSpPr txBox="1"/>
           <p:nvPr/>
         </p:nvSpPr>
         <p:spPr>
           <a:xfrm>
-            <a:off x="4938067" y="2603500"/>
-            <a:ext cx="6349555" cy="609601"/>
+            <a:off x="4938067" y="3022599"/>
+            <a:ext cx="1894485" cy="609601"/>
           </a:xfrm>
           <a:prstGeom prst="rect">
             <a:avLst/>
@@ -3575,27 +3578,31 @@
                 <a:solidFill>
                   <a:srgbClr val="FFFFFF"/>
                 </a:solidFill>
+                <a:latin typeface="+mj-lt"/>
+                <a:ea typeface="+mj-ea"/>
+                <a:cs typeface="+mj-cs"/>
+                <a:sym typeface="Helvetica"/>
               </a:defRPr>
             </a:lvl1pPr>
           </a:lstStyle>
           <a:p>
             <a:pPr/>
             <a:r>
-              <a:t>DeepReadonly(TypeScript 2. 8 简单过)</a:t>
+              <a:t>模块导入</a:t>
             </a:r>
           </a:p>
         </p:txBody>
       </p:sp>
       <p:sp>
         <p:nvSpPr>
-          <p:cNvPr id="127" name="模块导入"/>
+          <p:cNvPr id="127" name="在 TypeScript下 写一个正确的组件"/>
           <p:cNvSpPr txBox="1"/>
           <p:nvPr/>
         </p:nvSpPr>
         <p:spPr>
           <a:xfrm>
-            <a:off x="4938067" y="3784600"/>
-            <a:ext cx="1894484" cy="609601"/>
+            <a:off x="4813448" y="5753100"/>
+            <a:ext cx="5706667" cy="609601"/>
           </a:xfrm>
           <a:prstGeom prst="rect">
             <a:avLst/>
@@ -3610,7 +3617,7 @@
           </a:extLst>
         </p:spPr>
         <p:txBody>
-          <a:bodyPr lIns="50800" tIns="50800" rIns="50800" bIns="50800" anchor="ctr">
+          <a:bodyPr wrap="none" lIns="50800" tIns="50800" rIns="50800" bIns="50800" anchor="ctr">
             <a:spAutoFit/>
           </a:bodyPr>
           <a:lstStyle>
@@ -3625,21 +3632,21 @@
           <a:p>
             <a:pPr/>
             <a:r>
-              <a:t>模块导入</a:t>
+              <a:t>在 TypeScript下 写一个正确的组件</a:t>
             </a:r>
           </a:p>
         </p:txBody>
       </p:sp>
       <p:sp>
         <p:nvSpPr>
-          <p:cNvPr id="128" name="组件封装（声明文件）"/>
+          <p:cNvPr id="128" name="Vue Prop 的验证那些事"/>
           <p:cNvSpPr txBox="1"/>
           <p:nvPr/>
         </p:nvSpPr>
         <p:spPr>
           <a:xfrm>
-            <a:off x="4938067" y="4749800"/>
-            <a:ext cx="4195466" cy="609601"/>
+            <a:off x="4907867" y="4387850"/>
+            <a:ext cx="3908526" cy="609601"/>
           </a:xfrm>
           <a:prstGeom prst="rect">
             <a:avLst/>
@@ -3654,7 +3661,7 @@
           </a:extLst>
         </p:spPr>
         <p:txBody>
-          <a:bodyPr lIns="50800" tIns="50800" rIns="50800" bIns="50800" anchor="ctr">
+          <a:bodyPr wrap="none" lIns="50800" tIns="50800" rIns="50800" bIns="50800" anchor="ctr">
             <a:spAutoFit/>
           </a:bodyPr>
           <a:lstStyle>
@@ -3669,51 +3676,7 @@
           <a:p>
             <a:pPr/>
             <a:r>
-              <a:t>组件封装（声明文件）</a:t>
-            </a:r>
-          </a:p>
-        </p:txBody>
-      </p:sp>
-      <p:sp>
-        <p:nvSpPr>
-          <p:cNvPr id="129" name="这部分没想好"/>
-          <p:cNvSpPr txBox="1"/>
-          <p:nvPr/>
-        </p:nvSpPr>
-        <p:spPr>
-          <a:xfrm>
-            <a:off x="4938067" y="5715000"/>
-            <a:ext cx="4195466" cy="609601"/>
-          </a:xfrm>
-          <a:prstGeom prst="rect">
-            <a:avLst/>
-          </a:prstGeom>
-          <a:ln w="12700">
-            <a:miter lim="400000"/>
-          </a:ln>
-          <a:extLst>
-            <a:ext uri="{C572A759-6A51-4108-AA02-DFA0A04FC94B}">
-              <ma14:wrappingTextBoxFlag xmlns:ma14="http://schemas.microsoft.com/office/mac/drawingml/2011/main" val="1"/>
-            </a:ext>
-          </a:extLst>
-        </p:spPr>
-        <p:txBody>
-          <a:bodyPr lIns="50800" tIns="50800" rIns="50800" bIns="50800" anchor="ctr">
-            <a:spAutoFit/>
-          </a:bodyPr>
-          <a:lstStyle>
-            <a:lvl1pPr>
-              <a:defRPr>
-                <a:solidFill>
-                  <a:srgbClr val="FFFFFF"/>
-                </a:solidFill>
-              </a:defRPr>
-            </a:lvl1pPr>
-          </a:lstStyle>
-          <a:p>
-            <a:pPr/>
-            <a:r>
-              <a:t>这部分没想好</a:t>
+              <a:t>Vue Prop 的验证那些事</a:t>
             </a:r>
           </a:p>
         </p:txBody>
@@ -3735,6 +3698,237 @@
       </p:transition>
     </mc:Fallback>
   </mc:AlternateContent>
+</p:sld>
+</file>
+
+<file path=ppt/slides/slide3.xml><?xml version="1.0" encoding="utf-8"?>
+<p:sld xmlns:a="http://schemas.openxmlformats.org/drawingml/2006/main" xmlns:r="http://schemas.openxmlformats.org/officeDocument/2006/relationships" xmlns:p="http://schemas.openxmlformats.org/presentationml/2006/main" xmlns:m="http://schemas.openxmlformats.org/officeDocument/2006/math" xmlns:a14="http://schemas.microsoft.com/office/drawing/2010/main" showMasterSp="1" showMasterPhAnim="1">
+  <p:cSld>
+    <p:bg>
+      <p:bgPr>
+        <a:solidFill>
+          <a:srgbClr val="739A98"/>
+        </a:solidFill>
+      </p:bgPr>
+    </p:bg>
+    <p:spTree>
+      <p:nvGrpSpPr>
+        <p:cNvPr id="1" name=""/>
+        <p:cNvGrpSpPr/>
+        <p:nvPr/>
+      </p:nvGrpSpPr>
+      <p:grpSpPr>
+        <a:xfrm>
+          <a:off x="0" y="0"/>
+          <a:ext cx="0" cy="0"/>
+          <a:chOff x="0" y="0"/>
+          <a:chExt cx="0" cy="0"/>
+        </a:xfrm>
+      </p:grpSpPr>
+      <p:sp>
+        <p:nvSpPr>
+          <p:cNvPr id="130" name="当以非相对路径导入一个 JavaScript 模块时，导入的是什么？"/>
+          <p:cNvSpPr txBox="1"/>
+          <p:nvPr/>
+        </p:nvSpPr>
+        <p:spPr>
+          <a:xfrm>
+            <a:off x="1628737" y="5054599"/>
+            <a:ext cx="11563426" cy="685801"/>
+          </a:xfrm>
+          <a:prstGeom prst="rect">
+            <a:avLst/>
+          </a:prstGeom>
+          <a:ln w="12700">
+            <a:miter lim="400000"/>
+          </a:ln>
+          <a:extLst>
+            <a:ext uri="{C572A759-6A51-4108-AA02-DFA0A04FC94B}">
+              <ma14:wrappingTextBoxFlag xmlns:ma14="http://schemas.microsoft.com/office/mac/drawingml/2011/main" val="1"/>
+            </a:ext>
+          </a:extLst>
+        </p:spPr>
+        <p:txBody>
+          <a:bodyPr wrap="none" lIns="50800" tIns="50800" rIns="50800" bIns="50800" anchor="ctr">
+            <a:spAutoFit/>
+          </a:bodyPr>
+          <a:lstStyle>
+            <a:lvl1pPr>
+              <a:defRPr sz="3300">
+                <a:solidFill>
+                  <a:srgbClr val="FFFFFF"/>
+                </a:solidFill>
+              </a:defRPr>
+            </a:lvl1pPr>
+          </a:lstStyle>
+          <a:p>
+            <a:pPr/>
+            <a:r>
+              <a:t>当以非相对路径导入一个 JavaScript 模块时，导入的是什么？</a:t>
+            </a:r>
+          </a:p>
+        </p:txBody>
+      </p:sp>
+    </p:spTree>
+  </p:cSld>
+  <p:clrMapOvr>
+    <a:masterClrMapping/>
+  </p:clrMapOvr>
+  <p:transition xmlns:p14="http://schemas.microsoft.com/office/powerpoint/2010/main" spd="med" advClick="1"/>
+</p:sld>
+</file>
+
+<file path=ppt/slides/slide4.xml><?xml version="1.0" encoding="utf-8"?>
+<p:sld xmlns:a="http://schemas.openxmlformats.org/drawingml/2006/main" xmlns:r="http://schemas.openxmlformats.org/officeDocument/2006/relationships" xmlns:p="http://schemas.openxmlformats.org/presentationml/2006/main" xmlns:m="http://schemas.openxmlformats.org/officeDocument/2006/math" xmlns:a14="http://schemas.microsoft.com/office/drawing/2010/main" showMasterSp="1" showMasterPhAnim="1">
+  <p:cSld>
+    <p:bg>
+      <p:bgPr>
+        <a:solidFill>
+          <a:srgbClr val="739A98"/>
+        </a:solidFill>
+      </p:bgPr>
+    </p:bg>
+    <p:spTree>
+      <p:nvGrpSpPr>
+        <p:cNvPr id="1" name=""/>
+        <p:cNvGrpSpPr/>
+        <p:nvPr/>
+      </p:nvGrpSpPr>
+      <p:grpSpPr>
+        <a:xfrm>
+          <a:off x="0" y="0"/>
+          <a:ext cx="0" cy="0"/>
+          <a:chOff x="0" y="0"/>
+          <a:chExt cx="0" cy="0"/>
+        </a:xfrm>
+      </p:grpSpPr>
+      <p:sp>
+        <p:nvSpPr>
+          <p:cNvPr id="132" name="Vue Prop 的验证那些事"/>
+          <p:cNvSpPr txBox="1"/>
+          <p:nvPr/>
+        </p:nvSpPr>
+        <p:spPr>
+          <a:xfrm>
+            <a:off x="5520453" y="5054599"/>
+            <a:ext cx="4586065" cy="685801"/>
+          </a:xfrm>
+          <a:prstGeom prst="rect">
+            <a:avLst/>
+          </a:prstGeom>
+          <a:ln w="12700">
+            <a:miter lim="400000"/>
+          </a:ln>
+          <a:extLst>
+            <a:ext uri="{C572A759-6A51-4108-AA02-DFA0A04FC94B}">
+              <ma14:wrappingTextBoxFlag xmlns:ma14="http://schemas.microsoft.com/office/mac/drawingml/2011/main" val="1"/>
+            </a:ext>
+          </a:extLst>
+        </p:spPr>
+        <p:txBody>
+          <a:bodyPr wrap="none" lIns="50800" tIns="50800" rIns="50800" bIns="50800" anchor="ctr">
+            <a:spAutoFit/>
+          </a:bodyPr>
+          <a:lstStyle>
+            <a:lvl1pPr>
+              <a:defRPr sz="3300">
+                <a:solidFill>
+                  <a:srgbClr val="FFFFFF"/>
+                </a:solidFill>
+              </a:defRPr>
+            </a:lvl1pPr>
+          </a:lstStyle>
+          <a:p>
+            <a:pPr/>
+            <a:r>
+              <a:t>Vue Prop 的验证那些事</a:t>
+            </a:r>
+          </a:p>
+        </p:txBody>
+      </p:sp>
+    </p:spTree>
+  </p:cSld>
+  <p:clrMapOvr>
+    <a:masterClrMapping/>
+  </p:clrMapOvr>
+  <p:transition xmlns:p14="http://schemas.microsoft.com/office/powerpoint/2010/main" spd="med" advClick="1"/>
+</p:sld>
+</file>
+
+<file path=ppt/slides/slide5.xml><?xml version="1.0" encoding="utf-8"?>
+<p:sld xmlns:a="http://schemas.openxmlformats.org/drawingml/2006/main" xmlns:r="http://schemas.openxmlformats.org/officeDocument/2006/relationships" xmlns:p="http://schemas.openxmlformats.org/presentationml/2006/main" xmlns:m="http://schemas.openxmlformats.org/officeDocument/2006/math" xmlns:a14="http://schemas.microsoft.com/office/drawing/2010/main" showMasterSp="1" showMasterPhAnim="1">
+  <p:cSld>
+    <p:bg>
+      <p:bgPr>
+        <a:solidFill>
+          <a:srgbClr val="739A98"/>
+        </a:solidFill>
+      </p:bgPr>
+    </p:bg>
+    <p:spTree>
+      <p:nvGrpSpPr>
+        <p:cNvPr id="1" name=""/>
+        <p:cNvGrpSpPr/>
+        <p:nvPr/>
+      </p:nvGrpSpPr>
+      <p:grpSpPr>
+        <a:xfrm>
+          <a:off x="0" y="0"/>
+          <a:ext cx="0" cy="0"/>
+          <a:chOff x="0" y="0"/>
+          <a:chExt cx="0" cy="0"/>
+        </a:xfrm>
+      </p:grpSpPr>
+      <p:sp>
+        <p:nvSpPr>
+          <p:cNvPr id="134" name="在 TypeScript下 写一个正确的组件"/>
+          <p:cNvSpPr txBox="1"/>
+          <p:nvPr/>
+        </p:nvSpPr>
+        <p:spPr>
+          <a:xfrm>
+            <a:off x="3848248" y="5054599"/>
+            <a:ext cx="6705304" cy="685801"/>
+          </a:xfrm>
+          <a:prstGeom prst="rect">
+            <a:avLst/>
+          </a:prstGeom>
+          <a:ln w="12700">
+            <a:miter lim="400000"/>
+          </a:ln>
+          <a:extLst>
+            <a:ext uri="{C572A759-6A51-4108-AA02-DFA0A04FC94B}">
+              <ma14:wrappingTextBoxFlag xmlns:ma14="http://schemas.microsoft.com/office/mac/drawingml/2011/main" val="1"/>
+            </a:ext>
+          </a:extLst>
+        </p:spPr>
+        <p:txBody>
+          <a:bodyPr wrap="none" lIns="50800" tIns="50800" rIns="50800" bIns="50800" anchor="ctr">
+            <a:spAutoFit/>
+          </a:bodyPr>
+          <a:lstStyle>
+            <a:lvl1pPr>
+              <a:defRPr sz="3300">
+                <a:solidFill>
+                  <a:srgbClr val="FFFFFF"/>
+                </a:solidFill>
+              </a:defRPr>
+            </a:lvl1pPr>
+          </a:lstStyle>
+          <a:p>
+            <a:pPr/>
+            <a:r>
+              <a:t>在 TypeScript下 写一个正确的组件</a:t>
+            </a:r>
+          </a:p>
+        </p:txBody>
+      </p:sp>
+    </p:spTree>
+  </p:cSld>
+  <p:clrMapOvr>
+    <a:masterClrMapping/>
+  </p:clrMapOvr>
+  <p:transition xmlns:p14="http://schemas.microsoft.com/office/powerpoint/2010/main" spd="med" advClick="1"/>
 </p:sld>
 </file>
 
@@ -3993,10 +4187,10 @@
             </a:solidFill>
             <a:effectLst/>
             <a:uFillTx/>
-            <a:latin typeface="+mj-lt"/>
-            <a:ea typeface="+mj-ea"/>
-            <a:cs typeface="+mj-cs"/>
-            <a:sym typeface="Helvetica"/>
+            <a:latin typeface="+mn-lt"/>
+            <a:ea typeface="+mn-ea"/>
+            <a:cs typeface="+mn-cs"/>
+            <a:sym typeface="Lucida Grande"/>
           </a:defRPr>
         </a:defPPr>
         <a:lvl1pPr marL="0" marR="0" indent="0" algn="l" defTabSz="914400" rtl="0" fontAlgn="auto" latinLnBrk="1" hangingPunct="0">
@@ -4570,10 +4764,10 @@
             </a:solidFill>
             <a:effectLst/>
             <a:uFillTx/>
-            <a:latin typeface="+mj-lt"/>
-            <a:ea typeface="+mj-ea"/>
-            <a:cs typeface="+mj-cs"/>
-            <a:sym typeface="Helvetica"/>
+            <a:latin typeface="+mn-lt"/>
+            <a:ea typeface="+mn-ea"/>
+            <a:cs typeface="+mn-cs"/>
+            <a:sym typeface="Lucida Grande"/>
           </a:defRPr>
         </a:defPPr>
         <a:lvl1pPr marL="0" marR="0" indent="0" algn="l" defTabSz="914400" rtl="0" fontAlgn="auto" latinLnBrk="1" hangingPunct="0">
@@ -5077,10 +5271,10 @@
             </a:solidFill>
             <a:effectLst/>
             <a:uFillTx/>
-            <a:latin typeface="+mj-lt"/>
-            <a:ea typeface="+mj-ea"/>
-            <a:cs typeface="+mj-cs"/>
-            <a:sym typeface="Helvetica"/>
+            <a:latin typeface="+mn-lt"/>
+            <a:ea typeface="+mn-ea"/>
+            <a:cs typeface="+mn-cs"/>
+            <a:sym typeface="Lucida Grande"/>
           </a:defRPr>
         </a:defPPr>
         <a:lvl1pPr marL="0" marR="0" indent="0" algn="l" defTabSz="914400" rtl="0" fontAlgn="auto" latinLnBrk="1" hangingPunct="0">
@@ -5654,10 +5848,10 @@
             </a:solidFill>
             <a:effectLst/>
             <a:uFillTx/>
-            <a:latin typeface="+mj-lt"/>
-            <a:ea typeface="+mj-ea"/>
-            <a:cs typeface="+mj-cs"/>
-            <a:sym typeface="Helvetica"/>
+            <a:latin typeface="+mn-lt"/>
+            <a:ea typeface="+mn-ea"/>
+            <a:cs typeface="+mn-cs"/>
+            <a:sym typeface="Lucida Grande"/>
           </a:defRPr>
         </a:defPPr>
         <a:lvl1pPr marL="0" marR="0" indent="0" algn="l" defTabSz="914400" rtl="0" fontAlgn="auto" latinLnBrk="1" hangingPunct="0">

--- a/ppt/typescript（三）.pptx
+++ b/ppt/typescript（三）.pptx
@@ -13,6 +13,13 @@
     <p:sldId id="258" r:id="rId10"/>
     <p:sldId id="259" r:id="rId11"/>
     <p:sldId id="260" r:id="rId12"/>
+    <p:sldId id="261" r:id="rId13"/>
+    <p:sldId id="262" r:id="rId14"/>
+    <p:sldId id="263" r:id="rId15"/>
+    <p:sldId id="264" r:id="rId16"/>
+    <p:sldId id="265" r:id="rId17"/>
+    <p:sldId id="266" r:id="rId18"/>
+    <p:sldId id="267" r:id="rId19"/>
   </p:sldIdLst>
   <p:sldSz cx="14401800" cy="10795000"/>
   <p:notesSz cx="6858000" cy="9144000"/>
@@ -67,9 +74,9 @@
         </a:solidFill>
         <a:effectLst/>
         <a:uFillTx/>
-        <a:latin typeface="+mn-lt"/>
-        <a:ea typeface="+mn-ea"/>
-        <a:cs typeface="+mn-cs"/>
+        <a:latin typeface="+mj-lt"/>
+        <a:ea typeface="+mj-ea"/>
+        <a:cs typeface="+mj-cs"/>
         <a:sym typeface="Lucida Grande"/>
       </a:defRPr>
     </a:lvl1pPr>
@@ -97,9 +104,9 @@
         </a:solidFill>
         <a:effectLst/>
         <a:uFillTx/>
-        <a:latin typeface="+mn-lt"/>
-        <a:ea typeface="+mn-ea"/>
-        <a:cs typeface="+mn-cs"/>
+        <a:latin typeface="+mj-lt"/>
+        <a:ea typeface="+mj-ea"/>
+        <a:cs typeface="+mj-cs"/>
         <a:sym typeface="Lucida Grande"/>
       </a:defRPr>
     </a:lvl2pPr>
@@ -127,9 +134,9 @@
         </a:solidFill>
         <a:effectLst/>
         <a:uFillTx/>
-        <a:latin typeface="+mn-lt"/>
-        <a:ea typeface="+mn-ea"/>
-        <a:cs typeface="+mn-cs"/>
+        <a:latin typeface="+mj-lt"/>
+        <a:ea typeface="+mj-ea"/>
+        <a:cs typeface="+mj-cs"/>
         <a:sym typeface="Lucida Grande"/>
       </a:defRPr>
     </a:lvl3pPr>
@@ -157,9 +164,9 @@
         </a:solidFill>
         <a:effectLst/>
         <a:uFillTx/>
-        <a:latin typeface="+mn-lt"/>
-        <a:ea typeface="+mn-ea"/>
-        <a:cs typeface="+mn-cs"/>
+        <a:latin typeface="+mj-lt"/>
+        <a:ea typeface="+mj-ea"/>
+        <a:cs typeface="+mj-cs"/>
         <a:sym typeface="Lucida Grande"/>
       </a:defRPr>
     </a:lvl4pPr>
@@ -187,9 +194,9 @@
         </a:solidFill>
         <a:effectLst/>
         <a:uFillTx/>
-        <a:latin typeface="+mn-lt"/>
-        <a:ea typeface="+mn-ea"/>
-        <a:cs typeface="+mn-cs"/>
+        <a:latin typeface="+mj-lt"/>
+        <a:ea typeface="+mj-ea"/>
+        <a:cs typeface="+mj-cs"/>
         <a:sym typeface="Lucida Grande"/>
       </a:defRPr>
     </a:lvl5pPr>
@@ -217,9 +224,9 @@
         </a:solidFill>
         <a:effectLst/>
         <a:uFillTx/>
-        <a:latin typeface="+mn-lt"/>
-        <a:ea typeface="+mn-ea"/>
-        <a:cs typeface="+mn-cs"/>
+        <a:latin typeface="+mj-lt"/>
+        <a:ea typeface="+mj-ea"/>
+        <a:cs typeface="+mj-cs"/>
         <a:sym typeface="Lucida Grande"/>
       </a:defRPr>
     </a:lvl6pPr>
@@ -247,9 +254,9 @@
         </a:solidFill>
         <a:effectLst/>
         <a:uFillTx/>
-        <a:latin typeface="+mn-lt"/>
-        <a:ea typeface="+mn-ea"/>
-        <a:cs typeface="+mn-cs"/>
+        <a:latin typeface="+mj-lt"/>
+        <a:ea typeface="+mj-ea"/>
+        <a:cs typeface="+mj-cs"/>
         <a:sym typeface="Lucida Grande"/>
       </a:defRPr>
     </a:lvl7pPr>
@@ -277,9 +284,9 @@
         </a:solidFill>
         <a:effectLst/>
         <a:uFillTx/>
-        <a:latin typeface="+mn-lt"/>
-        <a:ea typeface="+mn-ea"/>
-        <a:cs typeface="+mn-cs"/>
+        <a:latin typeface="+mj-lt"/>
+        <a:ea typeface="+mj-ea"/>
+        <a:cs typeface="+mj-cs"/>
         <a:sym typeface="Lucida Grande"/>
       </a:defRPr>
     </a:lvl8pPr>
@@ -307,9 +314,9 @@
         </a:solidFill>
         <a:effectLst/>
         <a:uFillTx/>
-        <a:latin typeface="+mn-lt"/>
-        <a:ea typeface="+mn-ea"/>
-        <a:cs typeface="+mn-cs"/>
+        <a:latin typeface="+mj-lt"/>
+        <a:ea typeface="+mj-ea"/>
+        <a:cs typeface="+mj-cs"/>
         <a:sym typeface="Lucida Grande"/>
       </a:defRPr>
     </a:lvl9pPr>
@@ -394,73 +401,73 @@
   <p:notesStyle>
     <a:lvl1pPr defTabSz="457200" latinLnBrk="0">
       <a:defRPr sz="2200">
-        <a:latin typeface="+mn-lt"/>
-        <a:ea typeface="+mn-ea"/>
-        <a:cs typeface="+mn-cs"/>
+        <a:latin typeface="+mj-lt"/>
+        <a:ea typeface="+mj-ea"/>
+        <a:cs typeface="+mj-cs"/>
         <a:sym typeface="Lucida Grande"/>
       </a:defRPr>
     </a:lvl1pPr>
     <a:lvl2pPr indent="228600" defTabSz="457200" latinLnBrk="0">
       <a:defRPr sz="2200">
-        <a:latin typeface="+mn-lt"/>
-        <a:ea typeface="+mn-ea"/>
-        <a:cs typeface="+mn-cs"/>
+        <a:latin typeface="+mj-lt"/>
+        <a:ea typeface="+mj-ea"/>
+        <a:cs typeface="+mj-cs"/>
         <a:sym typeface="Lucida Grande"/>
       </a:defRPr>
     </a:lvl2pPr>
     <a:lvl3pPr indent="457200" defTabSz="457200" latinLnBrk="0">
       <a:defRPr sz="2200">
-        <a:latin typeface="+mn-lt"/>
-        <a:ea typeface="+mn-ea"/>
-        <a:cs typeface="+mn-cs"/>
+        <a:latin typeface="+mj-lt"/>
+        <a:ea typeface="+mj-ea"/>
+        <a:cs typeface="+mj-cs"/>
         <a:sym typeface="Lucida Grande"/>
       </a:defRPr>
     </a:lvl3pPr>
     <a:lvl4pPr indent="685800" defTabSz="457200" latinLnBrk="0">
       <a:defRPr sz="2200">
-        <a:latin typeface="+mn-lt"/>
-        <a:ea typeface="+mn-ea"/>
-        <a:cs typeface="+mn-cs"/>
+        <a:latin typeface="+mj-lt"/>
+        <a:ea typeface="+mj-ea"/>
+        <a:cs typeface="+mj-cs"/>
         <a:sym typeface="Lucida Grande"/>
       </a:defRPr>
     </a:lvl4pPr>
     <a:lvl5pPr indent="914400" defTabSz="457200" latinLnBrk="0">
       <a:defRPr sz="2200">
-        <a:latin typeface="+mn-lt"/>
-        <a:ea typeface="+mn-ea"/>
-        <a:cs typeface="+mn-cs"/>
+        <a:latin typeface="+mj-lt"/>
+        <a:ea typeface="+mj-ea"/>
+        <a:cs typeface="+mj-cs"/>
         <a:sym typeface="Lucida Grande"/>
       </a:defRPr>
     </a:lvl5pPr>
     <a:lvl6pPr indent="1143000" defTabSz="457200" latinLnBrk="0">
       <a:defRPr sz="2200">
-        <a:latin typeface="+mn-lt"/>
-        <a:ea typeface="+mn-ea"/>
-        <a:cs typeface="+mn-cs"/>
+        <a:latin typeface="+mj-lt"/>
+        <a:ea typeface="+mj-ea"/>
+        <a:cs typeface="+mj-cs"/>
         <a:sym typeface="Lucida Grande"/>
       </a:defRPr>
     </a:lvl6pPr>
     <a:lvl7pPr indent="1371600" defTabSz="457200" latinLnBrk="0">
       <a:defRPr sz="2200">
-        <a:latin typeface="+mn-lt"/>
-        <a:ea typeface="+mn-ea"/>
-        <a:cs typeface="+mn-cs"/>
+        <a:latin typeface="+mj-lt"/>
+        <a:ea typeface="+mj-ea"/>
+        <a:cs typeface="+mj-cs"/>
         <a:sym typeface="Lucida Grande"/>
       </a:defRPr>
     </a:lvl7pPr>
     <a:lvl8pPr indent="1600200" defTabSz="457200" latinLnBrk="0">
       <a:defRPr sz="2200">
-        <a:latin typeface="+mn-lt"/>
-        <a:ea typeface="+mn-ea"/>
-        <a:cs typeface="+mn-cs"/>
+        <a:latin typeface="+mj-lt"/>
+        <a:ea typeface="+mj-ea"/>
+        <a:cs typeface="+mj-cs"/>
         <a:sym typeface="Lucida Grande"/>
       </a:defRPr>
     </a:lvl8pPr>
     <a:lvl9pPr indent="1828800" defTabSz="457200" latinLnBrk="0">
       <a:defRPr sz="2200">
-        <a:latin typeface="+mn-lt"/>
-        <a:ea typeface="+mn-ea"/>
-        <a:cs typeface="+mn-cs"/>
+        <a:latin typeface="+mj-lt"/>
+        <a:ea typeface="+mj-ea"/>
+        <a:cs typeface="+mj-cs"/>
         <a:sym typeface="Lucida Grande"/>
       </a:defRPr>
     </a:lvl9pPr>
@@ -1377,7 +1384,7 @@
         <p:spPr>
           <a:xfrm>
             <a:off x="1137641" y="6939846"/>
-            <a:ext cx="12241533" cy="2144964"/>
+            <a:ext cx="12241533" cy="2144965"/>
           </a:xfrm>
           <a:prstGeom prst="rect">
             <a:avLst/>
@@ -1843,8 +1850,8 @@
         </p:nvSpPr>
         <p:spPr>
           <a:xfrm>
-            <a:off x="720082" y="2417446"/>
-            <a:ext cx="6363313" cy="1007487"/>
+            <a:off x="720081" y="2417446"/>
+            <a:ext cx="6363315" cy="1007487"/>
           </a:xfrm>
           <a:prstGeom prst="rect">
             <a:avLst/>
@@ -2259,7 +2266,7 @@
         <p:spPr>
           <a:xfrm>
             <a:off x="2822854" y="7559833"/>
-            <a:ext cx="8641082" cy="892492"/>
+            <a:ext cx="8641082" cy="892493"/>
           </a:xfrm>
           <a:prstGeom prst="rect">
             <a:avLst/>
@@ -2291,7 +2298,7 @@
         <p:spPr>
           <a:xfrm>
             <a:off x="2822854" y="8452315"/>
-            <a:ext cx="8641082" cy="1267482"/>
+            <a:ext cx="8641082" cy="1267483"/>
           </a:xfrm>
           <a:prstGeom prst="rect">
             <a:avLst/>
@@ -2623,9 +2630,9 @@
             <a:srgbClr val="000000"/>
           </a:solidFill>
           <a:uFillTx/>
-          <a:latin typeface="+mj-lt"/>
-          <a:ea typeface="+mj-ea"/>
-          <a:cs typeface="+mj-cs"/>
+          <a:latin typeface="+mn-lt"/>
+          <a:ea typeface="+mn-ea"/>
+          <a:cs typeface="+mn-cs"/>
           <a:sym typeface="Helvetica"/>
         </a:defRPr>
       </a:lvl1pPr>
@@ -2652,9 +2659,9 @@
             <a:srgbClr val="000000"/>
           </a:solidFill>
           <a:uFillTx/>
-          <a:latin typeface="+mj-lt"/>
-          <a:ea typeface="+mj-ea"/>
-          <a:cs typeface="+mj-cs"/>
+          <a:latin typeface="+mn-lt"/>
+          <a:ea typeface="+mn-ea"/>
+          <a:cs typeface="+mn-cs"/>
           <a:sym typeface="Helvetica"/>
         </a:defRPr>
       </a:lvl2pPr>
@@ -2681,9 +2688,9 @@
             <a:srgbClr val="000000"/>
           </a:solidFill>
           <a:uFillTx/>
-          <a:latin typeface="+mj-lt"/>
-          <a:ea typeface="+mj-ea"/>
-          <a:cs typeface="+mj-cs"/>
+          <a:latin typeface="+mn-lt"/>
+          <a:ea typeface="+mn-ea"/>
+          <a:cs typeface="+mn-cs"/>
           <a:sym typeface="Helvetica"/>
         </a:defRPr>
       </a:lvl3pPr>
@@ -2710,9 +2717,9 @@
             <a:srgbClr val="000000"/>
           </a:solidFill>
           <a:uFillTx/>
-          <a:latin typeface="+mj-lt"/>
-          <a:ea typeface="+mj-ea"/>
-          <a:cs typeface="+mj-cs"/>
+          <a:latin typeface="+mn-lt"/>
+          <a:ea typeface="+mn-ea"/>
+          <a:cs typeface="+mn-cs"/>
           <a:sym typeface="Helvetica"/>
         </a:defRPr>
       </a:lvl4pPr>
@@ -2739,9 +2746,9 @@
             <a:srgbClr val="000000"/>
           </a:solidFill>
           <a:uFillTx/>
-          <a:latin typeface="+mj-lt"/>
-          <a:ea typeface="+mj-ea"/>
-          <a:cs typeface="+mj-cs"/>
+          <a:latin typeface="+mn-lt"/>
+          <a:ea typeface="+mn-ea"/>
+          <a:cs typeface="+mn-cs"/>
           <a:sym typeface="Helvetica"/>
         </a:defRPr>
       </a:lvl5pPr>
@@ -2768,9 +2775,9 @@
             <a:srgbClr val="000000"/>
           </a:solidFill>
           <a:uFillTx/>
-          <a:latin typeface="+mj-lt"/>
-          <a:ea typeface="+mj-ea"/>
-          <a:cs typeface="+mj-cs"/>
+          <a:latin typeface="+mn-lt"/>
+          <a:ea typeface="+mn-ea"/>
+          <a:cs typeface="+mn-cs"/>
           <a:sym typeface="Helvetica"/>
         </a:defRPr>
       </a:lvl6pPr>
@@ -2797,9 +2804,9 @@
             <a:srgbClr val="000000"/>
           </a:solidFill>
           <a:uFillTx/>
-          <a:latin typeface="+mj-lt"/>
-          <a:ea typeface="+mj-ea"/>
-          <a:cs typeface="+mj-cs"/>
+          <a:latin typeface="+mn-lt"/>
+          <a:ea typeface="+mn-ea"/>
+          <a:cs typeface="+mn-cs"/>
           <a:sym typeface="Helvetica"/>
         </a:defRPr>
       </a:lvl7pPr>
@@ -2826,9 +2833,9 @@
             <a:srgbClr val="000000"/>
           </a:solidFill>
           <a:uFillTx/>
-          <a:latin typeface="+mj-lt"/>
-          <a:ea typeface="+mj-ea"/>
-          <a:cs typeface="+mj-cs"/>
+          <a:latin typeface="+mn-lt"/>
+          <a:ea typeface="+mn-ea"/>
+          <a:cs typeface="+mn-cs"/>
           <a:sym typeface="Helvetica"/>
         </a:defRPr>
       </a:lvl8pPr>
@@ -2855,9 +2862,9 @@
             <a:srgbClr val="000000"/>
           </a:solidFill>
           <a:uFillTx/>
-          <a:latin typeface="+mj-lt"/>
-          <a:ea typeface="+mj-ea"/>
-          <a:cs typeface="+mj-cs"/>
+          <a:latin typeface="+mn-lt"/>
+          <a:ea typeface="+mn-ea"/>
+          <a:cs typeface="+mn-cs"/>
           <a:sym typeface="Helvetica"/>
         </a:defRPr>
       </a:lvl9pPr>
@@ -2886,9 +2893,9 @@
             <a:srgbClr val="000000"/>
           </a:solidFill>
           <a:uFillTx/>
-          <a:latin typeface="+mj-lt"/>
-          <a:ea typeface="+mj-ea"/>
-          <a:cs typeface="+mj-cs"/>
+          <a:latin typeface="+mn-lt"/>
+          <a:ea typeface="+mn-ea"/>
+          <a:cs typeface="+mn-cs"/>
           <a:sym typeface="Helvetica"/>
         </a:defRPr>
       </a:lvl1pPr>
@@ -2915,9 +2922,9 @@
             <a:srgbClr val="000000"/>
           </a:solidFill>
           <a:uFillTx/>
-          <a:latin typeface="+mj-lt"/>
-          <a:ea typeface="+mj-ea"/>
-          <a:cs typeface="+mj-cs"/>
+          <a:latin typeface="+mn-lt"/>
+          <a:ea typeface="+mn-ea"/>
+          <a:cs typeface="+mn-cs"/>
           <a:sym typeface="Helvetica"/>
         </a:defRPr>
       </a:lvl2pPr>
@@ -2944,9 +2951,9 @@
             <a:srgbClr val="000000"/>
           </a:solidFill>
           <a:uFillTx/>
-          <a:latin typeface="+mj-lt"/>
-          <a:ea typeface="+mj-ea"/>
-          <a:cs typeface="+mj-cs"/>
+          <a:latin typeface="+mn-lt"/>
+          <a:ea typeface="+mn-ea"/>
+          <a:cs typeface="+mn-cs"/>
           <a:sym typeface="Helvetica"/>
         </a:defRPr>
       </a:lvl3pPr>
@@ -2973,9 +2980,9 @@
             <a:srgbClr val="000000"/>
           </a:solidFill>
           <a:uFillTx/>
-          <a:latin typeface="+mj-lt"/>
-          <a:ea typeface="+mj-ea"/>
-          <a:cs typeface="+mj-cs"/>
+          <a:latin typeface="+mn-lt"/>
+          <a:ea typeface="+mn-ea"/>
+          <a:cs typeface="+mn-cs"/>
           <a:sym typeface="Helvetica"/>
         </a:defRPr>
       </a:lvl4pPr>
@@ -3002,9 +3009,9 @@
             <a:srgbClr val="000000"/>
           </a:solidFill>
           <a:uFillTx/>
-          <a:latin typeface="+mj-lt"/>
-          <a:ea typeface="+mj-ea"/>
-          <a:cs typeface="+mj-cs"/>
+          <a:latin typeface="+mn-lt"/>
+          <a:ea typeface="+mn-ea"/>
+          <a:cs typeface="+mn-cs"/>
           <a:sym typeface="Helvetica"/>
         </a:defRPr>
       </a:lvl5pPr>
@@ -3031,9 +3038,9 @@
             <a:srgbClr val="000000"/>
           </a:solidFill>
           <a:uFillTx/>
-          <a:latin typeface="+mj-lt"/>
-          <a:ea typeface="+mj-ea"/>
-          <a:cs typeface="+mj-cs"/>
+          <a:latin typeface="+mn-lt"/>
+          <a:ea typeface="+mn-ea"/>
+          <a:cs typeface="+mn-cs"/>
           <a:sym typeface="Helvetica"/>
         </a:defRPr>
       </a:lvl6pPr>
@@ -3060,9 +3067,9 @@
             <a:srgbClr val="000000"/>
           </a:solidFill>
           <a:uFillTx/>
-          <a:latin typeface="+mj-lt"/>
-          <a:ea typeface="+mj-ea"/>
-          <a:cs typeface="+mj-cs"/>
+          <a:latin typeface="+mn-lt"/>
+          <a:ea typeface="+mn-ea"/>
+          <a:cs typeface="+mn-cs"/>
           <a:sym typeface="Helvetica"/>
         </a:defRPr>
       </a:lvl7pPr>
@@ -3089,9 +3096,9 @@
             <a:srgbClr val="000000"/>
           </a:solidFill>
           <a:uFillTx/>
-          <a:latin typeface="+mj-lt"/>
-          <a:ea typeface="+mj-ea"/>
-          <a:cs typeface="+mj-cs"/>
+          <a:latin typeface="+mn-lt"/>
+          <a:ea typeface="+mn-ea"/>
+          <a:cs typeface="+mn-cs"/>
           <a:sym typeface="Helvetica"/>
         </a:defRPr>
       </a:lvl8pPr>
@@ -3118,9 +3125,9 @@
             <a:srgbClr val="000000"/>
           </a:solidFill>
           <a:uFillTx/>
-          <a:latin typeface="+mj-lt"/>
-          <a:ea typeface="+mj-ea"/>
-          <a:cs typeface="+mj-cs"/>
+          <a:latin typeface="+mn-lt"/>
+          <a:ea typeface="+mn-ea"/>
+          <a:cs typeface="+mn-cs"/>
           <a:sym typeface="Helvetica"/>
         </a:defRPr>
       </a:lvl9pPr>
@@ -3521,6 +3528,651 @@
 </p:sld>
 </file>
 
+<file path=ppt/slides/slide10.xml><?xml version="1.0" encoding="utf-8"?>
+<p:sld xmlns:a="http://schemas.openxmlformats.org/drawingml/2006/main" xmlns:r="http://schemas.openxmlformats.org/officeDocument/2006/relationships" xmlns:p="http://schemas.openxmlformats.org/presentationml/2006/main" xmlns:m="http://schemas.openxmlformats.org/officeDocument/2006/math" xmlns:a14="http://schemas.microsoft.com/office/drawing/2010/main" showMasterSp="1" showMasterPhAnim="1">
+  <p:cSld>
+    <p:bg>
+      <p:bgPr>
+        <a:solidFill>
+          <a:srgbClr val="739A98"/>
+        </a:solidFill>
+      </p:bgPr>
+    </p:bg>
+    <p:spTree>
+      <p:nvGrpSpPr>
+        <p:cNvPr id="1" name=""/>
+        <p:cNvGrpSpPr/>
+        <p:nvPr/>
+      </p:nvGrpSpPr>
+      <p:grpSpPr>
+        <a:xfrm>
+          <a:off x="0" y="0"/>
+          <a:ext cx="0" cy="0"/>
+          <a:chOff x="0" y="0"/>
+          <a:chExt cx="0" cy="0"/>
+        </a:xfrm>
+      </p:grpSpPr>
+      <p:sp>
+        <p:nvSpPr>
+          <p:cNvPr id="159" name="npm install @types/vue -D"/>
+          <p:cNvSpPr txBox="1"/>
+          <p:nvPr/>
+        </p:nvSpPr>
+        <p:spPr>
+          <a:xfrm>
+            <a:off x="4724052" y="1301750"/>
+            <a:ext cx="4953696" cy="520701"/>
+          </a:xfrm>
+          <a:prstGeom prst="rect">
+            <a:avLst/>
+          </a:prstGeom>
+          <a:ln w="12700">
+            <a:miter lim="400000"/>
+          </a:ln>
+          <a:extLst>
+            <a:ext uri="{C572A759-6A51-4108-AA02-DFA0A04FC94B}">
+              <ma14:wrappingTextBoxFlag xmlns:ma14="http://schemas.microsoft.com/office/mac/drawingml/2011/main" val="1"/>
+            </a:ext>
+          </a:extLst>
+        </p:spPr>
+        <p:txBody>
+          <a:bodyPr lIns="50800" tIns="50800" rIns="50800" bIns="50800" anchor="ctr">
+            <a:spAutoFit/>
+          </a:bodyPr>
+          <a:lstStyle>
+            <a:lvl1pPr>
+              <a:defRPr>
+                <a:solidFill>
+                  <a:srgbClr val="FFFFFF"/>
+                </a:solidFill>
+              </a:defRPr>
+            </a:lvl1pPr>
+          </a:lstStyle>
+          <a:p>
+            <a:pPr/>
+            <a:r>
+              <a:t>npm install @types/vue -D</a:t>
+            </a:r>
+          </a:p>
+        </p:txBody>
+      </p:sp>
+      <p:pic>
+        <p:nvPicPr>
+          <p:cNvPr id="160" name="Image" descr="Image"/>
+          <p:cNvPicPr>
+            <a:picLocks noChangeAspect="1"/>
+          </p:cNvPicPr>
+          <p:nvPr/>
+        </p:nvPicPr>
+        <p:blipFill>
+          <a:blip r:embed="rId2">
+            <a:extLst/>
+          </a:blip>
+          <a:stretch>
+            <a:fillRect/>
+          </a:stretch>
+        </p:blipFill>
+        <p:spPr>
+          <a:xfrm>
+            <a:off x="3443253" y="2628900"/>
+            <a:ext cx="7515294" cy="3106322"/>
+          </a:xfrm>
+          <a:prstGeom prst="rect">
+            <a:avLst/>
+          </a:prstGeom>
+          <a:ln w="12700">
+            <a:miter lim="400000"/>
+          </a:ln>
+        </p:spPr>
+      </p:pic>
+      <p:sp>
+        <p:nvSpPr>
+          <p:cNvPr id="161" name="仅仅是导入声明文件"/>
+          <p:cNvSpPr txBox="1"/>
+          <p:nvPr/>
+        </p:nvSpPr>
+        <p:spPr>
+          <a:xfrm>
+            <a:off x="5165452" y="7797800"/>
+            <a:ext cx="3662512" cy="609601"/>
+          </a:xfrm>
+          <a:prstGeom prst="rect">
+            <a:avLst/>
+          </a:prstGeom>
+          <a:ln w="12700">
+            <a:miter lim="400000"/>
+          </a:ln>
+          <a:extLst>
+            <a:ext uri="{C572A759-6A51-4108-AA02-DFA0A04FC94B}">
+              <ma14:wrappingTextBoxFlag xmlns:ma14="http://schemas.microsoft.com/office/mac/drawingml/2011/main" val="1"/>
+            </a:ext>
+          </a:extLst>
+        </p:spPr>
+        <p:txBody>
+          <a:bodyPr lIns="50800" tIns="50800" rIns="50800" bIns="50800" anchor="ctr">
+            <a:spAutoFit/>
+          </a:bodyPr>
+          <a:lstStyle>
+            <a:lvl1pPr marL="280736" indent="-280736">
+              <a:buSzPct val="100000"/>
+              <a:buChar char="•"/>
+              <a:defRPr>
+                <a:solidFill>
+                  <a:srgbClr val="FFFFFF"/>
+                </a:solidFill>
+              </a:defRPr>
+            </a:lvl1pPr>
+          </a:lstStyle>
+          <a:p>
+            <a:pPr/>
+            <a:r>
+              <a:t>仅仅是导入声明文件</a:t>
+            </a:r>
+          </a:p>
+        </p:txBody>
+      </p:sp>
+      <p:sp>
+        <p:nvSpPr>
+          <p:cNvPr id="162" name="确定运行时的依赖关系"/>
+          <p:cNvSpPr txBox="1"/>
+          <p:nvPr/>
+        </p:nvSpPr>
+        <p:spPr>
+          <a:xfrm>
+            <a:off x="5165452" y="8559800"/>
+            <a:ext cx="4070896" cy="609601"/>
+          </a:xfrm>
+          <a:prstGeom prst="rect">
+            <a:avLst/>
+          </a:prstGeom>
+          <a:ln w="12700">
+            <a:miter lim="400000"/>
+          </a:ln>
+          <a:extLst>
+            <a:ext uri="{C572A759-6A51-4108-AA02-DFA0A04FC94B}">
+              <ma14:wrappingTextBoxFlag xmlns:ma14="http://schemas.microsoft.com/office/mac/drawingml/2011/main" val="1"/>
+            </a:ext>
+          </a:extLst>
+        </p:spPr>
+        <p:txBody>
+          <a:bodyPr lIns="50800" tIns="50800" rIns="50800" bIns="50800" anchor="ctr">
+            <a:spAutoFit/>
+          </a:bodyPr>
+          <a:lstStyle>
+            <a:lvl1pPr marL="280736" indent="-280736">
+              <a:buSzPct val="100000"/>
+              <a:buChar char="•"/>
+              <a:defRPr>
+                <a:solidFill>
+                  <a:srgbClr val="FFFFFF"/>
+                </a:solidFill>
+              </a:defRPr>
+            </a:lvl1pPr>
+          </a:lstStyle>
+          <a:p>
+            <a:pPr/>
+            <a:r>
+              <a:t>确定运行时的依赖关系</a:t>
+            </a:r>
+          </a:p>
+        </p:txBody>
+      </p:sp>
+      <p:sp>
+        <p:nvSpPr>
+          <p:cNvPr id="163" name="Line"/>
+          <p:cNvSpPr/>
+          <p:nvPr/>
+        </p:nvSpPr>
+        <p:spPr>
+          <a:xfrm>
+            <a:off x="7200899" y="6126283"/>
+            <a:ext cx="1" cy="1280455"/>
+          </a:xfrm>
+          <a:prstGeom prst="line">
+            <a:avLst/>
+          </a:prstGeom>
+          <a:ln w="25400">
+            <a:solidFill>
+              <a:srgbClr val="FFFFFF"/>
+            </a:solidFill>
+            <a:tailEnd type="triangle"/>
+          </a:ln>
+          <a:effectLst>
+            <a:outerShdw sx="100000" sy="100000" kx="0" ky="0" algn="b" rotWithShape="0" blurRad="38100" dist="23000" dir="5400000">
+              <a:srgbClr val="000000">
+                <a:alpha val="35000"/>
+              </a:srgbClr>
+            </a:outerShdw>
+          </a:effectLst>
+        </p:spPr>
+        <p:txBody>
+          <a:bodyPr lIns="45718" tIns="45718" rIns="45718" bIns="45718"/>
+          <a:lstStyle/>
+          <a:p>
+            <a:pPr/>
+          </a:p>
+        </p:txBody>
+      </p:sp>
+    </p:spTree>
+  </p:cSld>
+  <p:clrMapOvr>
+    <a:masterClrMapping/>
+  </p:clrMapOvr>
+  <p:transition xmlns:p14="http://schemas.microsoft.com/office/powerpoint/2010/main" spd="med" advClick="1"/>
+  <p:timing>
+    <p:tnLst>
+      <p:par>
+        <p:cTn id="1" nodeType="tmRoot" restart="never" dur="indefinite" fill="hold">
+          <p:childTnLst>
+            <p:seq concurrent="1" prevAc="none" nextAc="seek">
+              <p:cTn id="2" nodeType="mainSeq" dur="indefinite" fill="hold">
+                <p:childTnLst>
+                  <p:par>
+                    <p:cTn id="3" fill="hold">
+                      <p:stCondLst>
+                        <p:cond delay="indefinite"/>
+                      </p:stCondLst>
+                      <p:childTnLst>
+                        <p:par>
+                          <p:cTn id="4" fill="hold">
+                            <p:stCondLst>
+                              <p:cond delay="0"/>
+                            </p:stCondLst>
+                            <p:childTnLst>
+                              <p:par>
+                                <p:cTn id="5" presetClass="entr" nodeType="clickEffect" presetSubtype="0" presetID="1" grpId="1" fill="hold">
+                                  <p:stCondLst>
+                                    <p:cond delay="0"/>
+                                  </p:stCondLst>
+                                  <p:iterate type="el" backwards="0">
+                                    <p:tmAbs val="0"/>
+                                  </p:iterate>
+                                  <p:childTnLst>
+                                    <p:set>
+                                      <p:cBhvr>
+                                        <p:cTn id="6" fill="hold"/>
+                                        <p:tgtEl>
+                                          <p:spTgt spid="159"/>
+                                        </p:tgtEl>
+                                        <p:attrNameLst>
+                                          <p:attrName>style.visibility</p:attrName>
+                                        </p:attrNameLst>
+                                      </p:cBhvr>
+                                      <p:to>
+                                        <p:strVal val="visible"/>
+                                      </p:to>
+                                    </p:set>
+                                  </p:childTnLst>
+                                </p:cTn>
+                              </p:par>
+                            </p:childTnLst>
+                          </p:cTn>
+                        </p:par>
+                      </p:childTnLst>
+                    </p:cTn>
+                  </p:par>
+                  <p:par>
+                    <p:cTn id="7" fill="hold">
+                      <p:stCondLst>
+                        <p:cond delay="indefinite"/>
+                      </p:stCondLst>
+                      <p:childTnLst>
+                        <p:par>
+                          <p:cTn id="8" fill="hold">
+                            <p:stCondLst>
+                              <p:cond delay="0"/>
+                            </p:stCondLst>
+                            <p:childTnLst>
+                              <p:par>
+                                <p:cTn id="9" presetClass="entr" nodeType="clickEffect" presetSubtype="0" presetID="1" grpId="2" fill="hold">
+                                  <p:stCondLst>
+                                    <p:cond delay="0"/>
+                                  </p:stCondLst>
+                                  <p:iterate type="el" backwards="0">
+                                    <p:tmAbs val="0"/>
+                                  </p:iterate>
+                                  <p:childTnLst>
+                                    <p:set>
+                                      <p:cBhvr>
+                                        <p:cTn id="10" fill="hold"/>
+                                        <p:tgtEl>
+                                          <p:spTgt spid="160"/>
+                                        </p:tgtEl>
+                                        <p:attrNameLst>
+                                          <p:attrName>style.visibility</p:attrName>
+                                        </p:attrNameLst>
+                                      </p:cBhvr>
+                                      <p:to>
+                                        <p:strVal val="visible"/>
+                                      </p:to>
+                                    </p:set>
+                                  </p:childTnLst>
+                                </p:cTn>
+                              </p:par>
+                            </p:childTnLst>
+                          </p:cTn>
+                        </p:par>
+                      </p:childTnLst>
+                    </p:cTn>
+                  </p:par>
+                  <p:par>
+                    <p:cTn id="11" fill="hold">
+                      <p:stCondLst>
+                        <p:cond delay="indefinite"/>
+                      </p:stCondLst>
+                      <p:childTnLst>
+                        <p:par>
+                          <p:cTn id="12" fill="hold">
+                            <p:stCondLst>
+                              <p:cond delay="0"/>
+                            </p:stCondLst>
+                            <p:childTnLst>
+                              <p:par>
+                                <p:cTn id="13" presetClass="entr" nodeType="clickEffect" presetSubtype="0" presetID="1" grpId="3" fill="hold">
+                                  <p:stCondLst>
+                                    <p:cond delay="0"/>
+                                  </p:stCondLst>
+                                  <p:iterate type="el" backwards="0">
+                                    <p:tmAbs val="0"/>
+                                  </p:iterate>
+                                  <p:childTnLst>
+                                    <p:set>
+                                      <p:cBhvr>
+                                        <p:cTn id="14" fill="hold"/>
+                                        <p:tgtEl>
+                                          <p:spTgt spid="163"/>
+                                        </p:tgtEl>
+                                        <p:attrNameLst>
+                                          <p:attrName>style.visibility</p:attrName>
+                                        </p:attrNameLst>
+                                      </p:cBhvr>
+                                      <p:to>
+                                        <p:strVal val="visible"/>
+                                      </p:to>
+                                    </p:set>
+                                  </p:childTnLst>
+                                </p:cTn>
+                              </p:par>
+                            </p:childTnLst>
+                          </p:cTn>
+                        </p:par>
+                      </p:childTnLst>
+                    </p:cTn>
+                  </p:par>
+                  <p:par>
+                    <p:cTn id="15" fill="hold">
+                      <p:stCondLst>
+                        <p:cond delay="indefinite"/>
+                      </p:stCondLst>
+                      <p:childTnLst>
+                        <p:par>
+                          <p:cTn id="16" fill="hold">
+                            <p:stCondLst>
+                              <p:cond delay="0"/>
+                            </p:stCondLst>
+                            <p:childTnLst>
+                              <p:par>
+                                <p:cTn id="17" presetClass="entr" nodeType="clickEffect" presetSubtype="0" presetID="1" grpId="4" fill="hold">
+                                  <p:stCondLst>
+                                    <p:cond delay="0"/>
+                                  </p:stCondLst>
+                                  <p:iterate type="el" backwards="0">
+                                    <p:tmAbs val="0"/>
+                                  </p:iterate>
+                                  <p:childTnLst>
+                                    <p:set>
+                                      <p:cBhvr>
+                                        <p:cTn id="18" fill="hold"/>
+                                        <p:tgtEl>
+                                          <p:spTgt spid="161"/>
+                                        </p:tgtEl>
+                                        <p:attrNameLst>
+                                          <p:attrName>style.visibility</p:attrName>
+                                        </p:attrNameLst>
+                                      </p:cBhvr>
+                                      <p:to>
+                                        <p:strVal val="visible"/>
+                                      </p:to>
+                                    </p:set>
+                                  </p:childTnLst>
+                                </p:cTn>
+                              </p:par>
+                            </p:childTnLst>
+                          </p:cTn>
+                        </p:par>
+                      </p:childTnLst>
+                    </p:cTn>
+                  </p:par>
+                  <p:par>
+                    <p:cTn id="19" fill="hold">
+                      <p:stCondLst>
+                        <p:cond delay="indefinite"/>
+                      </p:stCondLst>
+                      <p:childTnLst>
+                        <p:par>
+                          <p:cTn id="20" fill="hold">
+                            <p:stCondLst>
+                              <p:cond delay="0"/>
+                            </p:stCondLst>
+                            <p:childTnLst>
+                              <p:par>
+                                <p:cTn id="21" presetClass="entr" nodeType="clickEffect" presetSubtype="0" presetID="1" grpId="5" fill="hold">
+                                  <p:stCondLst>
+                                    <p:cond delay="0"/>
+                                  </p:stCondLst>
+                                  <p:iterate type="el" backwards="0">
+                                    <p:tmAbs val="0"/>
+                                  </p:iterate>
+                                  <p:childTnLst>
+                                    <p:set>
+                                      <p:cBhvr>
+                                        <p:cTn id="22" fill="hold"/>
+                                        <p:tgtEl>
+                                          <p:spTgt spid="162"/>
+                                        </p:tgtEl>
+                                        <p:attrNameLst>
+                                          <p:attrName>style.visibility</p:attrName>
+                                        </p:attrNameLst>
+                                      </p:cBhvr>
+                                      <p:to>
+                                        <p:strVal val="visible"/>
+                                      </p:to>
+                                    </p:set>
+                                  </p:childTnLst>
+                                </p:cTn>
+                              </p:par>
+                            </p:childTnLst>
+                          </p:cTn>
+                        </p:par>
+                      </p:childTnLst>
+                    </p:cTn>
+                  </p:par>
+                </p:childTnLst>
+              </p:cTn>
+              <p:prevCondLst>
+                <p:cond evt="onPrev">
+                  <p:tgtEl>
+                    <p:sldTgt/>
+                  </p:tgtEl>
+                </p:cond>
+              </p:prevCondLst>
+              <p:nextCondLst>
+                <p:cond evt="onNext">
+                  <p:tgtEl>
+                    <p:sldTgt/>
+                  </p:tgtEl>
+                </p:cond>
+              </p:nextCondLst>
+            </p:seq>
+          </p:childTnLst>
+        </p:cTn>
+      </p:par>
+    </p:tnLst>
+    <p:bldLst>
+      <p:bldP build="whole" bldLvl="1" animBg="1" rev="0" advAuto="0" spid="162" grpId="5"/>
+      <p:bldP build="whole" bldLvl="1" animBg="1" rev="0" advAuto="0" spid="159" grpId="1"/>
+      <p:bldP build="whole" bldLvl="1" animBg="1" rev="0" advAuto="0" spid="160" grpId="2"/>
+      <p:bldP build="whole" bldLvl="1" animBg="1" rev="0" advAuto="0" spid="161" grpId="4"/>
+      <p:bldP build="whole" bldLvl="1" animBg="1" rev="0" advAuto="0" spid="163" grpId="3"/>
+    </p:bldLst>
+  </p:timing>
+</p:sld>
+</file>
+
+<file path=ppt/slides/slide11.xml><?xml version="1.0" encoding="utf-8"?>
+<p:sld xmlns:a="http://schemas.openxmlformats.org/drawingml/2006/main" xmlns:r="http://schemas.openxmlformats.org/officeDocument/2006/relationships" xmlns:p="http://schemas.openxmlformats.org/presentationml/2006/main" xmlns:m="http://schemas.openxmlformats.org/officeDocument/2006/math" xmlns:a14="http://schemas.microsoft.com/office/drawing/2010/main" showMasterSp="1" showMasterPhAnim="1">
+  <p:cSld>
+    <p:bg>
+      <p:bgPr>
+        <a:solidFill>
+          <a:srgbClr val="739A98"/>
+        </a:solidFill>
+      </p:bgPr>
+    </p:bg>
+    <p:spTree>
+      <p:nvGrpSpPr>
+        <p:cNvPr id="1" name=""/>
+        <p:cNvGrpSpPr/>
+        <p:nvPr/>
+      </p:nvGrpSpPr>
+      <p:grpSpPr>
+        <a:xfrm>
+          <a:off x="0" y="0"/>
+          <a:ext cx="0" cy="0"/>
+          <a:chOff x="0" y="0"/>
+          <a:chExt cx="0" cy="0"/>
+        </a:xfrm>
+      </p:grpSpPr>
+      <p:sp>
+        <p:nvSpPr>
+          <p:cNvPr id="165" name="Vue Prop 的验证那些事"/>
+          <p:cNvSpPr txBox="1"/>
+          <p:nvPr/>
+        </p:nvSpPr>
+        <p:spPr>
+          <a:xfrm>
+            <a:off x="2671985" y="4762500"/>
+            <a:ext cx="9057830" cy="1270001"/>
+          </a:xfrm>
+          <a:prstGeom prst="rect">
+            <a:avLst/>
+          </a:prstGeom>
+          <a:ln w="12700">
+            <a:miter lim="400000"/>
+          </a:ln>
+          <a:extLst>
+            <a:ext uri="{C572A759-6A51-4108-AA02-DFA0A04FC94B}">
+              <ma14:wrappingTextBoxFlag xmlns:ma14="http://schemas.microsoft.com/office/mac/drawingml/2011/main" val="1"/>
+            </a:ext>
+          </a:extLst>
+        </p:spPr>
+        <p:txBody>
+          <a:bodyPr wrap="none" lIns="50800" tIns="50800" rIns="50800" bIns="50800" anchor="ctr">
+            <a:spAutoFit/>
+          </a:bodyPr>
+          <a:lstStyle>
+            <a:lvl1pPr>
+              <a:defRPr sz="6600">
+                <a:solidFill>
+                  <a:srgbClr val="FFFFFF"/>
+                </a:solidFill>
+              </a:defRPr>
+            </a:lvl1pPr>
+          </a:lstStyle>
+          <a:p>
+            <a:pPr/>
+            <a:r>
+              <a:t>Vue Prop 的验证那些事</a:t>
+            </a:r>
+          </a:p>
+        </p:txBody>
+      </p:sp>
+    </p:spTree>
+  </p:cSld>
+  <p:clrMapOvr>
+    <a:masterClrMapping/>
+  </p:clrMapOvr>
+  <p:transition xmlns:p14="http://schemas.microsoft.com/office/powerpoint/2010/main" spd="med" advClick="1"/>
+</p:sld>
+</file>
+
+<file path=ppt/slides/slide12.xml><?xml version="1.0" encoding="utf-8"?>
+<p:sld xmlns:a="http://schemas.openxmlformats.org/drawingml/2006/main" xmlns:r="http://schemas.openxmlformats.org/officeDocument/2006/relationships" xmlns:p="http://schemas.openxmlformats.org/presentationml/2006/main" xmlns:m="http://schemas.openxmlformats.org/officeDocument/2006/math" xmlns:a14="http://schemas.microsoft.com/office/drawing/2010/main" showMasterSp="1" showMasterPhAnim="1">
+  <p:cSld>
+    <p:bg>
+      <p:bgPr>
+        <a:solidFill>
+          <a:srgbClr val="739A98"/>
+        </a:solidFill>
+      </p:bgPr>
+    </p:bg>
+    <p:spTree>
+      <p:nvGrpSpPr>
+        <p:cNvPr id="1" name=""/>
+        <p:cNvGrpSpPr/>
+        <p:nvPr/>
+      </p:nvGrpSpPr>
+      <p:grpSpPr>
+        <a:xfrm>
+          <a:off x="0" y="0"/>
+          <a:ext cx="0" cy="0"/>
+          <a:chOff x="0" y="0"/>
+          <a:chExt cx="0" cy="0"/>
+        </a:xfrm>
+      </p:grpSpPr>
+      <p:sp>
+        <p:nvSpPr>
+          <p:cNvPr id="167" name="在 TypeScript下 写一个正确的组件"/>
+          <p:cNvSpPr txBox="1"/>
+          <p:nvPr/>
+        </p:nvSpPr>
+        <p:spPr>
+          <a:xfrm>
+            <a:off x="1390947" y="4762500"/>
+            <a:ext cx="11619906" cy="1270001"/>
+          </a:xfrm>
+          <a:prstGeom prst="rect">
+            <a:avLst/>
+          </a:prstGeom>
+          <a:ln w="12700">
+            <a:miter lim="400000"/>
+          </a:ln>
+          <a:extLst>
+            <a:ext uri="{C572A759-6A51-4108-AA02-DFA0A04FC94B}">
+              <ma14:wrappingTextBoxFlag xmlns:ma14="http://schemas.microsoft.com/office/mac/drawingml/2011/main" val="1"/>
+            </a:ext>
+          </a:extLst>
+        </p:spPr>
+        <p:txBody>
+          <a:bodyPr wrap="none" lIns="50800" tIns="50800" rIns="50800" bIns="50800" anchor="ctr">
+            <a:spAutoFit/>
+          </a:bodyPr>
+          <a:lstStyle>
+            <a:lvl1pPr>
+              <a:defRPr sz="6600">
+                <a:solidFill>
+                  <a:srgbClr val="FFFFFF"/>
+                </a:solidFill>
+              </a:defRPr>
+            </a:lvl1pPr>
+          </a:lstStyle>
+          <a:p>
+            <a:pPr/>
+            <a:r>
+              <a:t>在 TypeScript下 封装一个组件</a:t>
+            </a:r>
+          </a:p>
+        </p:txBody>
+      </p:sp>
+    </p:spTree>
+  </p:cSld>
+  <p:clrMapOvr>
+    <a:masterClrMapping/>
+  </p:clrMapOvr>
+  <p:transition xmlns:p14="http://schemas.microsoft.com/office/powerpoint/2010/main" spd="med" advClick="1"/>
+</p:sld>
+</file>
+
 <file path=ppt/slides/slide2.xml><?xml version="1.0" encoding="utf-8"?>
 <p:sld xmlns:a="http://schemas.openxmlformats.org/drawingml/2006/main" xmlns:r="http://schemas.openxmlformats.org/officeDocument/2006/relationships" xmlns:p="http://schemas.openxmlformats.org/presentationml/2006/main" xmlns:m="http://schemas.openxmlformats.org/officeDocument/2006/math" xmlns:a14="http://schemas.microsoft.com/office/drawing/2010/main" showMasterSp="1" showMasterPhAnim="1">
   <p:cSld>
@@ -3553,8 +4205,8 @@
         </p:nvSpPr>
         <p:spPr>
           <a:xfrm>
-            <a:off x="4938067" y="3022599"/>
-            <a:ext cx="1894485" cy="609601"/>
+            <a:off x="4141797" y="3663950"/>
+            <a:ext cx="5205516" cy="736601"/>
           </a:xfrm>
           <a:prstGeom prst="rect">
             <a:avLst/>
@@ -3574,13 +4226,13 @@
           </a:bodyPr>
           <a:lstStyle>
             <a:lvl1pPr>
-              <a:defRPr>
+              <a:defRPr sz="3600">
                 <a:solidFill>
                   <a:srgbClr val="FFFFFF"/>
                 </a:solidFill>
-                <a:latin typeface="+mj-lt"/>
-                <a:ea typeface="+mj-ea"/>
-                <a:cs typeface="+mj-cs"/>
+                <a:latin typeface="+mn-lt"/>
+                <a:ea typeface="+mn-ea"/>
+                <a:cs typeface="+mn-cs"/>
                 <a:sym typeface="Helvetica"/>
               </a:defRPr>
             </a:lvl1pPr>
@@ -3588,7 +4240,7 @@
           <a:p>
             <a:pPr/>
             <a:r>
-              <a:t>模块导入</a:t>
+              <a:t>TypeScript 基础知识补充</a:t>
             </a:r>
           </a:p>
         </p:txBody>
@@ -3601,8 +4253,8 @@
         </p:nvSpPr>
         <p:spPr>
           <a:xfrm>
-            <a:off x="4813448" y="5753100"/>
-            <a:ext cx="5706667" cy="609601"/>
+            <a:off x="4242741" y="6394450"/>
+            <a:ext cx="7304486" cy="736601"/>
           </a:xfrm>
           <a:prstGeom prst="rect">
             <a:avLst/>
@@ -3622,7 +4274,7 @@
           </a:bodyPr>
           <a:lstStyle>
             <a:lvl1pPr>
-              <a:defRPr>
+              <a:defRPr sz="3600">
                 <a:solidFill>
                   <a:srgbClr val="FFFFFF"/>
                 </a:solidFill>
@@ -3645,8 +4297,8 @@
         </p:nvSpPr>
         <p:spPr>
           <a:xfrm>
-            <a:off x="4907867" y="4387850"/>
-            <a:ext cx="3908526" cy="609601"/>
+            <a:off x="4248260" y="5029200"/>
+            <a:ext cx="4992590" cy="736601"/>
           </a:xfrm>
           <a:prstGeom prst="rect">
             <a:avLst/>
@@ -3666,7 +4318,7 @@
           </a:bodyPr>
           <a:lstStyle>
             <a:lvl1pPr>
-              <a:defRPr>
+              <a:defRPr sz="3600">
                 <a:solidFill>
                   <a:srgbClr val="FFFFFF"/>
                 </a:solidFill>
@@ -3677,6 +4329,150 @@
             <a:pPr/>
             <a:r>
               <a:t>Vue Prop 的验证那些事</a:t>
+            </a:r>
+          </a:p>
+        </p:txBody>
+      </p:sp>
+      <p:sp>
+        <p:nvSpPr>
+          <p:cNvPr id="129" name="文本框 75"/>
+          <p:cNvSpPr txBox="1"/>
+          <p:nvPr/>
+        </p:nvSpPr>
+        <p:spPr>
+          <a:xfrm>
+            <a:off x="2854573" y="3547489"/>
+            <a:ext cx="919538" cy="969520"/>
+          </a:xfrm>
+          <a:prstGeom prst="rect">
+            <a:avLst/>
+          </a:prstGeom>
+          <a:ln w="12700">
+            <a:miter lim="400000"/>
+          </a:ln>
+          <a:extLst>
+            <a:ext uri="{C572A759-6A51-4108-AA02-DFA0A04FC94B}">
+              <ma14:wrappingTextBoxFlag xmlns:ma14="http://schemas.microsoft.com/office/mac/drawingml/2011/main" val="1"/>
+            </a:ext>
+          </a:extLst>
+        </p:spPr>
+        <p:txBody>
+          <a:bodyPr wrap="none" lIns="72009" tIns="72009" rIns="72009" bIns="72009">
+            <a:spAutoFit/>
+          </a:bodyPr>
+          <a:lstStyle>
+            <a:lvl1pPr>
+              <a:defRPr sz="5400">
+                <a:solidFill>
+                  <a:srgbClr val="FFFFFF"/>
+                </a:solidFill>
+                <a:latin typeface="微软雅黑"/>
+                <a:ea typeface="微软雅黑"/>
+                <a:cs typeface="微软雅黑"/>
+                <a:sym typeface="微软雅黑"/>
+              </a:defRPr>
+            </a:lvl1pPr>
+          </a:lstStyle>
+          <a:p>
+            <a:pPr/>
+            <a:r>
+              <a:t>01</a:t>
+            </a:r>
+          </a:p>
+        </p:txBody>
+      </p:sp>
+      <p:sp>
+        <p:nvSpPr>
+          <p:cNvPr id="130" name="文本框 75"/>
+          <p:cNvSpPr txBox="1"/>
+          <p:nvPr/>
+        </p:nvSpPr>
+        <p:spPr>
+          <a:xfrm>
+            <a:off x="2854573" y="4912740"/>
+            <a:ext cx="919538" cy="969519"/>
+          </a:xfrm>
+          <a:prstGeom prst="rect">
+            <a:avLst/>
+          </a:prstGeom>
+          <a:ln w="12700">
+            <a:miter lim="400000"/>
+          </a:ln>
+          <a:extLst>
+            <a:ext uri="{C572A759-6A51-4108-AA02-DFA0A04FC94B}">
+              <ma14:wrappingTextBoxFlag xmlns:ma14="http://schemas.microsoft.com/office/mac/drawingml/2011/main" val="1"/>
+            </a:ext>
+          </a:extLst>
+        </p:spPr>
+        <p:txBody>
+          <a:bodyPr wrap="none" lIns="72009" tIns="72009" rIns="72009" bIns="72009">
+            <a:spAutoFit/>
+          </a:bodyPr>
+          <a:lstStyle>
+            <a:lvl1pPr>
+              <a:defRPr sz="5400">
+                <a:solidFill>
+                  <a:srgbClr val="FFFFFF"/>
+                </a:solidFill>
+                <a:latin typeface="微软雅黑"/>
+                <a:ea typeface="微软雅黑"/>
+                <a:cs typeface="微软雅黑"/>
+                <a:sym typeface="微软雅黑"/>
+              </a:defRPr>
+            </a:lvl1pPr>
+          </a:lstStyle>
+          <a:p>
+            <a:pPr/>
+            <a:r>
+              <a:t>02</a:t>
+            </a:r>
+          </a:p>
+        </p:txBody>
+      </p:sp>
+      <p:sp>
+        <p:nvSpPr>
+          <p:cNvPr id="131" name="文本框 75"/>
+          <p:cNvSpPr txBox="1"/>
+          <p:nvPr/>
+        </p:nvSpPr>
+        <p:spPr>
+          <a:xfrm>
+            <a:off x="2854573" y="6277990"/>
+            <a:ext cx="919538" cy="969519"/>
+          </a:xfrm>
+          <a:prstGeom prst="rect">
+            <a:avLst/>
+          </a:prstGeom>
+          <a:ln w="12700">
+            <a:miter lim="400000"/>
+          </a:ln>
+          <a:extLst>
+            <a:ext uri="{C572A759-6A51-4108-AA02-DFA0A04FC94B}">
+              <ma14:wrappingTextBoxFlag xmlns:ma14="http://schemas.microsoft.com/office/mac/drawingml/2011/main" val="1"/>
+            </a:ext>
+          </a:extLst>
+        </p:spPr>
+        <p:txBody>
+          <a:bodyPr wrap="none" lIns="72009" tIns="72009" rIns="72009" bIns="72009">
+            <a:spAutoFit/>
+          </a:bodyPr>
+          <a:lstStyle>
+            <a:lvl1pPr>
+              <a:defRPr sz="5400">
+                <a:solidFill>
+                  <a:srgbClr val="FFFFFF"/>
+                </a:solidFill>
+                <a:latin typeface="微软雅黑"/>
+                <a:ea typeface="微软雅黑"/>
+                <a:cs typeface="微软雅黑"/>
+                <a:sym typeface="微软雅黑"/>
+              </a:defRPr>
+            </a:lvl1pPr>
+          </a:lstStyle>
+          <a:p>
+            <a:pPr/>
+            <a:r>
+              <a:t>03</a:t>
             </a:r>
           </a:p>
         </p:txBody>
@@ -3727,14 +4523,14 @@
       </p:grpSpPr>
       <p:sp>
         <p:nvSpPr>
-          <p:cNvPr id="130" name="当以非相对路径导入一个 JavaScript 模块时，导入的是什么？"/>
+          <p:cNvPr id="133" name="模块导入"/>
           <p:cNvSpPr txBox="1"/>
           <p:nvPr/>
         </p:nvSpPr>
         <p:spPr>
           <a:xfrm>
-            <a:off x="1628737" y="5054599"/>
-            <a:ext cx="11563426" cy="685801"/>
+            <a:off x="2405805" y="4762499"/>
+            <a:ext cx="9590190" cy="1270001"/>
           </a:xfrm>
           <a:prstGeom prst="rect">
             <a:avLst/>
@@ -3749,22 +4545,26 @@
           </a:extLst>
         </p:spPr>
         <p:txBody>
-          <a:bodyPr wrap="none" lIns="50800" tIns="50800" rIns="50800" bIns="50800" anchor="ctr">
+          <a:bodyPr lIns="50800" tIns="50800" rIns="50800" bIns="50800" anchor="ctr">
             <a:spAutoFit/>
           </a:bodyPr>
           <a:lstStyle>
             <a:lvl1pPr>
-              <a:defRPr sz="3300">
+              <a:defRPr sz="6600">
                 <a:solidFill>
                   <a:srgbClr val="FFFFFF"/>
                 </a:solidFill>
+                <a:latin typeface="+mn-lt"/>
+                <a:ea typeface="+mn-ea"/>
+                <a:cs typeface="+mn-cs"/>
+                <a:sym typeface="Helvetica"/>
               </a:defRPr>
             </a:lvl1pPr>
           </a:lstStyle>
           <a:p>
             <a:pPr/>
             <a:r>
-              <a:t>当以非相对路径导入一个 JavaScript 模块时，导入的是什么？</a:t>
+              <a:t>TypeScript 基础知识补充</a:t>
             </a:r>
           </a:p>
         </p:txBody>
@@ -3804,14 +4604,14 @@
       </p:grpSpPr>
       <p:sp>
         <p:nvSpPr>
-          <p:cNvPr id="132" name="Vue Prop 的验证那些事"/>
+          <p:cNvPr id="135" name="模块导入"/>
           <p:cNvSpPr txBox="1"/>
           <p:nvPr/>
         </p:nvSpPr>
         <p:spPr>
           <a:xfrm>
-            <a:off x="5520453" y="5054599"/>
-            <a:ext cx="4586065" cy="685801"/>
+            <a:off x="635693" y="457199"/>
+            <a:ext cx="4485435" cy="736601"/>
           </a:xfrm>
           <a:prstGeom prst="rect">
             <a:avLst/>
@@ -3826,32 +4626,306 @@
           </a:extLst>
         </p:spPr>
         <p:txBody>
-          <a:bodyPr wrap="none" lIns="50800" tIns="50800" rIns="50800" bIns="50800" anchor="ctr">
+          <a:bodyPr lIns="50800" tIns="50800" rIns="50800" bIns="50800" anchor="ctr">
             <a:spAutoFit/>
           </a:bodyPr>
           <a:lstStyle>
-            <a:lvl1pPr>
-              <a:defRPr sz="3300">
+            <a:lvl1pPr marL="481263" indent="-481263">
+              <a:buSzPct val="100000"/>
+              <a:buAutoNum type="arabicPeriod" startAt="1"/>
+              <a:defRPr sz="3600">
                 <a:solidFill>
                   <a:srgbClr val="FFFFFF"/>
                 </a:solidFill>
+                <a:latin typeface="+mn-lt"/>
+                <a:ea typeface="+mn-ea"/>
+                <a:cs typeface="+mn-cs"/>
+                <a:sym typeface="Helvetica"/>
               </a:defRPr>
             </a:lvl1pPr>
           </a:lstStyle>
           <a:p>
             <a:pPr/>
             <a:r>
-              <a:t>Vue Prop 的验证那些事</a:t>
+              <a:t>Interface 函数类型</a:t>
             </a:r>
           </a:p>
         </p:txBody>
       </p:sp>
+      <p:sp>
+        <p:nvSpPr>
+          <p:cNvPr id="136" name="Line"/>
+          <p:cNvSpPr/>
+          <p:nvPr/>
+        </p:nvSpPr>
+        <p:spPr>
+          <a:xfrm>
+            <a:off x="7200900" y="4348865"/>
+            <a:ext cx="0" cy="1599340"/>
+          </a:xfrm>
+          <a:prstGeom prst="line">
+            <a:avLst/>
+          </a:prstGeom>
+          <a:ln w="25400">
+            <a:solidFill>
+              <a:srgbClr val="FFFFFF"/>
+            </a:solidFill>
+            <a:tailEnd type="triangle"/>
+          </a:ln>
+          <a:effectLst>
+            <a:outerShdw sx="100000" sy="100000" kx="0" ky="0" algn="b" rotWithShape="0" blurRad="38100" dist="23000" dir="5400000">
+              <a:srgbClr val="000000">
+                <a:alpha val="35000"/>
+              </a:srgbClr>
+            </a:outerShdw>
+          </a:effectLst>
+        </p:spPr>
+        <p:txBody>
+          <a:bodyPr lIns="45718" tIns="45718" rIns="45718" bIns="45718"/>
+          <a:lstStyle/>
+          <a:p>
+            <a:pPr/>
+          </a:p>
+        </p:txBody>
+      </p:sp>
+      <p:pic>
+        <p:nvPicPr>
+          <p:cNvPr id="137" name="Image" descr="Image"/>
+          <p:cNvPicPr>
+            <a:picLocks noChangeAspect="1"/>
+          </p:cNvPicPr>
+          <p:nvPr/>
+        </p:nvPicPr>
+        <p:blipFill>
+          <a:blip r:embed="rId2">
+            <a:extLst/>
+          </a:blip>
+          <a:stretch>
+            <a:fillRect/>
+          </a:stretch>
+        </p:blipFill>
+        <p:spPr>
+          <a:xfrm>
+            <a:off x="2546350" y="6265102"/>
+            <a:ext cx="9309100" cy="3543301"/>
+          </a:xfrm>
+          <a:prstGeom prst="rect">
+            <a:avLst/>
+          </a:prstGeom>
+          <a:ln w="12700">
+            <a:miter lim="400000"/>
+          </a:ln>
+        </p:spPr>
+      </p:pic>
+      <p:pic>
+        <p:nvPicPr>
+          <p:cNvPr id="138" name="Image" descr="Image"/>
+          <p:cNvPicPr>
+            <a:picLocks noChangeAspect="1"/>
+          </p:cNvPicPr>
+          <p:nvPr/>
+        </p:nvPicPr>
+        <p:blipFill>
+          <a:blip r:embed="rId3">
+            <a:extLst/>
+          </a:blip>
+          <a:stretch>
+            <a:fillRect/>
+          </a:stretch>
+        </p:blipFill>
+        <p:spPr>
+          <a:xfrm>
+            <a:off x="5155629" y="1947614"/>
+            <a:ext cx="4090542" cy="2084353"/>
+          </a:xfrm>
+          <a:prstGeom prst="rect">
+            <a:avLst/>
+          </a:prstGeom>
+          <a:ln w="12700">
+            <a:miter lim="400000"/>
+          </a:ln>
+          <a:effectLst>
+            <a:outerShdw sx="100000" sy="100000" kx="0" ky="0" algn="b" rotWithShape="0" blurRad="101600" dist="25400" dir="5400000">
+              <a:srgbClr val="000000">
+                <a:alpha val="75000"/>
+              </a:srgbClr>
+            </a:outerShdw>
+          </a:effectLst>
+        </p:spPr>
+      </p:pic>
     </p:spTree>
   </p:cSld>
   <p:clrMapOvr>
     <a:masterClrMapping/>
   </p:clrMapOvr>
   <p:transition xmlns:p14="http://schemas.microsoft.com/office/powerpoint/2010/main" spd="med" advClick="1"/>
+  <p:timing>
+    <p:tnLst>
+      <p:par>
+        <p:cTn id="1" nodeType="tmRoot" restart="never" dur="indefinite" fill="hold">
+          <p:childTnLst>
+            <p:seq concurrent="1" prevAc="none" nextAc="seek">
+              <p:cTn id="2" nodeType="mainSeq" dur="indefinite" fill="hold">
+                <p:childTnLst>
+                  <p:par>
+                    <p:cTn id="3" fill="hold">
+                      <p:stCondLst>
+                        <p:cond delay="indefinite"/>
+                      </p:stCondLst>
+                      <p:childTnLst>
+                        <p:par>
+                          <p:cTn id="4" fill="hold">
+                            <p:stCondLst>
+                              <p:cond delay="0"/>
+                            </p:stCondLst>
+                            <p:childTnLst>
+                              <p:par>
+                                <p:cTn id="5" presetClass="entr" nodeType="clickEffect" presetSubtype="0" presetID="1" grpId="1" fill="hold">
+                                  <p:stCondLst>
+                                    <p:cond delay="0"/>
+                                  </p:stCondLst>
+                                  <p:iterate type="el" backwards="0">
+                                    <p:tmAbs val="0"/>
+                                  </p:iterate>
+                                  <p:childTnLst>
+                                    <p:set>
+                                      <p:cBhvr>
+                                        <p:cTn id="6" fill="hold"/>
+                                        <p:tgtEl>
+                                          <p:spTgt spid="138"/>
+                                        </p:tgtEl>
+                                        <p:attrNameLst>
+                                          <p:attrName>style.visibility</p:attrName>
+                                        </p:attrNameLst>
+                                      </p:cBhvr>
+                                      <p:to>
+                                        <p:strVal val="visible"/>
+                                      </p:to>
+                                    </p:set>
+                                  </p:childTnLst>
+                                </p:cTn>
+                              </p:par>
+                            </p:childTnLst>
+                          </p:cTn>
+                        </p:par>
+                      </p:childTnLst>
+                    </p:cTn>
+                  </p:par>
+                  <p:par>
+                    <p:cTn id="7" fill="hold">
+                      <p:stCondLst>
+                        <p:cond delay="indefinite"/>
+                      </p:stCondLst>
+                      <p:childTnLst>
+                        <p:par>
+                          <p:cTn id="8" fill="hold">
+                            <p:stCondLst>
+                              <p:cond delay="0"/>
+                            </p:stCondLst>
+                            <p:childTnLst>
+                              <p:par>
+                                <p:cTn id="9" presetClass="entr" nodeType="clickEffect" presetSubtype="0" presetID="1" grpId="2" fill="hold">
+                                  <p:stCondLst>
+                                    <p:cond delay="0"/>
+                                  </p:stCondLst>
+                                  <p:iterate type="el" backwards="0">
+                                    <p:tmAbs val="0"/>
+                                  </p:iterate>
+                                  <p:childTnLst>
+                                    <p:set>
+                                      <p:cBhvr>
+                                        <p:cTn id="10" fill="hold"/>
+                                        <p:tgtEl>
+                                          <p:spTgt spid="136"/>
+                                        </p:tgtEl>
+                                        <p:attrNameLst>
+                                          <p:attrName>style.visibility</p:attrName>
+                                        </p:attrNameLst>
+                                      </p:cBhvr>
+                                      <p:to>
+                                        <p:strVal val="visible"/>
+                                      </p:to>
+                                    </p:set>
+                                  </p:childTnLst>
+                                </p:cTn>
+                              </p:par>
+                            </p:childTnLst>
+                          </p:cTn>
+                        </p:par>
+                      </p:childTnLst>
+                    </p:cTn>
+                  </p:par>
+                  <p:par>
+                    <p:cTn id="11" fill="hold">
+                      <p:stCondLst>
+                        <p:cond delay="indefinite"/>
+                      </p:stCondLst>
+                      <p:childTnLst>
+                        <p:par>
+                          <p:cTn id="12" fill="hold">
+                            <p:stCondLst>
+                              <p:cond delay="0"/>
+                            </p:stCondLst>
+                            <p:childTnLst>
+                              <p:par>
+                                <p:cTn id="13" presetClass="entr" nodeType="clickEffect" presetSubtype="0" presetID="1" grpId="3" fill="hold">
+                                  <p:stCondLst>
+                                    <p:cond delay="0"/>
+                                  </p:stCondLst>
+                                  <p:iterate type="el" backwards="0">
+                                    <p:tmAbs val="0"/>
+                                  </p:iterate>
+                                  <p:childTnLst>
+                                    <p:set>
+                                      <p:cBhvr>
+                                        <p:cTn id="14" fill="hold"/>
+                                        <p:tgtEl>
+                                          <p:spTgt spid="137"/>
+                                        </p:tgtEl>
+                                        <p:attrNameLst>
+                                          <p:attrName>style.visibility</p:attrName>
+                                        </p:attrNameLst>
+                                      </p:cBhvr>
+                                      <p:to>
+                                        <p:strVal val="visible"/>
+                                      </p:to>
+                                    </p:set>
+                                  </p:childTnLst>
+                                </p:cTn>
+                              </p:par>
+                            </p:childTnLst>
+                          </p:cTn>
+                        </p:par>
+                      </p:childTnLst>
+                    </p:cTn>
+                  </p:par>
+                </p:childTnLst>
+              </p:cTn>
+              <p:prevCondLst>
+                <p:cond evt="onPrev">
+                  <p:tgtEl>
+                    <p:sldTgt/>
+                  </p:tgtEl>
+                </p:cond>
+              </p:prevCondLst>
+              <p:nextCondLst>
+                <p:cond evt="onNext">
+                  <p:tgtEl>
+                    <p:sldTgt/>
+                  </p:tgtEl>
+                </p:cond>
+              </p:nextCondLst>
+            </p:seq>
+          </p:childTnLst>
+        </p:cTn>
+      </p:par>
+    </p:tnLst>
+    <p:bldLst>
+      <p:bldP build="whole" bldLvl="1" animBg="1" rev="0" advAuto="0" spid="137" grpId="3"/>
+      <p:bldP build="whole" bldLvl="1" animBg="1" rev="0" advAuto="0" spid="136" grpId="2"/>
+      <p:bldP build="whole" bldLvl="1" animBg="1" rev="0" advAuto="0" spid="138" grpId="1"/>
+    </p:bldLst>
+  </p:timing>
 </p:sld>
 </file>
 
@@ -3881,14 +4955,950 @@
       </p:grpSpPr>
       <p:sp>
         <p:nvSpPr>
-          <p:cNvPr id="134" name="在 TypeScript下 写一个正确的组件"/>
+          <p:cNvPr id="140" name="Line"/>
+          <p:cNvSpPr/>
+          <p:nvPr/>
+        </p:nvSpPr>
+        <p:spPr>
+          <a:xfrm>
+            <a:off x="6805487" y="4414649"/>
+            <a:ext cx="1" cy="1782521"/>
+          </a:xfrm>
+          <a:prstGeom prst="line">
+            <a:avLst/>
+          </a:prstGeom>
+          <a:ln w="25400">
+            <a:solidFill>
+              <a:srgbClr val="FFFFFF"/>
+            </a:solidFill>
+            <a:tailEnd type="triangle"/>
+          </a:ln>
+          <a:effectLst>
+            <a:outerShdw sx="100000" sy="100000" kx="0" ky="0" algn="b" rotWithShape="0" blurRad="38100" dist="23000" dir="5400000">
+              <a:srgbClr val="000000">
+                <a:alpha val="35000"/>
+              </a:srgbClr>
+            </a:outerShdw>
+          </a:effectLst>
+        </p:spPr>
+        <p:txBody>
+          <a:bodyPr lIns="45718" tIns="45718" rIns="45718" bIns="45718"/>
+          <a:lstStyle/>
+          <a:p>
+            <a:pPr/>
+          </a:p>
+        </p:txBody>
+      </p:sp>
+      <p:pic>
+        <p:nvPicPr>
+          <p:cNvPr id="141" name="Image" descr="Image"/>
+          <p:cNvPicPr>
+            <a:picLocks noChangeAspect="1"/>
+          </p:cNvPicPr>
+          <p:nvPr/>
+        </p:nvPicPr>
+        <p:blipFill>
+          <a:blip r:embed="rId2">
+            <a:extLst/>
+          </a:blip>
+          <a:stretch>
+            <a:fillRect/>
+          </a:stretch>
+        </p:blipFill>
+        <p:spPr>
+          <a:xfrm>
+            <a:off x="4270243" y="1143000"/>
+            <a:ext cx="5070490" cy="2458419"/>
+          </a:xfrm>
+          <a:prstGeom prst="rect">
+            <a:avLst/>
+          </a:prstGeom>
+          <a:ln w="12700">
+            <a:miter lim="400000"/>
+          </a:ln>
+          <a:effectLst>
+            <a:outerShdw sx="100000" sy="100000" kx="0" ky="0" algn="b" rotWithShape="0" blurRad="101600" dist="25400" dir="5400000">
+              <a:srgbClr val="000000">
+                <a:alpha val="75000"/>
+              </a:srgbClr>
+            </a:outerShdw>
+          </a:effectLst>
+        </p:spPr>
+      </p:pic>
+      <p:pic>
+        <p:nvPicPr>
+          <p:cNvPr id="142" name="Image" descr="Image"/>
+          <p:cNvPicPr>
+            <a:picLocks noChangeAspect="1"/>
+          </p:cNvPicPr>
+          <p:nvPr/>
+        </p:nvPicPr>
+        <p:blipFill>
+          <a:blip r:embed="rId3">
+            <a:extLst/>
+          </a:blip>
+          <a:stretch>
+            <a:fillRect/>
+          </a:stretch>
+        </p:blipFill>
+        <p:spPr>
+          <a:xfrm>
+            <a:off x="1551341" y="6863208"/>
+            <a:ext cx="10508294" cy="1681328"/>
+          </a:xfrm>
+          <a:prstGeom prst="rect">
+            <a:avLst/>
+          </a:prstGeom>
+          <a:ln w="12700">
+            <a:miter lim="400000"/>
+          </a:ln>
+          <a:effectLst>
+            <a:outerShdw sx="100000" sy="100000" kx="0" ky="0" algn="b" rotWithShape="0" blurRad="101600" dist="25400" dir="5400000">
+              <a:srgbClr val="000000">
+                <a:alpha val="75000"/>
+              </a:srgbClr>
+            </a:outerShdw>
+          </a:effectLst>
+        </p:spPr>
+      </p:pic>
+    </p:spTree>
+  </p:cSld>
+  <p:clrMapOvr>
+    <a:masterClrMapping/>
+  </p:clrMapOvr>
+  <p:transition xmlns:p14="http://schemas.microsoft.com/office/powerpoint/2010/main" spd="med" advClick="1"/>
+  <p:timing>
+    <p:tnLst>
+      <p:par>
+        <p:cTn id="1" nodeType="tmRoot" restart="never" dur="indefinite" fill="hold">
+          <p:childTnLst>
+            <p:seq concurrent="1" prevAc="none" nextAc="seek">
+              <p:cTn id="2" nodeType="mainSeq" dur="indefinite" fill="hold">
+                <p:childTnLst>
+                  <p:par>
+                    <p:cTn id="3" fill="hold">
+                      <p:stCondLst>
+                        <p:cond delay="indefinite"/>
+                      </p:stCondLst>
+                      <p:childTnLst>
+                        <p:par>
+                          <p:cTn id="4" fill="hold">
+                            <p:stCondLst>
+                              <p:cond delay="0"/>
+                            </p:stCondLst>
+                            <p:childTnLst>
+                              <p:par>
+                                <p:cTn id="5" presetClass="entr" nodeType="clickEffect" presetSubtype="0" presetID="1" grpId="1" fill="hold">
+                                  <p:stCondLst>
+                                    <p:cond delay="0"/>
+                                  </p:stCondLst>
+                                  <p:iterate type="el" backwards="0">
+                                    <p:tmAbs val="0"/>
+                                  </p:iterate>
+                                  <p:childTnLst>
+                                    <p:set>
+                                      <p:cBhvr>
+                                        <p:cTn id="6" fill="hold"/>
+                                        <p:tgtEl>
+                                          <p:spTgt spid="140"/>
+                                        </p:tgtEl>
+                                        <p:attrNameLst>
+                                          <p:attrName>style.visibility</p:attrName>
+                                        </p:attrNameLst>
+                                      </p:cBhvr>
+                                      <p:to>
+                                        <p:strVal val="visible"/>
+                                      </p:to>
+                                    </p:set>
+                                  </p:childTnLst>
+                                </p:cTn>
+                              </p:par>
+                            </p:childTnLst>
+                          </p:cTn>
+                        </p:par>
+                      </p:childTnLst>
+                    </p:cTn>
+                  </p:par>
+                </p:childTnLst>
+              </p:cTn>
+              <p:prevCondLst>
+                <p:cond evt="onPrev">
+                  <p:tgtEl>
+                    <p:sldTgt/>
+                  </p:tgtEl>
+                </p:cond>
+              </p:prevCondLst>
+              <p:nextCondLst>
+                <p:cond evt="onNext">
+                  <p:tgtEl>
+                    <p:sldTgt/>
+                  </p:tgtEl>
+                </p:cond>
+              </p:nextCondLst>
+            </p:seq>
+          </p:childTnLst>
+        </p:cTn>
+      </p:par>
+    </p:tnLst>
+    <p:bldLst>
+      <p:bldP build="whole" bldLvl="1" animBg="1" rev="0" advAuto="0" spid="140" grpId="1"/>
+    </p:bldLst>
+  </p:timing>
+</p:sld>
+</file>
+
+<file path=ppt/slides/slide6.xml><?xml version="1.0" encoding="utf-8"?>
+<p:sld xmlns:a="http://schemas.openxmlformats.org/drawingml/2006/main" xmlns:r="http://schemas.openxmlformats.org/officeDocument/2006/relationships" xmlns:p="http://schemas.openxmlformats.org/presentationml/2006/main" xmlns:m="http://schemas.openxmlformats.org/officeDocument/2006/math" xmlns:a14="http://schemas.microsoft.com/office/drawing/2010/main" showMasterSp="1" showMasterPhAnim="1">
+  <p:cSld>
+    <p:bg>
+      <p:bgPr>
+        <a:solidFill>
+          <a:srgbClr val="739A98"/>
+        </a:solidFill>
+      </p:bgPr>
+    </p:bg>
+    <p:spTree>
+      <p:nvGrpSpPr>
+        <p:cNvPr id="1" name=""/>
+        <p:cNvGrpSpPr/>
+        <p:nvPr/>
+      </p:nvGrpSpPr>
+      <p:grpSpPr>
+        <a:xfrm>
+          <a:off x="0" y="0"/>
+          <a:ext cx="0" cy="0"/>
+          <a:chOff x="0" y="0"/>
+          <a:chExt cx="0" cy="0"/>
+        </a:xfrm>
+      </p:grpSpPr>
+      <p:sp>
+        <p:nvSpPr>
+          <p:cNvPr id="144" name="Line"/>
+          <p:cNvSpPr/>
+          <p:nvPr/>
+        </p:nvSpPr>
+        <p:spPr>
+          <a:xfrm>
+            <a:off x="3759199" y="3781217"/>
+            <a:ext cx="1" cy="1940190"/>
+          </a:xfrm>
+          <a:prstGeom prst="line">
+            <a:avLst/>
+          </a:prstGeom>
+          <a:ln w="25400">
+            <a:solidFill>
+              <a:srgbClr val="FFFFFF"/>
+            </a:solidFill>
+            <a:tailEnd type="triangle"/>
+          </a:ln>
+          <a:effectLst>
+            <a:outerShdw sx="100000" sy="100000" kx="0" ky="0" algn="b" rotWithShape="0" blurRad="38100" dist="23000" dir="5400000">
+              <a:srgbClr val="000000">
+                <a:alpha val="35000"/>
+              </a:srgbClr>
+            </a:outerShdw>
+          </a:effectLst>
+        </p:spPr>
+        <p:txBody>
+          <a:bodyPr lIns="45718" tIns="45718" rIns="45718" bIns="45718"/>
+          <a:lstStyle/>
+          <a:p>
+            <a:pPr/>
+          </a:p>
+        </p:txBody>
+      </p:sp>
+      <p:pic>
+        <p:nvPicPr>
+          <p:cNvPr id="145" name="Image" descr="Image"/>
+          <p:cNvPicPr>
+            <a:picLocks noChangeAspect="1"/>
+          </p:cNvPicPr>
+          <p:nvPr/>
+        </p:nvPicPr>
+        <p:blipFill>
+          <a:blip r:embed="rId2">
+            <a:extLst/>
+          </a:blip>
+          <a:stretch>
+            <a:fillRect/>
+          </a:stretch>
+        </p:blipFill>
+        <p:spPr>
+          <a:xfrm>
+            <a:off x="1493385" y="1124306"/>
+            <a:ext cx="4531630" cy="1940190"/>
+          </a:xfrm>
+          <a:prstGeom prst="rect">
+            <a:avLst/>
+          </a:prstGeom>
+          <a:ln w="12700">
+            <a:miter lim="400000"/>
+          </a:ln>
+          <a:effectLst>
+            <a:outerShdw sx="100000" sy="100000" kx="0" ky="0" algn="b" rotWithShape="0" blurRad="101600" dist="25400" dir="5400000">
+              <a:srgbClr val="000000">
+                <a:alpha val="75000"/>
+              </a:srgbClr>
+            </a:outerShdw>
+          </a:effectLst>
+        </p:spPr>
+      </p:pic>
+      <p:pic>
+        <p:nvPicPr>
+          <p:cNvPr id="146" name="Image" descr="Image"/>
+          <p:cNvPicPr>
+            <a:picLocks noChangeAspect="1"/>
+          </p:cNvPicPr>
+          <p:nvPr/>
+        </p:nvPicPr>
+        <p:blipFill>
+          <a:blip r:embed="rId3">
+            <a:extLst/>
+          </a:blip>
+          <a:stretch>
+            <a:fillRect/>
+          </a:stretch>
+        </p:blipFill>
+        <p:spPr>
+          <a:xfrm>
+            <a:off x="774700" y="6438129"/>
+            <a:ext cx="7584107" cy="2272590"/>
+          </a:xfrm>
+          <a:prstGeom prst="rect">
+            <a:avLst/>
+          </a:prstGeom>
+          <a:ln w="12700">
+            <a:miter lim="400000"/>
+          </a:ln>
+          <a:effectLst>
+            <a:outerShdw sx="100000" sy="100000" kx="0" ky="0" algn="b" rotWithShape="0" blurRad="101600" dist="25400" dir="5400000">
+              <a:srgbClr val="000000">
+                <a:alpha val="75000"/>
+              </a:srgbClr>
+            </a:outerShdw>
+          </a:effectLst>
+        </p:spPr>
+      </p:pic>
+      <p:sp>
+        <p:nvSpPr>
+          <p:cNvPr id="147" name="Line"/>
+          <p:cNvSpPr/>
+          <p:nvPr/>
+        </p:nvSpPr>
+        <p:spPr>
+          <a:xfrm>
+            <a:off x="6610994" y="2094400"/>
+            <a:ext cx="2147059" cy="1"/>
+          </a:xfrm>
+          <a:prstGeom prst="line">
+            <a:avLst/>
+          </a:prstGeom>
+          <a:ln w="25400">
+            <a:solidFill>
+              <a:srgbClr val="FFFFFF"/>
+            </a:solidFill>
+            <a:tailEnd type="triangle"/>
+          </a:ln>
+          <a:effectLst>
+            <a:outerShdw sx="100000" sy="100000" kx="0" ky="0" algn="b" rotWithShape="0" blurRad="38100" dist="23000" dir="5400000">
+              <a:srgbClr val="000000">
+                <a:alpha val="35000"/>
+              </a:srgbClr>
+            </a:outerShdw>
+          </a:effectLst>
+        </p:spPr>
+        <p:txBody>
+          <a:bodyPr lIns="45718" tIns="45718" rIns="45718" bIns="45718"/>
+          <a:lstStyle/>
+          <a:p>
+            <a:pPr/>
+          </a:p>
+        </p:txBody>
+      </p:sp>
+      <p:pic>
+        <p:nvPicPr>
+          <p:cNvPr id="148" name="Image" descr="Image"/>
+          <p:cNvPicPr>
+            <a:picLocks noChangeAspect="1"/>
+          </p:cNvPicPr>
+          <p:nvPr/>
+        </p:nvPicPr>
+        <p:blipFill>
+          <a:blip r:embed="rId4">
+            <a:extLst/>
+          </a:blip>
+          <a:stretch>
+            <a:fillRect/>
+          </a:stretch>
+        </p:blipFill>
+        <p:spPr>
+          <a:xfrm>
+            <a:off x="9344032" y="982832"/>
+            <a:ext cx="4531631" cy="2537714"/>
+          </a:xfrm>
+          <a:prstGeom prst="rect">
+            <a:avLst/>
+          </a:prstGeom>
+          <a:ln w="12700">
+            <a:miter lim="400000"/>
+          </a:ln>
+          <a:effectLst>
+            <a:outerShdw sx="100000" sy="100000" kx="0" ky="0" algn="b" rotWithShape="0" blurRad="101600" dist="25400" dir="5400000">
+              <a:srgbClr val="000000">
+                <a:alpha val="75000"/>
+              </a:srgbClr>
+            </a:outerShdw>
+          </a:effectLst>
+        </p:spPr>
+      </p:pic>
+      <p:pic>
+        <p:nvPicPr>
+          <p:cNvPr id="149" name="Image" descr="Image"/>
+          <p:cNvPicPr>
+            <a:picLocks noChangeAspect="1"/>
+          </p:cNvPicPr>
+          <p:nvPr/>
+        </p:nvPicPr>
+        <p:blipFill>
+          <a:blip r:embed="rId5">
+            <a:extLst/>
+          </a:blip>
+          <a:stretch>
+            <a:fillRect/>
+          </a:stretch>
+        </p:blipFill>
+        <p:spPr>
+          <a:xfrm>
+            <a:off x="9666747" y="6263622"/>
+            <a:ext cx="4119661" cy="2621603"/>
+          </a:xfrm>
+          <a:prstGeom prst="rect">
+            <a:avLst/>
+          </a:prstGeom>
+          <a:ln w="12700">
+            <a:miter lim="400000"/>
+          </a:ln>
+          <a:effectLst>
+            <a:outerShdw sx="100000" sy="100000" kx="0" ky="0" algn="b" rotWithShape="0" blurRad="101600" dist="25400" dir="5400000">
+              <a:srgbClr val="000000">
+                <a:alpha val="75000"/>
+              </a:srgbClr>
+            </a:outerShdw>
+          </a:effectLst>
+        </p:spPr>
+      </p:pic>
+      <p:sp>
+        <p:nvSpPr>
+          <p:cNvPr id="150" name="Line"/>
+          <p:cNvSpPr/>
+          <p:nvPr/>
+        </p:nvSpPr>
+        <p:spPr>
+          <a:xfrm>
+            <a:off x="11726577" y="4120098"/>
+            <a:ext cx="1" cy="1543972"/>
+          </a:xfrm>
+          <a:prstGeom prst="line">
+            <a:avLst/>
+          </a:prstGeom>
+          <a:ln w="25400">
+            <a:solidFill>
+              <a:srgbClr val="FFFFFF"/>
+            </a:solidFill>
+            <a:tailEnd type="triangle"/>
+          </a:ln>
+          <a:effectLst>
+            <a:outerShdw sx="100000" sy="100000" kx="0" ky="0" algn="b" rotWithShape="0" blurRad="38100" dist="23000" dir="5400000">
+              <a:srgbClr val="000000">
+                <a:alpha val="35000"/>
+              </a:srgbClr>
+            </a:outerShdw>
+          </a:effectLst>
+        </p:spPr>
+        <p:txBody>
+          <a:bodyPr lIns="45718" tIns="45718" rIns="45718" bIns="45718"/>
+          <a:lstStyle/>
+          <a:p>
+            <a:pPr/>
+          </a:p>
+        </p:txBody>
+      </p:sp>
+    </p:spTree>
+  </p:cSld>
+  <p:clrMapOvr>
+    <a:masterClrMapping/>
+  </p:clrMapOvr>
+  <p:transition xmlns:p14="http://schemas.microsoft.com/office/powerpoint/2010/main" spd="med" advClick="1"/>
+  <p:timing>
+    <p:tnLst>
+      <p:par>
+        <p:cTn id="1" nodeType="tmRoot" restart="never" dur="indefinite" fill="hold">
+          <p:childTnLst>
+            <p:seq concurrent="1" prevAc="none" nextAc="seek">
+              <p:cTn id="2" nodeType="mainSeq" dur="indefinite" fill="hold">
+                <p:childTnLst>
+                  <p:par>
+                    <p:cTn id="3" fill="hold">
+                      <p:stCondLst>
+                        <p:cond delay="indefinite"/>
+                      </p:stCondLst>
+                      <p:childTnLst>
+                        <p:par>
+                          <p:cTn id="4" fill="hold">
+                            <p:stCondLst>
+                              <p:cond delay="0"/>
+                            </p:stCondLst>
+                            <p:childTnLst>
+                              <p:par>
+                                <p:cTn id="5" presetClass="entr" nodeType="clickEffect" presetSubtype="0" presetID="1" grpId="1" fill="hold">
+                                  <p:stCondLst>
+                                    <p:cond delay="0"/>
+                                  </p:stCondLst>
+                                  <p:iterate type="el" backwards="0">
+                                    <p:tmAbs val="0"/>
+                                  </p:iterate>
+                                  <p:childTnLst>
+                                    <p:set>
+                                      <p:cBhvr>
+                                        <p:cTn id="6" fill="hold"/>
+                                        <p:tgtEl>
+                                          <p:spTgt spid="144"/>
+                                        </p:tgtEl>
+                                        <p:attrNameLst>
+                                          <p:attrName>style.visibility</p:attrName>
+                                        </p:attrNameLst>
+                                      </p:cBhvr>
+                                      <p:to>
+                                        <p:strVal val="visible"/>
+                                      </p:to>
+                                    </p:set>
+                                  </p:childTnLst>
+                                </p:cTn>
+                              </p:par>
+                            </p:childTnLst>
+                          </p:cTn>
+                        </p:par>
+                      </p:childTnLst>
+                    </p:cTn>
+                  </p:par>
+                  <p:par>
+                    <p:cTn id="7" fill="hold">
+                      <p:stCondLst>
+                        <p:cond delay="indefinite"/>
+                      </p:stCondLst>
+                      <p:childTnLst>
+                        <p:par>
+                          <p:cTn id="8" fill="hold">
+                            <p:stCondLst>
+                              <p:cond delay="0"/>
+                            </p:stCondLst>
+                            <p:childTnLst>
+                              <p:par>
+                                <p:cTn id="9" presetClass="entr" nodeType="clickEffect" presetSubtype="0" presetID="1" grpId="2" fill="hold">
+                                  <p:stCondLst>
+                                    <p:cond delay="0"/>
+                                  </p:stCondLst>
+                                  <p:iterate type="el" backwards="0">
+                                    <p:tmAbs val="0"/>
+                                  </p:iterate>
+                                  <p:childTnLst>
+                                    <p:set>
+                                      <p:cBhvr>
+                                        <p:cTn id="10" fill="hold"/>
+                                        <p:tgtEl>
+                                          <p:spTgt spid="146"/>
+                                        </p:tgtEl>
+                                        <p:attrNameLst>
+                                          <p:attrName>style.visibility</p:attrName>
+                                        </p:attrNameLst>
+                                      </p:cBhvr>
+                                      <p:to>
+                                        <p:strVal val="visible"/>
+                                      </p:to>
+                                    </p:set>
+                                  </p:childTnLst>
+                                </p:cTn>
+                              </p:par>
+                            </p:childTnLst>
+                          </p:cTn>
+                        </p:par>
+                      </p:childTnLst>
+                    </p:cTn>
+                  </p:par>
+                  <p:par>
+                    <p:cTn id="11" fill="hold">
+                      <p:stCondLst>
+                        <p:cond delay="indefinite"/>
+                      </p:stCondLst>
+                      <p:childTnLst>
+                        <p:par>
+                          <p:cTn id="12" fill="hold">
+                            <p:stCondLst>
+                              <p:cond delay="0"/>
+                            </p:stCondLst>
+                            <p:childTnLst>
+                              <p:par>
+                                <p:cTn id="13" presetClass="entr" nodeType="clickEffect" presetSubtype="0" presetID="1" grpId="3" fill="hold">
+                                  <p:stCondLst>
+                                    <p:cond delay="0"/>
+                                  </p:stCondLst>
+                                  <p:iterate type="el" backwards="0">
+                                    <p:tmAbs val="0"/>
+                                  </p:iterate>
+                                  <p:childTnLst>
+                                    <p:set>
+                                      <p:cBhvr>
+                                        <p:cTn id="14" fill="hold"/>
+                                        <p:tgtEl>
+                                          <p:spTgt spid="147"/>
+                                        </p:tgtEl>
+                                        <p:attrNameLst>
+                                          <p:attrName>style.visibility</p:attrName>
+                                        </p:attrNameLst>
+                                      </p:cBhvr>
+                                      <p:to>
+                                        <p:strVal val="visible"/>
+                                      </p:to>
+                                    </p:set>
+                                  </p:childTnLst>
+                                </p:cTn>
+                              </p:par>
+                            </p:childTnLst>
+                          </p:cTn>
+                        </p:par>
+                      </p:childTnLst>
+                    </p:cTn>
+                  </p:par>
+                  <p:par>
+                    <p:cTn id="15" fill="hold">
+                      <p:stCondLst>
+                        <p:cond delay="indefinite"/>
+                      </p:stCondLst>
+                      <p:childTnLst>
+                        <p:par>
+                          <p:cTn id="16" fill="hold">
+                            <p:stCondLst>
+                              <p:cond delay="0"/>
+                            </p:stCondLst>
+                            <p:childTnLst>
+                              <p:par>
+                                <p:cTn id="17" presetClass="entr" nodeType="clickEffect" presetSubtype="0" presetID="1" grpId="4" fill="hold">
+                                  <p:stCondLst>
+                                    <p:cond delay="0"/>
+                                  </p:stCondLst>
+                                  <p:iterate type="el" backwards="0">
+                                    <p:tmAbs val="0"/>
+                                  </p:iterate>
+                                  <p:childTnLst>
+                                    <p:set>
+                                      <p:cBhvr>
+                                        <p:cTn id="18" fill="hold"/>
+                                        <p:tgtEl>
+                                          <p:spTgt spid="148"/>
+                                        </p:tgtEl>
+                                        <p:attrNameLst>
+                                          <p:attrName>style.visibility</p:attrName>
+                                        </p:attrNameLst>
+                                      </p:cBhvr>
+                                      <p:to>
+                                        <p:strVal val="visible"/>
+                                      </p:to>
+                                    </p:set>
+                                  </p:childTnLst>
+                                </p:cTn>
+                              </p:par>
+                            </p:childTnLst>
+                          </p:cTn>
+                        </p:par>
+                      </p:childTnLst>
+                    </p:cTn>
+                  </p:par>
+                  <p:par>
+                    <p:cTn id="19" fill="hold">
+                      <p:stCondLst>
+                        <p:cond delay="indefinite"/>
+                      </p:stCondLst>
+                      <p:childTnLst>
+                        <p:par>
+                          <p:cTn id="20" fill="hold">
+                            <p:stCondLst>
+                              <p:cond delay="0"/>
+                            </p:stCondLst>
+                            <p:childTnLst>
+                              <p:par>
+                                <p:cTn id="21" presetClass="entr" nodeType="clickEffect" presetSubtype="0" presetID="1" grpId="5" fill="hold">
+                                  <p:stCondLst>
+                                    <p:cond delay="0"/>
+                                  </p:stCondLst>
+                                  <p:iterate type="el" backwards="0">
+                                    <p:tmAbs val="0"/>
+                                  </p:iterate>
+                                  <p:childTnLst>
+                                    <p:set>
+                                      <p:cBhvr>
+                                        <p:cTn id="22" fill="hold"/>
+                                        <p:tgtEl>
+                                          <p:spTgt spid="150"/>
+                                        </p:tgtEl>
+                                        <p:attrNameLst>
+                                          <p:attrName>style.visibility</p:attrName>
+                                        </p:attrNameLst>
+                                      </p:cBhvr>
+                                      <p:to>
+                                        <p:strVal val="visible"/>
+                                      </p:to>
+                                    </p:set>
+                                  </p:childTnLst>
+                                </p:cTn>
+                              </p:par>
+                            </p:childTnLst>
+                          </p:cTn>
+                        </p:par>
+                      </p:childTnLst>
+                    </p:cTn>
+                  </p:par>
+                  <p:par>
+                    <p:cTn id="23" fill="hold">
+                      <p:stCondLst>
+                        <p:cond delay="indefinite"/>
+                      </p:stCondLst>
+                      <p:childTnLst>
+                        <p:par>
+                          <p:cTn id="24" fill="hold">
+                            <p:stCondLst>
+                              <p:cond delay="0"/>
+                            </p:stCondLst>
+                            <p:childTnLst>
+                              <p:par>
+                                <p:cTn id="25" presetClass="entr" nodeType="clickEffect" presetSubtype="0" presetID="1" grpId="6" fill="hold">
+                                  <p:stCondLst>
+                                    <p:cond delay="0"/>
+                                  </p:stCondLst>
+                                  <p:iterate type="el" backwards="0">
+                                    <p:tmAbs val="0"/>
+                                  </p:iterate>
+                                  <p:childTnLst>
+                                    <p:set>
+                                      <p:cBhvr>
+                                        <p:cTn id="26" fill="hold"/>
+                                        <p:tgtEl>
+                                          <p:spTgt spid="149"/>
+                                        </p:tgtEl>
+                                        <p:attrNameLst>
+                                          <p:attrName>style.visibility</p:attrName>
+                                        </p:attrNameLst>
+                                      </p:cBhvr>
+                                      <p:to>
+                                        <p:strVal val="visible"/>
+                                      </p:to>
+                                    </p:set>
+                                  </p:childTnLst>
+                                </p:cTn>
+                              </p:par>
+                            </p:childTnLst>
+                          </p:cTn>
+                        </p:par>
+                      </p:childTnLst>
+                    </p:cTn>
+                  </p:par>
+                </p:childTnLst>
+              </p:cTn>
+              <p:prevCondLst>
+                <p:cond evt="onPrev">
+                  <p:tgtEl>
+                    <p:sldTgt/>
+                  </p:tgtEl>
+                </p:cond>
+              </p:prevCondLst>
+              <p:nextCondLst>
+                <p:cond evt="onNext">
+                  <p:tgtEl>
+                    <p:sldTgt/>
+                  </p:tgtEl>
+                </p:cond>
+              </p:nextCondLst>
+            </p:seq>
+          </p:childTnLst>
+        </p:cTn>
+      </p:par>
+    </p:tnLst>
+    <p:bldLst>
+      <p:bldP build="whole" bldLvl="1" animBg="1" rev="0" advAuto="0" spid="146" grpId="2"/>
+      <p:bldP build="whole" bldLvl="1" animBg="1" rev="0" advAuto="0" spid="148" grpId="4"/>
+      <p:bldP build="whole" bldLvl="1" animBg="1" rev="0" advAuto="0" spid="147" grpId="3"/>
+      <p:bldP build="whole" bldLvl="1" animBg="1" rev="0" advAuto="0" spid="150" grpId="5"/>
+      <p:bldP build="whole" bldLvl="1" animBg="1" rev="0" advAuto="0" spid="144" grpId="1"/>
+      <p:bldP build="whole" bldLvl="1" animBg="1" rev="0" advAuto="0" spid="149" grpId="6"/>
+    </p:bldLst>
+  </p:timing>
+</p:sld>
+</file>
+
+<file path=ppt/slides/slide7.xml><?xml version="1.0" encoding="utf-8"?>
+<p:sld xmlns:a="http://schemas.openxmlformats.org/drawingml/2006/main" xmlns:r="http://schemas.openxmlformats.org/officeDocument/2006/relationships" xmlns:p="http://schemas.openxmlformats.org/presentationml/2006/main" xmlns:m="http://schemas.openxmlformats.org/officeDocument/2006/math" xmlns:a14="http://schemas.microsoft.com/office/drawing/2010/main" showMasterSp="1" showMasterPhAnim="1">
+  <p:cSld>
+    <p:bg>
+      <p:bgPr>
+        <a:solidFill>
+          <a:srgbClr val="739A98"/>
+        </a:solidFill>
+      </p:bgPr>
+    </p:bg>
+    <p:spTree>
+      <p:nvGrpSpPr>
+        <p:cNvPr id="1" name=""/>
+        <p:cNvGrpSpPr/>
+        <p:nvPr/>
+      </p:nvGrpSpPr>
+      <p:grpSpPr>
+        <a:xfrm>
+          <a:off x="0" y="0"/>
+          <a:ext cx="0" cy="0"/>
+          <a:chOff x="0" y="0"/>
+          <a:chExt cx="0" cy="0"/>
+        </a:xfrm>
+      </p:grpSpPr>
+      <p:pic>
+        <p:nvPicPr>
+          <p:cNvPr id="152" name="Image" descr="Image"/>
+          <p:cNvPicPr>
+            <a:picLocks noChangeAspect="1"/>
+          </p:cNvPicPr>
+          <p:nvPr/>
+        </p:nvPicPr>
+        <p:blipFill>
+          <a:blip r:embed="rId2">
+            <a:extLst/>
+          </a:blip>
+          <a:stretch>
+            <a:fillRect/>
+          </a:stretch>
+        </p:blipFill>
+        <p:spPr>
+          <a:xfrm>
+            <a:off x="2965579" y="2775634"/>
+            <a:ext cx="8470642" cy="5243732"/>
+          </a:xfrm>
+          <a:prstGeom prst="rect">
+            <a:avLst/>
+          </a:prstGeom>
+          <a:ln w="12700">
+            <a:miter lim="400000"/>
+          </a:ln>
+          <a:effectLst>
+            <a:outerShdw sx="100000" sy="100000" kx="0" ky="0" algn="b" rotWithShape="0" blurRad="101600" dist="25400" dir="5400000">
+              <a:srgbClr val="000000">
+                <a:alpha val="75000"/>
+              </a:srgbClr>
+            </a:outerShdw>
+          </a:effectLst>
+        </p:spPr>
+      </p:pic>
+    </p:spTree>
+  </p:cSld>
+  <p:clrMapOvr>
+    <a:masterClrMapping/>
+  </p:clrMapOvr>
+  <p:transition xmlns:p14="http://schemas.microsoft.com/office/powerpoint/2010/main" spd="med" advClick="1"/>
+</p:sld>
+</file>
+
+<file path=ppt/slides/slide8.xml><?xml version="1.0" encoding="utf-8"?>
+<p:sld xmlns:a="http://schemas.openxmlformats.org/drawingml/2006/main" xmlns:r="http://schemas.openxmlformats.org/officeDocument/2006/relationships" xmlns:p="http://schemas.openxmlformats.org/presentationml/2006/main" xmlns:m="http://schemas.openxmlformats.org/officeDocument/2006/math" xmlns:a14="http://schemas.microsoft.com/office/drawing/2010/main" showMasterSp="1" showMasterPhAnim="1">
+  <p:cSld>
+    <p:bg>
+      <p:bgPr>
+        <a:solidFill>
+          <a:srgbClr val="739A98"/>
+        </a:solidFill>
+      </p:bgPr>
+    </p:bg>
+    <p:spTree>
+      <p:nvGrpSpPr>
+        <p:cNvPr id="1" name=""/>
+        <p:cNvGrpSpPr/>
+        <p:nvPr/>
+      </p:nvGrpSpPr>
+      <p:grpSpPr>
+        <a:xfrm>
+          <a:off x="0" y="0"/>
+          <a:ext cx="0" cy="0"/>
+          <a:chOff x="0" y="0"/>
+          <a:chExt cx="0" cy="0"/>
+        </a:xfrm>
+      </p:grpSpPr>
+      <p:pic>
+        <p:nvPicPr>
+          <p:cNvPr id="154" name="Screen Shot 2018-07-07 at 9.31.50 PM.png" descr="Screen Shot 2018-07-07 at 9.31.50 PM.png"/>
+          <p:cNvPicPr>
+            <a:picLocks noChangeAspect="1"/>
+          </p:cNvPicPr>
+          <p:nvPr/>
+        </p:nvPicPr>
+        <p:blipFill>
+          <a:blip r:embed="rId2">
+            <a:extLst/>
+          </a:blip>
+          <a:stretch>
+            <a:fillRect/>
+          </a:stretch>
+        </p:blipFill>
+        <p:spPr>
+          <a:xfrm>
+            <a:off x="222461" y="0"/>
+            <a:ext cx="13956878" cy="10795000"/>
+          </a:xfrm>
+          <a:prstGeom prst="rect">
+            <a:avLst/>
+          </a:prstGeom>
+          <a:ln w="12700">
+            <a:miter lim="400000"/>
+          </a:ln>
+        </p:spPr>
+      </p:pic>
+    </p:spTree>
+  </p:cSld>
+  <p:clrMapOvr>
+    <a:masterClrMapping/>
+  </p:clrMapOvr>
+  <p:transition xmlns:p14="http://schemas.microsoft.com/office/powerpoint/2010/main" spd="med" advClick="1"/>
+</p:sld>
+</file>
+
+<file path=ppt/slides/slide9.xml><?xml version="1.0" encoding="utf-8"?>
+<p:sld xmlns:a="http://schemas.openxmlformats.org/drawingml/2006/main" xmlns:r="http://schemas.openxmlformats.org/officeDocument/2006/relationships" xmlns:p="http://schemas.openxmlformats.org/presentationml/2006/main" xmlns:m="http://schemas.openxmlformats.org/officeDocument/2006/math" xmlns:a14="http://schemas.microsoft.com/office/drawing/2010/main" showMasterSp="1" showMasterPhAnim="1">
+  <p:cSld>
+    <p:bg>
+      <p:bgPr>
+        <a:solidFill>
+          <a:srgbClr val="739A98"/>
+        </a:solidFill>
+      </p:bgPr>
+    </p:bg>
+    <p:spTree>
+      <p:nvGrpSpPr>
+        <p:cNvPr id="1" name=""/>
+        <p:cNvGrpSpPr/>
+        <p:nvPr/>
+      </p:nvGrpSpPr>
+      <p:grpSpPr>
+        <a:xfrm>
+          <a:off x="0" y="0"/>
+          <a:ext cx="0" cy="0"/>
+          <a:chOff x="0" y="0"/>
+          <a:chExt cx="0" cy="0"/>
+        </a:xfrm>
+      </p:grpSpPr>
+      <p:sp>
+        <p:nvSpPr>
+          <p:cNvPr id="156" name="当以非相对路径导入一个 JavaScript 模块时，导入的是什么？"/>
           <p:cNvSpPr txBox="1"/>
           <p:nvPr/>
         </p:nvSpPr>
         <p:spPr>
           <a:xfrm>
-            <a:off x="3848248" y="5054599"/>
-            <a:ext cx="6705304" cy="685801"/>
+            <a:off x="645441" y="838199"/>
+            <a:ext cx="8513518" cy="736601"/>
           </a:xfrm>
           <a:prstGeom prst="rect">
             <a:avLst/>
@@ -3907,8 +5917,10 @@
             <a:spAutoFit/>
           </a:bodyPr>
           <a:lstStyle>
-            <a:lvl1pPr>
-              <a:defRPr sz="3300">
+            <a:lvl1pPr marL="481263" indent="-481263">
+              <a:buSzPct val="100000"/>
+              <a:buAutoNum type="arabicPeriod" startAt="2"/>
+              <a:defRPr sz="3600">
                 <a:solidFill>
                   <a:srgbClr val="FFFFFF"/>
                 </a:solidFill>
@@ -3918,11 +5930,47 @@
           <a:p>
             <a:pPr/>
             <a:r>
-              <a:t>在 TypeScript下 写一个正确的组件</a:t>
+              <a:t>以非相对路径导入一个 JavaScript 模块</a:t>
             </a:r>
           </a:p>
         </p:txBody>
       </p:sp>
+      <p:pic>
+        <p:nvPicPr>
+          <p:cNvPr id="157" name="Image" descr="Image"/>
+          <p:cNvPicPr>
+            <a:picLocks noChangeAspect="1"/>
+          </p:cNvPicPr>
+          <p:nvPr/>
+        </p:nvPicPr>
+        <p:blipFill>
+          <a:blip r:embed="rId2">
+            <a:extLst/>
+          </a:blip>
+          <a:stretch>
+            <a:fillRect/>
+          </a:stretch>
+        </p:blipFill>
+        <p:spPr>
+          <a:xfrm>
+            <a:off x="1158038" y="3036297"/>
+            <a:ext cx="12085724" cy="5154206"/>
+          </a:xfrm>
+          <a:prstGeom prst="rect">
+            <a:avLst/>
+          </a:prstGeom>
+          <a:ln w="12700">
+            <a:miter lim="400000"/>
+          </a:ln>
+          <a:effectLst>
+            <a:outerShdw sx="100000" sy="100000" kx="0" ky="0" algn="b" rotWithShape="0" blurRad="101600" dist="25400" dir="5400000">
+              <a:srgbClr val="000000">
+                <a:alpha val="75000"/>
+              </a:srgbClr>
+            </a:outerShdw>
+          </a:effectLst>
+        </p:spPr>
+      </p:pic>
     </p:spTree>
   </p:cSld>
   <p:clrMapOvr>
@@ -3975,14 +6023,14 @@
     </a:clrScheme>
     <a:fontScheme name="White">
       <a:majorFont>
+        <a:latin typeface="Lucida Grande"/>
+        <a:ea typeface="Lucida Grande"/>
+        <a:cs typeface="Lucida Grande"/>
+      </a:majorFont>
+      <a:minorFont>
         <a:latin typeface="Helvetica"/>
         <a:ea typeface="Helvetica"/>
         <a:cs typeface="Helvetica"/>
-      </a:majorFont>
-      <a:minorFont>
-        <a:latin typeface="Lucida Grande"/>
-        <a:ea typeface="Lucida Grande"/>
-        <a:cs typeface="Lucida Grande"/>
       </a:minorFont>
     </a:fontScheme>
     <a:fmtScheme name="White">
@@ -4187,9 +6235,9 @@
             </a:solidFill>
             <a:effectLst/>
             <a:uFillTx/>
-            <a:latin typeface="+mn-lt"/>
-            <a:ea typeface="+mn-ea"/>
-            <a:cs typeface="+mn-cs"/>
+            <a:latin typeface="+mj-lt"/>
+            <a:ea typeface="+mj-ea"/>
+            <a:cs typeface="+mj-cs"/>
             <a:sym typeface="Lucida Grande"/>
           </a:defRPr>
         </a:defPPr>
@@ -4764,9 +6812,9 @@
             </a:solidFill>
             <a:effectLst/>
             <a:uFillTx/>
-            <a:latin typeface="+mn-lt"/>
-            <a:ea typeface="+mn-ea"/>
-            <a:cs typeface="+mn-cs"/>
+            <a:latin typeface="+mj-lt"/>
+            <a:ea typeface="+mj-ea"/>
+            <a:cs typeface="+mj-cs"/>
             <a:sym typeface="Lucida Grande"/>
           </a:defRPr>
         </a:defPPr>
@@ -5059,14 +7107,14 @@
     </a:clrScheme>
     <a:fontScheme name="White">
       <a:majorFont>
+        <a:latin typeface="Lucida Grande"/>
+        <a:ea typeface="Lucida Grande"/>
+        <a:cs typeface="Lucida Grande"/>
+      </a:majorFont>
+      <a:minorFont>
         <a:latin typeface="Helvetica"/>
         <a:ea typeface="Helvetica"/>
         <a:cs typeface="Helvetica"/>
-      </a:majorFont>
-      <a:minorFont>
-        <a:latin typeface="Lucida Grande"/>
-        <a:ea typeface="Lucida Grande"/>
-        <a:cs typeface="Lucida Grande"/>
       </a:minorFont>
     </a:fontScheme>
     <a:fmtScheme name="White">
@@ -5271,9 +7319,9 @@
             </a:solidFill>
             <a:effectLst/>
             <a:uFillTx/>
-            <a:latin typeface="+mn-lt"/>
-            <a:ea typeface="+mn-ea"/>
-            <a:cs typeface="+mn-cs"/>
+            <a:latin typeface="+mj-lt"/>
+            <a:ea typeface="+mj-ea"/>
+            <a:cs typeface="+mj-cs"/>
             <a:sym typeface="Lucida Grande"/>
           </a:defRPr>
         </a:defPPr>
@@ -5848,9 +7896,9 @@
             </a:solidFill>
             <a:effectLst/>
             <a:uFillTx/>
-            <a:latin typeface="+mn-lt"/>
-            <a:ea typeface="+mn-ea"/>
-            <a:cs typeface="+mn-cs"/>
+            <a:latin typeface="+mj-lt"/>
+            <a:ea typeface="+mj-ea"/>
+            <a:cs typeface="+mj-cs"/>
             <a:sym typeface="Lucida Grande"/>
           </a:defRPr>
         </a:defPPr>

--- a/ppt/typescript（三）.pptx
+++ b/ppt/typescript（三）.pptx
@@ -20,6 +20,11 @@
     <p:sldId id="265" r:id="rId17"/>
     <p:sldId id="266" r:id="rId18"/>
     <p:sldId id="267" r:id="rId19"/>
+    <p:sldId id="268" r:id="rId20"/>
+    <p:sldId id="269" r:id="rId21"/>
+    <p:sldId id="270" r:id="rId22"/>
+    <p:sldId id="271" r:id="rId23"/>
+    <p:sldId id="272" r:id="rId24"/>
   </p:sldIdLst>
   <p:sldSz cx="14401800" cy="10795000"/>
   <p:notesSz cx="6858000" cy="9144000"/>
@@ -77,7 +82,7 @@
         <a:latin typeface="+mj-lt"/>
         <a:ea typeface="+mj-ea"/>
         <a:cs typeface="+mj-cs"/>
-        <a:sym typeface="Lucida Grande"/>
+        <a:sym typeface="Helvetica"/>
       </a:defRPr>
     </a:lvl1pPr>
     <a:lvl2pPr marL="0" marR="0" indent="0" algn="l" defTabSz="1440089" rtl="0" fontAlgn="auto" latinLnBrk="0" hangingPunct="0">
@@ -107,7 +112,7 @@
         <a:latin typeface="+mj-lt"/>
         <a:ea typeface="+mj-ea"/>
         <a:cs typeface="+mj-cs"/>
-        <a:sym typeface="Lucida Grande"/>
+        <a:sym typeface="Helvetica"/>
       </a:defRPr>
     </a:lvl2pPr>
     <a:lvl3pPr marL="0" marR="0" indent="0" algn="l" defTabSz="1440089" rtl="0" fontAlgn="auto" latinLnBrk="0" hangingPunct="0">
@@ -137,7 +142,7 @@
         <a:latin typeface="+mj-lt"/>
         <a:ea typeface="+mj-ea"/>
         <a:cs typeface="+mj-cs"/>
-        <a:sym typeface="Lucida Grande"/>
+        <a:sym typeface="Helvetica"/>
       </a:defRPr>
     </a:lvl3pPr>
     <a:lvl4pPr marL="0" marR="0" indent="0" algn="l" defTabSz="1440089" rtl="0" fontAlgn="auto" latinLnBrk="0" hangingPunct="0">
@@ -167,7 +172,7 @@
         <a:latin typeface="+mj-lt"/>
         <a:ea typeface="+mj-ea"/>
         <a:cs typeface="+mj-cs"/>
-        <a:sym typeface="Lucida Grande"/>
+        <a:sym typeface="Helvetica"/>
       </a:defRPr>
     </a:lvl4pPr>
     <a:lvl5pPr marL="0" marR="0" indent="0" algn="l" defTabSz="1440089" rtl="0" fontAlgn="auto" latinLnBrk="0" hangingPunct="0">
@@ -197,7 +202,7 @@
         <a:latin typeface="+mj-lt"/>
         <a:ea typeface="+mj-ea"/>
         <a:cs typeface="+mj-cs"/>
-        <a:sym typeface="Lucida Grande"/>
+        <a:sym typeface="Helvetica"/>
       </a:defRPr>
     </a:lvl5pPr>
     <a:lvl6pPr marL="0" marR="0" indent="0" algn="l" defTabSz="1440089" rtl="0" fontAlgn="auto" latinLnBrk="0" hangingPunct="0">
@@ -227,7 +232,7 @@
         <a:latin typeface="+mj-lt"/>
         <a:ea typeface="+mj-ea"/>
         <a:cs typeface="+mj-cs"/>
-        <a:sym typeface="Lucida Grande"/>
+        <a:sym typeface="Helvetica"/>
       </a:defRPr>
     </a:lvl6pPr>
     <a:lvl7pPr marL="0" marR="0" indent="0" algn="l" defTabSz="1440089" rtl="0" fontAlgn="auto" latinLnBrk="0" hangingPunct="0">
@@ -257,7 +262,7 @@
         <a:latin typeface="+mj-lt"/>
         <a:ea typeface="+mj-ea"/>
         <a:cs typeface="+mj-cs"/>
-        <a:sym typeface="Lucida Grande"/>
+        <a:sym typeface="Helvetica"/>
       </a:defRPr>
     </a:lvl7pPr>
     <a:lvl8pPr marL="0" marR="0" indent="0" algn="l" defTabSz="1440089" rtl="0" fontAlgn="auto" latinLnBrk="0" hangingPunct="0">
@@ -287,7 +292,7 @@
         <a:latin typeface="+mj-lt"/>
         <a:ea typeface="+mj-ea"/>
         <a:cs typeface="+mj-cs"/>
-        <a:sym typeface="Lucida Grande"/>
+        <a:sym typeface="Helvetica"/>
       </a:defRPr>
     </a:lvl8pPr>
     <a:lvl9pPr marL="0" marR="0" indent="0" algn="l" defTabSz="1440089" rtl="0" fontAlgn="auto" latinLnBrk="0" hangingPunct="0">
@@ -317,7 +322,7 @@
         <a:latin typeface="+mj-lt"/>
         <a:ea typeface="+mj-ea"/>
         <a:cs typeface="+mj-cs"/>
-        <a:sym typeface="Lucida Grande"/>
+        <a:sym typeface="Helvetica"/>
       </a:defRPr>
     </a:lvl9pPr>
   </p:defaultTextStyle>
@@ -401,73 +406,73 @@
   <p:notesStyle>
     <a:lvl1pPr defTabSz="457200" latinLnBrk="0">
       <a:defRPr sz="2200">
-        <a:latin typeface="+mj-lt"/>
-        <a:ea typeface="+mj-ea"/>
-        <a:cs typeface="+mj-cs"/>
+        <a:latin typeface="+mn-lt"/>
+        <a:ea typeface="+mn-ea"/>
+        <a:cs typeface="+mn-cs"/>
         <a:sym typeface="Lucida Grande"/>
       </a:defRPr>
     </a:lvl1pPr>
     <a:lvl2pPr indent="228600" defTabSz="457200" latinLnBrk="0">
       <a:defRPr sz="2200">
-        <a:latin typeface="+mj-lt"/>
-        <a:ea typeface="+mj-ea"/>
-        <a:cs typeface="+mj-cs"/>
+        <a:latin typeface="+mn-lt"/>
+        <a:ea typeface="+mn-ea"/>
+        <a:cs typeface="+mn-cs"/>
         <a:sym typeface="Lucida Grande"/>
       </a:defRPr>
     </a:lvl2pPr>
     <a:lvl3pPr indent="457200" defTabSz="457200" latinLnBrk="0">
       <a:defRPr sz="2200">
-        <a:latin typeface="+mj-lt"/>
-        <a:ea typeface="+mj-ea"/>
-        <a:cs typeface="+mj-cs"/>
+        <a:latin typeface="+mn-lt"/>
+        <a:ea typeface="+mn-ea"/>
+        <a:cs typeface="+mn-cs"/>
         <a:sym typeface="Lucida Grande"/>
       </a:defRPr>
     </a:lvl3pPr>
     <a:lvl4pPr indent="685800" defTabSz="457200" latinLnBrk="0">
       <a:defRPr sz="2200">
-        <a:latin typeface="+mj-lt"/>
-        <a:ea typeface="+mj-ea"/>
-        <a:cs typeface="+mj-cs"/>
+        <a:latin typeface="+mn-lt"/>
+        <a:ea typeface="+mn-ea"/>
+        <a:cs typeface="+mn-cs"/>
         <a:sym typeface="Lucida Grande"/>
       </a:defRPr>
     </a:lvl4pPr>
     <a:lvl5pPr indent="914400" defTabSz="457200" latinLnBrk="0">
       <a:defRPr sz="2200">
-        <a:latin typeface="+mj-lt"/>
-        <a:ea typeface="+mj-ea"/>
-        <a:cs typeface="+mj-cs"/>
+        <a:latin typeface="+mn-lt"/>
+        <a:ea typeface="+mn-ea"/>
+        <a:cs typeface="+mn-cs"/>
         <a:sym typeface="Lucida Grande"/>
       </a:defRPr>
     </a:lvl5pPr>
     <a:lvl6pPr indent="1143000" defTabSz="457200" latinLnBrk="0">
       <a:defRPr sz="2200">
-        <a:latin typeface="+mj-lt"/>
-        <a:ea typeface="+mj-ea"/>
-        <a:cs typeface="+mj-cs"/>
+        <a:latin typeface="+mn-lt"/>
+        <a:ea typeface="+mn-ea"/>
+        <a:cs typeface="+mn-cs"/>
         <a:sym typeface="Lucida Grande"/>
       </a:defRPr>
     </a:lvl6pPr>
     <a:lvl7pPr indent="1371600" defTabSz="457200" latinLnBrk="0">
       <a:defRPr sz="2200">
-        <a:latin typeface="+mj-lt"/>
-        <a:ea typeface="+mj-ea"/>
-        <a:cs typeface="+mj-cs"/>
+        <a:latin typeface="+mn-lt"/>
+        <a:ea typeface="+mn-ea"/>
+        <a:cs typeface="+mn-cs"/>
         <a:sym typeface="Lucida Grande"/>
       </a:defRPr>
     </a:lvl7pPr>
     <a:lvl8pPr indent="1600200" defTabSz="457200" latinLnBrk="0">
       <a:defRPr sz="2200">
-        <a:latin typeface="+mj-lt"/>
-        <a:ea typeface="+mj-ea"/>
-        <a:cs typeface="+mj-cs"/>
+        <a:latin typeface="+mn-lt"/>
+        <a:ea typeface="+mn-ea"/>
+        <a:cs typeface="+mn-cs"/>
         <a:sym typeface="Lucida Grande"/>
       </a:defRPr>
     </a:lvl8pPr>
     <a:lvl9pPr indent="1828800" defTabSz="457200" latinLnBrk="0">
       <a:defRPr sz="2200">
-        <a:latin typeface="+mj-lt"/>
-        <a:ea typeface="+mj-ea"/>
-        <a:cs typeface="+mj-cs"/>
+        <a:latin typeface="+mn-lt"/>
+        <a:ea typeface="+mn-ea"/>
+        <a:cs typeface="+mn-cs"/>
         <a:sym typeface="Lucida Grande"/>
       </a:defRPr>
     </a:lvl9pPr>
@@ -1384,7 +1389,7 @@
         <p:spPr>
           <a:xfrm>
             <a:off x="1137641" y="6939846"/>
-            <a:ext cx="12241533" cy="2144965"/>
+            <a:ext cx="12241533" cy="2144967"/>
           </a:xfrm>
           <a:prstGeom prst="rect">
             <a:avLst/>
@@ -1850,8 +1855,8 @@
         </p:nvSpPr>
         <p:spPr>
           <a:xfrm>
-            <a:off x="720081" y="2417446"/>
-            <a:ext cx="6363315" cy="1007487"/>
+            <a:off x="720079" y="2417446"/>
+            <a:ext cx="6363318" cy="1007487"/>
           </a:xfrm>
           <a:prstGeom prst="rect">
             <a:avLst/>
@@ -2266,7 +2271,7 @@
         <p:spPr>
           <a:xfrm>
             <a:off x="2822854" y="7559833"/>
-            <a:ext cx="8641082" cy="892493"/>
+            <a:ext cx="8641082" cy="892495"/>
           </a:xfrm>
           <a:prstGeom prst="rect">
             <a:avLst/>
@@ -2298,7 +2303,7 @@
         <p:spPr>
           <a:xfrm>
             <a:off x="2822854" y="8452315"/>
-            <a:ext cx="8641082" cy="1267483"/>
+            <a:ext cx="8641082" cy="1267485"/>
           </a:xfrm>
           <a:prstGeom prst="rect">
             <a:avLst/>
@@ -2630,9 +2635,9 @@
             <a:srgbClr val="000000"/>
           </a:solidFill>
           <a:uFillTx/>
-          <a:latin typeface="+mn-lt"/>
-          <a:ea typeface="+mn-ea"/>
-          <a:cs typeface="+mn-cs"/>
+          <a:latin typeface="+mj-lt"/>
+          <a:ea typeface="+mj-ea"/>
+          <a:cs typeface="+mj-cs"/>
           <a:sym typeface="Helvetica"/>
         </a:defRPr>
       </a:lvl1pPr>
@@ -2659,9 +2664,9 @@
             <a:srgbClr val="000000"/>
           </a:solidFill>
           <a:uFillTx/>
-          <a:latin typeface="+mn-lt"/>
-          <a:ea typeface="+mn-ea"/>
-          <a:cs typeface="+mn-cs"/>
+          <a:latin typeface="+mj-lt"/>
+          <a:ea typeface="+mj-ea"/>
+          <a:cs typeface="+mj-cs"/>
           <a:sym typeface="Helvetica"/>
         </a:defRPr>
       </a:lvl2pPr>
@@ -2688,9 +2693,9 @@
             <a:srgbClr val="000000"/>
           </a:solidFill>
           <a:uFillTx/>
-          <a:latin typeface="+mn-lt"/>
-          <a:ea typeface="+mn-ea"/>
-          <a:cs typeface="+mn-cs"/>
+          <a:latin typeface="+mj-lt"/>
+          <a:ea typeface="+mj-ea"/>
+          <a:cs typeface="+mj-cs"/>
           <a:sym typeface="Helvetica"/>
         </a:defRPr>
       </a:lvl3pPr>
@@ -2717,9 +2722,9 @@
             <a:srgbClr val="000000"/>
           </a:solidFill>
           <a:uFillTx/>
-          <a:latin typeface="+mn-lt"/>
-          <a:ea typeface="+mn-ea"/>
-          <a:cs typeface="+mn-cs"/>
+          <a:latin typeface="+mj-lt"/>
+          <a:ea typeface="+mj-ea"/>
+          <a:cs typeface="+mj-cs"/>
           <a:sym typeface="Helvetica"/>
         </a:defRPr>
       </a:lvl4pPr>
@@ -2746,9 +2751,9 @@
             <a:srgbClr val="000000"/>
           </a:solidFill>
           <a:uFillTx/>
-          <a:latin typeface="+mn-lt"/>
-          <a:ea typeface="+mn-ea"/>
-          <a:cs typeface="+mn-cs"/>
+          <a:latin typeface="+mj-lt"/>
+          <a:ea typeface="+mj-ea"/>
+          <a:cs typeface="+mj-cs"/>
           <a:sym typeface="Helvetica"/>
         </a:defRPr>
       </a:lvl5pPr>
@@ -2775,9 +2780,9 @@
             <a:srgbClr val="000000"/>
           </a:solidFill>
           <a:uFillTx/>
-          <a:latin typeface="+mn-lt"/>
-          <a:ea typeface="+mn-ea"/>
-          <a:cs typeface="+mn-cs"/>
+          <a:latin typeface="+mj-lt"/>
+          <a:ea typeface="+mj-ea"/>
+          <a:cs typeface="+mj-cs"/>
           <a:sym typeface="Helvetica"/>
         </a:defRPr>
       </a:lvl6pPr>
@@ -2804,9 +2809,9 @@
             <a:srgbClr val="000000"/>
           </a:solidFill>
           <a:uFillTx/>
-          <a:latin typeface="+mn-lt"/>
-          <a:ea typeface="+mn-ea"/>
-          <a:cs typeface="+mn-cs"/>
+          <a:latin typeface="+mj-lt"/>
+          <a:ea typeface="+mj-ea"/>
+          <a:cs typeface="+mj-cs"/>
           <a:sym typeface="Helvetica"/>
         </a:defRPr>
       </a:lvl7pPr>
@@ -2833,9 +2838,9 @@
             <a:srgbClr val="000000"/>
           </a:solidFill>
           <a:uFillTx/>
-          <a:latin typeface="+mn-lt"/>
-          <a:ea typeface="+mn-ea"/>
-          <a:cs typeface="+mn-cs"/>
+          <a:latin typeface="+mj-lt"/>
+          <a:ea typeface="+mj-ea"/>
+          <a:cs typeface="+mj-cs"/>
           <a:sym typeface="Helvetica"/>
         </a:defRPr>
       </a:lvl8pPr>
@@ -2862,9 +2867,9 @@
             <a:srgbClr val="000000"/>
           </a:solidFill>
           <a:uFillTx/>
-          <a:latin typeface="+mn-lt"/>
-          <a:ea typeface="+mn-ea"/>
-          <a:cs typeface="+mn-cs"/>
+          <a:latin typeface="+mj-lt"/>
+          <a:ea typeface="+mj-ea"/>
+          <a:cs typeface="+mj-cs"/>
           <a:sym typeface="Helvetica"/>
         </a:defRPr>
       </a:lvl9pPr>
@@ -2893,9 +2898,9 @@
             <a:srgbClr val="000000"/>
           </a:solidFill>
           <a:uFillTx/>
-          <a:latin typeface="+mn-lt"/>
-          <a:ea typeface="+mn-ea"/>
-          <a:cs typeface="+mn-cs"/>
+          <a:latin typeface="+mj-lt"/>
+          <a:ea typeface="+mj-ea"/>
+          <a:cs typeface="+mj-cs"/>
           <a:sym typeface="Helvetica"/>
         </a:defRPr>
       </a:lvl1pPr>
@@ -2922,9 +2927,9 @@
             <a:srgbClr val="000000"/>
           </a:solidFill>
           <a:uFillTx/>
-          <a:latin typeface="+mn-lt"/>
-          <a:ea typeface="+mn-ea"/>
-          <a:cs typeface="+mn-cs"/>
+          <a:latin typeface="+mj-lt"/>
+          <a:ea typeface="+mj-ea"/>
+          <a:cs typeface="+mj-cs"/>
           <a:sym typeface="Helvetica"/>
         </a:defRPr>
       </a:lvl2pPr>
@@ -2951,9 +2956,9 @@
             <a:srgbClr val="000000"/>
           </a:solidFill>
           <a:uFillTx/>
-          <a:latin typeface="+mn-lt"/>
-          <a:ea typeface="+mn-ea"/>
-          <a:cs typeface="+mn-cs"/>
+          <a:latin typeface="+mj-lt"/>
+          <a:ea typeface="+mj-ea"/>
+          <a:cs typeface="+mj-cs"/>
           <a:sym typeface="Helvetica"/>
         </a:defRPr>
       </a:lvl3pPr>
@@ -2980,9 +2985,9 @@
             <a:srgbClr val="000000"/>
           </a:solidFill>
           <a:uFillTx/>
-          <a:latin typeface="+mn-lt"/>
-          <a:ea typeface="+mn-ea"/>
-          <a:cs typeface="+mn-cs"/>
+          <a:latin typeface="+mj-lt"/>
+          <a:ea typeface="+mj-ea"/>
+          <a:cs typeface="+mj-cs"/>
           <a:sym typeface="Helvetica"/>
         </a:defRPr>
       </a:lvl4pPr>
@@ -3009,9 +3014,9 @@
             <a:srgbClr val="000000"/>
           </a:solidFill>
           <a:uFillTx/>
-          <a:latin typeface="+mn-lt"/>
-          <a:ea typeface="+mn-ea"/>
-          <a:cs typeface="+mn-cs"/>
+          <a:latin typeface="+mj-lt"/>
+          <a:ea typeface="+mj-ea"/>
+          <a:cs typeface="+mj-cs"/>
           <a:sym typeface="Helvetica"/>
         </a:defRPr>
       </a:lvl5pPr>
@@ -3038,9 +3043,9 @@
             <a:srgbClr val="000000"/>
           </a:solidFill>
           <a:uFillTx/>
-          <a:latin typeface="+mn-lt"/>
-          <a:ea typeface="+mn-ea"/>
-          <a:cs typeface="+mn-cs"/>
+          <a:latin typeface="+mj-lt"/>
+          <a:ea typeface="+mj-ea"/>
+          <a:cs typeface="+mj-cs"/>
           <a:sym typeface="Helvetica"/>
         </a:defRPr>
       </a:lvl6pPr>
@@ -3067,9 +3072,9 @@
             <a:srgbClr val="000000"/>
           </a:solidFill>
           <a:uFillTx/>
-          <a:latin typeface="+mn-lt"/>
-          <a:ea typeface="+mn-ea"/>
-          <a:cs typeface="+mn-cs"/>
+          <a:latin typeface="+mj-lt"/>
+          <a:ea typeface="+mj-ea"/>
+          <a:cs typeface="+mj-cs"/>
           <a:sym typeface="Helvetica"/>
         </a:defRPr>
       </a:lvl7pPr>
@@ -3096,9 +3101,9 @@
             <a:srgbClr val="000000"/>
           </a:solidFill>
           <a:uFillTx/>
-          <a:latin typeface="+mn-lt"/>
-          <a:ea typeface="+mn-ea"/>
-          <a:cs typeface="+mn-cs"/>
+          <a:latin typeface="+mj-lt"/>
+          <a:ea typeface="+mj-ea"/>
+          <a:cs typeface="+mj-cs"/>
           <a:sym typeface="Helvetica"/>
         </a:defRPr>
       </a:lvl8pPr>
@@ -3125,9 +3130,9 @@
             <a:srgbClr val="000000"/>
           </a:solidFill>
           <a:uFillTx/>
-          <a:latin typeface="+mn-lt"/>
-          <a:ea typeface="+mn-ea"/>
-          <a:cs typeface="+mn-cs"/>
+          <a:latin typeface="+mj-lt"/>
+          <a:ea typeface="+mj-ea"/>
+          <a:cs typeface="+mj-cs"/>
           <a:sym typeface="Helvetica"/>
         </a:defRPr>
       </a:lvl9pPr>
@@ -3554,14 +3559,14 @@
       </p:grpSpPr>
       <p:sp>
         <p:nvSpPr>
-          <p:cNvPr id="159" name="npm install @types/vue -D"/>
+          <p:cNvPr id="160" name="npm install @types/vue -D"/>
           <p:cNvSpPr txBox="1"/>
           <p:nvPr/>
         </p:nvSpPr>
         <p:spPr>
           <a:xfrm>
-            <a:off x="4724052" y="1301750"/>
-            <a:ext cx="4953696" cy="520701"/>
+            <a:off x="4724051" y="1301749"/>
+            <a:ext cx="4953698" cy="520701"/>
           </a:xfrm>
           <a:prstGeom prst="rect">
             <a:avLst/>
@@ -3585,6 +3590,10 @@
                 <a:solidFill>
                   <a:srgbClr val="FFFFFF"/>
                 </a:solidFill>
+                <a:latin typeface="+mn-lt"/>
+                <a:ea typeface="+mn-ea"/>
+                <a:cs typeface="+mn-cs"/>
+                <a:sym typeface="Lucida Grande"/>
               </a:defRPr>
             </a:lvl1pPr>
           </a:lstStyle>
@@ -3598,7 +3607,7 @@
       </p:sp>
       <p:pic>
         <p:nvPicPr>
-          <p:cNvPr id="160" name="Image" descr="Image"/>
+          <p:cNvPr id="161" name="Image" descr="Image"/>
           <p:cNvPicPr>
             <a:picLocks noChangeAspect="1"/>
           </p:cNvPicPr>
@@ -3615,7 +3624,7 @@
         <p:spPr>
           <a:xfrm>
             <a:off x="3443253" y="2628900"/>
-            <a:ext cx="7515294" cy="3106322"/>
+            <a:ext cx="7515294" cy="3106323"/>
           </a:xfrm>
           <a:prstGeom prst="rect">
             <a:avLst/>
@@ -3623,18 +3632,25 @@
           <a:ln w="12700">
             <a:miter lim="400000"/>
           </a:ln>
+          <a:effectLst>
+            <a:outerShdw sx="100000" sy="100000" kx="0" ky="0" algn="b" rotWithShape="0" blurRad="101600" dist="25400" dir="5400000">
+              <a:srgbClr val="000000">
+                <a:alpha val="75000"/>
+              </a:srgbClr>
+            </a:outerShdw>
+          </a:effectLst>
         </p:spPr>
       </p:pic>
       <p:sp>
         <p:nvSpPr>
-          <p:cNvPr id="161" name="仅仅是导入声明文件"/>
+          <p:cNvPr id="162" name="仅仅是导入声明文件"/>
           <p:cNvSpPr txBox="1"/>
           <p:nvPr/>
         </p:nvSpPr>
         <p:spPr>
           <a:xfrm>
-            <a:off x="5165452" y="7797800"/>
-            <a:ext cx="3662512" cy="609601"/>
+            <a:off x="5165452" y="7797799"/>
+            <a:ext cx="3662514" cy="609601"/>
           </a:xfrm>
           <a:prstGeom prst="rect">
             <a:avLst/>
@@ -3653,13 +3669,17 @@
             <a:spAutoFit/>
           </a:bodyPr>
           <a:lstStyle>
-            <a:lvl1pPr marL="280736" indent="-280736">
+            <a:lvl1pPr marL="280734" indent="-280734">
               <a:buSzPct val="100000"/>
               <a:buChar char="•"/>
               <a:defRPr>
                 <a:solidFill>
                   <a:srgbClr val="FFFFFF"/>
                 </a:solidFill>
+                <a:latin typeface="+mn-lt"/>
+                <a:ea typeface="+mn-ea"/>
+                <a:cs typeface="+mn-cs"/>
+                <a:sym typeface="Lucida Grande"/>
               </a:defRPr>
             </a:lvl1pPr>
           </a:lstStyle>
@@ -3673,14 +3693,14 @@
       </p:sp>
       <p:sp>
         <p:nvSpPr>
-          <p:cNvPr id="162" name="确定运行时的依赖关系"/>
+          <p:cNvPr id="163" name="确定运行时的依赖关系"/>
           <p:cNvSpPr txBox="1"/>
           <p:nvPr/>
         </p:nvSpPr>
         <p:spPr>
           <a:xfrm>
-            <a:off x="5165452" y="8559800"/>
-            <a:ext cx="4070896" cy="609601"/>
+            <a:off x="5165452" y="8559799"/>
+            <a:ext cx="4070897" cy="609601"/>
           </a:xfrm>
           <a:prstGeom prst="rect">
             <a:avLst/>
@@ -3699,13 +3719,17 @@
             <a:spAutoFit/>
           </a:bodyPr>
           <a:lstStyle>
-            <a:lvl1pPr marL="280736" indent="-280736">
+            <a:lvl1pPr marL="280734" indent="-280734">
               <a:buSzPct val="100000"/>
               <a:buChar char="•"/>
               <a:defRPr>
                 <a:solidFill>
                   <a:srgbClr val="FFFFFF"/>
                 </a:solidFill>
+                <a:latin typeface="+mn-lt"/>
+                <a:ea typeface="+mn-ea"/>
+                <a:cs typeface="+mn-cs"/>
+                <a:sym typeface="Lucida Grande"/>
               </a:defRPr>
             </a:lvl1pPr>
           </a:lstStyle>
@@ -3719,14 +3743,14 @@
       </p:sp>
       <p:sp>
         <p:nvSpPr>
-          <p:cNvPr id="163" name="Line"/>
+          <p:cNvPr id="164" name="Line"/>
           <p:cNvSpPr/>
           <p:nvPr/>
         </p:nvSpPr>
         <p:spPr>
           <a:xfrm>
             <a:off x="7200899" y="6126283"/>
-            <a:ext cx="1" cy="1280455"/>
+            <a:ext cx="3" cy="1280457"/>
           </a:xfrm>
           <a:prstGeom prst="line">
             <a:avLst/>
@@ -3792,7 +3816,7 @@
                                       <p:cBhvr>
                                         <p:cTn id="6" fill="hold"/>
                                         <p:tgtEl>
-                                          <p:spTgt spid="159"/>
+                                          <p:spTgt spid="160"/>
                                         </p:tgtEl>
                                         <p:attrNameLst>
                                           <p:attrName>style.visibility</p:attrName>
@@ -3836,7 +3860,7 @@
                                       <p:cBhvr>
                                         <p:cTn id="10" fill="hold"/>
                                         <p:tgtEl>
-                                          <p:spTgt spid="160"/>
+                                          <p:spTgt spid="161"/>
                                         </p:tgtEl>
                                         <p:attrNameLst>
                                           <p:attrName>style.visibility</p:attrName>
@@ -3880,7 +3904,7 @@
                                       <p:cBhvr>
                                         <p:cTn id="14" fill="hold"/>
                                         <p:tgtEl>
-                                          <p:spTgt spid="163"/>
+                                          <p:spTgt spid="164"/>
                                         </p:tgtEl>
                                         <p:attrNameLst>
                                           <p:attrName>style.visibility</p:attrName>
@@ -3924,7 +3948,7 @@
                                       <p:cBhvr>
                                         <p:cTn id="18" fill="hold"/>
                                         <p:tgtEl>
-                                          <p:spTgt spid="161"/>
+                                          <p:spTgt spid="162"/>
                                         </p:tgtEl>
                                         <p:attrNameLst>
                                           <p:attrName>style.visibility</p:attrName>
@@ -3968,7 +3992,7 @@
                                       <p:cBhvr>
                                         <p:cTn id="22" fill="hold"/>
                                         <p:tgtEl>
-                                          <p:spTgt spid="162"/>
+                                          <p:spTgt spid="163"/>
                                         </p:tgtEl>
                                         <p:attrNameLst>
                                           <p:attrName>style.visibility</p:attrName>
@@ -4009,11 +4033,11 @@
       </p:par>
     </p:tnLst>
     <p:bldLst>
-      <p:bldP build="whole" bldLvl="1" animBg="1" rev="0" advAuto="0" spid="162" grpId="5"/>
-      <p:bldP build="whole" bldLvl="1" animBg="1" rev="0" advAuto="0" spid="159" grpId="1"/>
-      <p:bldP build="whole" bldLvl="1" animBg="1" rev="0" advAuto="0" spid="160" grpId="2"/>
-      <p:bldP build="whole" bldLvl="1" animBg="1" rev="0" advAuto="0" spid="161" grpId="4"/>
-      <p:bldP build="whole" bldLvl="1" animBg="1" rev="0" advAuto="0" spid="163" grpId="3"/>
+      <p:bldP build="whole" bldLvl="1" animBg="1" rev="0" advAuto="0" spid="160" grpId="1"/>
+      <p:bldP build="whole" bldLvl="1" animBg="1" rev="0" advAuto="0" spid="163" grpId="5"/>
+      <p:bldP build="whole" bldLvl="1" animBg="1" rev="0" advAuto="0" spid="161" grpId="2"/>
+      <p:bldP build="whole" bldLvl="1" animBg="1" rev="0" advAuto="0" spid="162" grpId="4"/>
+      <p:bldP build="whole" bldLvl="1" animBg="1" rev="0" advAuto="0" spid="164" grpId="3"/>
     </p:bldLst>
   </p:timing>
 </p:sld>
@@ -4045,13 +4069,13 @@
       </p:grpSpPr>
       <p:sp>
         <p:nvSpPr>
-          <p:cNvPr id="165" name="Vue Prop 的验证那些事"/>
+          <p:cNvPr id="166" name="Vue Prop 的验证那些事"/>
           <p:cNvSpPr txBox="1"/>
           <p:nvPr/>
         </p:nvSpPr>
         <p:spPr>
           <a:xfrm>
-            <a:off x="2671985" y="4762500"/>
+            <a:off x="2671983" y="4762498"/>
             <a:ext cx="9057830" cy="1270001"/>
           </a:xfrm>
           <a:prstGeom prst="rect">
@@ -4076,6 +4100,10 @@
                 <a:solidFill>
                   <a:srgbClr val="FFFFFF"/>
                 </a:solidFill>
+                <a:latin typeface="+mn-lt"/>
+                <a:ea typeface="+mn-ea"/>
+                <a:cs typeface="+mn-cs"/>
+                <a:sym typeface="Lucida Grande"/>
               </a:defRPr>
             </a:lvl1pPr>
           </a:lstStyle>
@@ -4120,16 +4148,1481 @@
           <a:chExt cx="0" cy="0"/>
         </a:xfrm>
       </p:grpSpPr>
+      <p:pic>
+        <p:nvPicPr>
+          <p:cNvPr id="168" name="Image" descr="Image"/>
+          <p:cNvPicPr>
+            <a:picLocks noChangeAspect="1"/>
+          </p:cNvPicPr>
+          <p:nvPr/>
+        </p:nvPicPr>
+        <p:blipFill>
+          <a:blip r:embed="rId2">
+            <a:extLst/>
+          </a:blip>
+          <a:stretch>
+            <a:fillRect/>
+          </a:stretch>
+        </p:blipFill>
+        <p:spPr>
+          <a:xfrm>
+            <a:off x="2805934" y="1085697"/>
+            <a:ext cx="3659363" cy="3317123"/>
+          </a:xfrm>
+          <a:prstGeom prst="rect">
+            <a:avLst/>
+          </a:prstGeom>
+          <a:ln w="12700">
+            <a:miter lim="400000"/>
+          </a:ln>
+          <a:effectLst>
+            <a:outerShdw sx="100000" sy="100000" kx="0" ky="0" algn="b" rotWithShape="0" blurRad="101600" dist="25400" dir="5400000">
+              <a:srgbClr val="000000">
+                <a:alpha val="75000"/>
+              </a:srgbClr>
+            </a:outerShdw>
+          </a:effectLst>
+        </p:spPr>
+      </p:pic>
+      <p:pic>
+        <p:nvPicPr>
+          <p:cNvPr id="169" name="Image" descr="Image"/>
+          <p:cNvPicPr>
+            <a:picLocks noChangeAspect="1"/>
+          </p:cNvPicPr>
+          <p:nvPr/>
+        </p:nvPicPr>
+        <p:blipFill>
+          <a:blip r:embed="rId3">
+            <a:extLst/>
+          </a:blip>
+          <a:stretch>
+            <a:fillRect/>
+          </a:stretch>
+        </p:blipFill>
+        <p:spPr>
+          <a:xfrm>
+            <a:off x="7774413" y="1085697"/>
+            <a:ext cx="4133375" cy="3317123"/>
+          </a:xfrm>
+          <a:prstGeom prst="rect">
+            <a:avLst/>
+          </a:prstGeom>
+          <a:ln w="12700">
+            <a:miter lim="400000"/>
+          </a:ln>
+          <a:effectLst>
+            <a:outerShdw sx="100000" sy="100000" kx="0" ky="0" algn="b" rotWithShape="0" blurRad="101600" dist="25400" dir="5400000">
+              <a:srgbClr val="000000">
+                <a:alpha val="75000"/>
+              </a:srgbClr>
+            </a:outerShdw>
+          </a:effectLst>
+        </p:spPr>
+      </p:pic>
+      <p:pic>
+        <p:nvPicPr>
+          <p:cNvPr id="170" name="Image" descr="Image"/>
+          <p:cNvPicPr>
+            <a:picLocks noChangeAspect="1"/>
+          </p:cNvPicPr>
+          <p:nvPr/>
+        </p:nvPicPr>
+        <p:blipFill>
+          <a:blip r:embed="rId4">
+            <a:extLst/>
+          </a:blip>
+          <a:stretch>
+            <a:fillRect/>
+          </a:stretch>
+        </p:blipFill>
+        <p:spPr>
+          <a:xfrm>
+            <a:off x="2805934" y="5720326"/>
+            <a:ext cx="3659363" cy="3517528"/>
+          </a:xfrm>
+          <a:prstGeom prst="rect">
+            <a:avLst/>
+          </a:prstGeom>
+          <a:ln w="12700">
+            <a:miter lim="400000"/>
+          </a:ln>
+          <a:effectLst>
+            <a:outerShdw sx="100000" sy="100000" kx="0" ky="0" algn="b" rotWithShape="0" blurRad="101600" dist="25400" dir="5400000">
+              <a:srgbClr val="000000">
+                <a:alpha val="75000"/>
+              </a:srgbClr>
+            </a:outerShdw>
+          </a:effectLst>
+        </p:spPr>
+      </p:pic>
+      <p:pic>
+        <p:nvPicPr>
+          <p:cNvPr id="171" name="Image" descr="Image"/>
+          <p:cNvPicPr>
+            <a:picLocks noChangeAspect="1"/>
+          </p:cNvPicPr>
+          <p:nvPr/>
+        </p:nvPicPr>
+        <p:blipFill>
+          <a:blip r:embed="rId5">
+            <a:extLst/>
+          </a:blip>
+          <a:stretch>
+            <a:fillRect/>
+          </a:stretch>
+        </p:blipFill>
+        <p:spPr>
+          <a:xfrm>
+            <a:off x="7866250" y="5308600"/>
+            <a:ext cx="3949702" cy="4572000"/>
+          </a:xfrm>
+          <a:prstGeom prst="rect">
+            <a:avLst/>
+          </a:prstGeom>
+          <a:ln w="12700">
+            <a:miter lim="400000"/>
+          </a:ln>
+          <a:effectLst>
+            <a:outerShdw sx="100000" sy="100000" kx="0" ky="0" algn="b" rotWithShape="0" blurRad="101600" dist="25400" dir="5400000">
+              <a:srgbClr val="000000">
+                <a:alpha val="75000"/>
+              </a:srgbClr>
+            </a:outerShdw>
+          </a:effectLst>
+        </p:spPr>
+      </p:pic>
+    </p:spTree>
+  </p:cSld>
+  <p:clrMapOvr>
+    <a:masterClrMapping/>
+  </p:clrMapOvr>
+  <p:transition xmlns:p14="http://schemas.microsoft.com/office/powerpoint/2010/main" spd="med" advClick="1"/>
+  <p:timing>
+    <p:tnLst>
+      <p:par>
+        <p:cTn id="1" nodeType="tmRoot" restart="never" dur="indefinite" fill="hold">
+          <p:childTnLst>
+            <p:seq concurrent="1" prevAc="none" nextAc="seek">
+              <p:cTn id="2" nodeType="mainSeq" dur="indefinite" fill="hold">
+                <p:childTnLst>
+                  <p:par>
+                    <p:cTn id="3" fill="hold">
+                      <p:stCondLst>
+                        <p:cond delay="indefinite"/>
+                      </p:stCondLst>
+                      <p:childTnLst>
+                        <p:par>
+                          <p:cTn id="4" fill="hold">
+                            <p:stCondLst>
+                              <p:cond delay="0"/>
+                            </p:stCondLst>
+                            <p:childTnLst>
+                              <p:par>
+                                <p:cTn id="5" presetClass="entr" nodeType="clickEffect" presetSubtype="0" presetID="1" grpId="1" fill="hold">
+                                  <p:stCondLst>
+                                    <p:cond delay="0"/>
+                                  </p:stCondLst>
+                                  <p:iterate type="el" backwards="0">
+                                    <p:tmAbs val="0"/>
+                                  </p:iterate>
+                                  <p:childTnLst>
+                                    <p:set>
+                                      <p:cBhvr>
+                                        <p:cTn id="6" fill="hold"/>
+                                        <p:tgtEl>
+                                          <p:spTgt spid="168"/>
+                                        </p:tgtEl>
+                                        <p:attrNameLst>
+                                          <p:attrName>style.visibility</p:attrName>
+                                        </p:attrNameLst>
+                                      </p:cBhvr>
+                                      <p:to>
+                                        <p:strVal val="visible"/>
+                                      </p:to>
+                                    </p:set>
+                                  </p:childTnLst>
+                                </p:cTn>
+                              </p:par>
+                            </p:childTnLst>
+                          </p:cTn>
+                        </p:par>
+                      </p:childTnLst>
+                    </p:cTn>
+                  </p:par>
+                  <p:par>
+                    <p:cTn id="7" fill="hold">
+                      <p:stCondLst>
+                        <p:cond delay="indefinite"/>
+                      </p:stCondLst>
+                      <p:childTnLst>
+                        <p:par>
+                          <p:cTn id="8" fill="hold">
+                            <p:stCondLst>
+                              <p:cond delay="0"/>
+                            </p:stCondLst>
+                            <p:childTnLst>
+                              <p:par>
+                                <p:cTn id="9" presetClass="entr" nodeType="clickEffect" presetSubtype="0" presetID="1" grpId="2" fill="hold">
+                                  <p:stCondLst>
+                                    <p:cond delay="0"/>
+                                  </p:stCondLst>
+                                  <p:iterate type="el" backwards="0">
+                                    <p:tmAbs val="0"/>
+                                  </p:iterate>
+                                  <p:childTnLst>
+                                    <p:set>
+                                      <p:cBhvr>
+                                        <p:cTn id="10" fill="hold"/>
+                                        <p:tgtEl>
+                                          <p:spTgt spid="169"/>
+                                        </p:tgtEl>
+                                        <p:attrNameLst>
+                                          <p:attrName>style.visibility</p:attrName>
+                                        </p:attrNameLst>
+                                      </p:cBhvr>
+                                      <p:to>
+                                        <p:strVal val="visible"/>
+                                      </p:to>
+                                    </p:set>
+                                  </p:childTnLst>
+                                </p:cTn>
+                              </p:par>
+                            </p:childTnLst>
+                          </p:cTn>
+                        </p:par>
+                      </p:childTnLst>
+                    </p:cTn>
+                  </p:par>
+                  <p:par>
+                    <p:cTn id="11" fill="hold">
+                      <p:stCondLst>
+                        <p:cond delay="indefinite"/>
+                      </p:stCondLst>
+                      <p:childTnLst>
+                        <p:par>
+                          <p:cTn id="12" fill="hold">
+                            <p:stCondLst>
+                              <p:cond delay="0"/>
+                            </p:stCondLst>
+                            <p:childTnLst>
+                              <p:par>
+                                <p:cTn id="13" presetClass="entr" nodeType="clickEffect" presetSubtype="0" presetID="1" grpId="3" fill="hold">
+                                  <p:stCondLst>
+                                    <p:cond delay="0"/>
+                                  </p:stCondLst>
+                                  <p:iterate type="el" backwards="0">
+                                    <p:tmAbs val="0"/>
+                                  </p:iterate>
+                                  <p:childTnLst>
+                                    <p:set>
+                                      <p:cBhvr>
+                                        <p:cTn id="14" fill="hold"/>
+                                        <p:tgtEl>
+                                          <p:spTgt spid="170"/>
+                                        </p:tgtEl>
+                                        <p:attrNameLst>
+                                          <p:attrName>style.visibility</p:attrName>
+                                        </p:attrNameLst>
+                                      </p:cBhvr>
+                                      <p:to>
+                                        <p:strVal val="visible"/>
+                                      </p:to>
+                                    </p:set>
+                                  </p:childTnLst>
+                                </p:cTn>
+                              </p:par>
+                            </p:childTnLst>
+                          </p:cTn>
+                        </p:par>
+                      </p:childTnLst>
+                    </p:cTn>
+                  </p:par>
+                  <p:par>
+                    <p:cTn id="15" fill="hold">
+                      <p:stCondLst>
+                        <p:cond delay="indefinite"/>
+                      </p:stCondLst>
+                      <p:childTnLst>
+                        <p:par>
+                          <p:cTn id="16" fill="hold">
+                            <p:stCondLst>
+                              <p:cond delay="0"/>
+                            </p:stCondLst>
+                            <p:childTnLst>
+                              <p:par>
+                                <p:cTn id="17" presetClass="entr" nodeType="clickEffect" presetSubtype="0" presetID="1" grpId="4" fill="hold">
+                                  <p:stCondLst>
+                                    <p:cond delay="0"/>
+                                  </p:stCondLst>
+                                  <p:iterate type="el" backwards="0">
+                                    <p:tmAbs val="0"/>
+                                  </p:iterate>
+                                  <p:childTnLst>
+                                    <p:set>
+                                      <p:cBhvr>
+                                        <p:cTn id="18" fill="hold"/>
+                                        <p:tgtEl>
+                                          <p:spTgt spid="171"/>
+                                        </p:tgtEl>
+                                        <p:attrNameLst>
+                                          <p:attrName>style.visibility</p:attrName>
+                                        </p:attrNameLst>
+                                      </p:cBhvr>
+                                      <p:to>
+                                        <p:strVal val="visible"/>
+                                      </p:to>
+                                    </p:set>
+                                  </p:childTnLst>
+                                </p:cTn>
+                              </p:par>
+                            </p:childTnLst>
+                          </p:cTn>
+                        </p:par>
+                      </p:childTnLst>
+                    </p:cTn>
+                  </p:par>
+                </p:childTnLst>
+              </p:cTn>
+              <p:prevCondLst>
+                <p:cond evt="onPrev">
+                  <p:tgtEl>
+                    <p:sldTgt/>
+                  </p:tgtEl>
+                </p:cond>
+              </p:prevCondLst>
+              <p:nextCondLst>
+                <p:cond evt="onNext">
+                  <p:tgtEl>
+                    <p:sldTgt/>
+                  </p:tgtEl>
+                </p:cond>
+              </p:nextCondLst>
+            </p:seq>
+          </p:childTnLst>
+        </p:cTn>
+      </p:par>
+    </p:tnLst>
+    <p:bldLst>
+      <p:bldP build="whole" bldLvl="1" animBg="1" rev="0" advAuto="0" spid="170" grpId="3"/>
+      <p:bldP build="whole" bldLvl="1" animBg="1" rev="0" advAuto="0" spid="168" grpId="1"/>
+      <p:bldP build="whole" bldLvl="1" animBg="1" rev="0" advAuto="0" spid="169" grpId="2"/>
+      <p:bldP build="whole" bldLvl="1" animBg="1" rev="0" advAuto="0" spid="171" grpId="4"/>
+    </p:bldLst>
+  </p:timing>
+</p:sld>
+</file>
+
+<file path=ppt/slides/slide13.xml><?xml version="1.0" encoding="utf-8"?>
+<p:sld xmlns:a="http://schemas.openxmlformats.org/drawingml/2006/main" xmlns:r="http://schemas.openxmlformats.org/officeDocument/2006/relationships" xmlns:p="http://schemas.openxmlformats.org/presentationml/2006/main" xmlns:m="http://schemas.openxmlformats.org/officeDocument/2006/math" xmlns:a14="http://schemas.microsoft.com/office/drawing/2010/main" showMasterSp="1" showMasterPhAnim="1">
+  <p:cSld>
+    <p:bg>
+      <p:bgPr>
+        <a:solidFill>
+          <a:srgbClr val="739A98"/>
+        </a:solidFill>
+      </p:bgPr>
+    </p:bg>
+    <p:spTree>
+      <p:nvGrpSpPr>
+        <p:cNvPr id="1" name=""/>
+        <p:cNvGrpSpPr/>
+        <p:nvPr/>
+      </p:nvGrpSpPr>
+      <p:grpSpPr>
+        <a:xfrm>
+          <a:off x="0" y="0"/>
+          <a:ext cx="0" cy="0"/>
+          <a:chOff x="0" y="0"/>
+          <a:chExt cx="0" cy="0"/>
+        </a:xfrm>
+      </p:grpSpPr>
+      <p:pic>
+        <p:nvPicPr>
+          <p:cNvPr id="173" name="Image" descr="Image"/>
+          <p:cNvPicPr>
+            <a:picLocks noChangeAspect="1"/>
+          </p:cNvPicPr>
+          <p:nvPr/>
+        </p:nvPicPr>
+        <p:blipFill>
+          <a:blip r:embed="rId2">
+            <a:extLst/>
+          </a:blip>
+          <a:stretch>
+            <a:fillRect/>
+          </a:stretch>
+        </p:blipFill>
+        <p:spPr>
+          <a:xfrm>
+            <a:off x="1642666" y="3136690"/>
+            <a:ext cx="11116468" cy="4521620"/>
+          </a:xfrm>
+          <a:prstGeom prst="rect">
+            <a:avLst/>
+          </a:prstGeom>
+          <a:ln w="12700">
+            <a:miter lim="400000"/>
+          </a:ln>
+          <a:effectLst>
+            <a:outerShdw sx="100000" sy="100000" kx="0" ky="0" algn="b" rotWithShape="0" blurRad="101600" dist="25400" dir="5400000">
+              <a:srgbClr val="000000">
+                <a:alpha val="75000"/>
+              </a:srgbClr>
+            </a:outerShdw>
+          </a:effectLst>
+        </p:spPr>
+      </p:pic>
+    </p:spTree>
+  </p:cSld>
+  <p:clrMapOvr>
+    <a:masterClrMapping/>
+  </p:clrMapOvr>
+  <p:transition xmlns:p14="http://schemas.microsoft.com/office/powerpoint/2010/main" spd="med" advClick="1"/>
+</p:sld>
+</file>
+
+<file path=ppt/slides/slide14.xml><?xml version="1.0" encoding="utf-8"?>
+<p:sld xmlns:a="http://schemas.openxmlformats.org/drawingml/2006/main" xmlns:r="http://schemas.openxmlformats.org/officeDocument/2006/relationships" xmlns:p="http://schemas.openxmlformats.org/presentationml/2006/main" xmlns:m="http://schemas.openxmlformats.org/officeDocument/2006/math" xmlns:a14="http://schemas.microsoft.com/office/drawing/2010/main" showMasterSp="1" showMasterPhAnim="1">
+  <p:cSld>
+    <p:bg>
+      <p:bgPr>
+        <a:solidFill>
+          <a:srgbClr val="739A98"/>
+        </a:solidFill>
+      </p:bgPr>
+    </p:bg>
+    <p:spTree>
+      <p:nvGrpSpPr>
+        <p:cNvPr id="1" name=""/>
+        <p:cNvGrpSpPr/>
+        <p:nvPr/>
+      </p:nvGrpSpPr>
+      <p:grpSpPr>
+        <a:xfrm>
+          <a:off x="0" y="0"/>
+          <a:ext cx="0" cy="0"/>
+          <a:chOff x="0" y="0"/>
+          <a:chExt cx="0" cy="0"/>
+        </a:xfrm>
+      </p:grpSpPr>
+      <p:pic>
+        <p:nvPicPr>
+          <p:cNvPr id="175" name="Image" descr="Image"/>
+          <p:cNvPicPr>
+            <a:picLocks noChangeAspect="1"/>
+          </p:cNvPicPr>
+          <p:nvPr/>
+        </p:nvPicPr>
+        <p:blipFill>
+          <a:blip r:embed="rId2">
+            <a:extLst/>
+          </a:blip>
+          <a:stretch>
+            <a:fillRect/>
+          </a:stretch>
+        </p:blipFill>
+        <p:spPr>
+          <a:xfrm>
+            <a:off x="2498544" y="1534168"/>
+            <a:ext cx="9404711" cy="4123992"/>
+          </a:xfrm>
+          <a:prstGeom prst="rect">
+            <a:avLst/>
+          </a:prstGeom>
+          <a:ln w="12700">
+            <a:miter lim="400000"/>
+          </a:ln>
+          <a:effectLst>
+            <a:outerShdw sx="100000" sy="100000" kx="0" ky="0" algn="b" rotWithShape="0" blurRad="101600" dist="25400" dir="5400000">
+              <a:srgbClr val="000000">
+                <a:alpha val="75000"/>
+              </a:srgbClr>
+            </a:outerShdw>
+          </a:effectLst>
+        </p:spPr>
+      </p:pic>
+      <p:pic>
+        <p:nvPicPr>
+          <p:cNvPr id="176" name="Image" descr="Image"/>
+          <p:cNvPicPr>
+            <a:picLocks noChangeAspect="1"/>
+          </p:cNvPicPr>
+          <p:nvPr/>
+        </p:nvPicPr>
+        <p:blipFill>
+          <a:blip r:embed="rId3">
+            <a:extLst/>
+          </a:blip>
+          <a:stretch>
+            <a:fillRect/>
+          </a:stretch>
+        </p:blipFill>
+        <p:spPr>
+          <a:xfrm>
+            <a:off x="4076700" y="6457950"/>
+            <a:ext cx="5910749" cy="2094745"/>
+          </a:xfrm>
+          <a:prstGeom prst="rect">
+            <a:avLst/>
+          </a:prstGeom>
+          <a:ln w="12700">
+            <a:miter lim="400000"/>
+          </a:ln>
+          <a:effectLst>
+            <a:outerShdw sx="100000" sy="100000" kx="0" ky="0" algn="b" rotWithShape="0" blurRad="101600" dist="25400" dir="5400000">
+              <a:srgbClr val="000000">
+                <a:alpha val="75000"/>
+              </a:srgbClr>
+            </a:outerShdw>
+          </a:effectLst>
+        </p:spPr>
+      </p:pic>
+    </p:spTree>
+  </p:cSld>
+  <p:clrMapOvr>
+    <a:masterClrMapping/>
+  </p:clrMapOvr>
+  <p:transition xmlns:p14="http://schemas.microsoft.com/office/powerpoint/2010/main" spd="med" advClick="1"/>
+  <p:timing>
+    <p:tnLst>
+      <p:par>
+        <p:cTn id="1" nodeType="tmRoot" restart="never" dur="indefinite" fill="hold">
+          <p:childTnLst>
+            <p:seq concurrent="1" prevAc="none" nextAc="seek">
+              <p:cTn id="2" nodeType="mainSeq" dur="indefinite" fill="hold">
+                <p:childTnLst>
+                  <p:par>
+                    <p:cTn id="3" fill="hold">
+                      <p:stCondLst>
+                        <p:cond delay="indefinite"/>
+                      </p:stCondLst>
+                      <p:childTnLst>
+                        <p:par>
+                          <p:cTn id="4" fill="hold">
+                            <p:stCondLst>
+                              <p:cond delay="0"/>
+                            </p:stCondLst>
+                            <p:childTnLst>
+                              <p:par>
+                                <p:cTn id="5" presetClass="entr" nodeType="clickEffect" presetSubtype="0" presetID="1" grpId="1" fill="hold">
+                                  <p:stCondLst>
+                                    <p:cond delay="0"/>
+                                  </p:stCondLst>
+                                  <p:iterate type="el" backwards="0">
+                                    <p:tmAbs val="0"/>
+                                  </p:iterate>
+                                  <p:childTnLst>
+                                    <p:set>
+                                      <p:cBhvr>
+                                        <p:cTn id="6" fill="hold"/>
+                                        <p:tgtEl>
+                                          <p:spTgt spid="176"/>
+                                        </p:tgtEl>
+                                        <p:attrNameLst>
+                                          <p:attrName>style.visibility</p:attrName>
+                                        </p:attrNameLst>
+                                      </p:cBhvr>
+                                      <p:to>
+                                        <p:strVal val="visible"/>
+                                      </p:to>
+                                    </p:set>
+                                  </p:childTnLst>
+                                </p:cTn>
+                              </p:par>
+                            </p:childTnLst>
+                          </p:cTn>
+                        </p:par>
+                      </p:childTnLst>
+                    </p:cTn>
+                  </p:par>
+                </p:childTnLst>
+              </p:cTn>
+              <p:prevCondLst>
+                <p:cond evt="onPrev">
+                  <p:tgtEl>
+                    <p:sldTgt/>
+                  </p:tgtEl>
+                </p:cond>
+              </p:prevCondLst>
+              <p:nextCondLst>
+                <p:cond evt="onNext">
+                  <p:tgtEl>
+                    <p:sldTgt/>
+                  </p:tgtEl>
+                </p:cond>
+              </p:nextCondLst>
+            </p:seq>
+          </p:childTnLst>
+        </p:cTn>
+      </p:par>
+    </p:tnLst>
+    <p:bldLst>
+      <p:bldP build="whole" bldLvl="1" animBg="1" rev="0" advAuto="0" spid="176" grpId="1"/>
+    </p:bldLst>
+  </p:timing>
+</p:sld>
+</file>
+
+<file path=ppt/slides/slide15.xml><?xml version="1.0" encoding="utf-8"?>
+<p:sld xmlns:a="http://schemas.openxmlformats.org/drawingml/2006/main" xmlns:r="http://schemas.openxmlformats.org/officeDocument/2006/relationships" xmlns:p="http://schemas.openxmlformats.org/presentationml/2006/main" xmlns:m="http://schemas.openxmlformats.org/officeDocument/2006/math" xmlns:a14="http://schemas.microsoft.com/office/drawing/2010/main" showMasterSp="1" showMasterPhAnim="1">
+  <p:cSld>
+    <p:bg>
+      <p:bgPr>
+        <a:solidFill>
+          <a:srgbClr val="739A98"/>
+        </a:solidFill>
+      </p:bgPr>
+    </p:bg>
+    <p:spTree>
+      <p:nvGrpSpPr>
+        <p:cNvPr id="1" name=""/>
+        <p:cNvGrpSpPr/>
+        <p:nvPr/>
+      </p:nvGrpSpPr>
+      <p:grpSpPr>
+        <a:xfrm>
+          <a:off x="0" y="0"/>
+          <a:ext cx="0" cy="0"/>
+          <a:chOff x="0" y="0"/>
+          <a:chExt cx="0" cy="0"/>
+        </a:xfrm>
+      </p:grpSpPr>
+      <p:pic>
+        <p:nvPicPr>
+          <p:cNvPr id="178" name="Image" descr="Image"/>
+          <p:cNvPicPr>
+            <a:picLocks noChangeAspect="1"/>
+          </p:cNvPicPr>
+          <p:nvPr/>
+        </p:nvPicPr>
+        <p:blipFill>
+          <a:blip r:embed="rId2">
+            <a:extLst/>
+          </a:blip>
+          <a:stretch>
+            <a:fillRect/>
+          </a:stretch>
+        </p:blipFill>
+        <p:spPr>
+          <a:xfrm>
+            <a:off x="3600450" y="1416050"/>
+            <a:ext cx="7200900" cy="1104900"/>
+          </a:xfrm>
+          <a:prstGeom prst="rect">
+            <a:avLst/>
+          </a:prstGeom>
+          <a:ln w="12700">
+            <a:miter lim="400000"/>
+          </a:ln>
+          <a:effectLst>
+            <a:outerShdw sx="100000" sy="100000" kx="0" ky="0" algn="b" rotWithShape="0" blurRad="101600" dist="25400" dir="5400000">
+              <a:srgbClr val="000000">
+                <a:alpha val="75000"/>
+              </a:srgbClr>
+            </a:outerShdw>
+          </a:effectLst>
+        </p:spPr>
+      </p:pic>
+      <p:pic>
+        <p:nvPicPr>
+          <p:cNvPr id="179" name="Image" descr="Image"/>
+          <p:cNvPicPr>
+            <a:picLocks noChangeAspect="1"/>
+          </p:cNvPicPr>
+          <p:nvPr/>
+        </p:nvPicPr>
+        <p:blipFill>
+          <a:blip r:embed="rId3">
+            <a:extLst/>
+          </a:blip>
+          <a:stretch>
+            <a:fillRect/>
+          </a:stretch>
+        </p:blipFill>
+        <p:spPr>
+          <a:xfrm>
+            <a:off x="3257550" y="3194050"/>
+            <a:ext cx="7886700" cy="1282700"/>
+          </a:xfrm>
+          <a:prstGeom prst="rect">
+            <a:avLst/>
+          </a:prstGeom>
+          <a:ln w="12700">
+            <a:miter lim="400000"/>
+          </a:ln>
+          <a:effectLst>
+            <a:outerShdw sx="100000" sy="100000" kx="0" ky="0" algn="b" rotWithShape="0" blurRad="101600" dist="25400" dir="5400000">
+              <a:srgbClr val="000000">
+                <a:alpha val="75000"/>
+              </a:srgbClr>
+            </a:outerShdw>
+          </a:effectLst>
+        </p:spPr>
+      </p:pic>
+      <p:pic>
+        <p:nvPicPr>
+          <p:cNvPr id="180" name="Image" descr="Image"/>
+          <p:cNvPicPr>
+            <a:picLocks noChangeAspect="1"/>
+          </p:cNvPicPr>
+          <p:nvPr/>
+        </p:nvPicPr>
+        <p:blipFill>
+          <a:blip r:embed="rId4">
+            <a:extLst/>
+          </a:blip>
+          <a:stretch>
+            <a:fillRect/>
+          </a:stretch>
+        </p:blipFill>
+        <p:spPr>
+          <a:xfrm>
+            <a:off x="812800" y="6997699"/>
+            <a:ext cx="6158477" cy="1834442"/>
+          </a:xfrm>
+          <a:prstGeom prst="rect">
+            <a:avLst/>
+          </a:prstGeom>
+          <a:ln w="12700">
+            <a:miter lim="400000"/>
+          </a:ln>
+          <a:effectLst>
+            <a:outerShdw sx="100000" sy="100000" kx="0" ky="0" algn="b" rotWithShape="0" blurRad="101600" dist="25400" dir="5400000">
+              <a:srgbClr val="000000">
+                <a:alpha val="75000"/>
+              </a:srgbClr>
+            </a:outerShdw>
+          </a:effectLst>
+        </p:spPr>
+      </p:pic>
       <p:sp>
         <p:nvSpPr>
-          <p:cNvPr id="167" name="在 TypeScript下 写一个正确的组件"/>
+          <p:cNvPr id="181" name="Line"/>
+          <p:cNvSpPr/>
+          <p:nvPr/>
+        </p:nvSpPr>
+        <p:spPr>
+          <a:xfrm flipH="1">
+            <a:off x="4666901" y="5257706"/>
+            <a:ext cx="1333155" cy="969310"/>
+          </a:xfrm>
+          <a:prstGeom prst="line">
+            <a:avLst/>
+          </a:prstGeom>
+          <a:ln w="25400">
+            <a:solidFill>
+              <a:srgbClr val="FFFFFF"/>
+            </a:solidFill>
+            <a:tailEnd type="triangle"/>
+          </a:ln>
+          <a:effectLst>
+            <a:outerShdw sx="100000" sy="100000" kx="0" ky="0" algn="b" rotWithShape="0" blurRad="38100" dist="23000" dir="5400000">
+              <a:srgbClr val="000000">
+                <a:alpha val="35000"/>
+              </a:srgbClr>
+            </a:outerShdw>
+          </a:effectLst>
+        </p:spPr>
+        <p:txBody>
+          <a:bodyPr lIns="45718" tIns="45718" rIns="45718" bIns="45718"/>
+          <a:lstStyle/>
+          <a:p>
+            <a:pPr/>
+          </a:p>
+        </p:txBody>
+      </p:sp>
+      <p:sp>
+        <p:nvSpPr>
+          <p:cNvPr id="182" name="Line"/>
+          <p:cNvSpPr/>
+          <p:nvPr/>
+        </p:nvSpPr>
+        <p:spPr>
+          <a:xfrm>
+            <a:off x="8343899" y="5158830"/>
+            <a:ext cx="1095922" cy="1095921"/>
+          </a:xfrm>
+          <a:prstGeom prst="line">
+            <a:avLst/>
+          </a:prstGeom>
+          <a:ln w="25400">
+            <a:solidFill>
+              <a:srgbClr val="FFFFFF"/>
+            </a:solidFill>
+            <a:tailEnd type="triangle"/>
+          </a:ln>
+          <a:effectLst>
+            <a:outerShdw sx="100000" sy="100000" kx="0" ky="0" algn="b" rotWithShape="0" blurRad="38100" dist="23000" dir="5400000">
+              <a:srgbClr val="000000">
+                <a:alpha val="35000"/>
+              </a:srgbClr>
+            </a:outerShdw>
+          </a:effectLst>
+        </p:spPr>
+        <p:txBody>
+          <a:bodyPr lIns="45718" tIns="45718" rIns="45718" bIns="45718"/>
+          <a:lstStyle/>
+          <a:p>
+            <a:pPr/>
+          </a:p>
+        </p:txBody>
+      </p:sp>
+      <p:pic>
+        <p:nvPicPr>
+          <p:cNvPr id="183" name="Image" descr="Image"/>
+          <p:cNvPicPr>
+            <a:picLocks noChangeAspect="1"/>
+          </p:cNvPicPr>
+          <p:nvPr/>
+        </p:nvPicPr>
+        <p:blipFill>
+          <a:blip r:embed="rId5">
+            <a:extLst/>
+          </a:blip>
+          <a:stretch>
+            <a:fillRect/>
+          </a:stretch>
+        </p:blipFill>
+        <p:spPr>
+          <a:xfrm>
+            <a:off x="7823200" y="7351217"/>
+            <a:ext cx="5724981" cy="1127407"/>
+          </a:xfrm>
+          <a:prstGeom prst="rect">
+            <a:avLst/>
+          </a:prstGeom>
+          <a:ln w="12700">
+            <a:miter lim="400000"/>
+          </a:ln>
+          <a:effectLst>
+            <a:outerShdw sx="100000" sy="100000" kx="0" ky="0" algn="b" rotWithShape="0" blurRad="101600" dist="25400" dir="5400000">
+              <a:srgbClr val="000000">
+                <a:alpha val="75000"/>
+              </a:srgbClr>
+            </a:outerShdw>
+          </a:effectLst>
+        </p:spPr>
+      </p:pic>
+      <p:sp>
+        <p:nvSpPr>
+          <p:cNvPr id="184" name="Rectangle"/>
+          <p:cNvSpPr/>
+          <p:nvPr/>
+        </p:nvSpPr>
+        <p:spPr>
+          <a:xfrm>
+            <a:off x="12611099" y="7587554"/>
+            <a:ext cx="764880" cy="405410"/>
+          </a:xfrm>
+          <a:prstGeom prst="rect">
+            <a:avLst/>
+          </a:prstGeom>
+          <a:ln w="25400">
+            <a:solidFill>
+              <a:srgbClr val="D9544E"/>
+            </a:solidFill>
+          </a:ln>
+          <a:effectLst>
+            <a:outerShdw sx="100000" sy="100000" kx="0" ky="0" algn="b" rotWithShape="0" blurRad="38100" dist="23000" dir="5400000">
+              <a:srgbClr val="000000">
+                <a:alpha val="35000"/>
+              </a:srgbClr>
+            </a:outerShdw>
+          </a:effectLst>
+        </p:spPr>
+        <p:txBody>
+          <a:bodyPr lIns="45718" tIns="45718" rIns="45718" bIns="45718" anchor="ctr"/>
+          <a:lstStyle/>
+          <a:p>
+            <a:pPr/>
+          </a:p>
+        </p:txBody>
+      </p:sp>
+      <p:sp>
+        <p:nvSpPr>
+          <p:cNvPr id="185" name="不是 string"/>
           <p:cNvSpPr txBox="1"/>
           <p:nvPr/>
         </p:nvSpPr>
         <p:spPr>
           <a:xfrm>
-            <a:off x="1390947" y="4762500"/>
-            <a:ext cx="11619906" cy="1270001"/>
+            <a:off x="11072166" y="9131299"/>
+            <a:ext cx="1793852" cy="609601"/>
+          </a:xfrm>
+          <a:prstGeom prst="rect">
+            <a:avLst/>
+          </a:prstGeom>
+          <a:ln w="12700">
+            <a:miter lim="400000"/>
+          </a:ln>
+          <a:extLst>
+            <a:ext uri="{C572A759-6A51-4108-AA02-DFA0A04FC94B}">
+              <ma14:wrappingTextBoxFlag xmlns:ma14="http://schemas.microsoft.com/office/mac/drawingml/2011/main" val="1"/>
+            </a:ext>
+          </a:extLst>
+        </p:spPr>
+        <p:txBody>
+          <a:bodyPr wrap="none" lIns="50800" tIns="50800" rIns="50800" bIns="50800" anchor="ctr">
+            <a:spAutoFit/>
+          </a:bodyPr>
+          <a:lstStyle>
+            <a:lvl1pPr>
+              <a:defRPr>
+                <a:solidFill>
+                  <a:srgbClr val="FFFFFF"/>
+                </a:solidFill>
+              </a:defRPr>
+            </a:lvl1pPr>
+          </a:lstStyle>
+          <a:p>
+            <a:pPr/>
+            <a:r>
+              <a:t>不是 string</a:t>
+            </a:r>
+          </a:p>
+        </p:txBody>
+      </p:sp>
+      <p:sp>
+        <p:nvSpPr>
+          <p:cNvPr id="186" name="Line"/>
+          <p:cNvSpPr/>
+          <p:nvPr/>
+        </p:nvSpPr>
+        <p:spPr>
+          <a:xfrm flipH="1">
+            <a:off x="12491587" y="8144208"/>
+            <a:ext cx="386213" cy="853782"/>
+          </a:xfrm>
+          <a:prstGeom prst="line">
+            <a:avLst/>
+          </a:prstGeom>
+          <a:ln w="25400">
+            <a:solidFill>
+              <a:srgbClr val="FFFFFF"/>
+            </a:solidFill>
+            <a:tailEnd type="triangle"/>
+          </a:ln>
+          <a:effectLst>
+            <a:outerShdw sx="100000" sy="100000" kx="0" ky="0" algn="b" rotWithShape="0" blurRad="38100" dist="23000" dir="5400000">
+              <a:srgbClr val="000000">
+                <a:alpha val="35000"/>
+              </a:srgbClr>
+            </a:outerShdw>
+          </a:effectLst>
+        </p:spPr>
+        <p:txBody>
+          <a:bodyPr lIns="45718" tIns="45718" rIns="45718" bIns="45718"/>
+          <a:lstStyle/>
+          <a:p>
+            <a:pPr/>
+          </a:p>
+        </p:txBody>
+      </p:sp>
+    </p:spTree>
+  </p:cSld>
+  <p:clrMapOvr>
+    <a:masterClrMapping/>
+  </p:clrMapOvr>
+  <p:transition xmlns:p14="http://schemas.microsoft.com/office/powerpoint/2010/main" spd="med" advClick="1"/>
+  <p:timing>
+    <p:tnLst>
+      <p:par>
+        <p:cTn id="1" nodeType="tmRoot" restart="never" dur="indefinite" fill="hold">
+          <p:childTnLst>
+            <p:seq concurrent="1" prevAc="none" nextAc="seek">
+              <p:cTn id="2" nodeType="mainSeq" dur="indefinite" fill="hold">
+                <p:childTnLst>
+                  <p:par>
+                    <p:cTn id="3" fill="hold">
+                      <p:stCondLst>
+                        <p:cond delay="indefinite"/>
+                      </p:stCondLst>
+                      <p:childTnLst>
+                        <p:par>
+                          <p:cTn id="4" fill="hold">
+                            <p:stCondLst>
+                              <p:cond delay="0"/>
+                            </p:stCondLst>
+                            <p:childTnLst>
+                              <p:par>
+                                <p:cTn id="5" presetClass="entr" nodeType="clickEffect" presetSubtype="0" presetID="1" grpId="1" fill="hold">
+                                  <p:stCondLst>
+                                    <p:cond delay="0"/>
+                                  </p:stCondLst>
+                                  <p:iterate type="el" backwards="0">
+                                    <p:tmAbs val="0"/>
+                                  </p:iterate>
+                                  <p:childTnLst>
+                                    <p:set>
+                                      <p:cBhvr>
+                                        <p:cTn id="6" fill="hold"/>
+                                        <p:tgtEl>
+                                          <p:spTgt spid="179"/>
+                                        </p:tgtEl>
+                                        <p:attrNameLst>
+                                          <p:attrName>style.visibility</p:attrName>
+                                        </p:attrNameLst>
+                                      </p:cBhvr>
+                                      <p:to>
+                                        <p:strVal val="visible"/>
+                                      </p:to>
+                                    </p:set>
+                                  </p:childTnLst>
+                                </p:cTn>
+                              </p:par>
+                            </p:childTnLst>
+                          </p:cTn>
+                        </p:par>
+                      </p:childTnLst>
+                    </p:cTn>
+                  </p:par>
+                  <p:par>
+                    <p:cTn id="7" fill="hold">
+                      <p:stCondLst>
+                        <p:cond delay="indefinite"/>
+                      </p:stCondLst>
+                      <p:childTnLst>
+                        <p:par>
+                          <p:cTn id="8" fill="hold">
+                            <p:stCondLst>
+                              <p:cond delay="0"/>
+                            </p:stCondLst>
+                            <p:childTnLst>
+                              <p:par>
+                                <p:cTn id="9" presetClass="entr" nodeType="clickEffect" presetSubtype="0" presetID="1" grpId="2" fill="hold">
+                                  <p:stCondLst>
+                                    <p:cond delay="0"/>
+                                  </p:stCondLst>
+                                  <p:iterate type="el" backwards="0">
+                                    <p:tmAbs val="0"/>
+                                  </p:iterate>
+                                  <p:childTnLst>
+                                    <p:set>
+                                      <p:cBhvr>
+                                        <p:cTn id="10" fill="hold"/>
+                                        <p:tgtEl>
+                                          <p:spTgt spid="181"/>
+                                        </p:tgtEl>
+                                        <p:attrNameLst>
+                                          <p:attrName>style.visibility</p:attrName>
+                                        </p:attrNameLst>
+                                      </p:cBhvr>
+                                      <p:to>
+                                        <p:strVal val="visible"/>
+                                      </p:to>
+                                    </p:set>
+                                  </p:childTnLst>
+                                </p:cTn>
+                              </p:par>
+                            </p:childTnLst>
+                          </p:cTn>
+                        </p:par>
+                      </p:childTnLst>
+                    </p:cTn>
+                  </p:par>
+                  <p:par>
+                    <p:cTn id="11" fill="hold">
+                      <p:stCondLst>
+                        <p:cond delay="indefinite"/>
+                      </p:stCondLst>
+                      <p:childTnLst>
+                        <p:par>
+                          <p:cTn id="12" fill="hold">
+                            <p:stCondLst>
+                              <p:cond delay="0"/>
+                            </p:stCondLst>
+                            <p:childTnLst>
+                              <p:par>
+                                <p:cTn id="13" presetClass="entr" nodeType="clickEffect" presetSubtype="0" presetID="1" grpId="3" fill="hold">
+                                  <p:stCondLst>
+                                    <p:cond delay="0"/>
+                                  </p:stCondLst>
+                                  <p:iterate type="el" backwards="0">
+                                    <p:tmAbs val="0"/>
+                                  </p:iterate>
+                                  <p:childTnLst>
+                                    <p:set>
+                                      <p:cBhvr>
+                                        <p:cTn id="14" fill="hold"/>
+                                        <p:tgtEl>
+                                          <p:spTgt spid="180"/>
+                                        </p:tgtEl>
+                                        <p:attrNameLst>
+                                          <p:attrName>style.visibility</p:attrName>
+                                        </p:attrNameLst>
+                                      </p:cBhvr>
+                                      <p:to>
+                                        <p:strVal val="visible"/>
+                                      </p:to>
+                                    </p:set>
+                                  </p:childTnLst>
+                                </p:cTn>
+                              </p:par>
+                            </p:childTnLst>
+                          </p:cTn>
+                        </p:par>
+                      </p:childTnLst>
+                    </p:cTn>
+                  </p:par>
+                  <p:par>
+                    <p:cTn id="15" fill="hold">
+                      <p:stCondLst>
+                        <p:cond delay="indefinite"/>
+                      </p:stCondLst>
+                      <p:childTnLst>
+                        <p:par>
+                          <p:cTn id="16" fill="hold">
+                            <p:stCondLst>
+                              <p:cond delay="0"/>
+                            </p:stCondLst>
+                            <p:childTnLst>
+                              <p:par>
+                                <p:cTn id="17" presetClass="entr" nodeType="clickEffect" presetSubtype="0" presetID="1" grpId="4" fill="hold">
+                                  <p:stCondLst>
+                                    <p:cond delay="0"/>
+                                  </p:stCondLst>
+                                  <p:iterate type="el" backwards="0">
+                                    <p:tmAbs val="0"/>
+                                  </p:iterate>
+                                  <p:childTnLst>
+                                    <p:set>
+                                      <p:cBhvr>
+                                        <p:cTn id="18" fill="hold"/>
+                                        <p:tgtEl>
+                                          <p:spTgt spid="182"/>
+                                        </p:tgtEl>
+                                        <p:attrNameLst>
+                                          <p:attrName>style.visibility</p:attrName>
+                                        </p:attrNameLst>
+                                      </p:cBhvr>
+                                      <p:to>
+                                        <p:strVal val="visible"/>
+                                      </p:to>
+                                    </p:set>
+                                  </p:childTnLst>
+                                </p:cTn>
+                              </p:par>
+                            </p:childTnLst>
+                          </p:cTn>
+                        </p:par>
+                      </p:childTnLst>
+                    </p:cTn>
+                  </p:par>
+                  <p:par>
+                    <p:cTn id="19" fill="hold">
+                      <p:stCondLst>
+                        <p:cond delay="indefinite"/>
+                      </p:stCondLst>
+                      <p:childTnLst>
+                        <p:par>
+                          <p:cTn id="20" fill="hold">
+                            <p:stCondLst>
+                              <p:cond delay="0"/>
+                            </p:stCondLst>
+                            <p:childTnLst>
+                              <p:par>
+                                <p:cTn id="21" presetClass="entr" nodeType="clickEffect" presetSubtype="0" presetID="1" grpId="5" fill="hold">
+                                  <p:stCondLst>
+                                    <p:cond delay="0"/>
+                                  </p:stCondLst>
+                                  <p:iterate type="el" backwards="0">
+                                    <p:tmAbs val="0"/>
+                                  </p:iterate>
+                                  <p:childTnLst>
+                                    <p:set>
+                                      <p:cBhvr>
+                                        <p:cTn id="22" fill="hold"/>
+                                        <p:tgtEl>
+                                          <p:spTgt spid="183"/>
+                                        </p:tgtEl>
+                                        <p:attrNameLst>
+                                          <p:attrName>style.visibility</p:attrName>
+                                        </p:attrNameLst>
+                                      </p:cBhvr>
+                                      <p:to>
+                                        <p:strVal val="visible"/>
+                                      </p:to>
+                                    </p:set>
+                                  </p:childTnLst>
+                                </p:cTn>
+                              </p:par>
+                            </p:childTnLst>
+                          </p:cTn>
+                        </p:par>
+                      </p:childTnLst>
+                    </p:cTn>
+                  </p:par>
+                  <p:par>
+                    <p:cTn id="23" fill="hold">
+                      <p:stCondLst>
+                        <p:cond delay="indefinite"/>
+                      </p:stCondLst>
+                      <p:childTnLst>
+                        <p:par>
+                          <p:cTn id="24" fill="hold">
+                            <p:stCondLst>
+                              <p:cond delay="0"/>
+                            </p:stCondLst>
+                            <p:childTnLst>
+                              <p:par>
+                                <p:cTn id="25" presetClass="entr" nodeType="clickEffect" presetSubtype="0" presetID="1" grpId="6" fill="hold">
+                                  <p:stCondLst>
+                                    <p:cond delay="0"/>
+                                  </p:stCondLst>
+                                  <p:iterate type="el" backwards="0">
+                                    <p:tmAbs val="0"/>
+                                  </p:iterate>
+                                  <p:childTnLst>
+                                    <p:set>
+                                      <p:cBhvr>
+                                        <p:cTn id="26" fill="hold"/>
+                                        <p:tgtEl>
+                                          <p:spTgt spid="184"/>
+                                        </p:tgtEl>
+                                        <p:attrNameLst>
+                                          <p:attrName>style.visibility</p:attrName>
+                                        </p:attrNameLst>
+                                      </p:cBhvr>
+                                      <p:to>
+                                        <p:strVal val="visible"/>
+                                      </p:to>
+                                    </p:set>
+                                  </p:childTnLst>
+                                </p:cTn>
+                              </p:par>
+                            </p:childTnLst>
+                          </p:cTn>
+                        </p:par>
+                      </p:childTnLst>
+                    </p:cTn>
+                  </p:par>
+                  <p:par>
+                    <p:cTn id="27" fill="hold">
+                      <p:stCondLst>
+                        <p:cond delay="indefinite"/>
+                      </p:stCondLst>
+                      <p:childTnLst>
+                        <p:par>
+                          <p:cTn id="28" fill="hold">
+                            <p:stCondLst>
+                              <p:cond delay="0"/>
+                            </p:stCondLst>
+                            <p:childTnLst>
+                              <p:par>
+                                <p:cTn id="29" presetClass="entr" nodeType="clickEffect" presetSubtype="0" presetID="1" grpId="7" fill="hold">
+                                  <p:stCondLst>
+                                    <p:cond delay="0"/>
+                                  </p:stCondLst>
+                                  <p:iterate type="el" backwards="0">
+                                    <p:tmAbs val="0"/>
+                                  </p:iterate>
+                                  <p:childTnLst>
+                                    <p:set>
+                                      <p:cBhvr>
+                                        <p:cTn id="30" fill="hold"/>
+                                        <p:tgtEl>
+                                          <p:spTgt spid="186"/>
+                                        </p:tgtEl>
+                                        <p:attrNameLst>
+                                          <p:attrName>style.visibility</p:attrName>
+                                        </p:attrNameLst>
+                                      </p:cBhvr>
+                                      <p:to>
+                                        <p:strVal val="visible"/>
+                                      </p:to>
+                                    </p:set>
+                                  </p:childTnLst>
+                                </p:cTn>
+                              </p:par>
+                            </p:childTnLst>
+                          </p:cTn>
+                        </p:par>
+                      </p:childTnLst>
+                    </p:cTn>
+                  </p:par>
+                  <p:par>
+                    <p:cTn id="31" fill="hold">
+                      <p:stCondLst>
+                        <p:cond delay="indefinite"/>
+                      </p:stCondLst>
+                      <p:childTnLst>
+                        <p:par>
+                          <p:cTn id="32" fill="hold">
+                            <p:stCondLst>
+                              <p:cond delay="0"/>
+                            </p:stCondLst>
+                            <p:childTnLst>
+                              <p:par>
+                                <p:cTn id="33" presetClass="entr" nodeType="clickEffect" presetSubtype="0" presetID="1" grpId="8" fill="hold">
+                                  <p:stCondLst>
+                                    <p:cond delay="0"/>
+                                  </p:stCondLst>
+                                  <p:iterate type="el" backwards="0">
+                                    <p:tmAbs val="0"/>
+                                  </p:iterate>
+                                  <p:childTnLst>
+                                    <p:set>
+                                      <p:cBhvr>
+                                        <p:cTn id="34" fill="hold"/>
+                                        <p:tgtEl>
+                                          <p:spTgt spid="185"/>
+                                        </p:tgtEl>
+                                        <p:attrNameLst>
+                                          <p:attrName>style.visibility</p:attrName>
+                                        </p:attrNameLst>
+                                      </p:cBhvr>
+                                      <p:to>
+                                        <p:strVal val="visible"/>
+                                      </p:to>
+                                    </p:set>
+                                  </p:childTnLst>
+                                </p:cTn>
+                              </p:par>
+                            </p:childTnLst>
+                          </p:cTn>
+                        </p:par>
+                      </p:childTnLst>
+                    </p:cTn>
+                  </p:par>
+                </p:childTnLst>
+              </p:cTn>
+              <p:prevCondLst>
+                <p:cond evt="onPrev">
+                  <p:tgtEl>
+                    <p:sldTgt/>
+                  </p:tgtEl>
+                </p:cond>
+              </p:prevCondLst>
+              <p:nextCondLst>
+                <p:cond evt="onNext">
+                  <p:tgtEl>
+                    <p:sldTgt/>
+                  </p:tgtEl>
+                </p:cond>
+              </p:nextCondLst>
+            </p:seq>
+          </p:childTnLst>
+        </p:cTn>
+      </p:par>
+    </p:tnLst>
+    <p:bldLst>
+      <p:bldP build="whole" bldLvl="1" animBg="1" rev="0" advAuto="0" spid="186" grpId="7"/>
+      <p:bldP build="whole" bldLvl="1" animBg="1" rev="0" advAuto="0" spid="182" grpId="4"/>
+      <p:bldP build="whole" bldLvl="1" animBg="1" rev="0" advAuto="0" spid="185" grpId="8"/>
+      <p:bldP build="whole" bldLvl="1" animBg="1" rev="0" advAuto="0" spid="184" grpId="6"/>
+      <p:bldP build="whole" bldLvl="1" animBg="1" rev="0" advAuto="0" spid="179" grpId="1"/>
+      <p:bldP build="whole" bldLvl="1" animBg="1" rev="0" advAuto="0" spid="181" grpId="2"/>
+      <p:bldP build="whole" bldLvl="1" animBg="1" rev="0" advAuto="0" spid="180" grpId="3"/>
+      <p:bldP build="whole" bldLvl="1" animBg="1" rev="0" advAuto="0" spid="183" grpId="5"/>
+    </p:bldLst>
+  </p:timing>
+</p:sld>
+</file>
+
+<file path=ppt/slides/slide16.xml><?xml version="1.0" encoding="utf-8"?>
+<p:sld xmlns:a="http://schemas.openxmlformats.org/drawingml/2006/main" xmlns:r="http://schemas.openxmlformats.org/officeDocument/2006/relationships" xmlns:p="http://schemas.openxmlformats.org/presentationml/2006/main" xmlns:m="http://schemas.openxmlformats.org/officeDocument/2006/math" xmlns:a14="http://schemas.microsoft.com/office/drawing/2010/main" showMasterSp="1" showMasterPhAnim="1">
+  <p:cSld>
+    <p:bg>
+      <p:bgPr>
+        <a:solidFill>
+          <a:srgbClr val="739A98"/>
+        </a:solidFill>
+      </p:bgPr>
+    </p:bg>
+    <p:spTree>
+      <p:nvGrpSpPr>
+        <p:cNvPr id="1" name=""/>
+        <p:cNvGrpSpPr/>
+        <p:nvPr/>
+      </p:nvGrpSpPr>
+      <p:grpSpPr>
+        <a:xfrm>
+          <a:off x="0" y="0"/>
+          <a:ext cx="0" cy="0"/>
+          <a:chOff x="0" y="0"/>
+          <a:chExt cx="0" cy="0"/>
+        </a:xfrm>
+      </p:grpSpPr>
+      <p:pic>
+        <p:nvPicPr>
+          <p:cNvPr id="188" name="Image" descr="Image"/>
+          <p:cNvPicPr>
+            <a:picLocks noChangeAspect="1"/>
+          </p:cNvPicPr>
+          <p:nvPr/>
+        </p:nvPicPr>
+        <p:blipFill>
+          <a:blip r:embed="rId2">
+            <a:extLst/>
+          </a:blip>
+          <a:stretch>
+            <a:fillRect/>
+          </a:stretch>
+        </p:blipFill>
+        <p:spPr>
+          <a:xfrm>
+            <a:off x="910431" y="2625129"/>
+            <a:ext cx="12581122" cy="5544645"/>
+          </a:xfrm>
+          <a:prstGeom prst="rect">
+            <a:avLst/>
+          </a:prstGeom>
+          <a:ln w="12700">
+            <a:miter lim="400000"/>
+          </a:ln>
+          <a:effectLst>
+            <a:outerShdw sx="100000" sy="100000" kx="0" ky="0" algn="b" rotWithShape="0" blurRad="101600" dist="25400" dir="5400000">
+              <a:srgbClr val="000000">
+                <a:alpha val="75000"/>
+              </a:srgbClr>
+            </a:outerShdw>
+          </a:effectLst>
+        </p:spPr>
+      </p:pic>
+    </p:spTree>
+  </p:cSld>
+  <p:clrMapOvr>
+    <a:masterClrMapping/>
+  </p:clrMapOvr>
+  <p:transition xmlns:p14="http://schemas.microsoft.com/office/powerpoint/2010/main" spd="med" advClick="1"/>
+</p:sld>
+</file>
+
+<file path=ppt/slides/slide17.xml><?xml version="1.0" encoding="utf-8"?>
+<p:sld xmlns:a="http://schemas.openxmlformats.org/drawingml/2006/main" xmlns:r="http://schemas.openxmlformats.org/officeDocument/2006/relationships" xmlns:p="http://schemas.openxmlformats.org/presentationml/2006/main" xmlns:m="http://schemas.openxmlformats.org/officeDocument/2006/math" xmlns:a14="http://schemas.microsoft.com/office/drawing/2010/main" showMasterSp="1" showMasterPhAnim="1">
+  <p:cSld>
+    <p:bg>
+      <p:bgPr>
+        <a:solidFill>
+          <a:srgbClr val="739A98"/>
+        </a:solidFill>
+      </p:bgPr>
+    </p:bg>
+    <p:spTree>
+      <p:nvGrpSpPr>
+        <p:cNvPr id="1" name=""/>
+        <p:cNvGrpSpPr/>
+        <p:nvPr/>
+      </p:nvGrpSpPr>
+      <p:grpSpPr>
+        <a:xfrm>
+          <a:off x="0" y="0"/>
+          <a:ext cx="0" cy="0"/>
+          <a:chOff x="0" y="0"/>
+          <a:chExt cx="0" cy="0"/>
+        </a:xfrm>
+      </p:grpSpPr>
+      <p:sp>
+        <p:nvSpPr>
+          <p:cNvPr id="190" name="在 TypeScript下 写一个正确的组件"/>
+          <p:cNvSpPr txBox="1"/>
+          <p:nvPr/>
+        </p:nvSpPr>
+        <p:spPr>
+          <a:xfrm>
+            <a:off x="1390945" y="4762499"/>
+            <a:ext cx="11354694" cy="1270001"/>
           </a:xfrm>
           <a:prstGeom prst="rect">
             <a:avLst/>
@@ -4153,13 +5646,17 @@
                 <a:solidFill>
                   <a:srgbClr val="FFFFFF"/>
                 </a:solidFill>
+                <a:latin typeface="+mn-lt"/>
+                <a:ea typeface="+mn-ea"/>
+                <a:cs typeface="+mn-cs"/>
+                <a:sym typeface="Lucida Grande"/>
               </a:defRPr>
             </a:lvl1pPr>
           </a:lstStyle>
           <a:p>
             <a:pPr/>
             <a:r>
-              <a:t>在 TypeScript下 封装一个组件</a:t>
+              <a:t>在 TypeScript下封装一个组件</a:t>
             </a:r>
           </a:p>
         </p:txBody>
@@ -4205,8 +5702,8 @@
         </p:nvSpPr>
         <p:spPr>
           <a:xfrm>
-            <a:off x="4141797" y="3663950"/>
-            <a:ext cx="5205516" cy="736601"/>
+            <a:off x="4141797" y="3663948"/>
+            <a:ext cx="5205518" cy="736601"/>
           </a:xfrm>
           <a:prstGeom prst="rect">
             <a:avLst/>
@@ -4230,10 +5727,6 @@
                 <a:solidFill>
                   <a:srgbClr val="FFFFFF"/>
                 </a:solidFill>
-                <a:latin typeface="+mn-lt"/>
-                <a:ea typeface="+mn-ea"/>
-                <a:cs typeface="+mn-cs"/>
-                <a:sym typeface="Helvetica"/>
               </a:defRPr>
             </a:lvl1pPr>
           </a:lstStyle>
@@ -4253,8 +5746,8 @@
         </p:nvSpPr>
         <p:spPr>
           <a:xfrm>
-            <a:off x="4242741" y="6394450"/>
-            <a:ext cx="7304486" cy="736601"/>
+            <a:off x="4242740" y="6394449"/>
+            <a:ext cx="6245425" cy="736601"/>
           </a:xfrm>
           <a:prstGeom prst="rect">
             <a:avLst/>
@@ -4278,13 +5771,17 @@
                 <a:solidFill>
                   <a:srgbClr val="FFFFFF"/>
                 </a:solidFill>
+                <a:latin typeface="+mn-lt"/>
+                <a:ea typeface="+mn-ea"/>
+                <a:cs typeface="+mn-cs"/>
+                <a:sym typeface="Lucida Grande"/>
               </a:defRPr>
             </a:lvl1pPr>
           </a:lstStyle>
           <a:p>
             <a:pPr/>
             <a:r>
-              <a:t>在 TypeScript下 写一个正确的组件</a:t>
+              <a:t>在 TypeScript下封装一个组件</a:t>
             </a:r>
           </a:p>
         </p:txBody>
@@ -4297,8 +5794,8 @@
         </p:nvSpPr>
         <p:spPr>
           <a:xfrm>
-            <a:off x="4248260" y="5029200"/>
-            <a:ext cx="4992590" cy="736601"/>
+            <a:off x="4248260" y="5029198"/>
+            <a:ext cx="4992589" cy="736601"/>
           </a:xfrm>
           <a:prstGeom prst="rect">
             <a:avLst/>
@@ -4322,6 +5819,10 @@
                 <a:solidFill>
                   <a:srgbClr val="FFFFFF"/>
                 </a:solidFill>
+                <a:latin typeface="+mn-lt"/>
+                <a:ea typeface="+mn-ea"/>
+                <a:cs typeface="+mn-cs"/>
+                <a:sym typeface="Lucida Grande"/>
               </a:defRPr>
             </a:lvl1pPr>
           </a:lstStyle>
@@ -4341,8 +5842,8 @@
         </p:nvSpPr>
         <p:spPr>
           <a:xfrm>
-            <a:off x="2854573" y="3547489"/>
-            <a:ext cx="919538" cy="969520"/>
+            <a:off x="2854573" y="3547488"/>
+            <a:ext cx="919537" cy="969519"/>
           </a:xfrm>
           <a:prstGeom prst="rect">
             <a:avLst/>
@@ -4390,7 +5891,7 @@
         <p:spPr>
           <a:xfrm>
             <a:off x="2854573" y="4912740"/>
-            <a:ext cx="919538" cy="969519"/>
+            <a:ext cx="919537" cy="969519"/>
           </a:xfrm>
           <a:prstGeom prst="rect">
             <a:avLst/>
@@ -4438,7 +5939,7 @@
         <p:spPr>
           <a:xfrm>
             <a:off x="2854573" y="6277990"/>
-            <a:ext cx="919538" cy="969519"/>
+            <a:ext cx="919537" cy="969519"/>
           </a:xfrm>
           <a:prstGeom prst="rect">
             <a:avLst/>
@@ -4529,7 +6030,7 @@
         </p:nvSpPr>
         <p:spPr>
           <a:xfrm>
-            <a:off x="2405805" y="4762499"/>
+            <a:off x="2405805" y="4762498"/>
             <a:ext cx="9590190" cy="1270001"/>
           </a:xfrm>
           <a:prstGeom prst="rect">
@@ -4554,10 +6055,6 @@
                 <a:solidFill>
                   <a:srgbClr val="FFFFFF"/>
                 </a:solidFill>
-                <a:latin typeface="+mn-lt"/>
-                <a:ea typeface="+mn-ea"/>
-                <a:cs typeface="+mn-cs"/>
-                <a:sym typeface="Helvetica"/>
               </a:defRPr>
             </a:lvl1pPr>
           </a:lstStyle>
@@ -4610,8 +6107,8 @@
         </p:nvSpPr>
         <p:spPr>
           <a:xfrm>
-            <a:off x="635693" y="457199"/>
-            <a:ext cx="4485435" cy="736601"/>
+            <a:off x="635691" y="457198"/>
+            <a:ext cx="4485439" cy="736601"/>
           </a:xfrm>
           <a:prstGeom prst="rect">
             <a:avLst/>
@@ -4637,10 +6134,6 @@
                 <a:solidFill>
                   <a:srgbClr val="FFFFFF"/>
                 </a:solidFill>
-                <a:latin typeface="+mn-lt"/>
-                <a:ea typeface="+mn-ea"/>
-                <a:cs typeface="+mn-cs"/>
-                <a:sym typeface="Helvetica"/>
               </a:defRPr>
             </a:lvl1pPr>
           </a:lstStyle>
@@ -4661,7 +6154,7 @@
         <p:spPr>
           <a:xfrm>
             <a:off x="7200900" y="4348865"/>
-            <a:ext cx="0" cy="1599340"/>
+            <a:ext cx="0" cy="1599342"/>
           </a:xfrm>
           <a:prstGeom prst="line">
             <a:avLst/>
@@ -4707,7 +6200,7 @@
         <p:spPr>
           <a:xfrm>
             <a:off x="2546350" y="6265102"/>
-            <a:ext cx="9309100" cy="3543301"/>
+            <a:ext cx="9309100" cy="3543303"/>
           </a:xfrm>
           <a:prstGeom prst="rect">
             <a:avLst/>
@@ -4715,6 +6208,13 @@
           <a:ln w="12700">
             <a:miter lim="400000"/>
           </a:ln>
+          <a:effectLst>
+            <a:outerShdw sx="100000" sy="100000" kx="0" ky="0" algn="b" rotWithShape="0" blurRad="101600" dist="25400" dir="5400000">
+              <a:srgbClr val="000000">
+                <a:alpha val="75000"/>
+              </a:srgbClr>
+            </a:outerShdw>
+          </a:effectLst>
         </p:spPr>
       </p:pic>
       <p:pic>
@@ -4736,7 +6236,43 @@
         <p:spPr>
           <a:xfrm>
             <a:off x="5155629" y="1947614"/>
-            <a:ext cx="4090542" cy="2084353"/>
+            <a:ext cx="4090544" cy="2084355"/>
+          </a:xfrm>
+          <a:prstGeom prst="rect">
+            <a:avLst/>
+          </a:prstGeom>
+          <a:ln w="12700">
+            <a:miter lim="400000"/>
+          </a:ln>
+          <a:effectLst>
+            <a:outerShdw sx="100000" sy="100000" kx="0" ky="0" algn="b" rotWithShape="0" blurRad="101600" dist="25400" dir="5400000">
+              <a:srgbClr val="000000">
+                <a:alpha val="75000"/>
+              </a:srgbClr>
+            </a:outerShdw>
+          </a:effectLst>
+        </p:spPr>
+      </p:pic>
+      <p:pic>
+        <p:nvPicPr>
+          <p:cNvPr id="139" name="Image" descr="Image"/>
+          <p:cNvPicPr>
+            <a:picLocks noChangeAspect="1"/>
+          </p:cNvPicPr>
+          <p:nvPr/>
+        </p:nvPicPr>
+        <p:blipFill>
+          <a:blip r:embed="rId4">
+            <a:extLst/>
+          </a:blip>
+          <a:stretch>
+            <a:fillRect/>
+          </a:stretch>
+        </p:blipFill>
+        <p:spPr>
+          <a:xfrm>
+            <a:off x="6556351" y="6265102"/>
+            <a:ext cx="7115025" cy="3543302"/>
           </a:xfrm>
           <a:prstGeom prst="rect">
             <a:avLst/>
@@ -4899,6 +6435,50 @@
                       </p:childTnLst>
                     </p:cTn>
                   </p:par>
+                  <p:par>
+                    <p:cTn id="15" fill="hold">
+                      <p:stCondLst>
+                        <p:cond delay="indefinite"/>
+                      </p:stCondLst>
+                      <p:childTnLst>
+                        <p:par>
+                          <p:cTn id="16" fill="hold">
+                            <p:stCondLst>
+                              <p:cond delay="0"/>
+                            </p:stCondLst>
+                            <p:childTnLst>
+                              <p:par>
+                                <p:cTn id="17" presetClass="entr" nodeType="clickEffect" presetSubtype="0" presetID="1" grpId="4" fill="hold">
+                                  <p:stCondLst>
+                                    <p:cond delay="0"/>
+                                  </p:stCondLst>
+                                  <p:iterate type="el" backwards="0">
+                                    <p:tmAbs val="0"/>
+                                  </p:iterate>
+                                  <p:childTnLst>
+                                    <p:set>
+                                      <p:cBhvr>
+                                        <p:cTn id="18" fill="hold"/>
+                                        <p:tgtEl>
+                                          <p:spTgt spid="139"/>
+                                        </p:tgtEl>
+                                        <p:attrNameLst>
+                                          <p:attrName>style.visibility</p:attrName>
+                                        </p:attrNameLst>
+                                      </p:cBhvr>
+                                      <p:to>
+                                        <p:strVal val="visible"/>
+                                      </p:to>
+                                    </p:set>
+                                  </p:childTnLst>
+                                </p:cTn>
+                              </p:par>
+                            </p:childTnLst>
+                          </p:cTn>
+                        </p:par>
+                      </p:childTnLst>
+                    </p:cTn>
+                  </p:par>
                 </p:childTnLst>
               </p:cTn>
               <p:prevCondLst>
@@ -4922,8 +6502,9 @@
     </p:tnLst>
     <p:bldLst>
       <p:bldP build="whole" bldLvl="1" animBg="1" rev="0" advAuto="0" spid="137" grpId="3"/>
+      <p:bldP build="whole" bldLvl="1" animBg="1" rev="0" advAuto="0" spid="139" grpId="4"/>
+      <p:bldP build="whole" bldLvl="1" animBg="1" rev="0" advAuto="0" spid="138" grpId="1"/>
       <p:bldP build="whole" bldLvl="1" animBg="1" rev="0" advAuto="0" spid="136" grpId="2"/>
-      <p:bldP build="whole" bldLvl="1" animBg="1" rev="0" advAuto="0" spid="138" grpId="1"/>
     </p:bldLst>
   </p:timing>
 </p:sld>
@@ -4955,14 +6536,14 @@
       </p:grpSpPr>
       <p:sp>
         <p:nvSpPr>
-          <p:cNvPr id="140" name="Line"/>
+          <p:cNvPr id="141" name="Line"/>
           <p:cNvSpPr/>
           <p:nvPr/>
         </p:nvSpPr>
         <p:spPr>
           <a:xfrm>
-            <a:off x="6805487" y="4414649"/>
-            <a:ext cx="1" cy="1782521"/>
+            <a:off x="6805486" y="4414649"/>
+            <a:ext cx="3" cy="1782523"/>
           </a:xfrm>
           <a:prstGeom prst="line">
             <a:avLst/>
@@ -4991,7 +6572,7 @@
       </p:sp>
       <p:pic>
         <p:nvPicPr>
-          <p:cNvPr id="141" name="Image" descr="Image"/>
+          <p:cNvPr id="142" name="Image" descr="Image"/>
           <p:cNvPicPr>
             <a:picLocks noChangeAspect="1"/>
           </p:cNvPicPr>
@@ -5007,8 +6588,8 @@
         </p:blipFill>
         <p:spPr>
           <a:xfrm>
-            <a:off x="4270243" y="1143000"/>
-            <a:ext cx="5070490" cy="2458419"/>
+            <a:off x="4270242" y="1143000"/>
+            <a:ext cx="5070491" cy="2458419"/>
           </a:xfrm>
           <a:prstGeom prst="rect">
             <a:avLst/>
@@ -5027,7 +6608,7 @@
       </p:pic>
       <p:pic>
         <p:nvPicPr>
-          <p:cNvPr id="142" name="Image" descr="Image"/>
+          <p:cNvPr id="143" name="Image" descr="Image"/>
           <p:cNvPicPr>
             <a:picLocks noChangeAspect="1"/>
           </p:cNvPicPr>
@@ -5043,8 +6624,8 @@
         </p:blipFill>
         <p:spPr>
           <a:xfrm>
-            <a:off x="1551341" y="6863208"/>
-            <a:ext cx="10508294" cy="1681328"/>
+            <a:off x="1551339" y="6863208"/>
+            <a:ext cx="10508297" cy="1681330"/>
           </a:xfrm>
           <a:prstGeom prst="rect">
             <a:avLst/>
@@ -5100,369 +6681,7 @@
                                       <p:cBhvr>
                                         <p:cTn id="6" fill="hold"/>
                                         <p:tgtEl>
-                                          <p:spTgt spid="140"/>
-                                        </p:tgtEl>
-                                        <p:attrNameLst>
-                                          <p:attrName>style.visibility</p:attrName>
-                                        </p:attrNameLst>
-                                      </p:cBhvr>
-                                      <p:to>
-                                        <p:strVal val="visible"/>
-                                      </p:to>
-                                    </p:set>
-                                  </p:childTnLst>
-                                </p:cTn>
-                              </p:par>
-                            </p:childTnLst>
-                          </p:cTn>
-                        </p:par>
-                      </p:childTnLst>
-                    </p:cTn>
-                  </p:par>
-                </p:childTnLst>
-              </p:cTn>
-              <p:prevCondLst>
-                <p:cond evt="onPrev">
-                  <p:tgtEl>
-                    <p:sldTgt/>
-                  </p:tgtEl>
-                </p:cond>
-              </p:prevCondLst>
-              <p:nextCondLst>
-                <p:cond evt="onNext">
-                  <p:tgtEl>
-                    <p:sldTgt/>
-                  </p:tgtEl>
-                </p:cond>
-              </p:nextCondLst>
-            </p:seq>
-          </p:childTnLst>
-        </p:cTn>
-      </p:par>
-    </p:tnLst>
-    <p:bldLst>
-      <p:bldP build="whole" bldLvl="1" animBg="1" rev="0" advAuto="0" spid="140" grpId="1"/>
-    </p:bldLst>
-  </p:timing>
-</p:sld>
-</file>
-
-<file path=ppt/slides/slide6.xml><?xml version="1.0" encoding="utf-8"?>
-<p:sld xmlns:a="http://schemas.openxmlformats.org/drawingml/2006/main" xmlns:r="http://schemas.openxmlformats.org/officeDocument/2006/relationships" xmlns:p="http://schemas.openxmlformats.org/presentationml/2006/main" xmlns:m="http://schemas.openxmlformats.org/officeDocument/2006/math" xmlns:a14="http://schemas.microsoft.com/office/drawing/2010/main" showMasterSp="1" showMasterPhAnim="1">
-  <p:cSld>
-    <p:bg>
-      <p:bgPr>
-        <a:solidFill>
-          <a:srgbClr val="739A98"/>
-        </a:solidFill>
-      </p:bgPr>
-    </p:bg>
-    <p:spTree>
-      <p:nvGrpSpPr>
-        <p:cNvPr id="1" name=""/>
-        <p:cNvGrpSpPr/>
-        <p:nvPr/>
-      </p:nvGrpSpPr>
-      <p:grpSpPr>
-        <a:xfrm>
-          <a:off x="0" y="0"/>
-          <a:ext cx="0" cy="0"/>
-          <a:chOff x="0" y="0"/>
-          <a:chExt cx="0" cy="0"/>
-        </a:xfrm>
-      </p:grpSpPr>
-      <p:sp>
-        <p:nvSpPr>
-          <p:cNvPr id="144" name="Line"/>
-          <p:cNvSpPr/>
-          <p:nvPr/>
-        </p:nvSpPr>
-        <p:spPr>
-          <a:xfrm>
-            <a:off x="3759199" y="3781217"/>
-            <a:ext cx="1" cy="1940190"/>
-          </a:xfrm>
-          <a:prstGeom prst="line">
-            <a:avLst/>
-          </a:prstGeom>
-          <a:ln w="25400">
-            <a:solidFill>
-              <a:srgbClr val="FFFFFF"/>
-            </a:solidFill>
-            <a:tailEnd type="triangle"/>
-          </a:ln>
-          <a:effectLst>
-            <a:outerShdw sx="100000" sy="100000" kx="0" ky="0" algn="b" rotWithShape="0" blurRad="38100" dist="23000" dir="5400000">
-              <a:srgbClr val="000000">
-                <a:alpha val="35000"/>
-              </a:srgbClr>
-            </a:outerShdw>
-          </a:effectLst>
-        </p:spPr>
-        <p:txBody>
-          <a:bodyPr lIns="45718" tIns="45718" rIns="45718" bIns="45718"/>
-          <a:lstStyle/>
-          <a:p>
-            <a:pPr/>
-          </a:p>
-        </p:txBody>
-      </p:sp>
-      <p:pic>
-        <p:nvPicPr>
-          <p:cNvPr id="145" name="Image" descr="Image"/>
-          <p:cNvPicPr>
-            <a:picLocks noChangeAspect="1"/>
-          </p:cNvPicPr>
-          <p:nvPr/>
-        </p:nvPicPr>
-        <p:blipFill>
-          <a:blip r:embed="rId2">
-            <a:extLst/>
-          </a:blip>
-          <a:stretch>
-            <a:fillRect/>
-          </a:stretch>
-        </p:blipFill>
-        <p:spPr>
-          <a:xfrm>
-            <a:off x="1493385" y="1124306"/>
-            <a:ext cx="4531630" cy="1940190"/>
-          </a:xfrm>
-          <a:prstGeom prst="rect">
-            <a:avLst/>
-          </a:prstGeom>
-          <a:ln w="12700">
-            <a:miter lim="400000"/>
-          </a:ln>
-          <a:effectLst>
-            <a:outerShdw sx="100000" sy="100000" kx="0" ky="0" algn="b" rotWithShape="0" blurRad="101600" dist="25400" dir="5400000">
-              <a:srgbClr val="000000">
-                <a:alpha val="75000"/>
-              </a:srgbClr>
-            </a:outerShdw>
-          </a:effectLst>
-        </p:spPr>
-      </p:pic>
-      <p:pic>
-        <p:nvPicPr>
-          <p:cNvPr id="146" name="Image" descr="Image"/>
-          <p:cNvPicPr>
-            <a:picLocks noChangeAspect="1"/>
-          </p:cNvPicPr>
-          <p:nvPr/>
-        </p:nvPicPr>
-        <p:blipFill>
-          <a:blip r:embed="rId3">
-            <a:extLst/>
-          </a:blip>
-          <a:stretch>
-            <a:fillRect/>
-          </a:stretch>
-        </p:blipFill>
-        <p:spPr>
-          <a:xfrm>
-            <a:off x="774700" y="6438129"/>
-            <a:ext cx="7584107" cy="2272590"/>
-          </a:xfrm>
-          <a:prstGeom prst="rect">
-            <a:avLst/>
-          </a:prstGeom>
-          <a:ln w="12700">
-            <a:miter lim="400000"/>
-          </a:ln>
-          <a:effectLst>
-            <a:outerShdw sx="100000" sy="100000" kx="0" ky="0" algn="b" rotWithShape="0" blurRad="101600" dist="25400" dir="5400000">
-              <a:srgbClr val="000000">
-                <a:alpha val="75000"/>
-              </a:srgbClr>
-            </a:outerShdw>
-          </a:effectLst>
-        </p:spPr>
-      </p:pic>
-      <p:sp>
-        <p:nvSpPr>
-          <p:cNvPr id="147" name="Line"/>
-          <p:cNvSpPr/>
-          <p:nvPr/>
-        </p:nvSpPr>
-        <p:spPr>
-          <a:xfrm>
-            <a:off x="6610994" y="2094400"/>
-            <a:ext cx="2147059" cy="1"/>
-          </a:xfrm>
-          <a:prstGeom prst="line">
-            <a:avLst/>
-          </a:prstGeom>
-          <a:ln w="25400">
-            <a:solidFill>
-              <a:srgbClr val="FFFFFF"/>
-            </a:solidFill>
-            <a:tailEnd type="triangle"/>
-          </a:ln>
-          <a:effectLst>
-            <a:outerShdw sx="100000" sy="100000" kx="0" ky="0" algn="b" rotWithShape="0" blurRad="38100" dist="23000" dir="5400000">
-              <a:srgbClr val="000000">
-                <a:alpha val="35000"/>
-              </a:srgbClr>
-            </a:outerShdw>
-          </a:effectLst>
-        </p:spPr>
-        <p:txBody>
-          <a:bodyPr lIns="45718" tIns="45718" rIns="45718" bIns="45718"/>
-          <a:lstStyle/>
-          <a:p>
-            <a:pPr/>
-          </a:p>
-        </p:txBody>
-      </p:sp>
-      <p:pic>
-        <p:nvPicPr>
-          <p:cNvPr id="148" name="Image" descr="Image"/>
-          <p:cNvPicPr>
-            <a:picLocks noChangeAspect="1"/>
-          </p:cNvPicPr>
-          <p:nvPr/>
-        </p:nvPicPr>
-        <p:blipFill>
-          <a:blip r:embed="rId4">
-            <a:extLst/>
-          </a:blip>
-          <a:stretch>
-            <a:fillRect/>
-          </a:stretch>
-        </p:blipFill>
-        <p:spPr>
-          <a:xfrm>
-            <a:off x="9344032" y="982832"/>
-            <a:ext cx="4531631" cy="2537714"/>
-          </a:xfrm>
-          <a:prstGeom prst="rect">
-            <a:avLst/>
-          </a:prstGeom>
-          <a:ln w="12700">
-            <a:miter lim="400000"/>
-          </a:ln>
-          <a:effectLst>
-            <a:outerShdw sx="100000" sy="100000" kx="0" ky="0" algn="b" rotWithShape="0" blurRad="101600" dist="25400" dir="5400000">
-              <a:srgbClr val="000000">
-                <a:alpha val="75000"/>
-              </a:srgbClr>
-            </a:outerShdw>
-          </a:effectLst>
-        </p:spPr>
-      </p:pic>
-      <p:pic>
-        <p:nvPicPr>
-          <p:cNvPr id="149" name="Image" descr="Image"/>
-          <p:cNvPicPr>
-            <a:picLocks noChangeAspect="1"/>
-          </p:cNvPicPr>
-          <p:nvPr/>
-        </p:nvPicPr>
-        <p:blipFill>
-          <a:blip r:embed="rId5">
-            <a:extLst/>
-          </a:blip>
-          <a:stretch>
-            <a:fillRect/>
-          </a:stretch>
-        </p:blipFill>
-        <p:spPr>
-          <a:xfrm>
-            <a:off x="9666747" y="6263622"/>
-            <a:ext cx="4119661" cy="2621603"/>
-          </a:xfrm>
-          <a:prstGeom prst="rect">
-            <a:avLst/>
-          </a:prstGeom>
-          <a:ln w="12700">
-            <a:miter lim="400000"/>
-          </a:ln>
-          <a:effectLst>
-            <a:outerShdw sx="100000" sy="100000" kx="0" ky="0" algn="b" rotWithShape="0" blurRad="101600" dist="25400" dir="5400000">
-              <a:srgbClr val="000000">
-                <a:alpha val="75000"/>
-              </a:srgbClr>
-            </a:outerShdw>
-          </a:effectLst>
-        </p:spPr>
-      </p:pic>
-      <p:sp>
-        <p:nvSpPr>
-          <p:cNvPr id="150" name="Line"/>
-          <p:cNvSpPr/>
-          <p:nvPr/>
-        </p:nvSpPr>
-        <p:spPr>
-          <a:xfrm>
-            <a:off x="11726577" y="4120098"/>
-            <a:ext cx="1" cy="1543972"/>
-          </a:xfrm>
-          <a:prstGeom prst="line">
-            <a:avLst/>
-          </a:prstGeom>
-          <a:ln w="25400">
-            <a:solidFill>
-              <a:srgbClr val="FFFFFF"/>
-            </a:solidFill>
-            <a:tailEnd type="triangle"/>
-          </a:ln>
-          <a:effectLst>
-            <a:outerShdw sx="100000" sy="100000" kx="0" ky="0" algn="b" rotWithShape="0" blurRad="38100" dist="23000" dir="5400000">
-              <a:srgbClr val="000000">
-                <a:alpha val="35000"/>
-              </a:srgbClr>
-            </a:outerShdw>
-          </a:effectLst>
-        </p:spPr>
-        <p:txBody>
-          <a:bodyPr lIns="45718" tIns="45718" rIns="45718" bIns="45718"/>
-          <a:lstStyle/>
-          <a:p>
-            <a:pPr/>
-          </a:p>
-        </p:txBody>
-      </p:sp>
-    </p:spTree>
-  </p:cSld>
-  <p:clrMapOvr>
-    <a:masterClrMapping/>
-  </p:clrMapOvr>
-  <p:transition xmlns:p14="http://schemas.microsoft.com/office/powerpoint/2010/main" spd="med" advClick="1"/>
-  <p:timing>
-    <p:tnLst>
-      <p:par>
-        <p:cTn id="1" nodeType="tmRoot" restart="never" dur="indefinite" fill="hold">
-          <p:childTnLst>
-            <p:seq concurrent="1" prevAc="none" nextAc="seek">
-              <p:cTn id="2" nodeType="mainSeq" dur="indefinite" fill="hold">
-                <p:childTnLst>
-                  <p:par>
-                    <p:cTn id="3" fill="hold">
-                      <p:stCondLst>
-                        <p:cond delay="indefinite"/>
-                      </p:stCondLst>
-                      <p:childTnLst>
-                        <p:par>
-                          <p:cTn id="4" fill="hold">
-                            <p:stCondLst>
-                              <p:cond delay="0"/>
-                            </p:stCondLst>
-                            <p:childTnLst>
-                              <p:par>
-                                <p:cTn id="5" presetClass="entr" nodeType="clickEffect" presetSubtype="0" presetID="1" grpId="1" fill="hold">
-                                  <p:stCondLst>
-                                    <p:cond delay="0"/>
-                                  </p:stCondLst>
-                                  <p:iterate type="el" backwards="0">
-                                    <p:tmAbs val="0"/>
-                                  </p:iterate>
-                                  <p:childTnLst>
-                                    <p:set>
-                                      <p:cBhvr>
-                                        <p:cTn id="6" fill="hold"/>
-                                        <p:tgtEl>
-                                          <p:spTgt spid="144"/>
+                                          <p:spTgt spid="141"/>
                                         </p:tgtEl>
                                         <p:attrNameLst>
                                           <p:attrName>style.visibility</p:attrName>
@@ -5506,7 +6725,407 @@
                                       <p:cBhvr>
                                         <p:cTn id="10" fill="hold"/>
                                         <p:tgtEl>
-                                          <p:spTgt spid="146"/>
+                                          <p:spTgt spid="143"/>
+                                        </p:tgtEl>
+                                        <p:attrNameLst>
+                                          <p:attrName>style.visibility</p:attrName>
+                                        </p:attrNameLst>
+                                      </p:cBhvr>
+                                      <p:to>
+                                        <p:strVal val="visible"/>
+                                      </p:to>
+                                    </p:set>
+                                  </p:childTnLst>
+                                </p:cTn>
+                              </p:par>
+                            </p:childTnLst>
+                          </p:cTn>
+                        </p:par>
+                      </p:childTnLst>
+                    </p:cTn>
+                  </p:par>
+                </p:childTnLst>
+              </p:cTn>
+              <p:prevCondLst>
+                <p:cond evt="onPrev">
+                  <p:tgtEl>
+                    <p:sldTgt/>
+                  </p:tgtEl>
+                </p:cond>
+              </p:prevCondLst>
+              <p:nextCondLst>
+                <p:cond evt="onNext">
+                  <p:tgtEl>
+                    <p:sldTgt/>
+                  </p:tgtEl>
+                </p:cond>
+              </p:nextCondLst>
+            </p:seq>
+          </p:childTnLst>
+        </p:cTn>
+      </p:par>
+    </p:tnLst>
+    <p:bldLst>
+      <p:bldP build="whole" bldLvl="1" animBg="1" rev="0" advAuto="0" spid="141" grpId="1"/>
+      <p:bldP build="whole" bldLvl="1" animBg="1" rev="0" advAuto="0" spid="143" grpId="2"/>
+    </p:bldLst>
+  </p:timing>
+</p:sld>
+</file>
+
+<file path=ppt/slides/slide6.xml><?xml version="1.0" encoding="utf-8"?>
+<p:sld xmlns:a="http://schemas.openxmlformats.org/drawingml/2006/main" xmlns:r="http://schemas.openxmlformats.org/officeDocument/2006/relationships" xmlns:p="http://schemas.openxmlformats.org/presentationml/2006/main" xmlns:m="http://schemas.openxmlformats.org/officeDocument/2006/math" xmlns:a14="http://schemas.microsoft.com/office/drawing/2010/main" showMasterSp="1" showMasterPhAnim="1">
+  <p:cSld>
+    <p:bg>
+      <p:bgPr>
+        <a:solidFill>
+          <a:srgbClr val="739A98"/>
+        </a:solidFill>
+      </p:bgPr>
+    </p:bg>
+    <p:spTree>
+      <p:nvGrpSpPr>
+        <p:cNvPr id="1" name=""/>
+        <p:cNvGrpSpPr/>
+        <p:nvPr/>
+      </p:nvGrpSpPr>
+      <p:grpSpPr>
+        <a:xfrm>
+          <a:off x="0" y="0"/>
+          <a:ext cx="0" cy="0"/>
+          <a:chOff x="0" y="0"/>
+          <a:chExt cx="0" cy="0"/>
+        </a:xfrm>
+      </p:grpSpPr>
+      <p:sp>
+        <p:nvSpPr>
+          <p:cNvPr id="145" name="Line"/>
+          <p:cNvSpPr/>
+          <p:nvPr/>
+        </p:nvSpPr>
+        <p:spPr>
+          <a:xfrm>
+            <a:off x="3759198" y="3781216"/>
+            <a:ext cx="3" cy="1940189"/>
+          </a:xfrm>
+          <a:prstGeom prst="line">
+            <a:avLst/>
+          </a:prstGeom>
+          <a:ln w="25400">
+            <a:solidFill>
+              <a:srgbClr val="FFFFFF"/>
+            </a:solidFill>
+            <a:tailEnd type="triangle"/>
+          </a:ln>
+          <a:effectLst>
+            <a:outerShdw sx="100000" sy="100000" kx="0" ky="0" algn="b" rotWithShape="0" blurRad="38100" dist="23000" dir="5400000">
+              <a:srgbClr val="000000">
+                <a:alpha val="35000"/>
+              </a:srgbClr>
+            </a:outerShdw>
+          </a:effectLst>
+        </p:spPr>
+        <p:txBody>
+          <a:bodyPr lIns="45718" tIns="45718" rIns="45718" bIns="45718"/>
+          <a:lstStyle/>
+          <a:p>
+            <a:pPr/>
+          </a:p>
+        </p:txBody>
+      </p:sp>
+      <p:pic>
+        <p:nvPicPr>
+          <p:cNvPr id="146" name="Image" descr="Image"/>
+          <p:cNvPicPr>
+            <a:picLocks noChangeAspect="1"/>
+          </p:cNvPicPr>
+          <p:nvPr/>
+        </p:nvPicPr>
+        <p:blipFill>
+          <a:blip r:embed="rId2">
+            <a:extLst/>
+          </a:blip>
+          <a:stretch>
+            <a:fillRect/>
+          </a:stretch>
+        </p:blipFill>
+        <p:spPr>
+          <a:xfrm>
+            <a:off x="1493385" y="1124305"/>
+            <a:ext cx="4531630" cy="1940192"/>
+          </a:xfrm>
+          <a:prstGeom prst="rect">
+            <a:avLst/>
+          </a:prstGeom>
+          <a:ln w="12700">
+            <a:miter lim="400000"/>
+          </a:ln>
+          <a:effectLst>
+            <a:outerShdw sx="100000" sy="100000" kx="0" ky="0" algn="b" rotWithShape="0" blurRad="101600" dist="25400" dir="5400000">
+              <a:srgbClr val="000000">
+                <a:alpha val="75000"/>
+              </a:srgbClr>
+            </a:outerShdw>
+          </a:effectLst>
+        </p:spPr>
+      </p:pic>
+      <p:pic>
+        <p:nvPicPr>
+          <p:cNvPr id="147" name="Image" descr="Image"/>
+          <p:cNvPicPr>
+            <a:picLocks noChangeAspect="1"/>
+          </p:cNvPicPr>
+          <p:nvPr/>
+        </p:nvPicPr>
+        <p:blipFill>
+          <a:blip r:embed="rId3">
+            <a:extLst/>
+          </a:blip>
+          <a:stretch>
+            <a:fillRect/>
+          </a:stretch>
+        </p:blipFill>
+        <p:spPr>
+          <a:xfrm>
+            <a:off x="774700" y="6438129"/>
+            <a:ext cx="7584107" cy="2272592"/>
+          </a:xfrm>
+          <a:prstGeom prst="rect">
+            <a:avLst/>
+          </a:prstGeom>
+          <a:ln w="12700">
+            <a:miter lim="400000"/>
+          </a:ln>
+          <a:effectLst>
+            <a:outerShdw sx="100000" sy="100000" kx="0" ky="0" algn="b" rotWithShape="0" blurRad="101600" dist="25400" dir="5400000">
+              <a:srgbClr val="000000">
+                <a:alpha val="75000"/>
+              </a:srgbClr>
+            </a:outerShdw>
+          </a:effectLst>
+        </p:spPr>
+      </p:pic>
+      <p:sp>
+        <p:nvSpPr>
+          <p:cNvPr id="148" name="Line"/>
+          <p:cNvSpPr/>
+          <p:nvPr/>
+        </p:nvSpPr>
+        <p:spPr>
+          <a:xfrm>
+            <a:off x="6583947" y="2094400"/>
+            <a:ext cx="2147061" cy="3"/>
+          </a:xfrm>
+          <a:prstGeom prst="line">
+            <a:avLst/>
+          </a:prstGeom>
+          <a:ln w="25400">
+            <a:solidFill>
+              <a:srgbClr val="FFFFFF"/>
+            </a:solidFill>
+            <a:tailEnd type="triangle"/>
+          </a:ln>
+          <a:effectLst>
+            <a:outerShdw sx="100000" sy="100000" kx="0" ky="0" algn="b" rotWithShape="0" blurRad="38100" dist="23000" dir="5400000">
+              <a:srgbClr val="000000">
+                <a:alpha val="35000"/>
+              </a:srgbClr>
+            </a:outerShdw>
+          </a:effectLst>
+        </p:spPr>
+        <p:txBody>
+          <a:bodyPr lIns="45718" tIns="45718" rIns="45718" bIns="45718"/>
+          <a:lstStyle/>
+          <a:p>
+            <a:pPr/>
+          </a:p>
+        </p:txBody>
+      </p:sp>
+      <p:pic>
+        <p:nvPicPr>
+          <p:cNvPr id="149" name="Image" descr="Image"/>
+          <p:cNvPicPr>
+            <a:picLocks noChangeAspect="1"/>
+          </p:cNvPicPr>
+          <p:nvPr/>
+        </p:nvPicPr>
+        <p:blipFill>
+          <a:blip r:embed="rId4">
+            <a:extLst/>
+          </a:blip>
+          <a:stretch>
+            <a:fillRect/>
+          </a:stretch>
+        </p:blipFill>
+        <p:spPr>
+          <a:xfrm>
+            <a:off x="9666747" y="6263621"/>
+            <a:ext cx="4119663" cy="2621605"/>
+          </a:xfrm>
+          <a:prstGeom prst="rect">
+            <a:avLst/>
+          </a:prstGeom>
+          <a:ln w="12700">
+            <a:miter lim="400000"/>
+          </a:ln>
+          <a:effectLst>
+            <a:outerShdw sx="100000" sy="100000" kx="0" ky="0" algn="b" rotWithShape="0" blurRad="101600" dist="25400" dir="5400000">
+              <a:srgbClr val="000000">
+                <a:alpha val="75000"/>
+              </a:srgbClr>
+            </a:outerShdw>
+          </a:effectLst>
+        </p:spPr>
+      </p:pic>
+      <p:sp>
+        <p:nvSpPr>
+          <p:cNvPr id="150" name="Line"/>
+          <p:cNvSpPr/>
+          <p:nvPr/>
+        </p:nvSpPr>
+        <p:spPr>
+          <a:xfrm>
+            <a:off x="11726577" y="4120098"/>
+            <a:ext cx="3" cy="1543974"/>
+          </a:xfrm>
+          <a:prstGeom prst="line">
+            <a:avLst/>
+          </a:prstGeom>
+          <a:ln w="25400">
+            <a:solidFill>
+              <a:srgbClr val="FFFFFF"/>
+            </a:solidFill>
+            <a:tailEnd type="triangle"/>
+          </a:ln>
+          <a:effectLst>
+            <a:outerShdw sx="100000" sy="100000" kx="0" ky="0" algn="b" rotWithShape="0" blurRad="38100" dist="23000" dir="5400000">
+              <a:srgbClr val="000000">
+                <a:alpha val="35000"/>
+              </a:srgbClr>
+            </a:outerShdw>
+          </a:effectLst>
+        </p:spPr>
+        <p:txBody>
+          <a:bodyPr lIns="45718" tIns="45718" rIns="45718" bIns="45718"/>
+          <a:lstStyle/>
+          <a:p>
+            <a:pPr/>
+          </a:p>
+        </p:txBody>
+      </p:sp>
+      <p:pic>
+        <p:nvPicPr>
+          <p:cNvPr id="151" name="Image" descr="Image"/>
+          <p:cNvPicPr>
+            <a:picLocks noChangeAspect="1"/>
+          </p:cNvPicPr>
+          <p:nvPr/>
+        </p:nvPicPr>
+        <p:blipFill>
+          <a:blip r:embed="rId5">
+            <a:extLst/>
+          </a:blip>
+          <a:stretch>
+            <a:fillRect/>
+          </a:stretch>
+        </p:blipFill>
+        <p:spPr>
+          <a:xfrm>
+            <a:off x="9289939" y="825690"/>
+            <a:ext cx="4873276" cy="2694858"/>
+          </a:xfrm>
+          <a:prstGeom prst="rect">
+            <a:avLst/>
+          </a:prstGeom>
+          <a:ln w="12700">
+            <a:miter lim="400000"/>
+          </a:ln>
+        </p:spPr>
+      </p:pic>
+    </p:spTree>
+  </p:cSld>
+  <p:clrMapOvr>
+    <a:masterClrMapping/>
+  </p:clrMapOvr>
+  <p:transition xmlns:p14="http://schemas.microsoft.com/office/powerpoint/2010/main" spd="med" advClick="1"/>
+  <p:timing>
+    <p:tnLst>
+      <p:par>
+        <p:cTn id="1" nodeType="tmRoot" restart="never" dur="indefinite" fill="hold">
+          <p:childTnLst>
+            <p:seq concurrent="1" prevAc="none" nextAc="seek">
+              <p:cTn id="2" nodeType="mainSeq" dur="indefinite" fill="hold">
+                <p:childTnLst>
+                  <p:par>
+                    <p:cTn id="3" fill="hold">
+                      <p:stCondLst>
+                        <p:cond delay="indefinite"/>
+                      </p:stCondLst>
+                      <p:childTnLst>
+                        <p:par>
+                          <p:cTn id="4" fill="hold">
+                            <p:stCondLst>
+                              <p:cond delay="0"/>
+                            </p:stCondLst>
+                            <p:childTnLst>
+                              <p:par>
+                                <p:cTn id="5" presetClass="entr" nodeType="clickEffect" presetSubtype="0" presetID="1" grpId="1" fill="hold">
+                                  <p:stCondLst>
+                                    <p:cond delay="0"/>
+                                  </p:stCondLst>
+                                  <p:iterate type="el" backwards="0">
+                                    <p:tmAbs val="0"/>
+                                  </p:iterate>
+                                  <p:childTnLst>
+                                    <p:set>
+                                      <p:cBhvr>
+                                        <p:cTn id="6" fill="hold"/>
+                                        <p:tgtEl>
+                                          <p:spTgt spid="145"/>
+                                        </p:tgtEl>
+                                        <p:attrNameLst>
+                                          <p:attrName>style.visibility</p:attrName>
+                                        </p:attrNameLst>
+                                      </p:cBhvr>
+                                      <p:to>
+                                        <p:strVal val="visible"/>
+                                      </p:to>
+                                    </p:set>
+                                  </p:childTnLst>
+                                </p:cTn>
+                              </p:par>
+                            </p:childTnLst>
+                          </p:cTn>
+                        </p:par>
+                      </p:childTnLst>
+                    </p:cTn>
+                  </p:par>
+                  <p:par>
+                    <p:cTn id="7" fill="hold">
+                      <p:stCondLst>
+                        <p:cond delay="indefinite"/>
+                      </p:stCondLst>
+                      <p:childTnLst>
+                        <p:par>
+                          <p:cTn id="8" fill="hold">
+                            <p:stCondLst>
+                              <p:cond delay="0"/>
+                            </p:stCondLst>
+                            <p:childTnLst>
+                              <p:par>
+                                <p:cTn id="9" presetClass="entr" nodeType="clickEffect" presetSubtype="0" presetID="1" grpId="2" fill="hold">
+                                  <p:stCondLst>
+                                    <p:cond delay="0"/>
+                                  </p:stCondLst>
+                                  <p:iterate type="el" backwards="0">
+                                    <p:tmAbs val="0"/>
+                                  </p:iterate>
+                                  <p:childTnLst>
+                                    <p:set>
+                                      <p:cBhvr>
+                                        <p:cTn id="10" fill="hold"/>
+                                        <p:tgtEl>
+                                          <p:spTgt spid="147"/>
                                         </p:tgtEl>
                                         <p:attrNameLst>
                                           <p:attrName>style.visibility</p:attrName>
@@ -5550,7 +7169,7 @@
                                       <p:cBhvr>
                                         <p:cTn id="14" fill="hold"/>
                                         <p:tgtEl>
-                                          <p:spTgt spid="147"/>
+                                          <p:spTgt spid="148"/>
                                         </p:tgtEl>
                                         <p:attrNameLst>
                                           <p:attrName>style.visibility</p:attrName>
@@ -5594,7 +7213,7 @@
                                       <p:cBhvr>
                                         <p:cTn id="18" fill="hold"/>
                                         <p:tgtEl>
-                                          <p:spTgt spid="148"/>
+                                          <p:spTgt spid="151"/>
                                         </p:tgtEl>
                                         <p:attrNameLst>
                                           <p:attrName>style.visibility</p:attrName>
@@ -5723,12 +7342,12 @@
       </p:par>
     </p:tnLst>
     <p:bldLst>
-      <p:bldP build="whole" bldLvl="1" animBg="1" rev="0" advAuto="0" spid="146" grpId="2"/>
-      <p:bldP build="whole" bldLvl="1" animBg="1" rev="0" advAuto="0" spid="148" grpId="4"/>
-      <p:bldP build="whole" bldLvl="1" animBg="1" rev="0" advAuto="0" spid="147" grpId="3"/>
+      <p:bldP build="whole" bldLvl="1" animBg="1" rev="0" advAuto="0" spid="151" grpId="4"/>
       <p:bldP build="whole" bldLvl="1" animBg="1" rev="0" advAuto="0" spid="150" grpId="5"/>
-      <p:bldP build="whole" bldLvl="1" animBg="1" rev="0" advAuto="0" spid="144" grpId="1"/>
+      <p:bldP build="whole" bldLvl="1" animBg="1" rev="0" advAuto="0" spid="145" grpId="1"/>
+      <p:bldP build="whole" bldLvl="1" animBg="1" rev="0" advAuto="0" spid="148" grpId="3"/>
       <p:bldP build="whole" bldLvl="1" animBg="1" rev="0" advAuto="0" spid="149" grpId="6"/>
+      <p:bldP build="whole" bldLvl="1" animBg="1" rev="0" advAuto="0" spid="147" grpId="2"/>
     </p:bldLst>
   </p:timing>
 </p:sld>
@@ -5760,7 +7379,7 @@
       </p:grpSpPr>
       <p:pic>
         <p:nvPicPr>
-          <p:cNvPr id="152" name="Image" descr="Image"/>
+          <p:cNvPr id="153" name="Image" descr="Image"/>
           <p:cNvPicPr>
             <a:picLocks noChangeAspect="1"/>
           </p:cNvPicPr>
@@ -5829,7 +7448,7 @@
       </p:grpSpPr>
       <p:pic>
         <p:nvPicPr>
-          <p:cNvPr id="154" name="Screen Shot 2018-07-07 at 9.31.50 PM.png" descr="Screen Shot 2018-07-07 at 9.31.50 PM.png"/>
+          <p:cNvPr id="155" name="Screen Shot 2018-07-07 at 9.31.50 PM.png" descr="Screen Shot 2018-07-07 at 9.31.50 PM.png"/>
           <p:cNvPicPr>
             <a:picLocks noChangeAspect="1"/>
           </p:cNvPicPr>
@@ -5846,7 +7465,7 @@
         <p:spPr>
           <a:xfrm>
             <a:off x="222461" y="0"/>
-            <a:ext cx="13956878" cy="10795000"/>
+            <a:ext cx="13956879" cy="10795000"/>
           </a:xfrm>
           <a:prstGeom prst="rect">
             <a:avLst/>
@@ -5891,13 +7510,13 @@
       </p:grpSpPr>
       <p:sp>
         <p:nvSpPr>
-          <p:cNvPr id="156" name="当以非相对路径导入一个 JavaScript 模块时，导入的是什么？"/>
+          <p:cNvPr id="157" name="当以非相对路径导入一个 JavaScript 模块时，导入的是什么？"/>
           <p:cNvSpPr txBox="1"/>
           <p:nvPr/>
         </p:nvSpPr>
         <p:spPr>
           <a:xfrm>
-            <a:off x="645441" y="838199"/>
+            <a:off x="645439" y="838199"/>
             <a:ext cx="8513518" cy="736601"/>
           </a:xfrm>
           <a:prstGeom prst="rect">
@@ -5924,6 +7543,10 @@
                 <a:solidFill>
                   <a:srgbClr val="FFFFFF"/>
                 </a:solidFill>
+                <a:latin typeface="+mn-lt"/>
+                <a:ea typeface="+mn-ea"/>
+                <a:cs typeface="+mn-cs"/>
+                <a:sym typeface="Lucida Grande"/>
               </a:defRPr>
             </a:lvl1pPr>
           </a:lstStyle>
@@ -5937,7 +7560,7 @@
       </p:sp>
       <p:pic>
         <p:nvPicPr>
-          <p:cNvPr id="157" name="Image" descr="Image"/>
+          <p:cNvPr id="158" name="Image" descr="Image"/>
           <p:cNvPicPr>
             <a:picLocks noChangeAspect="1"/>
           </p:cNvPicPr>
@@ -5954,7 +7577,7 @@
         <p:spPr>
           <a:xfrm>
             <a:off x="1158038" y="3036297"/>
-            <a:ext cx="12085724" cy="5154206"/>
+            <a:ext cx="12085726" cy="5154206"/>
           </a:xfrm>
           <a:prstGeom prst="rect">
             <a:avLst/>
@@ -6023,14 +7646,14 @@
     </a:clrScheme>
     <a:fontScheme name="White">
       <a:majorFont>
+        <a:latin typeface="Helvetica"/>
+        <a:ea typeface="Helvetica"/>
+        <a:cs typeface="Helvetica"/>
+      </a:majorFont>
+      <a:minorFont>
         <a:latin typeface="Lucida Grande"/>
         <a:ea typeface="Lucida Grande"/>
         <a:cs typeface="Lucida Grande"/>
-      </a:majorFont>
-      <a:minorFont>
-        <a:latin typeface="Helvetica"/>
-        <a:ea typeface="Helvetica"/>
-        <a:cs typeface="Helvetica"/>
       </a:minorFont>
     </a:fontScheme>
     <a:fmtScheme name="White">
@@ -6238,7 +7861,7 @@
             <a:latin typeface="+mj-lt"/>
             <a:ea typeface="+mj-ea"/>
             <a:cs typeface="+mj-cs"/>
-            <a:sym typeface="Lucida Grande"/>
+            <a:sym typeface="Helvetica"/>
           </a:defRPr>
         </a:defPPr>
         <a:lvl1pPr marL="0" marR="0" indent="0" algn="l" defTabSz="914400" rtl="0" fontAlgn="auto" latinLnBrk="1" hangingPunct="0">
@@ -6815,7 +8438,7 @@
             <a:latin typeface="+mj-lt"/>
             <a:ea typeface="+mj-ea"/>
             <a:cs typeface="+mj-cs"/>
-            <a:sym typeface="Lucida Grande"/>
+            <a:sym typeface="Helvetica"/>
           </a:defRPr>
         </a:defPPr>
         <a:lvl1pPr marL="0" marR="0" indent="0" algn="l" defTabSz="914400" rtl="0" fontAlgn="auto" latinLnBrk="1" hangingPunct="0">
@@ -7107,14 +8730,14 @@
     </a:clrScheme>
     <a:fontScheme name="White">
       <a:majorFont>
+        <a:latin typeface="Helvetica"/>
+        <a:ea typeface="Helvetica"/>
+        <a:cs typeface="Helvetica"/>
+      </a:majorFont>
+      <a:minorFont>
         <a:latin typeface="Lucida Grande"/>
         <a:ea typeface="Lucida Grande"/>
         <a:cs typeface="Lucida Grande"/>
-      </a:majorFont>
-      <a:minorFont>
-        <a:latin typeface="Helvetica"/>
-        <a:ea typeface="Helvetica"/>
-        <a:cs typeface="Helvetica"/>
       </a:minorFont>
     </a:fontScheme>
     <a:fmtScheme name="White">
@@ -7322,7 +8945,7 @@
             <a:latin typeface="+mj-lt"/>
             <a:ea typeface="+mj-ea"/>
             <a:cs typeface="+mj-cs"/>
-            <a:sym typeface="Lucida Grande"/>
+            <a:sym typeface="Helvetica"/>
           </a:defRPr>
         </a:defPPr>
         <a:lvl1pPr marL="0" marR="0" indent="0" algn="l" defTabSz="914400" rtl="0" fontAlgn="auto" latinLnBrk="1" hangingPunct="0">
@@ -7899,7 +9522,7 @@
             <a:latin typeface="+mj-lt"/>
             <a:ea typeface="+mj-ea"/>
             <a:cs typeface="+mj-cs"/>
-            <a:sym typeface="Lucida Grande"/>
+            <a:sym typeface="Helvetica"/>
           </a:defRPr>
         </a:defPPr>
         <a:lvl1pPr marL="0" marR="0" indent="0" algn="l" defTabSz="914400" rtl="0" fontAlgn="auto" latinLnBrk="1" hangingPunct="0">

--- a/ppt/typescript（三）.pptx
+++ b/ppt/typescript（三）.pptx
@@ -82,7 +82,7 @@
         <a:latin typeface="+mj-lt"/>
         <a:ea typeface="+mj-ea"/>
         <a:cs typeface="+mj-cs"/>
-        <a:sym typeface="Helvetica"/>
+        <a:sym typeface="Lucida Grande"/>
       </a:defRPr>
     </a:lvl1pPr>
     <a:lvl2pPr marL="0" marR="0" indent="0" algn="l" defTabSz="1440089" rtl="0" fontAlgn="auto" latinLnBrk="0" hangingPunct="0">
@@ -112,7 +112,7 @@
         <a:latin typeface="+mj-lt"/>
         <a:ea typeface="+mj-ea"/>
         <a:cs typeface="+mj-cs"/>
-        <a:sym typeface="Helvetica"/>
+        <a:sym typeface="Lucida Grande"/>
       </a:defRPr>
     </a:lvl2pPr>
     <a:lvl3pPr marL="0" marR="0" indent="0" algn="l" defTabSz="1440089" rtl="0" fontAlgn="auto" latinLnBrk="0" hangingPunct="0">
@@ -142,7 +142,7 @@
         <a:latin typeface="+mj-lt"/>
         <a:ea typeface="+mj-ea"/>
         <a:cs typeface="+mj-cs"/>
-        <a:sym typeface="Helvetica"/>
+        <a:sym typeface="Lucida Grande"/>
       </a:defRPr>
     </a:lvl3pPr>
     <a:lvl4pPr marL="0" marR="0" indent="0" algn="l" defTabSz="1440089" rtl="0" fontAlgn="auto" latinLnBrk="0" hangingPunct="0">
@@ -172,7 +172,7 @@
         <a:latin typeface="+mj-lt"/>
         <a:ea typeface="+mj-ea"/>
         <a:cs typeface="+mj-cs"/>
-        <a:sym typeface="Helvetica"/>
+        <a:sym typeface="Lucida Grande"/>
       </a:defRPr>
     </a:lvl4pPr>
     <a:lvl5pPr marL="0" marR="0" indent="0" algn="l" defTabSz="1440089" rtl="0" fontAlgn="auto" latinLnBrk="0" hangingPunct="0">
@@ -202,7 +202,7 @@
         <a:latin typeface="+mj-lt"/>
         <a:ea typeface="+mj-ea"/>
         <a:cs typeface="+mj-cs"/>
-        <a:sym typeface="Helvetica"/>
+        <a:sym typeface="Lucida Grande"/>
       </a:defRPr>
     </a:lvl5pPr>
     <a:lvl6pPr marL="0" marR="0" indent="0" algn="l" defTabSz="1440089" rtl="0" fontAlgn="auto" latinLnBrk="0" hangingPunct="0">
@@ -232,7 +232,7 @@
         <a:latin typeface="+mj-lt"/>
         <a:ea typeface="+mj-ea"/>
         <a:cs typeface="+mj-cs"/>
-        <a:sym typeface="Helvetica"/>
+        <a:sym typeface="Lucida Grande"/>
       </a:defRPr>
     </a:lvl6pPr>
     <a:lvl7pPr marL="0" marR="0" indent="0" algn="l" defTabSz="1440089" rtl="0" fontAlgn="auto" latinLnBrk="0" hangingPunct="0">
@@ -262,7 +262,7 @@
         <a:latin typeface="+mj-lt"/>
         <a:ea typeface="+mj-ea"/>
         <a:cs typeface="+mj-cs"/>
-        <a:sym typeface="Helvetica"/>
+        <a:sym typeface="Lucida Grande"/>
       </a:defRPr>
     </a:lvl7pPr>
     <a:lvl8pPr marL="0" marR="0" indent="0" algn="l" defTabSz="1440089" rtl="0" fontAlgn="auto" latinLnBrk="0" hangingPunct="0">
@@ -292,7 +292,7 @@
         <a:latin typeface="+mj-lt"/>
         <a:ea typeface="+mj-ea"/>
         <a:cs typeface="+mj-cs"/>
-        <a:sym typeface="Helvetica"/>
+        <a:sym typeface="Lucida Grande"/>
       </a:defRPr>
     </a:lvl8pPr>
     <a:lvl9pPr marL="0" marR="0" indent="0" algn="l" defTabSz="1440089" rtl="0" fontAlgn="auto" latinLnBrk="0" hangingPunct="0">
@@ -322,7 +322,7 @@
         <a:latin typeface="+mj-lt"/>
         <a:ea typeface="+mj-ea"/>
         <a:cs typeface="+mj-cs"/>
-        <a:sym typeface="Helvetica"/>
+        <a:sym typeface="Lucida Grande"/>
       </a:defRPr>
     </a:lvl9pPr>
   </p:defaultTextStyle>
@@ -406,73 +406,73 @@
   <p:notesStyle>
     <a:lvl1pPr defTabSz="457200" latinLnBrk="0">
       <a:defRPr sz="2200">
-        <a:latin typeface="+mn-lt"/>
-        <a:ea typeface="+mn-ea"/>
-        <a:cs typeface="+mn-cs"/>
+        <a:latin typeface="+mj-lt"/>
+        <a:ea typeface="+mj-ea"/>
+        <a:cs typeface="+mj-cs"/>
         <a:sym typeface="Lucida Grande"/>
       </a:defRPr>
     </a:lvl1pPr>
     <a:lvl2pPr indent="228600" defTabSz="457200" latinLnBrk="0">
       <a:defRPr sz="2200">
-        <a:latin typeface="+mn-lt"/>
-        <a:ea typeface="+mn-ea"/>
-        <a:cs typeface="+mn-cs"/>
+        <a:latin typeface="+mj-lt"/>
+        <a:ea typeface="+mj-ea"/>
+        <a:cs typeface="+mj-cs"/>
         <a:sym typeface="Lucida Grande"/>
       </a:defRPr>
     </a:lvl2pPr>
     <a:lvl3pPr indent="457200" defTabSz="457200" latinLnBrk="0">
       <a:defRPr sz="2200">
-        <a:latin typeface="+mn-lt"/>
-        <a:ea typeface="+mn-ea"/>
-        <a:cs typeface="+mn-cs"/>
+        <a:latin typeface="+mj-lt"/>
+        <a:ea typeface="+mj-ea"/>
+        <a:cs typeface="+mj-cs"/>
         <a:sym typeface="Lucida Grande"/>
       </a:defRPr>
     </a:lvl3pPr>
     <a:lvl4pPr indent="685800" defTabSz="457200" latinLnBrk="0">
       <a:defRPr sz="2200">
-        <a:latin typeface="+mn-lt"/>
-        <a:ea typeface="+mn-ea"/>
-        <a:cs typeface="+mn-cs"/>
+        <a:latin typeface="+mj-lt"/>
+        <a:ea typeface="+mj-ea"/>
+        <a:cs typeface="+mj-cs"/>
         <a:sym typeface="Lucida Grande"/>
       </a:defRPr>
     </a:lvl4pPr>
     <a:lvl5pPr indent="914400" defTabSz="457200" latinLnBrk="0">
       <a:defRPr sz="2200">
-        <a:latin typeface="+mn-lt"/>
-        <a:ea typeface="+mn-ea"/>
-        <a:cs typeface="+mn-cs"/>
+        <a:latin typeface="+mj-lt"/>
+        <a:ea typeface="+mj-ea"/>
+        <a:cs typeface="+mj-cs"/>
         <a:sym typeface="Lucida Grande"/>
       </a:defRPr>
     </a:lvl5pPr>
     <a:lvl6pPr indent="1143000" defTabSz="457200" latinLnBrk="0">
       <a:defRPr sz="2200">
-        <a:latin typeface="+mn-lt"/>
-        <a:ea typeface="+mn-ea"/>
-        <a:cs typeface="+mn-cs"/>
+        <a:latin typeface="+mj-lt"/>
+        <a:ea typeface="+mj-ea"/>
+        <a:cs typeface="+mj-cs"/>
         <a:sym typeface="Lucida Grande"/>
       </a:defRPr>
     </a:lvl6pPr>
     <a:lvl7pPr indent="1371600" defTabSz="457200" latinLnBrk="0">
       <a:defRPr sz="2200">
-        <a:latin typeface="+mn-lt"/>
-        <a:ea typeface="+mn-ea"/>
-        <a:cs typeface="+mn-cs"/>
+        <a:latin typeface="+mj-lt"/>
+        <a:ea typeface="+mj-ea"/>
+        <a:cs typeface="+mj-cs"/>
         <a:sym typeface="Lucida Grande"/>
       </a:defRPr>
     </a:lvl7pPr>
     <a:lvl8pPr indent="1600200" defTabSz="457200" latinLnBrk="0">
       <a:defRPr sz="2200">
-        <a:latin typeface="+mn-lt"/>
-        <a:ea typeface="+mn-ea"/>
-        <a:cs typeface="+mn-cs"/>
+        <a:latin typeface="+mj-lt"/>
+        <a:ea typeface="+mj-ea"/>
+        <a:cs typeface="+mj-cs"/>
         <a:sym typeface="Lucida Grande"/>
       </a:defRPr>
     </a:lvl8pPr>
     <a:lvl9pPr indent="1828800" defTabSz="457200" latinLnBrk="0">
       <a:defRPr sz="2200">
-        <a:latin typeface="+mn-lt"/>
-        <a:ea typeface="+mn-ea"/>
-        <a:cs typeface="+mn-cs"/>
+        <a:latin typeface="+mj-lt"/>
+        <a:ea typeface="+mj-ea"/>
+        <a:cs typeface="+mj-cs"/>
         <a:sym typeface="Lucida Grande"/>
       </a:defRPr>
     </a:lvl9pPr>
@@ -1389,7 +1389,7 @@
         <p:spPr>
           <a:xfrm>
             <a:off x="1137641" y="6939846"/>
-            <a:ext cx="12241533" cy="2144967"/>
+            <a:ext cx="12241533" cy="2144968"/>
           </a:xfrm>
           <a:prstGeom prst="rect">
             <a:avLst/>
@@ -1855,8 +1855,8 @@
         </p:nvSpPr>
         <p:spPr>
           <a:xfrm>
-            <a:off x="720079" y="2417446"/>
-            <a:ext cx="6363318" cy="1007487"/>
+            <a:off x="720078" y="2417446"/>
+            <a:ext cx="6363320" cy="1007487"/>
           </a:xfrm>
           <a:prstGeom prst="rect">
             <a:avLst/>
@@ -2271,7 +2271,7 @@
         <p:spPr>
           <a:xfrm>
             <a:off x="2822854" y="7559833"/>
-            <a:ext cx="8641082" cy="892495"/>
+            <a:ext cx="8641082" cy="892496"/>
           </a:xfrm>
           <a:prstGeom prst="rect">
             <a:avLst/>
@@ -2303,7 +2303,7 @@
         <p:spPr>
           <a:xfrm>
             <a:off x="2822854" y="8452315"/>
-            <a:ext cx="8641082" cy="1267485"/>
+            <a:ext cx="8641082" cy="1267486"/>
           </a:xfrm>
           <a:prstGeom prst="rect">
             <a:avLst/>
@@ -2635,9 +2635,9 @@
             <a:srgbClr val="000000"/>
           </a:solidFill>
           <a:uFillTx/>
-          <a:latin typeface="+mj-lt"/>
-          <a:ea typeface="+mj-ea"/>
-          <a:cs typeface="+mj-cs"/>
+          <a:latin typeface="+mn-lt"/>
+          <a:ea typeface="+mn-ea"/>
+          <a:cs typeface="+mn-cs"/>
           <a:sym typeface="Helvetica"/>
         </a:defRPr>
       </a:lvl1pPr>
@@ -2664,9 +2664,9 @@
             <a:srgbClr val="000000"/>
           </a:solidFill>
           <a:uFillTx/>
-          <a:latin typeface="+mj-lt"/>
-          <a:ea typeface="+mj-ea"/>
-          <a:cs typeface="+mj-cs"/>
+          <a:latin typeface="+mn-lt"/>
+          <a:ea typeface="+mn-ea"/>
+          <a:cs typeface="+mn-cs"/>
           <a:sym typeface="Helvetica"/>
         </a:defRPr>
       </a:lvl2pPr>
@@ -2693,9 +2693,9 @@
             <a:srgbClr val="000000"/>
           </a:solidFill>
           <a:uFillTx/>
-          <a:latin typeface="+mj-lt"/>
-          <a:ea typeface="+mj-ea"/>
-          <a:cs typeface="+mj-cs"/>
+          <a:latin typeface="+mn-lt"/>
+          <a:ea typeface="+mn-ea"/>
+          <a:cs typeface="+mn-cs"/>
           <a:sym typeface="Helvetica"/>
         </a:defRPr>
       </a:lvl3pPr>
@@ -2722,9 +2722,9 @@
             <a:srgbClr val="000000"/>
           </a:solidFill>
           <a:uFillTx/>
-          <a:latin typeface="+mj-lt"/>
-          <a:ea typeface="+mj-ea"/>
-          <a:cs typeface="+mj-cs"/>
+          <a:latin typeface="+mn-lt"/>
+          <a:ea typeface="+mn-ea"/>
+          <a:cs typeface="+mn-cs"/>
           <a:sym typeface="Helvetica"/>
         </a:defRPr>
       </a:lvl4pPr>
@@ -2751,9 +2751,9 @@
             <a:srgbClr val="000000"/>
           </a:solidFill>
           <a:uFillTx/>
-          <a:latin typeface="+mj-lt"/>
-          <a:ea typeface="+mj-ea"/>
-          <a:cs typeface="+mj-cs"/>
+          <a:latin typeface="+mn-lt"/>
+          <a:ea typeface="+mn-ea"/>
+          <a:cs typeface="+mn-cs"/>
           <a:sym typeface="Helvetica"/>
         </a:defRPr>
       </a:lvl5pPr>
@@ -2780,9 +2780,9 @@
             <a:srgbClr val="000000"/>
           </a:solidFill>
           <a:uFillTx/>
-          <a:latin typeface="+mj-lt"/>
-          <a:ea typeface="+mj-ea"/>
-          <a:cs typeface="+mj-cs"/>
+          <a:latin typeface="+mn-lt"/>
+          <a:ea typeface="+mn-ea"/>
+          <a:cs typeface="+mn-cs"/>
           <a:sym typeface="Helvetica"/>
         </a:defRPr>
       </a:lvl6pPr>
@@ -2809,9 +2809,9 @@
             <a:srgbClr val="000000"/>
           </a:solidFill>
           <a:uFillTx/>
-          <a:latin typeface="+mj-lt"/>
-          <a:ea typeface="+mj-ea"/>
-          <a:cs typeface="+mj-cs"/>
+          <a:latin typeface="+mn-lt"/>
+          <a:ea typeface="+mn-ea"/>
+          <a:cs typeface="+mn-cs"/>
           <a:sym typeface="Helvetica"/>
         </a:defRPr>
       </a:lvl7pPr>
@@ -2838,9 +2838,9 @@
             <a:srgbClr val="000000"/>
           </a:solidFill>
           <a:uFillTx/>
-          <a:latin typeface="+mj-lt"/>
-          <a:ea typeface="+mj-ea"/>
-          <a:cs typeface="+mj-cs"/>
+          <a:latin typeface="+mn-lt"/>
+          <a:ea typeface="+mn-ea"/>
+          <a:cs typeface="+mn-cs"/>
           <a:sym typeface="Helvetica"/>
         </a:defRPr>
       </a:lvl8pPr>
@@ -2867,9 +2867,9 @@
             <a:srgbClr val="000000"/>
           </a:solidFill>
           <a:uFillTx/>
-          <a:latin typeface="+mj-lt"/>
-          <a:ea typeface="+mj-ea"/>
-          <a:cs typeface="+mj-cs"/>
+          <a:latin typeface="+mn-lt"/>
+          <a:ea typeface="+mn-ea"/>
+          <a:cs typeface="+mn-cs"/>
           <a:sym typeface="Helvetica"/>
         </a:defRPr>
       </a:lvl9pPr>
@@ -2898,9 +2898,9 @@
             <a:srgbClr val="000000"/>
           </a:solidFill>
           <a:uFillTx/>
-          <a:latin typeface="+mj-lt"/>
-          <a:ea typeface="+mj-ea"/>
-          <a:cs typeface="+mj-cs"/>
+          <a:latin typeface="+mn-lt"/>
+          <a:ea typeface="+mn-ea"/>
+          <a:cs typeface="+mn-cs"/>
           <a:sym typeface="Helvetica"/>
         </a:defRPr>
       </a:lvl1pPr>
@@ -2927,9 +2927,9 @@
             <a:srgbClr val="000000"/>
           </a:solidFill>
           <a:uFillTx/>
-          <a:latin typeface="+mj-lt"/>
-          <a:ea typeface="+mj-ea"/>
-          <a:cs typeface="+mj-cs"/>
+          <a:latin typeface="+mn-lt"/>
+          <a:ea typeface="+mn-ea"/>
+          <a:cs typeface="+mn-cs"/>
           <a:sym typeface="Helvetica"/>
         </a:defRPr>
       </a:lvl2pPr>
@@ -2956,9 +2956,9 @@
             <a:srgbClr val="000000"/>
           </a:solidFill>
           <a:uFillTx/>
-          <a:latin typeface="+mj-lt"/>
-          <a:ea typeface="+mj-ea"/>
-          <a:cs typeface="+mj-cs"/>
+          <a:latin typeface="+mn-lt"/>
+          <a:ea typeface="+mn-ea"/>
+          <a:cs typeface="+mn-cs"/>
           <a:sym typeface="Helvetica"/>
         </a:defRPr>
       </a:lvl3pPr>
@@ -2985,9 +2985,9 @@
             <a:srgbClr val="000000"/>
           </a:solidFill>
           <a:uFillTx/>
-          <a:latin typeface="+mj-lt"/>
-          <a:ea typeface="+mj-ea"/>
-          <a:cs typeface="+mj-cs"/>
+          <a:latin typeface="+mn-lt"/>
+          <a:ea typeface="+mn-ea"/>
+          <a:cs typeface="+mn-cs"/>
           <a:sym typeface="Helvetica"/>
         </a:defRPr>
       </a:lvl4pPr>
@@ -3014,9 +3014,9 @@
             <a:srgbClr val="000000"/>
           </a:solidFill>
           <a:uFillTx/>
-          <a:latin typeface="+mj-lt"/>
-          <a:ea typeface="+mj-ea"/>
-          <a:cs typeface="+mj-cs"/>
+          <a:latin typeface="+mn-lt"/>
+          <a:ea typeface="+mn-ea"/>
+          <a:cs typeface="+mn-cs"/>
           <a:sym typeface="Helvetica"/>
         </a:defRPr>
       </a:lvl5pPr>
@@ -3043,9 +3043,9 @@
             <a:srgbClr val="000000"/>
           </a:solidFill>
           <a:uFillTx/>
-          <a:latin typeface="+mj-lt"/>
-          <a:ea typeface="+mj-ea"/>
-          <a:cs typeface="+mj-cs"/>
+          <a:latin typeface="+mn-lt"/>
+          <a:ea typeface="+mn-ea"/>
+          <a:cs typeface="+mn-cs"/>
           <a:sym typeface="Helvetica"/>
         </a:defRPr>
       </a:lvl6pPr>
@@ -3072,9 +3072,9 @@
             <a:srgbClr val="000000"/>
           </a:solidFill>
           <a:uFillTx/>
-          <a:latin typeface="+mj-lt"/>
-          <a:ea typeface="+mj-ea"/>
-          <a:cs typeface="+mj-cs"/>
+          <a:latin typeface="+mn-lt"/>
+          <a:ea typeface="+mn-ea"/>
+          <a:cs typeface="+mn-cs"/>
           <a:sym typeface="Helvetica"/>
         </a:defRPr>
       </a:lvl7pPr>
@@ -3101,9 +3101,9 @@
             <a:srgbClr val="000000"/>
           </a:solidFill>
           <a:uFillTx/>
-          <a:latin typeface="+mj-lt"/>
-          <a:ea typeface="+mj-ea"/>
-          <a:cs typeface="+mj-cs"/>
+          <a:latin typeface="+mn-lt"/>
+          <a:ea typeface="+mn-ea"/>
+          <a:cs typeface="+mn-cs"/>
           <a:sym typeface="Helvetica"/>
         </a:defRPr>
       </a:lvl8pPr>
@@ -3130,9 +3130,9 @@
             <a:srgbClr val="000000"/>
           </a:solidFill>
           <a:uFillTx/>
-          <a:latin typeface="+mj-lt"/>
-          <a:ea typeface="+mj-ea"/>
-          <a:cs typeface="+mj-cs"/>
+          <a:latin typeface="+mn-lt"/>
+          <a:ea typeface="+mn-ea"/>
+          <a:cs typeface="+mn-cs"/>
           <a:sym typeface="Helvetica"/>
         </a:defRPr>
       </a:lvl9pPr>
@@ -3566,7 +3566,7 @@
         <p:spPr>
           <a:xfrm>
             <a:off x="4724051" y="1301749"/>
-            <a:ext cx="4953698" cy="520701"/>
+            <a:ext cx="4953699" cy="520701"/>
           </a:xfrm>
           <a:prstGeom prst="rect">
             <a:avLst/>
@@ -3590,10 +3590,6 @@
                 <a:solidFill>
                   <a:srgbClr val="FFFFFF"/>
                 </a:solidFill>
-                <a:latin typeface="+mn-lt"/>
-                <a:ea typeface="+mn-ea"/>
-                <a:cs typeface="+mn-cs"/>
-                <a:sym typeface="Lucida Grande"/>
               </a:defRPr>
             </a:lvl1pPr>
           </a:lstStyle>
@@ -3650,7 +3646,7 @@
         <p:spPr>
           <a:xfrm>
             <a:off x="5165452" y="7797799"/>
-            <a:ext cx="3662514" cy="609601"/>
+            <a:ext cx="3662515" cy="609601"/>
           </a:xfrm>
           <a:prstGeom prst="rect">
             <a:avLst/>
@@ -3676,10 +3672,6 @@
                 <a:solidFill>
                   <a:srgbClr val="FFFFFF"/>
                 </a:solidFill>
-                <a:latin typeface="+mn-lt"/>
-                <a:ea typeface="+mn-ea"/>
-                <a:cs typeface="+mn-cs"/>
-                <a:sym typeface="Lucida Grande"/>
               </a:defRPr>
             </a:lvl1pPr>
           </a:lstStyle>
@@ -3726,10 +3718,6 @@
                 <a:solidFill>
                   <a:srgbClr val="FFFFFF"/>
                 </a:solidFill>
-                <a:latin typeface="+mn-lt"/>
-                <a:ea typeface="+mn-ea"/>
-                <a:cs typeface="+mn-cs"/>
-                <a:sym typeface="Lucida Grande"/>
               </a:defRPr>
             </a:lvl1pPr>
           </a:lstStyle>
@@ -3750,7 +3738,7 @@
         <p:spPr>
           <a:xfrm>
             <a:off x="7200899" y="6126283"/>
-            <a:ext cx="3" cy="1280457"/>
+            <a:ext cx="4" cy="1280458"/>
           </a:xfrm>
           <a:prstGeom prst="line">
             <a:avLst/>
@@ -4033,11 +4021,11 @@
       </p:par>
     </p:tnLst>
     <p:bldLst>
+      <p:bldP build="whole" bldLvl="1" animBg="1" rev="0" advAuto="0" spid="161" grpId="2"/>
       <p:bldP build="whole" bldLvl="1" animBg="1" rev="0" advAuto="0" spid="160" grpId="1"/>
-      <p:bldP build="whole" bldLvl="1" animBg="1" rev="0" advAuto="0" spid="163" grpId="5"/>
-      <p:bldP build="whole" bldLvl="1" animBg="1" rev="0" advAuto="0" spid="161" grpId="2"/>
       <p:bldP build="whole" bldLvl="1" animBg="1" rev="0" advAuto="0" spid="162" grpId="4"/>
       <p:bldP build="whole" bldLvl="1" animBg="1" rev="0" advAuto="0" spid="164" grpId="3"/>
+      <p:bldP build="whole" bldLvl="1" animBg="1" rev="0" advAuto="0" spid="163" grpId="5"/>
     </p:bldLst>
   </p:timing>
 </p:sld>
@@ -4075,7 +4063,7 @@
         </p:nvSpPr>
         <p:spPr>
           <a:xfrm>
-            <a:off x="2671983" y="4762498"/>
+            <a:off x="2671982" y="4762498"/>
             <a:ext cx="9057830" cy="1270001"/>
           </a:xfrm>
           <a:prstGeom prst="rect">
@@ -4100,10 +4088,6 @@
                 <a:solidFill>
                   <a:srgbClr val="FFFFFF"/>
                 </a:solidFill>
-                <a:latin typeface="+mn-lt"/>
-                <a:ea typeface="+mn-ea"/>
-                <a:cs typeface="+mn-cs"/>
-                <a:sym typeface="Lucida Grande"/>
               </a:defRPr>
             </a:lvl1pPr>
           </a:lstStyle>
@@ -4166,8 +4150,8 @@
         </p:blipFill>
         <p:spPr>
           <a:xfrm>
-            <a:off x="2805934" y="1085697"/>
-            <a:ext cx="3659363" cy="3317123"/>
+            <a:off x="2805933" y="1085697"/>
+            <a:ext cx="3659365" cy="3317124"/>
           </a:xfrm>
           <a:prstGeom prst="rect">
             <a:avLst/>
@@ -4203,7 +4187,7 @@
         <p:spPr>
           <a:xfrm>
             <a:off x="7774413" y="1085697"/>
-            <a:ext cx="4133375" cy="3317123"/>
+            <a:ext cx="4133375" cy="3317124"/>
           </a:xfrm>
           <a:prstGeom prst="rect">
             <a:avLst/>
@@ -4238,8 +4222,8 @@
         </p:blipFill>
         <p:spPr>
           <a:xfrm>
-            <a:off x="2805934" y="5720326"/>
-            <a:ext cx="3659363" cy="3517528"/>
+            <a:off x="2805933" y="5720326"/>
+            <a:ext cx="3659365" cy="3517528"/>
           </a:xfrm>
           <a:prstGeom prst="rect">
             <a:avLst/>
@@ -4275,7 +4259,7 @@
         <p:spPr>
           <a:xfrm>
             <a:off x="7866250" y="5308600"/>
-            <a:ext cx="3949702" cy="4572000"/>
+            <a:ext cx="3949703" cy="4572000"/>
           </a:xfrm>
           <a:prstGeom prst="rect">
             <a:avLst/>
@@ -4504,9 +4488,9 @@
       </p:par>
     </p:tnLst>
     <p:bldLst>
-      <p:bldP build="whole" bldLvl="1" animBg="1" rev="0" advAuto="0" spid="170" grpId="3"/>
       <p:bldP build="whole" bldLvl="1" animBg="1" rev="0" advAuto="0" spid="168" grpId="1"/>
       <p:bldP build="whole" bldLvl="1" animBg="1" rev="0" advAuto="0" spid="169" grpId="2"/>
+      <p:bldP build="whole" bldLvl="1" animBg="1" rev="0" advAuto="0" spid="170" grpId="3"/>
       <p:bldP build="whole" bldLvl="1" animBg="1" rev="0" advAuto="0" spid="171" grpId="4"/>
     </p:bldLst>
   </p:timing>
@@ -4555,8 +4539,8 @@
         </p:blipFill>
         <p:spPr>
           <a:xfrm>
-            <a:off x="1642666" y="3136690"/>
-            <a:ext cx="11116468" cy="4521620"/>
+            <a:off x="1642666" y="3136689"/>
+            <a:ext cx="11116468" cy="4521622"/>
           </a:xfrm>
           <a:prstGeom prst="rect">
             <a:avLst/>
@@ -4624,8 +4608,8 @@
         </p:blipFill>
         <p:spPr>
           <a:xfrm>
-            <a:off x="2498544" y="1534168"/>
-            <a:ext cx="9404711" cy="4123992"/>
+            <a:off x="2498544" y="1534167"/>
+            <a:ext cx="9404712" cy="4123994"/>
           </a:xfrm>
           <a:prstGeom prst="rect">
             <a:avLst/>
@@ -4661,7 +4645,7 @@
         <p:spPr>
           <a:xfrm>
             <a:off x="4076700" y="6457950"/>
-            <a:ext cx="5910749" cy="2094745"/>
+            <a:ext cx="5910749" cy="2094746"/>
           </a:xfrm>
           <a:prstGeom prst="rect">
             <a:avLst/>
@@ -4879,7 +4863,7 @@
         <p:spPr>
           <a:xfrm>
             <a:off x="812800" y="6997699"/>
-            <a:ext cx="6158477" cy="1834442"/>
+            <a:ext cx="6158477" cy="1834443"/>
           </a:xfrm>
           <a:prstGeom prst="rect">
             <a:avLst/>
@@ -4904,8 +4888,8 @@
         </p:nvSpPr>
         <p:spPr>
           <a:xfrm flipH="1">
-            <a:off x="4666901" y="5257706"/>
-            <a:ext cx="1333155" cy="969310"/>
+            <a:off x="4666901" y="5257705"/>
+            <a:ext cx="1333156" cy="969311"/>
           </a:xfrm>
           <a:prstGeom prst="line">
             <a:avLst/>
@@ -4941,7 +4925,7 @@
         <p:spPr>
           <a:xfrm>
             <a:off x="8343899" y="5158830"/>
-            <a:ext cx="1095922" cy="1095921"/>
+            <a:ext cx="1095923" cy="1095922"/>
           </a:xfrm>
           <a:prstGeom prst="line">
             <a:avLst/>
@@ -4987,7 +4971,7 @@
         <p:spPr>
           <a:xfrm>
             <a:off x="7823200" y="7351217"/>
-            <a:ext cx="5724981" cy="1127407"/>
+            <a:ext cx="5724982" cy="1127408"/>
           </a:xfrm>
           <a:prstGeom prst="rect">
             <a:avLst/>
@@ -5012,8 +4996,8 @@
         </p:nvSpPr>
         <p:spPr>
           <a:xfrm>
-            <a:off x="12611099" y="7587554"/>
-            <a:ext cx="764880" cy="405410"/>
+            <a:off x="12611099" y="7587553"/>
+            <a:ext cx="764881" cy="405411"/>
           </a:xfrm>
           <a:prstGeom prst="rect">
             <a:avLst/>
@@ -5035,7 +5019,14 @@
           <a:bodyPr lIns="45718" tIns="45718" rIns="45718" bIns="45718" anchor="ctr"/>
           <a:lstStyle/>
           <a:p>
-            <a:pPr/>
+            <a:pPr>
+              <a:defRPr>
+                <a:latin typeface="+mn-lt"/>
+                <a:ea typeface="+mn-ea"/>
+                <a:cs typeface="+mn-cs"/>
+                <a:sym typeface="Helvetica"/>
+              </a:defRPr>
+            </a:pPr>
           </a:p>
         </p:txBody>
       </p:sp>
@@ -5048,7 +5039,7 @@
         <p:spPr>
           <a:xfrm>
             <a:off x="11072166" y="9131299"/>
-            <a:ext cx="1793852" cy="609601"/>
+            <a:ext cx="1793851" cy="609601"/>
           </a:xfrm>
           <a:prstGeom prst="rect">
             <a:avLst/>
@@ -5072,6 +5063,10 @@
                 <a:solidFill>
                   <a:srgbClr val="FFFFFF"/>
                 </a:solidFill>
+                <a:latin typeface="+mn-lt"/>
+                <a:ea typeface="+mn-ea"/>
+                <a:cs typeface="+mn-cs"/>
+                <a:sym typeface="Helvetica"/>
               </a:defRPr>
             </a:lvl1pPr>
           </a:lstStyle>
@@ -5092,7 +5087,7 @@
         <p:spPr>
           <a:xfrm flipH="1">
             <a:off x="12491587" y="8144208"/>
-            <a:ext cx="386213" cy="853782"/>
+            <a:ext cx="386214" cy="853783"/>
           </a:xfrm>
           <a:prstGeom prst="line">
             <a:avLst/>
@@ -5507,14 +5502,14 @@
       </p:par>
     </p:tnLst>
     <p:bldLst>
+      <p:bldP build="whole" bldLvl="1" animBg="1" rev="0" advAuto="0" spid="184" grpId="6"/>
+      <p:bldP build="whole" bldLvl="1" animBg="1" rev="0" advAuto="0" spid="180" grpId="3"/>
       <p:bldP build="whole" bldLvl="1" animBg="1" rev="0" advAuto="0" spid="186" grpId="7"/>
+      <p:bldP build="whole" bldLvl="1" animBg="1" rev="0" advAuto="0" spid="185" grpId="8"/>
+      <p:bldP build="whole" bldLvl="1" animBg="1" rev="0" advAuto="0" spid="181" grpId="2"/>
+      <p:bldP build="whole" bldLvl="1" animBg="1" rev="0" advAuto="0" spid="179" grpId="1"/>
+      <p:bldP build="whole" bldLvl="1" animBg="1" rev="0" advAuto="0" spid="183" grpId="5"/>
       <p:bldP build="whole" bldLvl="1" animBg="1" rev="0" advAuto="0" spid="182" grpId="4"/>
-      <p:bldP build="whole" bldLvl="1" animBg="1" rev="0" advAuto="0" spid="185" grpId="8"/>
-      <p:bldP build="whole" bldLvl="1" animBg="1" rev="0" advAuto="0" spid="184" grpId="6"/>
-      <p:bldP build="whole" bldLvl="1" animBg="1" rev="0" advAuto="0" spid="179" grpId="1"/>
-      <p:bldP build="whole" bldLvl="1" animBg="1" rev="0" advAuto="0" spid="181" grpId="2"/>
-      <p:bldP build="whole" bldLvl="1" animBg="1" rev="0" advAuto="0" spid="180" grpId="3"/>
-      <p:bldP build="whole" bldLvl="1" animBg="1" rev="0" advAuto="0" spid="183" grpId="5"/>
     </p:bldLst>
   </p:timing>
 </p:sld>
@@ -5562,8 +5557,8 @@
         </p:blipFill>
         <p:spPr>
           <a:xfrm>
-            <a:off x="910431" y="2625129"/>
-            <a:ext cx="12581122" cy="5544645"/>
+            <a:off x="910430" y="2625128"/>
+            <a:ext cx="12581123" cy="5544646"/>
           </a:xfrm>
           <a:prstGeom prst="rect">
             <a:avLst/>
@@ -5580,12 +5575,199 @@
           </a:effectLst>
         </p:spPr>
       </p:pic>
+      <p:pic>
+        <p:nvPicPr>
+          <p:cNvPr id="189" name="Image" descr="Image"/>
+          <p:cNvPicPr>
+            <a:picLocks noChangeAspect="1"/>
+          </p:cNvPicPr>
+          <p:nvPr/>
+        </p:nvPicPr>
+        <p:blipFill>
+          <a:blip r:embed="rId3">
+            <a:extLst/>
+          </a:blip>
+          <a:stretch>
+            <a:fillRect/>
+          </a:stretch>
+        </p:blipFill>
+        <p:spPr>
+          <a:xfrm>
+            <a:off x="2870200" y="779270"/>
+            <a:ext cx="11072863" cy="981460"/>
+          </a:xfrm>
+          <a:prstGeom prst="rect">
+            <a:avLst/>
+          </a:prstGeom>
+          <a:ln w="12700">
+            <a:miter lim="400000"/>
+          </a:ln>
+        </p:spPr>
+      </p:pic>
+      <p:sp>
+        <p:nvSpPr>
+          <p:cNvPr id="190" name="Line"/>
+          <p:cNvSpPr/>
+          <p:nvPr/>
+        </p:nvSpPr>
+        <p:spPr>
+          <a:xfrm flipV="1">
+            <a:off x="8130695" y="2228701"/>
+            <a:ext cx="542082" cy="1594000"/>
+          </a:xfrm>
+          <a:prstGeom prst="line">
+            <a:avLst/>
+          </a:prstGeom>
+          <a:ln w="25400">
+            <a:solidFill>
+              <a:srgbClr val="FFFFFF"/>
+            </a:solidFill>
+            <a:tailEnd type="triangle"/>
+          </a:ln>
+          <a:effectLst>
+            <a:outerShdw sx="100000" sy="100000" kx="0" ky="0" algn="b" rotWithShape="0" blurRad="38100" dist="23000" dir="5400000">
+              <a:srgbClr val="000000">
+                <a:alpha val="35000"/>
+              </a:srgbClr>
+            </a:outerShdw>
+          </a:effectLst>
+        </p:spPr>
+        <p:txBody>
+          <a:bodyPr lIns="45718" tIns="45718" rIns="45718" bIns="45718"/>
+          <a:lstStyle/>
+          <a:p>
+            <a:pPr/>
+          </a:p>
+        </p:txBody>
+      </p:sp>
     </p:spTree>
   </p:cSld>
   <p:clrMapOvr>
     <a:masterClrMapping/>
   </p:clrMapOvr>
   <p:transition xmlns:p14="http://schemas.microsoft.com/office/powerpoint/2010/main" spd="med" advClick="1"/>
+  <p:timing>
+    <p:tnLst>
+      <p:par>
+        <p:cTn id="1" nodeType="tmRoot" restart="never" dur="indefinite" fill="hold">
+          <p:childTnLst>
+            <p:seq concurrent="1" prevAc="none" nextAc="seek">
+              <p:cTn id="2" nodeType="mainSeq" dur="indefinite" fill="hold">
+                <p:childTnLst>
+                  <p:par>
+                    <p:cTn id="3" fill="hold">
+                      <p:stCondLst>
+                        <p:cond delay="indefinite"/>
+                      </p:stCondLst>
+                      <p:childTnLst>
+                        <p:par>
+                          <p:cTn id="4" fill="hold">
+                            <p:stCondLst>
+                              <p:cond delay="0"/>
+                            </p:stCondLst>
+                            <p:childTnLst>
+                              <p:par>
+                                <p:cTn id="5" presetClass="entr" nodeType="clickEffect" presetSubtype="0" presetID="1" grpId="1" fill="hold">
+                                  <p:stCondLst>
+                                    <p:cond delay="0"/>
+                                  </p:stCondLst>
+                                  <p:iterate type="el" backwards="0">
+                                    <p:tmAbs val="0"/>
+                                  </p:iterate>
+                                  <p:childTnLst>
+                                    <p:set>
+                                      <p:cBhvr>
+                                        <p:cTn id="6" fill="hold"/>
+                                        <p:tgtEl>
+                                          <p:spTgt spid="190"/>
+                                        </p:tgtEl>
+                                        <p:attrNameLst>
+                                          <p:attrName>style.visibility</p:attrName>
+                                        </p:attrNameLst>
+                                      </p:cBhvr>
+                                      <p:to>
+                                        <p:strVal val="visible"/>
+                                      </p:to>
+                                    </p:set>
+                                  </p:childTnLst>
+                                </p:cTn>
+                              </p:par>
+                            </p:childTnLst>
+                          </p:cTn>
+                        </p:par>
+                      </p:childTnLst>
+                    </p:cTn>
+                  </p:par>
+                  <p:par>
+                    <p:cTn id="7" fill="hold">
+                      <p:stCondLst>
+                        <p:cond delay="indefinite"/>
+                      </p:stCondLst>
+                      <p:childTnLst>
+                        <p:par>
+                          <p:cTn id="8" fill="hold">
+                            <p:stCondLst>
+                              <p:cond delay="0"/>
+                            </p:stCondLst>
+                            <p:childTnLst>
+                              <p:par>
+                                <p:cTn id="9" presetClass="entr" nodeType="clickEffect" presetSubtype="0" presetID="1" grpId="2" fill="hold">
+                                  <p:stCondLst>
+                                    <p:cond delay="0"/>
+                                  </p:stCondLst>
+                                  <p:iterate type="el" backwards="0">
+                                    <p:tmAbs val="0"/>
+                                  </p:iterate>
+                                  <p:childTnLst>
+                                    <p:set>
+                                      <p:cBhvr>
+                                        <p:cTn id="10" fill="hold"/>
+                                        <p:tgtEl>
+                                          <p:spTgt spid="189"/>
+                                        </p:tgtEl>
+                                        <p:attrNameLst>
+                                          <p:attrName>style.visibility</p:attrName>
+                                        </p:attrNameLst>
+                                      </p:cBhvr>
+                                      <p:to>
+                                        <p:strVal val="visible"/>
+                                      </p:to>
+                                    </p:set>
+                                  </p:childTnLst>
+                                </p:cTn>
+                              </p:par>
+                            </p:childTnLst>
+                          </p:cTn>
+                        </p:par>
+                      </p:childTnLst>
+                    </p:cTn>
+                  </p:par>
+                </p:childTnLst>
+              </p:cTn>
+              <p:prevCondLst>
+                <p:cond evt="onPrev">
+                  <p:tgtEl>
+                    <p:sldTgt/>
+                  </p:tgtEl>
+                </p:cond>
+              </p:prevCondLst>
+              <p:nextCondLst>
+                <p:cond evt="onNext">
+                  <p:tgtEl>
+                    <p:sldTgt/>
+                  </p:tgtEl>
+                </p:cond>
+              </p:nextCondLst>
+            </p:seq>
+          </p:childTnLst>
+        </p:cTn>
+      </p:par>
+    </p:tnLst>
+    <p:bldLst>
+      <p:bldP build="whole" bldLvl="1" animBg="1" rev="0" advAuto="0" spid="190" grpId="1"/>
+      <p:bldP build="whole" bldLvl="1" animBg="1" rev="0" advAuto="0" spid="189" grpId="2"/>
+    </p:bldLst>
+  </p:timing>
 </p:sld>
 </file>
 
@@ -5615,13 +5797,13 @@
       </p:grpSpPr>
       <p:sp>
         <p:nvSpPr>
-          <p:cNvPr id="190" name="在 TypeScript下 写一个正确的组件"/>
+          <p:cNvPr id="192" name="在 TypeScript下 写一个正确的组件"/>
           <p:cNvSpPr txBox="1"/>
           <p:nvPr/>
         </p:nvSpPr>
         <p:spPr>
           <a:xfrm>
-            <a:off x="1390945" y="4762499"/>
+            <a:off x="1390944" y="4762498"/>
             <a:ext cx="11354694" cy="1270001"/>
           </a:xfrm>
           <a:prstGeom prst="rect">
@@ -5646,10 +5828,6 @@
                 <a:solidFill>
                   <a:srgbClr val="FFFFFF"/>
                 </a:solidFill>
-                <a:latin typeface="+mn-lt"/>
-                <a:ea typeface="+mn-ea"/>
-                <a:cs typeface="+mn-cs"/>
-                <a:sym typeface="Lucida Grande"/>
               </a:defRPr>
             </a:lvl1pPr>
           </a:lstStyle>
@@ -5703,7 +5881,7 @@
         <p:spPr>
           <a:xfrm>
             <a:off x="4141797" y="3663948"/>
-            <a:ext cx="5205518" cy="736601"/>
+            <a:ext cx="5205519" cy="736601"/>
           </a:xfrm>
           <a:prstGeom prst="rect">
             <a:avLst/>
@@ -5727,6 +5905,10 @@
                 <a:solidFill>
                   <a:srgbClr val="FFFFFF"/>
                 </a:solidFill>
+                <a:latin typeface="+mn-lt"/>
+                <a:ea typeface="+mn-ea"/>
+                <a:cs typeface="+mn-cs"/>
+                <a:sym typeface="Helvetica"/>
               </a:defRPr>
             </a:lvl1pPr>
           </a:lstStyle>
@@ -5746,7 +5928,7 @@
         </p:nvSpPr>
         <p:spPr>
           <a:xfrm>
-            <a:off x="4242740" y="6394449"/>
+            <a:off x="4242739" y="6394448"/>
             <a:ext cx="6245425" cy="736601"/>
           </a:xfrm>
           <a:prstGeom prst="rect">
@@ -5771,10 +5953,6 @@
                 <a:solidFill>
                   <a:srgbClr val="FFFFFF"/>
                 </a:solidFill>
-                <a:latin typeface="+mn-lt"/>
-                <a:ea typeface="+mn-ea"/>
-                <a:cs typeface="+mn-cs"/>
-                <a:sym typeface="Lucida Grande"/>
               </a:defRPr>
             </a:lvl1pPr>
           </a:lstStyle>
@@ -5819,10 +5997,6 @@
                 <a:solidFill>
                   <a:srgbClr val="FFFFFF"/>
                 </a:solidFill>
-                <a:latin typeface="+mn-lt"/>
-                <a:ea typeface="+mn-ea"/>
-                <a:cs typeface="+mn-cs"/>
-                <a:sym typeface="Lucida Grande"/>
               </a:defRPr>
             </a:lvl1pPr>
           </a:lstStyle>
@@ -6055,6 +6229,10 @@
                 <a:solidFill>
                   <a:srgbClr val="FFFFFF"/>
                 </a:solidFill>
+                <a:latin typeface="+mn-lt"/>
+                <a:ea typeface="+mn-ea"/>
+                <a:cs typeface="+mn-cs"/>
+                <a:sym typeface="Helvetica"/>
               </a:defRPr>
             </a:lvl1pPr>
           </a:lstStyle>
@@ -6107,8 +6285,8 @@
         </p:nvSpPr>
         <p:spPr>
           <a:xfrm>
-            <a:off x="635691" y="457198"/>
-            <a:ext cx="4485439" cy="736601"/>
+            <a:off x="635690" y="457198"/>
+            <a:ext cx="4485440" cy="736601"/>
           </a:xfrm>
           <a:prstGeom prst="rect">
             <a:avLst/>
@@ -6134,6 +6312,10 @@
                 <a:solidFill>
                   <a:srgbClr val="FFFFFF"/>
                 </a:solidFill>
+                <a:latin typeface="+mn-lt"/>
+                <a:ea typeface="+mn-ea"/>
+                <a:cs typeface="+mn-cs"/>
+                <a:sym typeface="Helvetica"/>
               </a:defRPr>
             </a:lvl1pPr>
           </a:lstStyle>
@@ -6154,7 +6336,7 @@
         <p:spPr>
           <a:xfrm>
             <a:off x="7200900" y="4348865"/>
-            <a:ext cx="0" cy="1599342"/>
+            <a:ext cx="0" cy="1599343"/>
           </a:xfrm>
           <a:prstGeom prst="line">
             <a:avLst/>
@@ -6200,7 +6382,7 @@
         <p:spPr>
           <a:xfrm>
             <a:off x="2546350" y="6265102"/>
-            <a:ext cx="9309100" cy="3543303"/>
+            <a:ext cx="9309100" cy="3543304"/>
           </a:xfrm>
           <a:prstGeom prst="rect">
             <a:avLst/>
@@ -6236,7 +6418,7 @@
         <p:spPr>
           <a:xfrm>
             <a:off x="5155629" y="1947614"/>
-            <a:ext cx="4090544" cy="2084355"/>
+            <a:ext cx="4090545" cy="2084356"/>
           </a:xfrm>
           <a:prstGeom prst="rect">
             <a:avLst/>
@@ -6271,8 +6453,8 @@
         </p:blipFill>
         <p:spPr>
           <a:xfrm>
-            <a:off x="6556351" y="6265102"/>
-            <a:ext cx="7115025" cy="3543302"/>
+            <a:off x="6556350" y="6265102"/>
+            <a:ext cx="7115026" cy="3543303"/>
           </a:xfrm>
           <a:prstGeom prst="rect">
             <a:avLst/>
@@ -6502,8 +6684,8 @@
     </p:tnLst>
     <p:bldLst>
       <p:bldP build="whole" bldLvl="1" animBg="1" rev="0" advAuto="0" spid="137" grpId="3"/>
+      <p:bldP build="whole" bldLvl="1" animBg="1" rev="0" advAuto="0" spid="138" grpId="1"/>
       <p:bldP build="whole" bldLvl="1" animBg="1" rev="0" advAuto="0" spid="139" grpId="4"/>
-      <p:bldP build="whole" bldLvl="1" animBg="1" rev="0" advAuto="0" spid="138" grpId="1"/>
       <p:bldP build="whole" bldLvl="1" animBg="1" rev="0" advAuto="0" spid="136" grpId="2"/>
     </p:bldLst>
   </p:timing>
@@ -6543,7 +6725,7 @@
         <p:spPr>
           <a:xfrm>
             <a:off x="6805486" y="4414649"/>
-            <a:ext cx="3" cy="1782523"/>
+            <a:ext cx="4" cy="1782524"/>
           </a:xfrm>
           <a:prstGeom prst="line">
             <a:avLst/>
@@ -6625,7 +6807,7 @@
         <p:spPr>
           <a:xfrm>
             <a:off x="1551339" y="6863208"/>
-            <a:ext cx="10508297" cy="1681330"/>
+            <a:ext cx="10508298" cy="1681331"/>
           </a:xfrm>
           <a:prstGeom prst="rect">
             <a:avLst/>
@@ -6806,7 +6988,7 @@
         <p:spPr>
           <a:xfrm>
             <a:off x="3759198" y="3781216"/>
-            <a:ext cx="3" cy="1940189"/>
+            <a:ext cx="4" cy="1940189"/>
           </a:xfrm>
           <a:prstGeom prst="line">
             <a:avLst/>
@@ -6852,7 +7034,7 @@
         <p:spPr>
           <a:xfrm>
             <a:off x="1493385" y="1124305"/>
-            <a:ext cx="4531630" cy="1940192"/>
+            <a:ext cx="4531630" cy="1940193"/>
           </a:xfrm>
           <a:prstGeom prst="rect">
             <a:avLst/>
@@ -6888,7 +7070,7 @@
         <p:spPr>
           <a:xfrm>
             <a:off x="774700" y="6438129"/>
-            <a:ext cx="7584107" cy="2272592"/>
+            <a:ext cx="7584107" cy="2272593"/>
           </a:xfrm>
           <a:prstGeom prst="rect">
             <a:avLst/>
@@ -6913,8 +7095,8 @@
         </p:nvSpPr>
         <p:spPr>
           <a:xfrm>
-            <a:off x="6583947" y="2094400"/>
-            <a:ext cx="2147061" cy="3"/>
+            <a:off x="6583946" y="2094400"/>
+            <a:ext cx="2147062" cy="4"/>
           </a:xfrm>
           <a:prstGeom prst="line">
             <a:avLst/>
@@ -6960,7 +7142,7 @@
         <p:spPr>
           <a:xfrm>
             <a:off x="9666747" y="6263621"/>
-            <a:ext cx="4119663" cy="2621605"/>
+            <a:ext cx="4119664" cy="2621606"/>
           </a:xfrm>
           <a:prstGeom prst="rect">
             <a:avLst/>
@@ -6986,7 +7168,7 @@
         <p:spPr>
           <a:xfrm>
             <a:off x="11726577" y="4120098"/>
-            <a:ext cx="3" cy="1543974"/>
+            <a:ext cx="4" cy="1543975"/>
           </a:xfrm>
           <a:prstGeom prst="line">
             <a:avLst/>
@@ -7032,7 +7214,7 @@
         <p:spPr>
           <a:xfrm>
             <a:off x="9289939" y="825690"/>
-            <a:ext cx="4873276" cy="2694858"/>
+            <a:ext cx="4873277" cy="2694858"/>
           </a:xfrm>
           <a:prstGeom prst="rect">
             <a:avLst/>
@@ -7343,11 +7525,11 @@
     </p:tnLst>
     <p:bldLst>
       <p:bldP build="whole" bldLvl="1" animBg="1" rev="0" advAuto="0" spid="151" grpId="4"/>
+      <p:bldP build="whole" bldLvl="1" animBg="1" rev="0" advAuto="0" spid="149" grpId="6"/>
+      <p:bldP build="whole" bldLvl="1" animBg="1" rev="0" advAuto="0" spid="147" grpId="2"/>
+      <p:bldP build="whole" bldLvl="1" animBg="1" rev="0" advAuto="0" spid="148" grpId="3"/>
       <p:bldP build="whole" bldLvl="1" animBg="1" rev="0" advAuto="0" spid="150" grpId="5"/>
       <p:bldP build="whole" bldLvl="1" animBg="1" rev="0" advAuto="0" spid="145" grpId="1"/>
-      <p:bldP build="whole" bldLvl="1" animBg="1" rev="0" advAuto="0" spid="148" grpId="3"/>
-      <p:bldP build="whole" bldLvl="1" animBg="1" rev="0" advAuto="0" spid="149" grpId="6"/>
-      <p:bldP build="whole" bldLvl="1" animBg="1" rev="0" advAuto="0" spid="147" grpId="2"/>
     </p:bldLst>
   </p:timing>
 </p:sld>
@@ -7516,7 +7698,7 @@
         </p:nvSpPr>
         <p:spPr>
           <a:xfrm>
-            <a:off x="645439" y="838199"/>
+            <a:off x="645438" y="838199"/>
             <a:ext cx="8513518" cy="736601"/>
           </a:xfrm>
           <a:prstGeom prst="rect">
@@ -7543,10 +7725,6 @@
                 <a:solidFill>
                   <a:srgbClr val="FFFFFF"/>
                 </a:solidFill>
-                <a:latin typeface="+mn-lt"/>
-                <a:ea typeface="+mn-ea"/>
-                <a:cs typeface="+mn-cs"/>
-                <a:sym typeface="Lucida Grande"/>
               </a:defRPr>
             </a:lvl1pPr>
           </a:lstStyle>
@@ -7646,14 +7824,14 @@
     </a:clrScheme>
     <a:fontScheme name="White">
       <a:majorFont>
+        <a:latin typeface="Lucida Grande"/>
+        <a:ea typeface="Lucida Grande"/>
+        <a:cs typeface="Lucida Grande"/>
+      </a:majorFont>
+      <a:minorFont>
         <a:latin typeface="Helvetica"/>
         <a:ea typeface="Helvetica"/>
         <a:cs typeface="Helvetica"/>
-      </a:majorFont>
-      <a:minorFont>
-        <a:latin typeface="Lucida Grande"/>
-        <a:ea typeface="Lucida Grande"/>
-        <a:cs typeface="Lucida Grande"/>
       </a:minorFont>
     </a:fontScheme>
     <a:fmtScheme name="White">
@@ -7861,7 +8039,7 @@
             <a:latin typeface="+mj-lt"/>
             <a:ea typeface="+mj-ea"/>
             <a:cs typeface="+mj-cs"/>
-            <a:sym typeface="Helvetica"/>
+            <a:sym typeface="Lucida Grande"/>
           </a:defRPr>
         </a:defPPr>
         <a:lvl1pPr marL="0" marR="0" indent="0" algn="l" defTabSz="914400" rtl="0" fontAlgn="auto" latinLnBrk="1" hangingPunct="0">
@@ -8438,7 +8616,7 @@
             <a:latin typeface="+mj-lt"/>
             <a:ea typeface="+mj-ea"/>
             <a:cs typeface="+mj-cs"/>
-            <a:sym typeface="Helvetica"/>
+            <a:sym typeface="Lucida Grande"/>
           </a:defRPr>
         </a:defPPr>
         <a:lvl1pPr marL="0" marR="0" indent="0" algn="l" defTabSz="914400" rtl="0" fontAlgn="auto" latinLnBrk="1" hangingPunct="0">
@@ -8730,14 +8908,14 @@
     </a:clrScheme>
     <a:fontScheme name="White">
       <a:majorFont>
+        <a:latin typeface="Lucida Grande"/>
+        <a:ea typeface="Lucida Grande"/>
+        <a:cs typeface="Lucida Grande"/>
+      </a:majorFont>
+      <a:minorFont>
         <a:latin typeface="Helvetica"/>
         <a:ea typeface="Helvetica"/>
         <a:cs typeface="Helvetica"/>
-      </a:majorFont>
-      <a:minorFont>
-        <a:latin typeface="Lucida Grande"/>
-        <a:ea typeface="Lucida Grande"/>
-        <a:cs typeface="Lucida Grande"/>
       </a:minorFont>
     </a:fontScheme>
     <a:fmtScheme name="White">
@@ -8945,7 +9123,7 @@
             <a:latin typeface="+mj-lt"/>
             <a:ea typeface="+mj-ea"/>
             <a:cs typeface="+mj-cs"/>
-            <a:sym typeface="Helvetica"/>
+            <a:sym typeface="Lucida Grande"/>
           </a:defRPr>
         </a:defPPr>
         <a:lvl1pPr marL="0" marR="0" indent="0" algn="l" defTabSz="914400" rtl="0" fontAlgn="auto" latinLnBrk="1" hangingPunct="0">
@@ -9522,7 +9700,7 @@
             <a:latin typeface="+mj-lt"/>
             <a:ea typeface="+mj-ea"/>
             <a:cs typeface="+mj-cs"/>
-            <a:sym typeface="Helvetica"/>
+            <a:sym typeface="Lucida Grande"/>
           </a:defRPr>
         </a:defPPr>
         <a:lvl1pPr marL="0" marR="0" indent="0" algn="l" defTabSz="914400" rtl="0" fontAlgn="auto" latinLnBrk="1" hangingPunct="0">

--- a/ppt/typescript（三）.pptx
+++ b/ppt/typescript（三）.pptx
@@ -25,6 +25,8 @@
     <p:sldId id="270" r:id="rId22"/>
     <p:sldId id="271" r:id="rId23"/>
     <p:sldId id="272" r:id="rId24"/>
+    <p:sldId id="273" r:id="rId25"/>
+    <p:sldId id="274" r:id="rId26"/>
   </p:sldIdLst>
   <p:sldSz cx="14401800" cy="10795000"/>
   <p:notesSz cx="6858000" cy="9144000"/>
@@ -79,10 +81,10 @@
         </a:solidFill>
         <a:effectLst/>
         <a:uFillTx/>
-        <a:latin typeface="+mj-lt"/>
-        <a:ea typeface="+mj-ea"/>
-        <a:cs typeface="+mj-cs"/>
-        <a:sym typeface="Lucida Grande"/>
+        <a:latin typeface="+mn-lt"/>
+        <a:ea typeface="+mn-ea"/>
+        <a:cs typeface="+mn-cs"/>
+        <a:sym typeface="Helvetica"/>
       </a:defRPr>
     </a:lvl1pPr>
     <a:lvl2pPr marL="0" marR="0" indent="0" algn="l" defTabSz="1440089" rtl="0" fontAlgn="auto" latinLnBrk="0" hangingPunct="0">
@@ -109,10 +111,10 @@
         </a:solidFill>
         <a:effectLst/>
         <a:uFillTx/>
-        <a:latin typeface="+mj-lt"/>
-        <a:ea typeface="+mj-ea"/>
-        <a:cs typeface="+mj-cs"/>
-        <a:sym typeface="Lucida Grande"/>
+        <a:latin typeface="+mn-lt"/>
+        <a:ea typeface="+mn-ea"/>
+        <a:cs typeface="+mn-cs"/>
+        <a:sym typeface="Helvetica"/>
       </a:defRPr>
     </a:lvl2pPr>
     <a:lvl3pPr marL="0" marR="0" indent="0" algn="l" defTabSz="1440089" rtl="0" fontAlgn="auto" latinLnBrk="0" hangingPunct="0">
@@ -139,10 +141,10 @@
         </a:solidFill>
         <a:effectLst/>
         <a:uFillTx/>
-        <a:latin typeface="+mj-lt"/>
-        <a:ea typeface="+mj-ea"/>
-        <a:cs typeface="+mj-cs"/>
-        <a:sym typeface="Lucida Grande"/>
+        <a:latin typeface="+mn-lt"/>
+        <a:ea typeface="+mn-ea"/>
+        <a:cs typeface="+mn-cs"/>
+        <a:sym typeface="Helvetica"/>
       </a:defRPr>
     </a:lvl3pPr>
     <a:lvl4pPr marL="0" marR="0" indent="0" algn="l" defTabSz="1440089" rtl="0" fontAlgn="auto" latinLnBrk="0" hangingPunct="0">
@@ -169,10 +171,10 @@
         </a:solidFill>
         <a:effectLst/>
         <a:uFillTx/>
-        <a:latin typeface="+mj-lt"/>
-        <a:ea typeface="+mj-ea"/>
-        <a:cs typeface="+mj-cs"/>
-        <a:sym typeface="Lucida Grande"/>
+        <a:latin typeface="+mn-lt"/>
+        <a:ea typeface="+mn-ea"/>
+        <a:cs typeface="+mn-cs"/>
+        <a:sym typeface="Helvetica"/>
       </a:defRPr>
     </a:lvl4pPr>
     <a:lvl5pPr marL="0" marR="0" indent="0" algn="l" defTabSz="1440089" rtl="0" fontAlgn="auto" latinLnBrk="0" hangingPunct="0">
@@ -199,10 +201,10 @@
         </a:solidFill>
         <a:effectLst/>
         <a:uFillTx/>
-        <a:latin typeface="+mj-lt"/>
-        <a:ea typeface="+mj-ea"/>
-        <a:cs typeface="+mj-cs"/>
-        <a:sym typeface="Lucida Grande"/>
+        <a:latin typeface="+mn-lt"/>
+        <a:ea typeface="+mn-ea"/>
+        <a:cs typeface="+mn-cs"/>
+        <a:sym typeface="Helvetica"/>
       </a:defRPr>
     </a:lvl5pPr>
     <a:lvl6pPr marL="0" marR="0" indent="0" algn="l" defTabSz="1440089" rtl="0" fontAlgn="auto" latinLnBrk="0" hangingPunct="0">
@@ -229,10 +231,10 @@
         </a:solidFill>
         <a:effectLst/>
         <a:uFillTx/>
-        <a:latin typeface="+mj-lt"/>
-        <a:ea typeface="+mj-ea"/>
-        <a:cs typeface="+mj-cs"/>
-        <a:sym typeface="Lucida Grande"/>
+        <a:latin typeface="+mn-lt"/>
+        <a:ea typeface="+mn-ea"/>
+        <a:cs typeface="+mn-cs"/>
+        <a:sym typeface="Helvetica"/>
       </a:defRPr>
     </a:lvl6pPr>
     <a:lvl7pPr marL="0" marR="0" indent="0" algn="l" defTabSz="1440089" rtl="0" fontAlgn="auto" latinLnBrk="0" hangingPunct="0">
@@ -259,10 +261,10 @@
         </a:solidFill>
         <a:effectLst/>
         <a:uFillTx/>
-        <a:latin typeface="+mj-lt"/>
-        <a:ea typeface="+mj-ea"/>
-        <a:cs typeface="+mj-cs"/>
-        <a:sym typeface="Lucida Grande"/>
+        <a:latin typeface="+mn-lt"/>
+        <a:ea typeface="+mn-ea"/>
+        <a:cs typeface="+mn-cs"/>
+        <a:sym typeface="Helvetica"/>
       </a:defRPr>
     </a:lvl7pPr>
     <a:lvl8pPr marL="0" marR="0" indent="0" algn="l" defTabSz="1440089" rtl="0" fontAlgn="auto" latinLnBrk="0" hangingPunct="0">
@@ -289,10 +291,10 @@
         </a:solidFill>
         <a:effectLst/>
         <a:uFillTx/>
-        <a:latin typeface="+mj-lt"/>
-        <a:ea typeface="+mj-ea"/>
-        <a:cs typeface="+mj-cs"/>
-        <a:sym typeface="Lucida Grande"/>
+        <a:latin typeface="+mn-lt"/>
+        <a:ea typeface="+mn-ea"/>
+        <a:cs typeface="+mn-cs"/>
+        <a:sym typeface="Helvetica"/>
       </a:defRPr>
     </a:lvl8pPr>
     <a:lvl9pPr marL="0" marR="0" indent="0" algn="l" defTabSz="1440089" rtl="0" fontAlgn="auto" latinLnBrk="0" hangingPunct="0">
@@ -319,10 +321,10 @@
         </a:solidFill>
         <a:effectLst/>
         <a:uFillTx/>
-        <a:latin typeface="+mj-lt"/>
-        <a:ea typeface="+mj-ea"/>
-        <a:cs typeface="+mj-cs"/>
-        <a:sym typeface="Lucida Grande"/>
+        <a:latin typeface="+mn-lt"/>
+        <a:ea typeface="+mn-ea"/>
+        <a:cs typeface="+mn-cs"/>
+        <a:sym typeface="Helvetica"/>
       </a:defRPr>
     </a:lvl9pPr>
   </p:defaultTextStyle>
@@ -1389,7 +1391,7 @@
         <p:spPr>
           <a:xfrm>
             <a:off x="1137641" y="6939846"/>
-            <a:ext cx="12241533" cy="2144968"/>
+            <a:ext cx="12241533" cy="2144969"/>
           </a:xfrm>
           <a:prstGeom prst="rect">
             <a:avLst/>
@@ -1855,8 +1857,8 @@
         </p:nvSpPr>
         <p:spPr>
           <a:xfrm>
-            <a:off x="720078" y="2417446"/>
-            <a:ext cx="6363320" cy="1007487"/>
+            <a:off x="720077" y="2417446"/>
+            <a:ext cx="6363322" cy="1007487"/>
           </a:xfrm>
           <a:prstGeom prst="rect">
             <a:avLst/>
@@ -2271,7 +2273,7 @@
         <p:spPr>
           <a:xfrm>
             <a:off x="2822854" y="7559833"/>
-            <a:ext cx="8641082" cy="892496"/>
+            <a:ext cx="8641082" cy="892497"/>
           </a:xfrm>
           <a:prstGeom prst="rect">
             <a:avLst/>
@@ -2303,7 +2305,7 @@
         <p:spPr>
           <a:xfrm>
             <a:off x="2822854" y="8452315"/>
-            <a:ext cx="8641082" cy="1267486"/>
+            <a:ext cx="8641082" cy="1267487"/>
           </a:xfrm>
           <a:prstGeom prst="rect">
             <a:avLst/>
@@ -3566,7 +3568,7 @@
         <p:spPr>
           <a:xfrm>
             <a:off x="4724051" y="1301749"/>
-            <a:ext cx="4953699" cy="520701"/>
+            <a:ext cx="4953700" cy="520701"/>
           </a:xfrm>
           <a:prstGeom prst="rect">
             <a:avLst/>
@@ -3590,6 +3592,10 @@
                 <a:solidFill>
                   <a:srgbClr val="FFFFFF"/>
                 </a:solidFill>
+                <a:latin typeface="+mj-lt"/>
+                <a:ea typeface="+mj-ea"/>
+                <a:cs typeface="+mj-cs"/>
+                <a:sym typeface="Lucida Grande"/>
               </a:defRPr>
             </a:lvl1pPr>
           </a:lstStyle>
@@ -3672,6 +3678,10 @@
                 <a:solidFill>
                   <a:srgbClr val="FFFFFF"/>
                 </a:solidFill>
+                <a:latin typeface="+mj-lt"/>
+                <a:ea typeface="+mj-ea"/>
+                <a:cs typeface="+mj-cs"/>
+                <a:sym typeface="Lucida Grande"/>
               </a:defRPr>
             </a:lvl1pPr>
           </a:lstStyle>
@@ -3718,6 +3728,10 @@
                 <a:solidFill>
                   <a:srgbClr val="FFFFFF"/>
                 </a:solidFill>
+                <a:latin typeface="+mj-lt"/>
+                <a:ea typeface="+mj-ea"/>
+                <a:cs typeface="+mj-cs"/>
+                <a:sym typeface="Lucida Grande"/>
               </a:defRPr>
             </a:lvl1pPr>
           </a:lstStyle>
@@ -3738,7 +3752,7 @@
         <p:spPr>
           <a:xfrm>
             <a:off x="7200899" y="6126283"/>
-            <a:ext cx="4" cy="1280458"/>
+            <a:ext cx="5" cy="1280459"/>
           </a:xfrm>
           <a:prstGeom prst="line">
             <a:avLst/>
@@ -4021,11 +4035,11 @@
       </p:par>
     </p:tnLst>
     <p:bldLst>
-      <p:bldP build="whole" bldLvl="1" animBg="1" rev="0" advAuto="0" spid="161" grpId="2"/>
+      <p:bldP build="whole" bldLvl="1" animBg="1" rev="0" advAuto="0" spid="163" grpId="5"/>
       <p:bldP build="whole" bldLvl="1" animBg="1" rev="0" advAuto="0" spid="160" grpId="1"/>
       <p:bldP build="whole" bldLvl="1" animBg="1" rev="0" advAuto="0" spid="162" grpId="4"/>
       <p:bldP build="whole" bldLvl="1" animBg="1" rev="0" advAuto="0" spid="164" grpId="3"/>
-      <p:bldP build="whole" bldLvl="1" animBg="1" rev="0" advAuto="0" spid="163" grpId="5"/>
+      <p:bldP build="whole" bldLvl="1" animBg="1" rev="0" advAuto="0" spid="161" grpId="2"/>
     </p:bldLst>
   </p:timing>
 </p:sld>
@@ -4064,7 +4078,7 @@
         <p:spPr>
           <a:xfrm>
             <a:off x="2671982" y="4762498"/>
-            <a:ext cx="9057830" cy="1270001"/>
+            <a:ext cx="9057829" cy="1270001"/>
           </a:xfrm>
           <a:prstGeom prst="rect">
             <a:avLst/>
@@ -4088,6 +4102,10 @@
                 <a:solidFill>
                   <a:srgbClr val="FFFFFF"/>
                 </a:solidFill>
+                <a:latin typeface="+mj-lt"/>
+                <a:ea typeface="+mj-ea"/>
+                <a:cs typeface="+mj-cs"/>
+                <a:sym typeface="Lucida Grande"/>
               </a:defRPr>
             </a:lvl1pPr>
           </a:lstStyle>
@@ -4150,8 +4168,8 @@
         </p:blipFill>
         <p:spPr>
           <a:xfrm>
-            <a:off x="2805933" y="1085697"/>
-            <a:ext cx="3659365" cy="3317124"/>
+            <a:off x="2805932" y="1085697"/>
+            <a:ext cx="3659367" cy="3317124"/>
           </a:xfrm>
           <a:prstGeom prst="rect">
             <a:avLst/>
@@ -4222,8 +4240,8 @@
         </p:blipFill>
         <p:spPr>
           <a:xfrm>
-            <a:off x="2805933" y="5720326"/>
-            <a:ext cx="3659365" cy="3517528"/>
+            <a:off x="2805932" y="5720326"/>
+            <a:ext cx="3659367" cy="3517528"/>
           </a:xfrm>
           <a:prstGeom prst="rect">
             <a:avLst/>
@@ -4259,7 +4277,7 @@
         <p:spPr>
           <a:xfrm>
             <a:off x="7866250" y="5308600"/>
-            <a:ext cx="3949703" cy="4572000"/>
+            <a:ext cx="3949704" cy="4572000"/>
           </a:xfrm>
           <a:prstGeom prst="rect">
             <a:avLst/>
@@ -4488,9 +4506,9 @@
       </p:par>
     </p:tnLst>
     <p:bldLst>
+      <p:bldP build="whole" bldLvl="1" animBg="1" rev="0" advAuto="0" spid="170" grpId="3"/>
       <p:bldP build="whole" bldLvl="1" animBg="1" rev="0" advAuto="0" spid="168" grpId="1"/>
       <p:bldP build="whole" bldLvl="1" animBg="1" rev="0" advAuto="0" spid="169" grpId="2"/>
-      <p:bldP build="whole" bldLvl="1" animBg="1" rev="0" advAuto="0" spid="170" grpId="3"/>
       <p:bldP build="whole" bldLvl="1" animBg="1" rev="0" advAuto="0" spid="171" grpId="4"/>
     </p:bldLst>
   </p:timing>
@@ -4539,8 +4557,8 @@
         </p:blipFill>
         <p:spPr>
           <a:xfrm>
-            <a:off x="1642666" y="3136689"/>
-            <a:ext cx="11116468" cy="4521622"/>
+            <a:off x="1642666" y="3136688"/>
+            <a:ext cx="11116468" cy="4521624"/>
           </a:xfrm>
           <a:prstGeom prst="rect">
             <a:avLst/>
@@ -4609,7 +4627,7 @@
         <p:spPr>
           <a:xfrm>
             <a:off x="2498544" y="1534167"/>
-            <a:ext cx="9404712" cy="4123994"/>
+            <a:ext cx="9404712" cy="4123995"/>
           </a:xfrm>
           <a:prstGeom prst="rect">
             <a:avLst/>
@@ -4863,7 +4881,7 @@
         <p:spPr>
           <a:xfrm>
             <a:off x="812800" y="6997699"/>
-            <a:ext cx="6158477" cy="1834443"/>
+            <a:ext cx="6158477" cy="1834444"/>
           </a:xfrm>
           <a:prstGeom prst="rect">
             <a:avLst/>
@@ -4889,7 +4907,7 @@
         <p:spPr>
           <a:xfrm flipH="1">
             <a:off x="4666901" y="5257705"/>
-            <a:ext cx="1333156" cy="969311"/>
+            <a:ext cx="1333157" cy="969312"/>
           </a:xfrm>
           <a:prstGeom prst="line">
             <a:avLst/>
@@ -4925,7 +4943,7 @@
         <p:spPr>
           <a:xfrm>
             <a:off x="8343899" y="5158830"/>
-            <a:ext cx="1095923" cy="1095922"/>
+            <a:ext cx="1095924" cy="1095923"/>
           </a:xfrm>
           <a:prstGeom prst="line">
             <a:avLst/>
@@ -4971,7 +4989,7 @@
         <p:spPr>
           <a:xfrm>
             <a:off x="7823200" y="7351217"/>
-            <a:ext cx="5724982" cy="1127408"/>
+            <a:ext cx="5724982" cy="1127409"/>
           </a:xfrm>
           <a:prstGeom prst="rect">
             <a:avLst/>
@@ -4997,7 +5015,7 @@
         <p:spPr>
           <a:xfrm>
             <a:off x="12611099" y="7587553"/>
-            <a:ext cx="764881" cy="405411"/>
+            <a:ext cx="764882" cy="405412"/>
           </a:xfrm>
           <a:prstGeom prst="rect">
             <a:avLst/>
@@ -5019,14 +5037,7 @@
           <a:bodyPr lIns="45718" tIns="45718" rIns="45718" bIns="45718" anchor="ctr"/>
           <a:lstStyle/>
           <a:p>
-            <a:pPr>
-              <a:defRPr>
-                <a:latin typeface="+mn-lt"/>
-                <a:ea typeface="+mn-ea"/>
-                <a:cs typeface="+mn-cs"/>
-                <a:sym typeface="Helvetica"/>
-              </a:defRPr>
-            </a:pPr>
+            <a:pPr/>
           </a:p>
         </p:txBody>
       </p:sp>
@@ -5063,10 +5074,6 @@
                 <a:solidFill>
                   <a:srgbClr val="FFFFFF"/>
                 </a:solidFill>
-                <a:latin typeface="+mn-lt"/>
-                <a:ea typeface="+mn-ea"/>
-                <a:cs typeface="+mn-cs"/>
-                <a:sym typeface="Helvetica"/>
               </a:defRPr>
             </a:lvl1pPr>
           </a:lstStyle>
@@ -5087,7 +5094,7 @@
         <p:spPr>
           <a:xfrm flipH="1">
             <a:off x="12491587" y="8144208"/>
-            <a:ext cx="386214" cy="853783"/>
+            <a:ext cx="386215" cy="853783"/>
           </a:xfrm>
           <a:prstGeom prst="line">
             <a:avLst/>
@@ -5503,13 +5510,13 @@
     </p:tnLst>
     <p:bldLst>
       <p:bldP build="whole" bldLvl="1" animBg="1" rev="0" advAuto="0" spid="184" grpId="6"/>
-      <p:bldP build="whole" bldLvl="1" animBg="1" rev="0" advAuto="0" spid="180" grpId="3"/>
+      <p:bldP build="whole" bldLvl="1" animBg="1" rev="0" advAuto="0" spid="182" grpId="4"/>
       <p:bldP build="whole" bldLvl="1" animBg="1" rev="0" advAuto="0" spid="186" grpId="7"/>
       <p:bldP build="whole" bldLvl="1" animBg="1" rev="0" advAuto="0" spid="185" grpId="8"/>
+      <p:bldP build="whole" bldLvl="1" animBg="1" rev="0" advAuto="0" spid="179" grpId="1"/>
       <p:bldP build="whole" bldLvl="1" animBg="1" rev="0" advAuto="0" spid="181" grpId="2"/>
-      <p:bldP build="whole" bldLvl="1" animBg="1" rev="0" advAuto="0" spid="179" grpId="1"/>
+      <p:bldP build="whole" bldLvl="1" animBg="1" rev="0" advAuto="0" spid="180" grpId="3"/>
       <p:bldP build="whole" bldLvl="1" animBg="1" rev="0" advAuto="0" spid="183" grpId="5"/>
-      <p:bldP build="whole" bldLvl="1" animBg="1" rev="0" advAuto="0" spid="182" grpId="4"/>
     </p:bldLst>
   </p:timing>
 </p:sld>
@@ -5557,8 +5564,8 @@
         </p:blipFill>
         <p:spPr>
           <a:xfrm>
-            <a:off x="910430" y="2625128"/>
-            <a:ext cx="12581123" cy="5544646"/>
+            <a:off x="910429" y="2625127"/>
+            <a:ext cx="12581124" cy="5544648"/>
           </a:xfrm>
           <a:prstGeom prst="rect">
             <a:avLst/>
@@ -5612,8 +5619,8 @@
         </p:nvSpPr>
         <p:spPr>
           <a:xfrm flipV="1">
-            <a:off x="8130695" y="2228701"/>
-            <a:ext cx="542082" cy="1594000"/>
+            <a:off x="8130695" y="2228700"/>
+            <a:ext cx="542083" cy="1594001"/>
           </a:xfrm>
           <a:prstGeom prst="line">
             <a:avLst/>
@@ -5634,6 +5641,43 @@
         </p:spPr>
         <p:txBody>
           <a:bodyPr lIns="45718" tIns="45718" rIns="45718" bIns="45718"/>
+          <a:lstStyle/>
+          <a:p>
+            <a:pPr/>
+          </a:p>
+        </p:txBody>
+      </p:sp>
+      <p:sp>
+        <p:nvSpPr>
+          <p:cNvPr id="191" name="Rounded Rectangle"/>
+          <p:cNvSpPr/>
+          <p:nvPr/>
+        </p:nvSpPr>
+        <p:spPr>
+          <a:xfrm>
+            <a:off x="2209800" y="4676042"/>
+            <a:ext cx="6258174" cy="679836"/>
+          </a:xfrm>
+          <a:prstGeom prst="roundRect">
+            <a:avLst>
+              <a:gd name="adj" fmla="val 28022"/>
+            </a:avLst>
+          </a:prstGeom>
+          <a:ln w="25400">
+            <a:solidFill>
+              <a:srgbClr val="FFFFFF"/>
+            </a:solidFill>
+          </a:ln>
+          <a:effectLst>
+            <a:outerShdw sx="100000" sy="100000" kx="0" ky="0" algn="b" rotWithShape="0" blurRad="38100" dist="23000" dir="5400000">
+              <a:srgbClr val="000000">
+                <a:alpha val="35000"/>
+              </a:srgbClr>
+            </a:outerShdw>
+          </a:effectLst>
+        </p:spPr>
+        <p:txBody>
+          <a:bodyPr lIns="45718" tIns="45718" rIns="45718" bIns="45718" anchor="ctr"/>
           <a:lstStyle/>
           <a:p>
             <a:pPr/>
@@ -5742,6 +5786,50 @@
                       </p:childTnLst>
                     </p:cTn>
                   </p:par>
+                  <p:par>
+                    <p:cTn id="11" fill="hold">
+                      <p:stCondLst>
+                        <p:cond delay="indefinite"/>
+                      </p:stCondLst>
+                      <p:childTnLst>
+                        <p:par>
+                          <p:cTn id="12" fill="hold">
+                            <p:stCondLst>
+                              <p:cond delay="0"/>
+                            </p:stCondLst>
+                            <p:childTnLst>
+                              <p:par>
+                                <p:cTn id="13" presetClass="entr" nodeType="clickEffect" presetSubtype="0" presetID="1" grpId="3" fill="hold">
+                                  <p:stCondLst>
+                                    <p:cond delay="0"/>
+                                  </p:stCondLst>
+                                  <p:iterate type="el" backwards="0">
+                                    <p:tmAbs val="0"/>
+                                  </p:iterate>
+                                  <p:childTnLst>
+                                    <p:set>
+                                      <p:cBhvr>
+                                        <p:cTn id="14" fill="hold"/>
+                                        <p:tgtEl>
+                                          <p:spTgt spid="191"/>
+                                        </p:tgtEl>
+                                        <p:attrNameLst>
+                                          <p:attrName>style.visibility</p:attrName>
+                                        </p:attrNameLst>
+                                      </p:cBhvr>
+                                      <p:to>
+                                        <p:strVal val="visible"/>
+                                      </p:to>
+                                    </p:set>
+                                  </p:childTnLst>
+                                </p:cTn>
+                              </p:par>
+                            </p:childTnLst>
+                          </p:cTn>
+                        </p:par>
+                      </p:childTnLst>
+                    </p:cTn>
+                  </p:par>
                 </p:childTnLst>
               </p:cTn>
               <p:prevCondLst>
@@ -5764,6 +5852,7 @@
       </p:par>
     </p:tnLst>
     <p:bldLst>
+      <p:bldP build="whole" bldLvl="1" animBg="1" rev="0" advAuto="0" spid="191" grpId="3"/>
       <p:bldP build="whole" bldLvl="1" animBg="1" rev="0" advAuto="0" spid="190" grpId="1"/>
       <p:bldP build="whole" bldLvl="1" animBg="1" rev="0" advAuto="0" spid="189" grpId="2"/>
     </p:bldLst>
@@ -5795,15 +5884,856 @@
           <a:chExt cx="0" cy="0"/>
         </a:xfrm>
       </p:grpSpPr>
+      <p:pic>
+        <p:nvPicPr>
+          <p:cNvPr id="193" name="Image" descr="Image"/>
+          <p:cNvPicPr>
+            <a:picLocks noChangeAspect="1"/>
+          </p:cNvPicPr>
+          <p:nvPr/>
+        </p:nvPicPr>
+        <p:blipFill>
+          <a:blip r:embed="rId2">
+            <a:extLst/>
+          </a:blip>
+          <a:stretch>
+            <a:fillRect/>
+          </a:stretch>
+        </p:blipFill>
+        <p:spPr>
+          <a:xfrm>
+            <a:off x="3415258" y="3248116"/>
+            <a:ext cx="7571284" cy="1377768"/>
+          </a:xfrm>
+          <a:prstGeom prst="rect">
+            <a:avLst/>
+          </a:prstGeom>
+          <a:ln w="12700">
+            <a:miter lim="400000"/>
+          </a:ln>
+          <a:effectLst>
+            <a:outerShdw sx="100000" sy="100000" kx="0" ky="0" algn="b" rotWithShape="0" blurRad="101600" dist="25400" dir="5400000">
+              <a:srgbClr val="000000">
+                <a:alpha val="75000"/>
+              </a:srgbClr>
+            </a:outerShdw>
+          </a:effectLst>
+        </p:spPr>
+      </p:pic>
+      <p:pic>
+        <p:nvPicPr>
+          <p:cNvPr id="194" name="Image" descr="Image"/>
+          <p:cNvPicPr>
+            <a:picLocks noChangeAspect="1"/>
+          </p:cNvPicPr>
+          <p:nvPr/>
+        </p:nvPicPr>
+        <p:blipFill>
+          <a:blip r:embed="rId3">
+            <a:extLst/>
+          </a:blip>
+          <a:stretch>
+            <a:fillRect/>
+          </a:stretch>
+        </p:blipFill>
+        <p:spPr>
+          <a:xfrm>
+            <a:off x="3415258" y="5452210"/>
+            <a:ext cx="7571284" cy="1447022"/>
+          </a:xfrm>
+          <a:prstGeom prst="rect">
+            <a:avLst/>
+          </a:prstGeom>
+          <a:ln w="12700">
+            <a:miter lim="400000"/>
+          </a:ln>
+          <a:effectLst>
+            <a:outerShdw sx="100000" sy="100000" kx="0" ky="0" algn="b" rotWithShape="0" blurRad="101600" dist="25400" dir="5400000">
+              <a:srgbClr val="000000">
+                <a:alpha val="75000"/>
+              </a:srgbClr>
+            </a:outerShdw>
+          </a:effectLst>
+        </p:spPr>
+      </p:pic>
+      <p:pic>
+        <p:nvPicPr>
+          <p:cNvPr id="195" name="Image" descr="Image"/>
+          <p:cNvPicPr>
+            <a:picLocks noChangeAspect="1"/>
+          </p:cNvPicPr>
+          <p:nvPr/>
+        </p:nvPicPr>
+        <p:blipFill>
+          <a:blip r:embed="rId4">
+            <a:extLst/>
+          </a:blip>
+          <a:stretch>
+            <a:fillRect/>
+          </a:stretch>
+        </p:blipFill>
+        <p:spPr>
+          <a:xfrm>
+            <a:off x="3415258" y="7725557"/>
+            <a:ext cx="7571284" cy="1436152"/>
+          </a:xfrm>
+          <a:prstGeom prst="rect">
+            <a:avLst/>
+          </a:prstGeom>
+          <a:ln w="12700">
+            <a:miter lim="400000"/>
+          </a:ln>
+          <a:effectLst>
+            <a:outerShdw sx="100000" sy="100000" kx="0" ky="0" algn="b" rotWithShape="0" blurRad="101600" dist="25400" dir="5400000">
+              <a:srgbClr val="000000">
+                <a:alpha val="75000"/>
+              </a:srgbClr>
+            </a:outerShdw>
+          </a:effectLst>
+        </p:spPr>
+      </p:pic>
+      <p:pic>
+        <p:nvPicPr>
+          <p:cNvPr id="196" name="Image" descr="Image"/>
+          <p:cNvPicPr>
+            <a:picLocks noChangeAspect="1"/>
+          </p:cNvPicPr>
+          <p:nvPr/>
+        </p:nvPicPr>
+        <p:blipFill>
+          <a:blip r:embed="rId5">
+            <a:extLst/>
+          </a:blip>
+          <a:stretch>
+            <a:fillRect/>
+          </a:stretch>
+        </p:blipFill>
+        <p:spPr>
+          <a:xfrm>
+            <a:off x="3829050" y="910489"/>
+            <a:ext cx="6743700" cy="1511301"/>
+          </a:xfrm>
+          <a:prstGeom prst="rect">
+            <a:avLst/>
+          </a:prstGeom>
+          <a:ln w="12700">
+            <a:miter lim="400000"/>
+          </a:ln>
+          <a:effectLst>
+            <a:outerShdw sx="100000" sy="100000" kx="0" ky="0" algn="b" rotWithShape="0" blurRad="101600" dist="25400" dir="5400000">
+              <a:srgbClr val="000000">
+                <a:alpha val="75000"/>
+              </a:srgbClr>
+            </a:outerShdw>
+          </a:effectLst>
+        </p:spPr>
+      </p:pic>
+    </p:spTree>
+  </p:cSld>
+  <p:clrMapOvr>
+    <a:masterClrMapping/>
+  </p:clrMapOvr>
+  <p:transition xmlns:p14="http://schemas.microsoft.com/office/powerpoint/2010/main" spd="med" advClick="1"/>
+  <p:timing>
+    <p:tnLst>
+      <p:par>
+        <p:cTn id="1" nodeType="tmRoot" restart="never" dur="indefinite" fill="hold">
+          <p:childTnLst>
+            <p:seq concurrent="1" prevAc="none" nextAc="seek">
+              <p:cTn id="2" nodeType="mainSeq" dur="indefinite" fill="hold">
+                <p:childTnLst>
+                  <p:par>
+                    <p:cTn id="3" fill="hold">
+                      <p:stCondLst>
+                        <p:cond delay="indefinite"/>
+                      </p:stCondLst>
+                      <p:childTnLst>
+                        <p:par>
+                          <p:cTn id="4" fill="hold">
+                            <p:stCondLst>
+                              <p:cond delay="0"/>
+                            </p:stCondLst>
+                            <p:childTnLst>
+                              <p:par>
+                                <p:cTn id="5" presetClass="entr" nodeType="clickEffect" presetSubtype="0" presetID="1" grpId="1" fill="hold">
+                                  <p:stCondLst>
+                                    <p:cond delay="0"/>
+                                  </p:stCondLst>
+                                  <p:iterate type="el" backwards="0">
+                                    <p:tmAbs val="0"/>
+                                  </p:iterate>
+                                  <p:childTnLst>
+                                    <p:set>
+                                      <p:cBhvr>
+                                        <p:cTn id="6" fill="hold"/>
+                                        <p:tgtEl>
+                                          <p:spTgt spid="193"/>
+                                        </p:tgtEl>
+                                        <p:attrNameLst>
+                                          <p:attrName>style.visibility</p:attrName>
+                                        </p:attrNameLst>
+                                      </p:cBhvr>
+                                      <p:to>
+                                        <p:strVal val="visible"/>
+                                      </p:to>
+                                    </p:set>
+                                  </p:childTnLst>
+                                </p:cTn>
+                              </p:par>
+                            </p:childTnLst>
+                          </p:cTn>
+                        </p:par>
+                      </p:childTnLst>
+                    </p:cTn>
+                  </p:par>
+                  <p:par>
+                    <p:cTn id="7" fill="hold">
+                      <p:stCondLst>
+                        <p:cond delay="indefinite"/>
+                      </p:stCondLst>
+                      <p:childTnLst>
+                        <p:par>
+                          <p:cTn id="8" fill="hold">
+                            <p:stCondLst>
+                              <p:cond delay="0"/>
+                            </p:stCondLst>
+                            <p:childTnLst>
+                              <p:par>
+                                <p:cTn id="9" presetClass="entr" nodeType="clickEffect" presetSubtype="0" presetID="1" grpId="2" fill="hold">
+                                  <p:stCondLst>
+                                    <p:cond delay="0"/>
+                                  </p:stCondLst>
+                                  <p:iterate type="el" backwards="0">
+                                    <p:tmAbs val="0"/>
+                                  </p:iterate>
+                                  <p:childTnLst>
+                                    <p:set>
+                                      <p:cBhvr>
+                                        <p:cTn id="10" fill="hold"/>
+                                        <p:tgtEl>
+                                          <p:spTgt spid="194"/>
+                                        </p:tgtEl>
+                                        <p:attrNameLst>
+                                          <p:attrName>style.visibility</p:attrName>
+                                        </p:attrNameLst>
+                                      </p:cBhvr>
+                                      <p:to>
+                                        <p:strVal val="visible"/>
+                                      </p:to>
+                                    </p:set>
+                                  </p:childTnLst>
+                                </p:cTn>
+                              </p:par>
+                            </p:childTnLst>
+                          </p:cTn>
+                        </p:par>
+                      </p:childTnLst>
+                    </p:cTn>
+                  </p:par>
+                </p:childTnLst>
+              </p:cTn>
+              <p:prevCondLst>
+                <p:cond evt="onPrev">
+                  <p:tgtEl>
+                    <p:sldTgt/>
+                  </p:tgtEl>
+                </p:cond>
+              </p:prevCondLst>
+              <p:nextCondLst>
+                <p:cond evt="onNext">
+                  <p:tgtEl>
+                    <p:sldTgt/>
+                  </p:tgtEl>
+                </p:cond>
+              </p:nextCondLst>
+            </p:seq>
+          </p:childTnLst>
+        </p:cTn>
+      </p:par>
+    </p:tnLst>
+    <p:bldLst>
+      <p:bldP build="whole" bldLvl="1" animBg="1" rev="0" advAuto="0" spid="194" grpId="2"/>
+      <p:bldP build="whole" bldLvl="1" animBg="1" rev="0" advAuto="0" spid="193" grpId="1"/>
+    </p:bldLst>
+  </p:timing>
+</p:sld>
+</file>
+
+<file path=ppt/slides/slide18.xml><?xml version="1.0" encoding="utf-8"?>
+<p:sld xmlns:a="http://schemas.openxmlformats.org/drawingml/2006/main" xmlns:r="http://schemas.openxmlformats.org/officeDocument/2006/relationships" xmlns:p="http://schemas.openxmlformats.org/presentationml/2006/main" xmlns:m="http://schemas.openxmlformats.org/officeDocument/2006/math" xmlns:a14="http://schemas.microsoft.com/office/drawing/2010/main" showMasterSp="1" showMasterPhAnim="1">
+  <p:cSld>
+    <p:bg>
+      <p:bgPr>
+        <a:solidFill>
+          <a:srgbClr val="739A98"/>
+        </a:solidFill>
+      </p:bgPr>
+    </p:bg>
+    <p:spTree>
+      <p:nvGrpSpPr>
+        <p:cNvPr id="1" name=""/>
+        <p:cNvGrpSpPr/>
+        <p:nvPr/>
+      </p:nvGrpSpPr>
+      <p:grpSpPr>
+        <a:xfrm>
+          <a:off x="0" y="0"/>
+          <a:ext cx="0" cy="0"/>
+          <a:chOff x="0" y="0"/>
+          <a:chExt cx="0" cy="0"/>
+        </a:xfrm>
+      </p:grpSpPr>
+      <p:pic>
+        <p:nvPicPr>
+          <p:cNvPr id="198" name="Image" descr="Image"/>
+          <p:cNvPicPr>
+            <a:picLocks noChangeAspect="1"/>
+          </p:cNvPicPr>
+          <p:nvPr/>
+        </p:nvPicPr>
+        <p:blipFill>
+          <a:blip r:embed="rId2">
+            <a:extLst/>
+          </a:blip>
+          <a:stretch>
+            <a:fillRect/>
+          </a:stretch>
+        </p:blipFill>
+        <p:spPr>
+          <a:xfrm>
+            <a:off x="3349409" y="1722522"/>
+            <a:ext cx="7556501" cy="1625601"/>
+          </a:xfrm>
+          <a:prstGeom prst="rect">
+            <a:avLst/>
+          </a:prstGeom>
+          <a:ln w="12700">
+            <a:miter lim="400000"/>
+          </a:ln>
+          <a:effectLst>
+            <a:outerShdw sx="100000" sy="100000" kx="0" ky="0" algn="b" rotWithShape="0" blurRad="101600" dist="25400" dir="5400000">
+              <a:srgbClr val="000000">
+                <a:alpha val="75000"/>
+              </a:srgbClr>
+            </a:outerShdw>
+          </a:effectLst>
+        </p:spPr>
+      </p:pic>
       <p:sp>
         <p:nvSpPr>
-          <p:cNvPr id="192" name="在 TypeScript下 写一个正确的组件"/>
+          <p:cNvPr id="199" name="Line"/>
+          <p:cNvSpPr/>
+          <p:nvPr/>
+        </p:nvSpPr>
+        <p:spPr>
+          <a:xfrm flipH="1">
+            <a:off x="4532097" y="3860029"/>
+            <a:ext cx="1325563" cy="1790695"/>
+          </a:xfrm>
+          <a:prstGeom prst="line">
+            <a:avLst/>
+          </a:prstGeom>
+          <a:ln w="25400">
+            <a:solidFill>
+              <a:srgbClr val="FFFFFF"/>
+            </a:solidFill>
+            <a:tailEnd type="triangle"/>
+          </a:ln>
+          <a:effectLst>
+            <a:outerShdw sx="100000" sy="100000" kx="0" ky="0" algn="b" rotWithShape="0" blurRad="38100" dist="23000" dir="5400000">
+              <a:srgbClr val="000000">
+                <a:alpha val="35000"/>
+              </a:srgbClr>
+            </a:outerShdw>
+          </a:effectLst>
+        </p:spPr>
+        <p:txBody>
+          <a:bodyPr lIns="45718" tIns="45718" rIns="45718" bIns="45718"/>
+          <a:lstStyle/>
+          <a:p>
+            <a:pPr/>
+          </a:p>
+        </p:txBody>
+      </p:sp>
+      <p:sp>
+        <p:nvSpPr>
+          <p:cNvPr id="200" name="Line"/>
+          <p:cNvSpPr/>
+          <p:nvPr/>
+        </p:nvSpPr>
+        <p:spPr>
+          <a:xfrm>
+            <a:off x="8477580" y="3859990"/>
+            <a:ext cx="906622" cy="1788729"/>
+          </a:xfrm>
+          <a:prstGeom prst="line">
+            <a:avLst/>
+          </a:prstGeom>
+          <a:ln w="25400">
+            <a:solidFill>
+              <a:srgbClr val="FFFFFF"/>
+            </a:solidFill>
+            <a:tailEnd type="triangle"/>
+          </a:ln>
+          <a:effectLst>
+            <a:outerShdw sx="100000" sy="100000" kx="0" ky="0" algn="b" rotWithShape="0" blurRad="38100" dist="23000" dir="5400000">
+              <a:srgbClr val="000000">
+                <a:alpha val="35000"/>
+              </a:srgbClr>
+            </a:outerShdw>
+          </a:effectLst>
+        </p:spPr>
+        <p:txBody>
+          <a:bodyPr lIns="45718" tIns="45718" rIns="45718" bIns="45718"/>
+          <a:lstStyle/>
+          <a:p>
+            <a:pPr/>
+          </a:p>
+        </p:txBody>
+      </p:sp>
+      <p:pic>
+        <p:nvPicPr>
+          <p:cNvPr id="201" name="Image" descr="Image"/>
+          <p:cNvPicPr>
+            <a:picLocks noChangeAspect="1"/>
+          </p:cNvPicPr>
+          <p:nvPr/>
+        </p:nvPicPr>
+        <p:blipFill>
+          <a:blip r:embed="rId3">
+            <a:extLst/>
+          </a:blip>
+          <a:stretch>
+            <a:fillRect/>
+          </a:stretch>
+        </p:blipFill>
+        <p:spPr>
+          <a:xfrm>
+            <a:off x="7249953" y="6430203"/>
+            <a:ext cx="6689614" cy="1252638"/>
+          </a:xfrm>
+          <a:prstGeom prst="rect">
+            <a:avLst/>
+          </a:prstGeom>
+          <a:ln w="12700">
+            <a:miter lim="400000"/>
+          </a:ln>
+          <a:effectLst>
+            <a:outerShdw sx="100000" sy="100000" kx="0" ky="0" algn="b" rotWithShape="0" blurRad="101600" dist="25400" dir="5400000">
+              <a:srgbClr val="000000">
+                <a:alpha val="75000"/>
+              </a:srgbClr>
+            </a:outerShdw>
+          </a:effectLst>
+        </p:spPr>
+      </p:pic>
+      <p:pic>
+        <p:nvPicPr>
+          <p:cNvPr id="202" name="Image" descr="Image"/>
+          <p:cNvPicPr>
+            <a:picLocks noChangeAspect="1"/>
+          </p:cNvPicPr>
+          <p:nvPr/>
+        </p:nvPicPr>
+        <p:blipFill>
+          <a:blip r:embed="rId4">
+            <a:extLst/>
+          </a:blip>
+          <a:stretch>
+            <a:fillRect/>
+          </a:stretch>
+        </p:blipFill>
+        <p:spPr>
+          <a:xfrm>
+            <a:off x="411433" y="6376841"/>
+            <a:ext cx="6375401" cy="1359362"/>
+          </a:xfrm>
+          <a:prstGeom prst="rect">
+            <a:avLst/>
+          </a:prstGeom>
+          <a:ln w="12700">
+            <a:miter lim="400000"/>
+          </a:ln>
+          <a:effectLst>
+            <a:outerShdw sx="100000" sy="100000" kx="0" ky="0" algn="b" rotWithShape="0" blurRad="101600" dist="25400" dir="5400000">
+              <a:srgbClr val="000000">
+                <a:alpha val="75000"/>
+              </a:srgbClr>
+            </a:outerShdw>
+          </a:effectLst>
+        </p:spPr>
+      </p:pic>
+      <p:sp>
+        <p:nvSpPr>
+          <p:cNvPr id="203" name="Rounded Rectangle"/>
+          <p:cNvSpPr/>
+          <p:nvPr/>
+        </p:nvSpPr>
+        <p:spPr>
+          <a:xfrm>
+            <a:off x="12732444" y="6650122"/>
+            <a:ext cx="894656" cy="609601"/>
+          </a:xfrm>
+          <a:prstGeom prst="roundRect">
+            <a:avLst>
+              <a:gd name="adj" fmla="val 22014"/>
+            </a:avLst>
+          </a:prstGeom>
+          <a:ln w="25400">
+            <a:solidFill>
+              <a:schemeClr val="accent1"/>
+            </a:solidFill>
+          </a:ln>
+          <a:effectLst>
+            <a:outerShdw sx="100000" sy="100000" kx="0" ky="0" algn="b" rotWithShape="0" blurRad="38100" dist="23000" dir="5400000">
+              <a:srgbClr val="000000">
+                <a:alpha val="35000"/>
+              </a:srgbClr>
+            </a:outerShdw>
+          </a:effectLst>
+        </p:spPr>
+        <p:txBody>
+          <a:bodyPr lIns="45718" tIns="45718" rIns="45718" bIns="45718" anchor="ctr"/>
+          <a:lstStyle/>
+          <a:p>
+            <a:pPr/>
+          </a:p>
+        </p:txBody>
+      </p:sp>
+      <p:sp>
+        <p:nvSpPr>
+          <p:cNvPr id="204" name="Line"/>
+          <p:cNvSpPr/>
+          <p:nvPr/>
+        </p:nvSpPr>
+        <p:spPr>
+          <a:xfrm flipV="1">
+            <a:off x="12169924" y="7485262"/>
+            <a:ext cx="911076" cy="911076"/>
+          </a:xfrm>
+          <a:prstGeom prst="line">
+            <a:avLst/>
+          </a:prstGeom>
+          <a:ln w="25400">
+            <a:solidFill>
+              <a:srgbClr val="FFFFFF"/>
+            </a:solidFill>
+            <a:tailEnd type="triangle"/>
+          </a:ln>
+          <a:effectLst>
+            <a:outerShdw sx="100000" sy="100000" kx="0" ky="0" algn="b" rotWithShape="0" blurRad="38100" dist="23000" dir="5400000">
+              <a:srgbClr val="000000">
+                <a:alpha val="35000"/>
+              </a:srgbClr>
+            </a:outerShdw>
+          </a:effectLst>
+        </p:spPr>
+        <p:txBody>
+          <a:bodyPr lIns="45718" tIns="45718" rIns="45718" bIns="45718"/>
+          <a:lstStyle/>
+          <a:p>
+            <a:pPr/>
+          </a:p>
+        </p:txBody>
+      </p:sp>
+      <p:sp>
+        <p:nvSpPr>
+          <p:cNvPr id="205" name="？？？"/>
           <p:cNvSpPr txBox="1"/>
           <p:nvPr/>
         </p:nvSpPr>
         <p:spPr>
           <a:xfrm>
-            <a:off x="1390944" y="4762498"/>
+            <a:off x="11288067" y="8462877"/>
+            <a:ext cx="1181101" cy="609601"/>
+          </a:xfrm>
+          <a:prstGeom prst="rect">
+            <a:avLst/>
+          </a:prstGeom>
+          <a:ln w="12700">
+            <a:miter lim="400000"/>
+          </a:ln>
+          <a:extLst>
+            <a:ext uri="{C572A759-6A51-4108-AA02-DFA0A04FC94B}">
+              <ma14:wrappingTextBoxFlag xmlns:ma14="http://schemas.microsoft.com/office/mac/drawingml/2011/main" val="1"/>
+            </a:ext>
+          </a:extLst>
+        </p:spPr>
+        <p:txBody>
+          <a:bodyPr wrap="none" lIns="50800" tIns="50800" rIns="50800" bIns="50800" anchor="ctr">
+            <a:spAutoFit/>
+          </a:bodyPr>
+          <a:lstStyle>
+            <a:lvl1pPr>
+              <a:defRPr>
+                <a:solidFill>
+                  <a:srgbClr val="FFFFFF"/>
+                </a:solidFill>
+              </a:defRPr>
+            </a:lvl1pPr>
+          </a:lstStyle>
+          <a:p>
+            <a:pPr/>
+            <a:r>
+              <a:t>？？？</a:t>
+            </a:r>
+          </a:p>
+        </p:txBody>
+      </p:sp>
+    </p:spTree>
+  </p:cSld>
+  <p:clrMapOvr>
+    <a:masterClrMapping/>
+  </p:clrMapOvr>
+  <p:transition xmlns:p14="http://schemas.microsoft.com/office/powerpoint/2010/main" spd="med" advClick="1"/>
+  <p:timing>
+    <p:tnLst>
+      <p:par>
+        <p:cTn id="1" nodeType="tmRoot" restart="never" dur="indefinite" fill="hold">
+          <p:childTnLst>
+            <p:seq concurrent="1" prevAc="none" nextAc="seek">
+              <p:cTn id="2" nodeType="mainSeq" dur="indefinite" fill="hold">
+                <p:childTnLst>
+                  <p:par>
+                    <p:cTn id="3" fill="hold">
+                      <p:stCondLst>
+                        <p:cond delay="indefinite"/>
+                      </p:stCondLst>
+                      <p:childTnLst>
+                        <p:par>
+                          <p:cTn id="4" fill="hold">
+                            <p:stCondLst>
+                              <p:cond delay="0"/>
+                            </p:stCondLst>
+                            <p:childTnLst>
+                              <p:par>
+                                <p:cTn id="5" presetClass="entr" nodeType="clickEffect" presetSubtype="0" presetID="1" grpId="1" fill="hold">
+                                  <p:stCondLst>
+                                    <p:cond delay="0"/>
+                                  </p:stCondLst>
+                                  <p:iterate type="el" backwards="0">
+                                    <p:tmAbs val="0"/>
+                                  </p:iterate>
+                                  <p:childTnLst>
+                                    <p:set>
+                                      <p:cBhvr>
+                                        <p:cTn id="6" fill="hold"/>
+                                        <p:tgtEl>
+                                          <p:spTgt spid="199"/>
+                                        </p:tgtEl>
+                                        <p:attrNameLst>
+                                          <p:attrName>style.visibility</p:attrName>
+                                        </p:attrNameLst>
+                                      </p:cBhvr>
+                                      <p:to>
+                                        <p:strVal val="visible"/>
+                                      </p:to>
+                                    </p:set>
+                                  </p:childTnLst>
+                                </p:cTn>
+                              </p:par>
+                            </p:childTnLst>
+                          </p:cTn>
+                        </p:par>
+                      </p:childTnLst>
+                    </p:cTn>
+                  </p:par>
+                  <p:par>
+                    <p:cTn id="7" fill="hold">
+                      <p:stCondLst>
+                        <p:cond delay="indefinite"/>
+                      </p:stCondLst>
+                      <p:childTnLst>
+                        <p:par>
+                          <p:cTn id="8" fill="hold">
+                            <p:stCondLst>
+                              <p:cond delay="0"/>
+                            </p:stCondLst>
+                            <p:childTnLst>
+                              <p:par>
+                                <p:cTn id="9" presetClass="entr" nodeType="clickEffect" presetSubtype="0" presetID="1" grpId="2" fill="hold">
+                                  <p:stCondLst>
+                                    <p:cond delay="0"/>
+                                  </p:stCondLst>
+                                  <p:iterate type="el" backwards="0">
+                                    <p:tmAbs val="0"/>
+                                  </p:iterate>
+                                  <p:childTnLst>
+                                    <p:set>
+                                      <p:cBhvr>
+                                        <p:cTn id="10" fill="hold"/>
+                                        <p:tgtEl>
+                                          <p:spTgt spid="202"/>
+                                        </p:tgtEl>
+                                        <p:attrNameLst>
+                                          <p:attrName>style.visibility</p:attrName>
+                                        </p:attrNameLst>
+                                      </p:cBhvr>
+                                      <p:to>
+                                        <p:strVal val="visible"/>
+                                      </p:to>
+                                    </p:set>
+                                  </p:childTnLst>
+                                </p:cTn>
+                              </p:par>
+                            </p:childTnLst>
+                          </p:cTn>
+                        </p:par>
+                      </p:childTnLst>
+                    </p:cTn>
+                  </p:par>
+                  <p:par>
+                    <p:cTn id="11" fill="hold">
+                      <p:stCondLst>
+                        <p:cond delay="indefinite"/>
+                      </p:stCondLst>
+                      <p:childTnLst>
+                        <p:par>
+                          <p:cTn id="12" fill="hold">
+                            <p:stCondLst>
+                              <p:cond delay="0"/>
+                            </p:stCondLst>
+                            <p:childTnLst>
+                              <p:par>
+                                <p:cTn id="13" presetClass="entr" nodeType="clickEffect" presetSubtype="0" presetID="1" grpId="3" fill="hold">
+                                  <p:stCondLst>
+                                    <p:cond delay="0"/>
+                                  </p:stCondLst>
+                                  <p:iterate type="el" backwards="0">
+                                    <p:tmAbs val="0"/>
+                                  </p:iterate>
+                                  <p:childTnLst>
+                                    <p:set>
+                                      <p:cBhvr>
+                                        <p:cTn id="14" fill="hold"/>
+                                        <p:tgtEl>
+                                          <p:spTgt spid="200"/>
+                                        </p:tgtEl>
+                                        <p:attrNameLst>
+                                          <p:attrName>style.visibility</p:attrName>
+                                        </p:attrNameLst>
+                                      </p:cBhvr>
+                                      <p:to>
+                                        <p:strVal val="visible"/>
+                                      </p:to>
+                                    </p:set>
+                                  </p:childTnLst>
+                                </p:cTn>
+                              </p:par>
+                            </p:childTnLst>
+                          </p:cTn>
+                        </p:par>
+                      </p:childTnLst>
+                    </p:cTn>
+                  </p:par>
+                  <p:par>
+                    <p:cTn id="15" fill="hold">
+                      <p:stCondLst>
+                        <p:cond delay="indefinite"/>
+                      </p:stCondLst>
+                      <p:childTnLst>
+                        <p:par>
+                          <p:cTn id="16" fill="hold">
+                            <p:stCondLst>
+                              <p:cond delay="0"/>
+                            </p:stCondLst>
+                            <p:childTnLst>
+                              <p:par>
+                                <p:cTn id="17" presetClass="entr" nodeType="clickEffect" presetSubtype="0" presetID="1" grpId="4" fill="hold">
+                                  <p:stCondLst>
+                                    <p:cond delay="0"/>
+                                  </p:stCondLst>
+                                  <p:iterate type="el" backwards="0">
+                                    <p:tmAbs val="0"/>
+                                  </p:iterate>
+                                  <p:childTnLst>
+                                    <p:set>
+                                      <p:cBhvr>
+                                        <p:cTn id="18" fill="hold"/>
+                                        <p:tgtEl>
+                                          <p:spTgt spid="201"/>
+                                        </p:tgtEl>
+                                        <p:attrNameLst>
+                                          <p:attrName>style.visibility</p:attrName>
+                                        </p:attrNameLst>
+                                      </p:cBhvr>
+                                      <p:to>
+                                        <p:strVal val="visible"/>
+                                      </p:to>
+                                    </p:set>
+                                  </p:childTnLst>
+                                </p:cTn>
+                              </p:par>
+                            </p:childTnLst>
+                          </p:cTn>
+                        </p:par>
+                      </p:childTnLst>
+                    </p:cTn>
+                  </p:par>
+                </p:childTnLst>
+              </p:cTn>
+              <p:prevCondLst>
+                <p:cond evt="onPrev">
+                  <p:tgtEl>
+                    <p:sldTgt/>
+                  </p:tgtEl>
+                </p:cond>
+              </p:prevCondLst>
+              <p:nextCondLst>
+                <p:cond evt="onNext">
+                  <p:tgtEl>
+                    <p:sldTgt/>
+                  </p:tgtEl>
+                </p:cond>
+              </p:nextCondLst>
+            </p:seq>
+          </p:childTnLst>
+        </p:cTn>
+      </p:par>
+    </p:tnLst>
+    <p:bldLst>
+      <p:bldP build="whole" bldLvl="1" animBg="1" rev="0" advAuto="0" spid="199" grpId="1"/>
+      <p:bldP build="whole" bldLvl="1" animBg="1" rev="0" advAuto="0" spid="200" grpId="3"/>
+      <p:bldP build="whole" bldLvl="1" animBg="1" rev="0" advAuto="0" spid="201" grpId="4"/>
+      <p:bldP build="whole" bldLvl="1" animBg="1" rev="0" advAuto="0" spid="202" grpId="2"/>
+    </p:bldLst>
+  </p:timing>
+</p:sld>
+</file>
+
+<file path=ppt/slides/slide19.xml><?xml version="1.0" encoding="utf-8"?>
+<p:sld xmlns:a="http://schemas.openxmlformats.org/drawingml/2006/main" xmlns:r="http://schemas.openxmlformats.org/officeDocument/2006/relationships" xmlns:p="http://schemas.openxmlformats.org/presentationml/2006/main" xmlns:m="http://schemas.openxmlformats.org/officeDocument/2006/math" xmlns:a14="http://schemas.microsoft.com/office/drawing/2010/main" showMasterSp="1" showMasterPhAnim="1">
+  <p:cSld>
+    <p:bg>
+      <p:bgPr>
+        <a:solidFill>
+          <a:srgbClr val="739A98"/>
+        </a:solidFill>
+      </p:bgPr>
+    </p:bg>
+    <p:spTree>
+      <p:nvGrpSpPr>
+        <p:cNvPr id="1" name=""/>
+        <p:cNvGrpSpPr/>
+        <p:nvPr/>
+      </p:nvGrpSpPr>
+      <p:grpSpPr>
+        <a:xfrm>
+          <a:off x="0" y="0"/>
+          <a:ext cx="0" cy="0"/>
+          <a:chOff x="0" y="0"/>
+          <a:chExt cx="0" cy="0"/>
+        </a:xfrm>
+      </p:grpSpPr>
+      <p:sp>
+        <p:nvSpPr>
+          <p:cNvPr id="207" name="在 TypeScript下 写一个正确的组件"/>
+          <p:cNvSpPr txBox="1"/>
+          <p:nvPr/>
+        </p:nvSpPr>
+        <p:spPr>
+          <a:xfrm>
+            <a:off x="1390943" y="4762498"/>
             <a:ext cx="11354694" cy="1270001"/>
           </a:xfrm>
           <a:prstGeom prst="rect">
@@ -5828,6 +6758,10 @@
                 <a:solidFill>
                   <a:srgbClr val="FFFFFF"/>
                 </a:solidFill>
+                <a:latin typeface="+mj-lt"/>
+                <a:ea typeface="+mj-ea"/>
+                <a:cs typeface="+mj-cs"/>
+                <a:sym typeface="Lucida Grande"/>
               </a:defRPr>
             </a:lvl1pPr>
           </a:lstStyle>
@@ -5881,7 +6815,7 @@
         <p:spPr>
           <a:xfrm>
             <a:off x="4141797" y="3663948"/>
-            <a:ext cx="5205519" cy="736601"/>
+            <a:ext cx="5205520" cy="736601"/>
           </a:xfrm>
           <a:prstGeom prst="rect">
             <a:avLst/>
@@ -5897,54 +6831,6 @@
         </p:spPr>
         <p:txBody>
           <a:bodyPr lIns="50800" tIns="50800" rIns="50800" bIns="50800" anchor="ctr">
-            <a:spAutoFit/>
-          </a:bodyPr>
-          <a:lstStyle>
-            <a:lvl1pPr>
-              <a:defRPr sz="3600">
-                <a:solidFill>
-                  <a:srgbClr val="FFFFFF"/>
-                </a:solidFill>
-                <a:latin typeface="+mn-lt"/>
-                <a:ea typeface="+mn-ea"/>
-                <a:cs typeface="+mn-cs"/>
-                <a:sym typeface="Helvetica"/>
-              </a:defRPr>
-            </a:lvl1pPr>
-          </a:lstStyle>
-          <a:p>
-            <a:pPr/>
-            <a:r>
-              <a:t>TypeScript 基础知识补充</a:t>
-            </a:r>
-          </a:p>
-        </p:txBody>
-      </p:sp>
-      <p:sp>
-        <p:nvSpPr>
-          <p:cNvPr id="127" name="在 TypeScript下 写一个正确的组件"/>
-          <p:cNvSpPr txBox="1"/>
-          <p:nvPr/>
-        </p:nvSpPr>
-        <p:spPr>
-          <a:xfrm>
-            <a:off x="4242739" y="6394448"/>
-            <a:ext cx="6245425" cy="736601"/>
-          </a:xfrm>
-          <a:prstGeom prst="rect">
-            <a:avLst/>
-          </a:prstGeom>
-          <a:ln w="12700">
-            <a:miter lim="400000"/>
-          </a:ln>
-          <a:extLst>
-            <a:ext uri="{C572A759-6A51-4108-AA02-DFA0A04FC94B}">
-              <ma14:wrappingTextBoxFlag xmlns:ma14="http://schemas.microsoft.com/office/mac/drawingml/2011/main" val="1"/>
-            </a:ext>
-          </a:extLst>
-        </p:spPr>
-        <p:txBody>
-          <a:bodyPr wrap="none" lIns="50800" tIns="50800" rIns="50800" bIns="50800" anchor="ctr">
             <a:spAutoFit/>
           </a:bodyPr>
           <a:lstStyle>
@@ -5959,21 +6845,21 @@
           <a:p>
             <a:pPr/>
             <a:r>
-              <a:t>在 TypeScript下封装一个组件</a:t>
+              <a:t>TypeScript 基础知识补充</a:t>
             </a:r>
           </a:p>
         </p:txBody>
       </p:sp>
       <p:sp>
         <p:nvSpPr>
-          <p:cNvPr id="128" name="Vue Prop 的验证那些事"/>
+          <p:cNvPr id="127" name="在 TypeScript下 写一个正确的组件"/>
           <p:cNvSpPr txBox="1"/>
           <p:nvPr/>
         </p:nvSpPr>
         <p:spPr>
           <a:xfrm>
-            <a:off x="4248260" y="5029198"/>
-            <a:ext cx="4992589" cy="736601"/>
+            <a:off x="4242739" y="6394448"/>
+            <a:ext cx="6245424" cy="736601"/>
           </a:xfrm>
           <a:prstGeom prst="rect">
             <a:avLst/>
@@ -5997,6 +6883,58 @@
                 <a:solidFill>
                   <a:srgbClr val="FFFFFF"/>
                 </a:solidFill>
+                <a:latin typeface="+mj-lt"/>
+                <a:ea typeface="+mj-ea"/>
+                <a:cs typeface="+mj-cs"/>
+                <a:sym typeface="Lucida Grande"/>
+              </a:defRPr>
+            </a:lvl1pPr>
+          </a:lstStyle>
+          <a:p>
+            <a:pPr/>
+            <a:r>
+              <a:t>在 TypeScript下封装一个组件</a:t>
+            </a:r>
+          </a:p>
+        </p:txBody>
+      </p:sp>
+      <p:sp>
+        <p:nvSpPr>
+          <p:cNvPr id="128" name="Vue Prop 的验证那些事"/>
+          <p:cNvSpPr txBox="1"/>
+          <p:nvPr/>
+        </p:nvSpPr>
+        <p:spPr>
+          <a:xfrm>
+            <a:off x="4248260" y="5029198"/>
+            <a:ext cx="4992589" cy="736601"/>
+          </a:xfrm>
+          <a:prstGeom prst="rect">
+            <a:avLst/>
+          </a:prstGeom>
+          <a:ln w="12700">
+            <a:miter lim="400000"/>
+          </a:ln>
+          <a:extLst>
+            <a:ext uri="{C572A759-6A51-4108-AA02-DFA0A04FC94B}">
+              <ma14:wrappingTextBoxFlag xmlns:ma14="http://schemas.microsoft.com/office/mac/drawingml/2011/main" val="1"/>
+            </a:ext>
+          </a:extLst>
+        </p:spPr>
+        <p:txBody>
+          <a:bodyPr wrap="none" lIns="50800" tIns="50800" rIns="50800" bIns="50800" anchor="ctr">
+            <a:spAutoFit/>
+          </a:bodyPr>
+          <a:lstStyle>
+            <a:lvl1pPr>
+              <a:defRPr sz="3600">
+                <a:solidFill>
+                  <a:srgbClr val="FFFFFF"/>
+                </a:solidFill>
+                <a:latin typeface="+mj-lt"/>
+                <a:ea typeface="+mj-ea"/>
+                <a:cs typeface="+mj-cs"/>
+                <a:sym typeface="Lucida Grande"/>
               </a:defRPr>
             </a:lvl1pPr>
           </a:lstStyle>
@@ -6229,10 +7167,6 @@
                 <a:solidFill>
                   <a:srgbClr val="FFFFFF"/>
                 </a:solidFill>
-                <a:latin typeface="+mn-lt"/>
-                <a:ea typeface="+mn-ea"/>
-                <a:cs typeface="+mn-cs"/>
-                <a:sym typeface="Helvetica"/>
               </a:defRPr>
             </a:lvl1pPr>
           </a:lstStyle>
@@ -6285,8 +7219,8 @@
         </p:nvSpPr>
         <p:spPr>
           <a:xfrm>
-            <a:off x="635690" y="457198"/>
-            <a:ext cx="4485440" cy="736601"/>
+            <a:off x="635689" y="457198"/>
+            <a:ext cx="4485442" cy="736601"/>
           </a:xfrm>
           <a:prstGeom prst="rect">
             <a:avLst/>
@@ -6312,10 +7246,6 @@
                 <a:solidFill>
                   <a:srgbClr val="FFFFFF"/>
                 </a:solidFill>
-                <a:latin typeface="+mn-lt"/>
-                <a:ea typeface="+mn-ea"/>
-                <a:cs typeface="+mn-cs"/>
-                <a:sym typeface="Helvetica"/>
               </a:defRPr>
             </a:lvl1pPr>
           </a:lstStyle>
@@ -6336,7 +7266,7 @@
         <p:spPr>
           <a:xfrm>
             <a:off x="7200900" y="4348865"/>
-            <a:ext cx="0" cy="1599343"/>
+            <a:ext cx="0" cy="1599344"/>
           </a:xfrm>
           <a:prstGeom prst="line">
             <a:avLst/>
@@ -6454,7 +7384,7 @@
         <p:spPr>
           <a:xfrm>
             <a:off x="6556350" y="6265102"/>
-            <a:ext cx="7115026" cy="3543303"/>
+            <a:ext cx="7115027" cy="3543304"/>
           </a:xfrm>
           <a:prstGeom prst="rect">
             <a:avLst/>
@@ -6683,10 +7613,10 @@
       </p:par>
     </p:tnLst>
     <p:bldLst>
+      <p:bldP build="whole" bldLvl="1" animBg="1" rev="0" advAuto="0" spid="138" grpId="1"/>
       <p:bldP build="whole" bldLvl="1" animBg="1" rev="0" advAuto="0" spid="137" grpId="3"/>
-      <p:bldP build="whole" bldLvl="1" animBg="1" rev="0" advAuto="0" spid="138" grpId="1"/>
+      <p:bldP build="whole" bldLvl="1" animBg="1" rev="0" advAuto="0" spid="136" grpId="2"/>
       <p:bldP build="whole" bldLvl="1" animBg="1" rev="0" advAuto="0" spid="139" grpId="4"/>
-      <p:bldP build="whole" bldLvl="1" animBg="1" rev="0" advAuto="0" spid="136" grpId="2"/>
     </p:bldLst>
   </p:timing>
 </p:sld>
@@ -6725,7 +7655,7 @@
         <p:spPr>
           <a:xfrm>
             <a:off x="6805486" y="4414649"/>
-            <a:ext cx="4" cy="1782524"/>
+            <a:ext cx="5" cy="1782525"/>
           </a:xfrm>
           <a:prstGeom prst="line">
             <a:avLst/>
@@ -6807,7 +7737,7 @@
         <p:spPr>
           <a:xfrm>
             <a:off x="1551339" y="6863208"/>
-            <a:ext cx="10508298" cy="1681331"/>
+            <a:ext cx="10508299" cy="1681332"/>
           </a:xfrm>
           <a:prstGeom prst="rect">
             <a:avLst/>
@@ -6988,7 +7918,7 @@
         <p:spPr>
           <a:xfrm>
             <a:off x="3759198" y="3781216"/>
-            <a:ext cx="4" cy="1940189"/>
+            <a:ext cx="5" cy="1940189"/>
           </a:xfrm>
           <a:prstGeom prst="line">
             <a:avLst/>
@@ -7034,7 +7964,7 @@
         <p:spPr>
           <a:xfrm>
             <a:off x="1493385" y="1124305"/>
-            <a:ext cx="4531630" cy="1940193"/>
+            <a:ext cx="4531630" cy="1940194"/>
           </a:xfrm>
           <a:prstGeom prst="rect">
             <a:avLst/>
@@ -7070,7 +8000,7 @@
         <p:spPr>
           <a:xfrm>
             <a:off x="774700" y="6438129"/>
-            <a:ext cx="7584107" cy="2272593"/>
+            <a:ext cx="7584107" cy="2272594"/>
           </a:xfrm>
           <a:prstGeom prst="rect">
             <a:avLst/>
@@ -7096,7 +8026,7 @@
         <p:spPr>
           <a:xfrm>
             <a:off x="6583946" y="2094400"/>
-            <a:ext cx="2147062" cy="4"/>
+            <a:ext cx="2147063" cy="5"/>
           </a:xfrm>
           <a:prstGeom prst="line">
             <a:avLst/>
@@ -7142,7 +8072,7 @@
         <p:spPr>
           <a:xfrm>
             <a:off x="9666747" y="6263621"/>
-            <a:ext cx="4119664" cy="2621606"/>
+            <a:ext cx="4119665" cy="2621607"/>
           </a:xfrm>
           <a:prstGeom prst="rect">
             <a:avLst/>
@@ -7168,7 +8098,7 @@
         <p:spPr>
           <a:xfrm>
             <a:off x="11726577" y="4120098"/>
-            <a:ext cx="4" cy="1543975"/>
+            <a:ext cx="5" cy="1543976"/>
           </a:xfrm>
           <a:prstGeom prst="line">
             <a:avLst/>
@@ -7214,7 +8144,7 @@
         <p:spPr>
           <a:xfrm>
             <a:off x="9289939" y="825690"/>
-            <a:ext cx="4873277" cy="2694858"/>
+            <a:ext cx="4873278" cy="2694858"/>
           </a:xfrm>
           <a:prstGeom prst="rect">
             <a:avLst/>
@@ -7524,12 +8454,12 @@
       </p:par>
     </p:tnLst>
     <p:bldLst>
-      <p:bldP build="whole" bldLvl="1" animBg="1" rev="0" advAuto="0" spid="151" grpId="4"/>
       <p:bldP build="whole" bldLvl="1" animBg="1" rev="0" advAuto="0" spid="149" grpId="6"/>
       <p:bldP build="whole" bldLvl="1" animBg="1" rev="0" advAuto="0" spid="147" grpId="2"/>
+      <p:bldP build="whole" bldLvl="1" animBg="1" rev="0" advAuto="0" spid="145" grpId="1"/>
+      <p:bldP build="whole" bldLvl="1" animBg="1" rev="0" advAuto="0" spid="150" grpId="5"/>
+      <p:bldP build="whole" bldLvl="1" animBg="1" rev="0" advAuto="0" spid="151" grpId="4"/>
       <p:bldP build="whole" bldLvl="1" animBg="1" rev="0" advAuto="0" spid="148" grpId="3"/>
-      <p:bldP build="whole" bldLvl="1" animBg="1" rev="0" advAuto="0" spid="150" grpId="5"/>
-      <p:bldP build="whole" bldLvl="1" animBg="1" rev="0" advAuto="0" spid="145" grpId="1"/>
     </p:bldLst>
   </p:timing>
 </p:sld>
@@ -7698,7 +8628,7 @@
         </p:nvSpPr>
         <p:spPr>
           <a:xfrm>
-            <a:off x="645438" y="838199"/>
+            <a:off x="645437" y="838199"/>
             <a:ext cx="8513518" cy="736601"/>
           </a:xfrm>
           <a:prstGeom prst="rect">
@@ -7725,6 +8655,10 @@
                 <a:solidFill>
                   <a:srgbClr val="FFFFFF"/>
                 </a:solidFill>
+                <a:latin typeface="+mj-lt"/>
+                <a:ea typeface="+mj-ea"/>
+                <a:cs typeface="+mj-cs"/>
+                <a:sym typeface="Lucida Grande"/>
               </a:defRPr>
             </a:lvl1pPr>
           </a:lstStyle>
@@ -8036,10 +8970,10 @@
             </a:solidFill>
             <a:effectLst/>
             <a:uFillTx/>
-            <a:latin typeface="+mj-lt"/>
-            <a:ea typeface="+mj-ea"/>
-            <a:cs typeface="+mj-cs"/>
-            <a:sym typeface="Lucida Grande"/>
+            <a:latin typeface="+mn-lt"/>
+            <a:ea typeface="+mn-ea"/>
+            <a:cs typeface="+mn-cs"/>
+            <a:sym typeface="Helvetica"/>
           </a:defRPr>
         </a:defPPr>
         <a:lvl1pPr marL="0" marR="0" indent="0" algn="l" defTabSz="914400" rtl="0" fontAlgn="auto" latinLnBrk="1" hangingPunct="0">
@@ -8613,10 +9547,10 @@
             </a:solidFill>
             <a:effectLst/>
             <a:uFillTx/>
-            <a:latin typeface="+mj-lt"/>
-            <a:ea typeface="+mj-ea"/>
-            <a:cs typeface="+mj-cs"/>
-            <a:sym typeface="Lucida Grande"/>
+            <a:latin typeface="+mn-lt"/>
+            <a:ea typeface="+mn-ea"/>
+            <a:cs typeface="+mn-cs"/>
+            <a:sym typeface="Helvetica"/>
           </a:defRPr>
         </a:defPPr>
         <a:lvl1pPr marL="0" marR="0" indent="0" algn="l" defTabSz="914400" rtl="0" fontAlgn="auto" latinLnBrk="1" hangingPunct="0">
@@ -9120,10 +10054,10 @@
             </a:solidFill>
             <a:effectLst/>
             <a:uFillTx/>
-            <a:latin typeface="+mj-lt"/>
-            <a:ea typeface="+mj-ea"/>
-            <a:cs typeface="+mj-cs"/>
-            <a:sym typeface="Lucida Grande"/>
+            <a:latin typeface="+mn-lt"/>
+            <a:ea typeface="+mn-ea"/>
+            <a:cs typeface="+mn-cs"/>
+            <a:sym typeface="Helvetica"/>
           </a:defRPr>
         </a:defPPr>
         <a:lvl1pPr marL="0" marR="0" indent="0" algn="l" defTabSz="914400" rtl="0" fontAlgn="auto" latinLnBrk="1" hangingPunct="0">
@@ -9697,10 +10631,10 @@
             </a:solidFill>
             <a:effectLst/>
             <a:uFillTx/>
-            <a:latin typeface="+mj-lt"/>
-            <a:ea typeface="+mj-ea"/>
-            <a:cs typeface="+mj-cs"/>
-            <a:sym typeface="Lucida Grande"/>
+            <a:latin typeface="+mn-lt"/>
+            <a:ea typeface="+mn-ea"/>
+            <a:cs typeface="+mn-cs"/>
+            <a:sym typeface="Helvetica"/>
           </a:defRPr>
         </a:defPPr>
         <a:lvl1pPr marL="0" marR="0" indent="0" algn="l" defTabSz="914400" rtl="0" fontAlgn="auto" latinLnBrk="1" hangingPunct="0">
